--- a/PARADIGMA_FUNCIONAL__Linguagens_CAT_e_JOY_2.pptx
+++ b/PARADIGMA_FUNCIONAL__Linguagens_CAT_e_JOY_2.pptx
@@ -8,21 +8,20 @@
   </p:sldMasterIdLst>
   <p:sldIdLst>
     <p:sldId id="256" r:id="rId4"/>
-    <p:sldId id="257" r:id="rId5"/>
-    <p:sldId id="272" r:id="rId6"/>
-    <p:sldId id="259" r:id="rId7"/>
-    <p:sldId id="260" r:id="rId8"/>
-    <p:sldId id="261" r:id="rId9"/>
-    <p:sldId id="262" r:id="rId10"/>
-    <p:sldId id="263" r:id="rId11"/>
-    <p:sldId id="264" r:id="rId12"/>
-    <p:sldId id="265" r:id="rId13"/>
-    <p:sldId id="266" r:id="rId14"/>
-    <p:sldId id="267" r:id="rId15"/>
-    <p:sldId id="268" r:id="rId16"/>
-    <p:sldId id="271" r:id="rId17"/>
-    <p:sldId id="269" r:id="rId18"/>
-    <p:sldId id="270" r:id="rId19"/>
+    <p:sldId id="272" r:id="rId5"/>
+    <p:sldId id="259" r:id="rId6"/>
+    <p:sldId id="260" r:id="rId7"/>
+    <p:sldId id="261" r:id="rId8"/>
+    <p:sldId id="262" r:id="rId9"/>
+    <p:sldId id="263" r:id="rId10"/>
+    <p:sldId id="264" r:id="rId11"/>
+    <p:sldId id="265" r:id="rId12"/>
+    <p:sldId id="266" r:id="rId13"/>
+    <p:sldId id="267" r:id="rId14"/>
+    <p:sldId id="268" r:id="rId15"/>
+    <p:sldId id="271" r:id="rId16"/>
+    <p:sldId id="269" r:id="rId17"/>
+    <p:sldId id="270" r:id="rId18"/>
   </p:sldIdLst>
   <p:sldSz cx="9144000" cy="5143500" type="screen16x9"/>
   <p:notesSz cx="6858000" cy="9144000"/>
@@ -7855,7 +7854,7 @@
     <mc:Choice Requires="p14">
       <p:transition spd="slow" p14:dur="2000"/>
     </mc:Choice>
-    <mc:Fallback xmlns="" xmlns:p15="http://schemas.microsoft.com/office/powerpoint/2012/main">
+    <mc:Fallback xmlns:p15="http://schemas.microsoft.com/office/powerpoint/2012/main" xmlns="">
       <p:transition spd="slow"/>
     </mc:Fallback>
   </mc:AlternateContent>
@@ -7908,13 +7907,13 @@
       </p:grpSpPr>
       <p:sp>
         <p:nvSpPr>
-          <p:cNvPr id="183" name="TextShape 1"/>
+          <p:cNvPr id="186" name="TextShape 1"/>
           <p:cNvSpPr txBox="1"/>
           <p:nvPr/>
         </p:nvSpPr>
         <p:spPr>
           <a:xfrm>
-            <a:off x="819000" y="845640"/>
+            <a:off x="792000" y="701640"/>
             <a:ext cx="7505280" cy="954360"/>
           </a:xfrm>
           <a:prstGeom prst="rect">
@@ -7929,39 +7928,28 @@
           <a:bodyPr tIns="91440" bIns="91440"/>
           <a:lstStyle/>
           <a:p>
-            <a:pPr>
-              <a:lnSpc>
-                <a:spcPct val="100000"/>
-              </a:lnSpc>
-            </a:pPr>
-            <a:r>
-              <a:rPr lang="pt-BR" sz="3000" b="1" strike="noStrike" spc="-1">
+            <a:r>
+              <a:rPr lang="pt-BR" sz="2400" b="1" spc="-1" dirty="0">
                 <a:solidFill>
                   <a:srgbClr val="AF7B51"/>
                 </a:solidFill>
                 <a:latin typeface="Nunito"/>
                 <a:ea typeface="Nunito"/>
               </a:rPr>
-              <a:t>Exemplo das Linguagens Cat&amp;Joy</a:t>
-            </a:r>
-            <a:endParaRPr lang="pt-BR" sz="3000" b="0" strike="noStrike" spc="-1">
-              <a:solidFill>
-                <a:srgbClr val="000000"/>
-              </a:solidFill>
-              <a:latin typeface="Arial"/>
-            </a:endParaRPr>
-          </a:p>
-        </p:txBody>
-      </p:sp>
-      <p:sp>
-        <p:nvSpPr>
-          <p:cNvPr id="184" name="TextShape 2"/>
+              <a:t>Dando continuidade ao exemplo anterior, temos:</a:t>
+            </a:r>
+          </a:p>
+        </p:txBody>
+      </p:sp>
+      <p:sp>
+        <p:nvSpPr>
+          <p:cNvPr id="187" name="TextShape 2"/>
           <p:cNvSpPr txBox="1"/>
           <p:nvPr/>
         </p:nvSpPr>
         <p:spPr>
           <a:xfrm>
-            <a:off x="792000" y="1656000"/>
+            <a:off x="792000" y="1544089"/>
             <a:ext cx="7505280" cy="2892240"/>
           </a:xfrm>
           <a:prstGeom prst="rect">
@@ -7976,79 +7964,333 @@
           <a:bodyPr tIns="91440" bIns="91440"/>
           <a:lstStyle/>
           <a:p>
-            <a:pPr>
-              <a:lnSpc>
-                <a:spcPct val="115000"/>
-              </a:lnSpc>
-            </a:pPr>
-            <a:r>
-              <a:rPr lang="pt-BR" sz="2400" b="0" strike="noStrike" spc="-1" dirty="0">
+            <a:r>
+              <a:rPr lang="pt-BR" sz="1400" b="0" strike="noStrike" spc="-1" dirty="0">
                 <a:solidFill>
                   <a:srgbClr val="1B1B21"/>
                 </a:solidFill>
                 <a:latin typeface="Times New Roman"/>
                 <a:ea typeface="Times New Roman"/>
               </a:rPr>
-              <a:t>Basicamente a Linguagem funciona colocando os valores </a:t>
-            </a:r>
-            <a:r>
-              <a:rPr lang="pt-BR" sz="2400" b="0" strike="noStrike" spc="-1" dirty="0" smtClean="0">
+              <a:t> 		</a:t>
+            </a:r>
+            <a:r>
+              <a:rPr lang="pt-BR" b="0" strike="noStrike" spc="-1" dirty="0">
                 <a:solidFill>
                   <a:srgbClr val="1B1B21"/>
                 </a:solidFill>
                 <a:latin typeface="Times New Roman"/>
                 <a:ea typeface="Times New Roman"/>
               </a:rPr>
-              <a:t>ANTES </a:t>
-            </a:r>
-            <a:r>
-              <a:rPr lang="pt-BR" sz="2400" b="0" strike="noStrike" spc="-1" dirty="0">
+              <a:t>&gt;&gt; </a:t>
+            </a:r>
+            <a:r>
+              <a:rPr lang="pt-BR" spc="-1" dirty="0">
                 <a:solidFill>
                   <a:srgbClr val="1B1B21"/>
                 </a:solidFill>
                 <a:latin typeface="Times New Roman"/>
                 <a:ea typeface="Times New Roman"/>
               </a:rPr>
-              <a:t>da </a:t>
-            </a:r>
-            <a:r>
-              <a:rPr lang="pt-BR" sz="2400" b="0" strike="noStrike" spc="-1" dirty="0" smtClean="0">
+              <a:t> </a:t>
+            </a:r>
+            <a:r>
+              <a:rPr lang="pt-BR" spc="-1" dirty="0" smtClean="0">
                 <a:solidFill>
                   <a:srgbClr val="1B1B21"/>
                 </a:solidFill>
                 <a:latin typeface="Times New Roman"/>
                 <a:ea typeface="Times New Roman"/>
               </a:rPr>
-              <a:t>operação que eles terão. </a:t>
-            </a:r>
-            <a:r>
-              <a:rPr lang="pt-BR" sz="2400" b="0" strike="noStrike" spc="-1" dirty="0">
+              <a:t>  </a:t>
+            </a:r>
+            <a:r>
+              <a:rPr lang="pt-BR" b="0" strike="noStrike" spc="-1" dirty="0" smtClean="0">
                 <a:solidFill>
                   <a:srgbClr val="1B1B21"/>
                 </a:solidFill>
                 <a:latin typeface="Times New Roman"/>
                 <a:ea typeface="Times New Roman"/>
               </a:rPr>
-              <a:t>Após colocar eles, deve se colocar o tipo de operação matemática, e então, o resultado irá substituir a posição dos valores inseridos e será exibido.</a:t>
+              <a:t>33   3   *</a:t>
+            </a:r>
+            <a:r>
+              <a:rPr sz="2400" dirty="0"/>
+              <a:t/>
+            </a:r>
+            <a:br>
+              <a:rPr sz="2400" dirty="0"/>
+            </a:br>
+            <a:r>
+              <a:rPr lang="pt-BR" b="0" strike="noStrike" spc="-1" dirty="0">
+                <a:solidFill>
+                  <a:srgbClr val="1B1B21"/>
+                </a:solidFill>
+                <a:latin typeface="Times New Roman"/>
+                <a:ea typeface="Times New Roman"/>
+              </a:rPr>
+              <a:t>		</a:t>
+            </a:r>
+            <a:r>
+              <a:rPr lang="pt-BR" b="0" strike="noStrike" spc="-1" dirty="0" err="1">
+                <a:solidFill>
+                  <a:srgbClr val="1B1B21"/>
+                </a:solidFill>
+                <a:latin typeface="Times New Roman"/>
+                <a:ea typeface="Times New Roman"/>
+              </a:rPr>
+              <a:t>main</a:t>
+            </a:r>
+            <a:r>
+              <a:rPr lang="pt-BR" b="0" strike="noStrike" spc="-1" dirty="0">
+                <a:solidFill>
+                  <a:srgbClr val="1B1B21"/>
+                </a:solidFill>
+                <a:latin typeface="Times New Roman"/>
+                <a:ea typeface="Times New Roman"/>
+              </a:rPr>
+              <a:t> </a:t>
+            </a:r>
+            <a:r>
+              <a:rPr lang="pt-BR" b="0" strike="noStrike" spc="-1" dirty="0" err="1">
+                <a:solidFill>
+                  <a:srgbClr val="1B1B21"/>
+                </a:solidFill>
+                <a:latin typeface="Times New Roman"/>
+                <a:ea typeface="Times New Roman"/>
+              </a:rPr>
+              <a:t>stack</a:t>
+            </a:r>
+            <a:r>
+              <a:rPr lang="pt-BR" b="0" strike="noStrike" spc="-1" dirty="0">
+                <a:solidFill>
+                  <a:srgbClr val="1B1B21"/>
+                </a:solidFill>
+                <a:latin typeface="Times New Roman"/>
+                <a:ea typeface="Times New Roman"/>
+              </a:rPr>
+              <a:t>: 99</a:t>
+            </a:r>
+            <a:r>
+              <a:rPr sz="2400" dirty="0"/>
+              <a:t/>
+            </a:r>
+            <a:br>
+              <a:rPr sz="2400" dirty="0"/>
+            </a:br>
+            <a:r>
+              <a:rPr lang="pt-BR" b="0" strike="noStrike" spc="-1" dirty="0">
+                <a:solidFill>
+                  <a:srgbClr val="1B1B21"/>
+                </a:solidFill>
+                <a:latin typeface="Times New Roman"/>
+                <a:ea typeface="Times New Roman"/>
+              </a:rPr>
+              <a:t>		</a:t>
+            </a:r>
+            <a:r>
+              <a:rPr lang="pt-BR" b="1" i="1" strike="noStrike" spc="-1" dirty="0">
+                <a:solidFill>
+                  <a:srgbClr val="1B1B21"/>
+                </a:solidFill>
+                <a:latin typeface="Times New Roman"/>
+                <a:ea typeface="Times New Roman"/>
+              </a:rPr>
+              <a:t>&gt;&gt; </a:t>
+            </a:r>
+            <a:r>
+              <a:rPr lang="pt-BR" b="1" i="1" strike="noStrike" spc="-1" dirty="0" smtClean="0">
+                <a:solidFill>
+                  <a:srgbClr val="1B1B21"/>
+                </a:solidFill>
+                <a:latin typeface="Times New Roman"/>
+                <a:ea typeface="Times New Roman"/>
+              </a:rPr>
+              <a:t>   </a:t>
+            </a:r>
+            <a:r>
+              <a:rPr lang="pt-BR" b="1" i="1" strike="noStrike" spc="-1" dirty="0" smtClean="0">
+                <a:solidFill>
+                  <a:srgbClr val="FF0000"/>
+                </a:solidFill>
+                <a:latin typeface="Times New Roman"/>
+                <a:ea typeface="Times New Roman"/>
+              </a:rPr>
+              <a:t>12  +</a:t>
+            </a:r>
+            <a:r>
+              <a:rPr lang="pt-BR" b="1" i="1" spc="-1" dirty="0">
+                <a:solidFill>
+                  <a:srgbClr val="FF0000"/>
+                </a:solidFill>
+                <a:latin typeface="Times New Roman"/>
+                <a:ea typeface="Times New Roman"/>
+              </a:rPr>
+              <a:t> </a:t>
+            </a:r>
+            <a:r>
+              <a:rPr lang="pt-BR" b="1" i="1" spc="-1" dirty="0" smtClean="0">
+                <a:solidFill>
+                  <a:srgbClr val="FF0000"/>
+                </a:solidFill>
+                <a:latin typeface="Times New Roman"/>
+                <a:ea typeface="Times New Roman"/>
+              </a:rPr>
+              <a:t> </a:t>
+            </a:r>
+            <a:r>
+              <a:rPr lang="pt-BR" b="1" i="1" strike="noStrike" spc="-1" dirty="0" smtClean="0">
+                <a:solidFill>
+                  <a:srgbClr val="FF0000"/>
+                </a:solidFill>
+                <a:latin typeface="Times New Roman"/>
+                <a:ea typeface="Times New Roman"/>
+              </a:rPr>
+              <a:t> 5   </a:t>
+            </a:r>
+            <a:r>
+              <a:rPr lang="pt-BR" b="1" i="1" strike="noStrike" spc="-1" dirty="0">
+                <a:solidFill>
+                  <a:srgbClr val="FF0000"/>
+                </a:solidFill>
+                <a:latin typeface="Times New Roman"/>
+                <a:ea typeface="Times New Roman"/>
+              </a:rPr>
+              <a:t>*</a:t>
+            </a:r>
+            <a:r>
+              <a:rPr sz="2400" dirty="0"/>
+              <a:t/>
+            </a:r>
+            <a:br>
+              <a:rPr sz="2400" dirty="0"/>
+            </a:br>
+            <a:r>
+              <a:rPr lang="pt-BR" b="1" i="1" strike="noStrike" spc="-1" dirty="0">
+                <a:solidFill>
+                  <a:srgbClr val="1B1B21"/>
+                </a:solidFill>
+                <a:latin typeface="Times New Roman"/>
+                <a:ea typeface="Times New Roman"/>
+              </a:rPr>
+              <a:t>		</a:t>
+            </a:r>
+            <a:r>
+              <a:rPr lang="pt-BR" b="1" i="1" strike="noStrike" spc="-1" dirty="0" err="1">
+                <a:solidFill>
+                  <a:srgbClr val="1B1B21"/>
+                </a:solidFill>
+                <a:latin typeface="Times New Roman"/>
+                <a:ea typeface="Times New Roman"/>
+              </a:rPr>
+              <a:t>main</a:t>
+            </a:r>
+            <a:r>
+              <a:rPr lang="pt-BR" b="1" i="1" strike="noStrike" spc="-1" dirty="0">
+                <a:solidFill>
+                  <a:srgbClr val="1B1B21"/>
+                </a:solidFill>
+                <a:latin typeface="Times New Roman"/>
+                <a:ea typeface="Times New Roman"/>
+              </a:rPr>
+              <a:t> </a:t>
+            </a:r>
+            <a:r>
+              <a:rPr lang="pt-BR" b="1" i="1" strike="noStrike" spc="-1" dirty="0" err="1">
+                <a:solidFill>
+                  <a:srgbClr val="1B1B21"/>
+                </a:solidFill>
+                <a:latin typeface="Times New Roman"/>
+                <a:ea typeface="Times New Roman"/>
+              </a:rPr>
+              <a:t>stack</a:t>
+            </a:r>
+            <a:r>
+              <a:rPr lang="pt-BR" b="1" i="1" strike="noStrike" spc="-1" dirty="0">
+                <a:solidFill>
+                  <a:srgbClr val="1B1B21"/>
+                </a:solidFill>
+                <a:latin typeface="Times New Roman"/>
+                <a:ea typeface="Times New Roman"/>
+              </a:rPr>
+              <a:t>: </a:t>
+            </a:r>
+            <a:r>
+              <a:rPr lang="pt-BR" b="1" i="1" strike="noStrike" spc="-1" dirty="0" smtClean="0">
+                <a:solidFill>
+                  <a:srgbClr val="1B1B21"/>
+                </a:solidFill>
+                <a:latin typeface="Times New Roman"/>
+                <a:ea typeface="Times New Roman"/>
+              </a:rPr>
+              <a:t> </a:t>
+            </a:r>
+            <a:r>
+              <a:rPr lang="pt-BR" b="1" i="1" strike="noStrike" spc="-1" dirty="0" smtClean="0">
+                <a:solidFill>
+                  <a:srgbClr val="FF0000"/>
+                </a:solidFill>
+                <a:latin typeface="Times New Roman"/>
+                <a:ea typeface="Times New Roman"/>
+              </a:rPr>
+              <a:t>99  15</a:t>
+            </a:r>
+          </a:p>
+          <a:p>
+            <a:endParaRPr lang="pt-BR" b="0" strike="noStrike" spc="-1" dirty="0">
+              <a:solidFill>
+                <a:srgbClr val="FF0000"/>
+              </a:solidFill>
+              <a:latin typeface="Arial"/>
+            </a:endParaRPr>
+          </a:p>
+          <a:p>
+            <a:r>
+              <a:rPr lang="pt-BR" sz="1400" b="0" strike="noStrike" spc="-1" dirty="0">
+                <a:solidFill>
+                  <a:srgbClr val="1B1B21"/>
+                </a:solidFill>
+                <a:latin typeface="Times New Roman"/>
+                <a:ea typeface="Times New Roman"/>
+              </a:rPr>
+              <a:t>     </a:t>
+            </a:r>
+            <a:r>
+              <a:rPr lang="pt-BR" sz="2400" b="0" strike="noStrike" spc="-1" dirty="0">
+                <a:solidFill>
+                  <a:srgbClr val="1B1B21"/>
+                </a:solidFill>
+                <a:latin typeface="Times New Roman"/>
+                <a:ea typeface="Times New Roman"/>
+              </a:rPr>
+              <a:t>Após multiplicarmos o 3, realizamos uma soma entre 1 e 2 e com o resultado multiplicamos por 5, obtendo 15 que fica logo acima na pilha, no exemplo a direita.</a:t>
             </a:r>
             <a:endParaRPr lang="pt-BR" sz="2400" b="0" strike="noStrike" spc="-1" dirty="0">
               <a:solidFill>
-                <a:srgbClr val="000000"/>
-              </a:solidFill>
-              <a:latin typeface="Arial"/>
-            </a:endParaRPr>
-          </a:p>
-        </p:txBody>
-      </p:sp>
-      <p:sp>
-        <p:nvSpPr>
-          <p:cNvPr id="185" name="TextShape 3"/>
+                <a:srgbClr val="1B1B21"/>
+              </a:solidFill>
+              <a:latin typeface="Arial"/>
+            </a:endParaRPr>
+          </a:p>
+          <a:p>
+            <a:endParaRPr lang="pt-BR" sz="2400" b="0" strike="noStrike" spc="-1" dirty="0">
+              <a:solidFill>
+                <a:srgbClr val="1B1B21"/>
+              </a:solidFill>
+              <a:latin typeface="Arial"/>
+            </a:endParaRPr>
+          </a:p>
+        </p:txBody>
+      </p:sp>
+      <p:sp>
+        <p:nvSpPr>
+          <p:cNvPr id="188" name="TextShape 3"/>
           <p:cNvSpPr txBox="1"/>
           <p:nvPr/>
         </p:nvSpPr>
         <p:spPr>
           <a:xfrm>
-            <a:off x="8424360" y="4438440"/>
+            <a:off x="8424720" y="4438800"/>
             <a:ext cx="503640" cy="602280"/>
           </a:xfrm>
           <a:prstGeom prst="rect">
@@ -8064,13 +8306,13 @@
           <a:lstStyle/>
           <a:p>
             <a:r>
-              <a:rPr lang="pt-BR" spc="-1" dirty="0" smtClean="0">
+              <a:rPr lang="pt-BR" sz="1800" b="0" strike="noStrike" spc="-1" dirty="0" smtClean="0">
                 <a:solidFill>
                   <a:srgbClr val="000000"/>
                 </a:solidFill>
                 <a:latin typeface="Arial"/>
               </a:rPr>
-              <a:t>10</a:t>
+              <a:t>11</a:t>
             </a:r>
             <a:endParaRPr lang="pt-BR" sz="1800" b="0" strike="noStrike" spc="-1" dirty="0">
               <a:latin typeface="Arial"/>
@@ -8087,7 +8329,7 @@
     <mc:Choice Requires="p14">
       <p:transition spd="slow" p14:dur="2000"/>
     </mc:Choice>
-    <mc:Fallback xmlns="" xmlns:p15="http://schemas.microsoft.com/office/powerpoint/2012/main">
+    <mc:Fallback xmlns:p15="http://schemas.microsoft.com/office/powerpoint/2012/main" xmlns="">
       <p:transition spd="slow"/>
     </mc:Fallback>
   </mc:AlternateContent>
@@ -8140,13 +8382,13 @@
       </p:grpSpPr>
       <p:sp>
         <p:nvSpPr>
-          <p:cNvPr id="186" name="TextShape 1"/>
+          <p:cNvPr id="189" name="TextShape 1"/>
           <p:cNvSpPr txBox="1"/>
           <p:nvPr/>
         </p:nvSpPr>
         <p:spPr>
           <a:xfrm>
-            <a:off x="792000" y="701640"/>
+            <a:off x="774720" y="557640"/>
             <a:ext cx="7505280" cy="954360"/>
           </a:xfrm>
           <a:prstGeom prst="rect">
@@ -8158,31 +8400,88 @@
           </a:ln>
         </p:spPr>
         <p:txBody>
-          <a:bodyPr tIns="91440" bIns="91440"/>
-          <a:lstStyle/>
-          <a:p>
-            <a:r>
-              <a:rPr lang="pt-BR" sz="2600" b="0" strike="noStrike" spc="-1">
-                <a:solidFill>
-                  <a:srgbClr val="CC7607"/>
-                </a:solidFill>
-                <a:latin typeface="Arial"/>
-              </a:rPr>
-              <a:t>Dando continuidade ao exemplo anterior, temos:</a:t>
-            </a:r>
-          </a:p>
-        </p:txBody>
-      </p:sp>
-      <p:sp>
-        <p:nvSpPr>
-          <p:cNvPr id="187" name="TextShape 2"/>
+          <a:bodyPr lIns="0" tIns="0" rIns="0" bIns="0" anchor="ctr"/>
+          <a:lstStyle/>
+          <a:p>
+            <a:r>
+              <a:rPr lang="pt-BR" sz="2200" spc="-1" dirty="0">
+                <a:solidFill>
+                  <a:srgbClr val="1B1B21"/>
+                </a:solidFill>
+                <a:latin typeface="Arial"/>
+                <a:ea typeface="Arial"/>
+              </a:rPr>
+              <a:t> </a:t>
+            </a:r>
+            <a:r>
+              <a:rPr lang="pt-BR" sz="2200" spc="-1" dirty="0" smtClean="0">
+                <a:solidFill>
+                  <a:srgbClr val="1B1B21"/>
+                </a:solidFill>
+                <a:latin typeface="Arial"/>
+                <a:ea typeface="Arial"/>
+              </a:rPr>
+              <a:t>   </a:t>
+            </a:r>
+            <a:r>
+              <a:rPr lang="pt-BR" sz="2200" b="0" strike="noStrike" spc="-1" dirty="0" smtClean="0">
+                <a:solidFill>
+                  <a:srgbClr val="1B1B21"/>
+                </a:solidFill>
+                <a:latin typeface="Arial"/>
+                <a:ea typeface="Arial"/>
+              </a:rPr>
+              <a:t>Na </a:t>
+            </a:r>
+            <a:r>
+              <a:rPr lang="pt-BR" sz="2200" spc="-1" dirty="0" smtClean="0">
+                <a:solidFill>
+                  <a:srgbClr val="1B1B21"/>
+                </a:solidFill>
+                <a:latin typeface="Arial"/>
+                <a:ea typeface="Arial"/>
+              </a:rPr>
+              <a:t>linguagem, o </a:t>
+            </a:r>
+            <a:r>
+              <a:rPr lang="pt-BR" sz="2200" b="0" strike="noStrike" spc="-1" dirty="0" smtClean="0">
+                <a:solidFill>
+                  <a:srgbClr val="1B1B21"/>
+                </a:solidFill>
+                <a:latin typeface="Arial"/>
+                <a:ea typeface="Arial"/>
+              </a:rPr>
+              <a:t>valor </a:t>
+            </a:r>
+            <a:r>
+              <a:rPr lang="pt-BR" sz="2200" b="0" strike="noStrike" spc="-1" dirty="0">
+                <a:solidFill>
+                  <a:srgbClr val="1B1B21"/>
+                </a:solidFill>
+                <a:latin typeface="Arial"/>
+                <a:ea typeface="Arial"/>
+              </a:rPr>
+              <a:t>superior é tratado como o operando direito e o valor abaixo é tratado como o operando esquerdo.</a:t>
+            </a:r>
+            <a:endParaRPr lang="pt-BR" sz="2200" b="0" strike="noStrike" spc="-1" dirty="0">
+              <a:solidFill>
+                <a:srgbClr val="1B1B21"/>
+              </a:solidFill>
+              <a:latin typeface="Arial"/>
+            </a:endParaRPr>
+          </a:p>
+        </p:txBody>
+      </p:sp>
+      <p:sp>
+        <p:nvSpPr>
+          <p:cNvPr id="190" name="TextShape 2"/>
           <p:cNvSpPr txBox="1"/>
           <p:nvPr/>
         </p:nvSpPr>
         <p:spPr>
           <a:xfrm>
-            <a:off x="792000" y="1544089"/>
-            <a:ext cx="7505280" cy="2892240"/>
+            <a:off x="702720" y="1584000"/>
+            <a:ext cx="7505280" cy="2880000"/>
           </a:xfrm>
           <a:prstGeom prst="rect">
             <a:avLst/>
@@ -8193,330 +8492,528 @@
           </a:ln>
         </p:spPr>
         <p:txBody>
-          <a:bodyPr tIns="91440" bIns="91440"/>
-          <a:lstStyle/>
-          <a:p>
-            <a:r>
-              <a:rPr lang="pt-BR" sz="1400" b="0" strike="noStrike" spc="-1" dirty="0">
-                <a:solidFill>
-                  <a:srgbClr val="1B1B21"/>
-                </a:solidFill>
-                <a:latin typeface="Times New Roman"/>
-                <a:ea typeface="Times New Roman"/>
+          <a:bodyPr lIns="0" tIns="0" rIns="0" bIns="0">
+            <a:normAutofit/>
+          </a:bodyPr>
+          <a:lstStyle/>
+          <a:p>
+            <a:r>
+              <a:rPr lang="pt-BR" sz="1800" b="0" i="1" strike="noStrike" spc="-1" dirty="0">
+                <a:solidFill>
+                  <a:srgbClr val="1B1B21"/>
+                </a:solidFill>
+                <a:latin typeface="Arial"/>
+                <a:ea typeface="Arial"/>
               </a:rPr>
               <a:t> 		</a:t>
             </a:r>
             <a:r>
-              <a:rPr lang="pt-BR" b="0" strike="noStrike" spc="-1" dirty="0">
-                <a:solidFill>
-                  <a:srgbClr val="1B1B21"/>
-                </a:solidFill>
-                <a:latin typeface="Times New Roman"/>
-                <a:ea typeface="Times New Roman"/>
+              <a:rPr lang="pt-BR" sz="1400" b="0" i="1" strike="noStrike" spc="-1" dirty="0">
+                <a:solidFill>
+                  <a:srgbClr val="1B1B21"/>
+                </a:solidFill>
+                <a:latin typeface="Arial"/>
+                <a:ea typeface="Arial"/>
               </a:rPr>
               <a:t>&gt;&gt; </a:t>
             </a:r>
             <a:r>
-              <a:rPr lang="pt-BR" spc="-1" dirty="0">
-                <a:solidFill>
-                  <a:srgbClr val="1B1B21"/>
-                </a:solidFill>
-                <a:latin typeface="Times New Roman"/>
-                <a:ea typeface="Times New Roman"/>
+              <a:rPr lang="pt-BR" sz="1400" b="0" i="1" strike="noStrike" spc="-1" dirty="0" smtClean="0">
+                <a:solidFill>
+                  <a:srgbClr val="1B1B21"/>
+                </a:solidFill>
+                <a:latin typeface="Arial"/>
+                <a:ea typeface="Arial"/>
+              </a:rPr>
+              <a:t>  33  3  *</a:t>
+            </a:r>
+            <a:r>
+              <a:rPr dirty="0"/>
+              <a:t/>
+            </a:r>
+            <a:br>
+              <a:rPr dirty="0"/>
+            </a:br>
+            <a:r>
+              <a:rPr lang="pt-BR" sz="1400" b="0" i="1" strike="noStrike" spc="-1" dirty="0">
+                <a:solidFill>
+                  <a:srgbClr val="1B1B21"/>
+                </a:solidFill>
+                <a:latin typeface="Arial"/>
+                <a:ea typeface="Arial"/>
+              </a:rPr>
+              <a:t>		</a:t>
+            </a:r>
+            <a:r>
+              <a:rPr lang="pt-BR" sz="1400" b="0" i="1" strike="noStrike" spc="-1" dirty="0" err="1">
+                <a:solidFill>
+                  <a:srgbClr val="1B1B21"/>
+                </a:solidFill>
+                <a:latin typeface="Arial"/>
+                <a:ea typeface="Arial"/>
+              </a:rPr>
+              <a:t>main</a:t>
+            </a:r>
+            <a:r>
+              <a:rPr lang="pt-BR" sz="1400" b="0" i="1" strike="noStrike" spc="-1" dirty="0">
+                <a:solidFill>
+                  <a:srgbClr val="1B1B21"/>
+                </a:solidFill>
+                <a:latin typeface="Arial"/>
+                <a:ea typeface="Arial"/>
               </a:rPr>
               <a:t> </a:t>
             </a:r>
             <a:r>
-              <a:rPr lang="pt-BR" spc="-1" dirty="0" smtClean="0">
-                <a:solidFill>
-                  <a:srgbClr val="1B1B21"/>
-                </a:solidFill>
-                <a:latin typeface="Times New Roman"/>
-                <a:ea typeface="Times New Roman"/>
+              <a:rPr lang="pt-BR" sz="1400" b="0" i="1" strike="noStrike" spc="-1" dirty="0" err="1">
+                <a:solidFill>
+                  <a:srgbClr val="1B1B21"/>
+                </a:solidFill>
+                <a:latin typeface="Arial"/>
+                <a:ea typeface="Arial"/>
+              </a:rPr>
+              <a:t>stack</a:t>
+            </a:r>
+            <a:r>
+              <a:rPr lang="pt-BR" sz="1400" b="0" i="1" strike="noStrike" spc="-1" dirty="0">
+                <a:solidFill>
+                  <a:srgbClr val="1B1B21"/>
+                </a:solidFill>
+                <a:latin typeface="Arial"/>
+                <a:ea typeface="Arial"/>
+              </a:rPr>
+              <a:t>: </a:t>
+            </a:r>
+            <a:r>
+              <a:rPr lang="pt-BR" sz="1400" b="0" i="1" strike="noStrike" spc="-1" dirty="0" smtClean="0">
+                <a:solidFill>
+                  <a:srgbClr val="1B1B21"/>
+                </a:solidFill>
+                <a:latin typeface="Arial"/>
+                <a:ea typeface="Arial"/>
+              </a:rPr>
+              <a:t> 99</a:t>
+            </a:r>
+            <a:r>
+              <a:rPr dirty="0"/>
+              <a:t/>
+            </a:r>
+            <a:br>
+              <a:rPr dirty="0"/>
+            </a:br>
+            <a:r>
+              <a:rPr lang="pt-BR" sz="1400" b="0" i="1" strike="noStrike" spc="-1" dirty="0">
+                <a:solidFill>
+                  <a:srgbClr val="1B1B21"/>
+                </a:solidFill>
+                <a:latin typeface="Arial"/>
+                <a:ea typeface="Arial"/>
+              </a:rPr>
+              <a:t>		&gt;&gt; </a:t>
+            </a:r>
+            <a:r>
+              <a:rPr lang="pt-BR" sz="1400" b="0" i="1" strike="noStrike" spc="-1" dirty="0" smtClean="0">
+                <a:solidFill>
+                  <a:srgbClr val="1B1B21"/>
+                </a:solidFill>
+                <a:latin typeface="Arial"/>
+                <a:ea typeface="Arial"/>
+              </a:rPr>
+              <a:t>  1 </a:t>
+            </a:r>
+            <a:r>
+              <a:rPr lang="pt-BR" sz="1400" i="1" spc="-1" dirty="0">
+                <a:solidFill>
+                  <a:srgbClr val="1B1B21"/>
+                </a:solidFill>
+                <a:latin typeface="Arial"/>
+                <a:ea typeface="Arial"/>
+              </a:rPr>
+              <a:t> </a:t>
+            </a:r>
+            <a:r>
+              <a:rPr lang="pt-BR" sz="1400" i="1" spc="-1" dirty="0" smtClean="0">
+                <a:solidFill>
+                  <a:srgbClr val="1B1B21"/>
+                </a:solidFill>
+                <a:latin typeface="Arial"/>
+                <a:ea typeface="Arial"/>
+              </a:rPr>
+              <a:t> </a:t>
+            </a:r>
+            <a:r>
+              <a:rPr lang="pt-BR" sz="1400" b="0" i="1" strike="noStrike" spc="-1" dirty="0" smtClean="0">
+                <a:solidFill>
+                  <a:srgbClr val="1B1B21"/>
+                </a:solidFill>
+                <a:latin typeface="Arial"/>
+                <a:ea typeface="Arial"/>
+              </a:rPr>
+              <a:t>2 </a:t>
+            </a:r>
+            <a:r>
+              <a:rPr lang="pt-BR" sz="1400" i="1" spc="-1" dirty="0">
+                <a:solidFill>
+                  <a:srgbClr val="1B1B21"/>
+                </a:solidFill>
+                <a:latin typeface="Arial"/>
+                <a:ea typeface="Arial"/>
+              </a:rPr>
+              <a:t> </a:t>
+            </a:r>
+            <a:r>
+              <a:rPr lang="pt-BR" sz="1400" i="1" spc="-1" dirty="0" smtClean="0">
+                <a:solidFill>
+                  <a:srgbClr val="1B1B21"/>
+                </a:solidFill>
+                <a:latin typeface="Arial"/>
+                <a:ea typeface="Arial"/>
+              </a:rPr>
+              <a:t> </a:t>
+            </a:r>
+            <a:r>
+              <a:rPr lang="pt-BR" sz="1400" b="0" i="1" strike="noStrike" spc="-1" dirty="0" smtClean="0">
+                <a:solidFill>
+                  <a:srgbClr val="1B1B21"/>
+                </a:solidFill>
+                <a:latin typeface="Arial"/>
+                <a:ea typeface="Arial"/>
+              </a:rPr>
+              <a:t>+</a:t>
+            </a:r>
+            <a:r>
+              <a:rPr lang="pt-BR" sz="1400" i="1" spc="-1" dirty="0">
+                <a:solidFill>
+                  <a:srgbClr val="1B1B21"/>
+                </a:solidFill>
+                <a:latin typeface="Arial"/>
+                <a:ea typeface="Arial"/>
+              </a:rPr>
+              <a:t> </a:t>
+            </a:r>
+            <a:r>
+              <a:rPr lang="pt-BR" sz="1400" i="1" spc="-1" dirty="0" smtClean="0">
+                <a:solidFill>
+                  <a:srgbClr val="1B1B21"/>
+                </a:solidFill>
+                <a:latin typeface="Arial"/>
+                <a:ea typeface="Arial"/>
+              </a:rPr>
+              <a:t> </a:t>
+            </a:r>
+            <a:r>
+              <a:rPr lang="pt-BR" sz="1400" b="0" i="1" strike="noStrike" spc="-1" dirty="0" smtClean="0">
+                <a:solidFill>
+                  <a:srgbClr val="1B1B21"/>
+                </a:solidFill>
+                <a:latin typeface="Arial"/>
+                <a:ea typeface="Arial"/>
+              </a:rPr>
+              <a:t>5</a:t>
+            </a:r>
+            <a:r>
+              <a:rPr lang="pt-BR" sz="1400" i="1" spc="-1" dirty="0">
+                <a:solidFill>
+                  <a:srgbClr val="1B1B21"/>
+                </a:solidFill>
+                <a:latin typeface="Arial"/>
+                <a:ea typeface="Arial"/>
+              </a:rPr>
+              <a:t> </a:t>
+            </a:r>
+            <a:r>
+              <a:rPr lang="pt-BR" sz="1400" i="1" spc="-1" dirty="0" smtClean="0">
+                <a:solidFill>
+                  <a:srgbClr val="1B1B21"/>
+                </a:solidFill>
+                <a:latin typeface="Arial"/>
+                <a:ea typeface="Arial"/>
+              </a:rPr>
+              <a:t> </a:t>
+            </a:r>
+            <a:r>
+              <a:rPr lang="pt-BR" sz="1400" b="0" i="1" strike="noStrike" spc="-1" dirty="0" smtClean="0">
+                <a:solidFill>
+                  <a:srgbClr val="1B1B21"/>
+                </a:solidFill>
+                <a:latin typeface="Arial"/>
+                <a:ea typeface="Arial"/>
+              </a:rPr>
+              <a:t>*</a:t>
+            </a:r>
+            <a:r>
+              <a:rPr dirty="0"/>
+              <a:t/>
+            </a:r>
+            <a:br>
+              <a:rPr dirty="0"/>
+            </a:br>
+            <a:r>
+              <a:rPr lang="pt-BR" sz="1400" b="0" i="1" strike="noStrike" spc="-1" dirty="0">
+                <a:solidFill>
+                  <a:srgbClr val="1B1B21"/>
+                </a:solidFill>
+                <a:latin typeface="Arial"/>
+                <a:ea typeface="Arial"/>
+              </a:rPr>
+              <a:t>		</a:t>
+            </a:r>
+            <a:r>
+              <a:rPr lang="pt-BR" sz="1400" b="0" i="1" strike="noStrike" spc="-1" dirty="0" err="1">
+                <a:solidFill>
+                  <a:srgbClr val="1B1B21"/>
+                </a:solidFill>
+                <a:latin typeface="Arial"/>
+                <a:ea typeface="Arial"/>
+              </a:rPr>
+              <a:t>main</a:t>
+            </a:r>
+            <a:r>
+              <a:rPr lang="pt-BR" sz="1400" b="0" i="1" strike="noStrike" spc="-1" dirty="0">
+                <a:solidFill>
+                  <a:srgbClr val="1B1B21"/>
+                </a:solidFill>
+                <a:latin typeface="Arial"/>
+                <a:ea typeface="Arial"/>
+              </a:rPr>
+              <a:t> </a:t>
+            </a:r>
+            <a:r>
+              <a:rPr lang="pt-BR" sz="1400" b="0" i="1" strike="noStrike" spc="-1" dirty="0" err="1">
+                <a:solidFill>
+                  <a:srgbClr val="1B1B21"/>
+                </a:solidFill>
+                <a:latin typeface="Arial"/>
+                <a:ea typeface="Arial"/>
+              </a:rPr>
+              <a:t>stack</a:t>
+            </a:r>
+            <a:r>
+              <a:rPr lang="pt-BR" sz="1400" b="0" i="1" strike="noStrike" spc="-1" dirty="0">
+                <a:solidFill>
+                  <a:srgbClr val="1B1B21"/>
+                </a:solidFill>
+                <a:latin typeface="Arial"/>
+                <a:ea typeface="Arial"/>
+              </a:rPr>
+              <a:t>: </a:t>
+            </a:r>
+            <a:r>
+              <a:rPr lang="pt-BR" sz="1400" b="0" i="1" strike="noStrike" spc="-1" dirty="0" smtClean="0">
+                <a:solidFill>
+                  <a:srgbClr val="1B1B21"/>
+                </a:solidFill>
+                <a:latin typeface="Arial"/>
+                <a:ea typeface="Arial"/>
+              </a:rPr>
+              <a:t> 99  15</a:t>
+            </a:r>
+            <a:r>
+              <a:rPr dirty="0"/>
+              <a:t/>
+            </a:r>
+            <a:br>
+              <a:rPr dirty="0"/>
+            </a:br>
+            <a:r>
+              <a:rPr lang="pt-BR" sz="1400" b="0" i="1" strike="noStrike" spc="-1" dirty="0">
+                <a:solidFill>
+                  <a:srgbClr val="1B1B21"/>
+                </a:solidFill>
+                <a:latin typeface="Arial"/>
+                <a:ea typeface="Arial"/>
+              </a:rPr>
+              <a:t>		</a:t>
+            </a:r>
+            <a:r>
+              <a:rPr lang="pt-BR" sz="1400" b="1" i="1" strike="noStrike" spc="-1" dirty="0">
+                <a:solidFill>
+                  <a:srgbClr val="1B1B21"/>
+                </a:solidFill>
+                <a:latin typeface="Arial"/>
+                <a:ea typeface="Arial"/>
+              </a:rPr>
+              <a:t>&gt;&gt; </a:t>
+            </a:r>
+            <a:r>
+              <a:rPr lang="pt-BR" sz="1400" b="1" i="1" strike="noStrike" spc="-1" dirty="0" smtClean="0">
+                <a:solidFill>
+                  <a:srgbClr val="1B1B21"/>
+                </a:solidFill>
+                <a:latin typeface="Arial"/>
+                <a:ea typeface="Arial"/>
               </a:rPr>
               <a:t>  </a:t>
             </a:r>
             <a:r>
-              <a:rPr lang="pt-BR" b="0" strike="noStrike" spc="-1" dirty="0" smtClean="0">
-                <a:solidFill>
-                  <a:srgbClr val="1B1B21"/>
-                </a:solidFill>
-                <a:latin typeface="Times New Roman"/>
-                <a:ea typeface="Times New Roman"/>
-              </a:rPr>
-              <a:t>33   3   *</a:t>
-            </a:r>
-            <a:r>
-              <a:rPr sz="2400" dirty="0"/>
+              <a:rPr lang="pt-BR" sz="1400" b="1" i="1" strike="noStrike" spc="-1" dirty="0" smtClean="0">
+                <a:solidFill>
+                  <a:srgbClr val="FF0000"/>
+                </a:solidFill>
+                <a:latin typeface="Arial"/>
+                <a:ea typeface="Arial"/>
+              </a:rPr>
+              <a:t>&gt;</a:t>
+            </a:r>
+            <a:r>
+              <a:rPr dirty="0"/>
               <a:t/>
             </a:r>
             <a:br>
-              <a:rPr sz="2400" dirty="0"/>
+              <a:rPr dirty="0"/>
             </a:br>
             <a:r>
-              <a:rPr lang="pt-BR" b="0" strike="noStrike" spc="-1" dirty="0">
-                <a:solidFill>
-                  <a:srgbClr val="1B1B21"/>
-                </a:solidFill>
-                <a:latin typeface="Times New Roman"/>
-                <a:ea typeface="Times New Roman"/>
+              <a:rPr lang="pt-BR" sz="1400" b="1" i="1" strike="noStrike" spc="-1" dirty="0">
+                <a:solidFill>
+                  <a:srgbClr val="1B1B21"/>
+                </a:solidFill>
+                <a:latin typeface="Arial"/>
+                <a:ea typeface="Arial"/>
               </a:rPr>
               <a:t>		</a:t>
             </a:r>
             <a:r>
-              <a:rPr lang="pt-BR" b="0" strike="noStrike" spc="-1" dirty="0" err="1">
-                <a:solidFill>
-                  <a:srgbClr val="1B1B21"/>
-                </a:solidFill>
-                <a:latin typeface="Times New Roman"/>
-                <a:ea typeface="Times New Roman"/>
+              <a:rPr lang="pt-BR" sz="1400" b="1" i="1" strike="noStrike" spc="-1" dirty="0" err="1">
+                <a:solidFill>
+                  <a:srgbClr val="1B1B21"/>
+                </a:solidFill>
+                <a:latin typeface="Arial"/>
+                <a:ea typeface="Arial"/>
               </a:rPr>
               <a:t>main</a:t>
             </a:r>
             <a:r>
-              <a:rPr lang="pt-BR" b="0" strike="noStrike" spc="-1" dirty="0">
-                <a:solidFill>
-                  <a:srgbClr val="1B1B21"/>
-                </a:solidFill>
-                <a:latin typeface="Times New Roman"/>
-                <a:ea typeface="Times New Roman"/>
+              <a:rPr lang="pt-BR" sz="1400" b="1" i="1" strike="noStrike" spc="-1" dirty="0">
+                <a:solidFill>
+                  <a:srgbClr val="1B1B21"/>
+                </a:solidFill>
+                <a:latin typeface="Arial"/>
+                <a:ea typeface="Arial"/>
               </a:rPr>
               <a:t> </a:t>
             </a:r>
             <a:r>
-              <a:rPr lang="pt-BR" b="0" strike="noStrike" spc="-1" dirty="0" err="1">
-                <a:solidFill>
-                  <a:srgbClr val="1B1B21"/>
-                </a:solidFill>
-                <a:latin typeface="Times New Roman"/>
-                <a:ea typeface="Times New Roman"/>
+              <a:rPr lang="pt-BR" sz="1400" b="1" i="1" strike="noStrike" spc="-1" dirty="0" err="1">
+                <a:solidFill>
+                  <a:srgbClr val="FF0000"/>
+                </a:solidFill>
+                <a:latin typeface="Arial"/>
+                <a:ea typeface="Arial"/>
               </a:rPr>
               <a:t>stack</a:t>
             </a:r>
             <a:r>
-              <a:rPr lang="pt-BR" b="0" strike="noStrike" spc="-1" dirty="0">
-                <a:solidFill>
-                  <a:srgbClr val="1B1B21"/>
-                </a:solidFill>
-                <a:latin typeface="Times New Roman"/>
-                <a:ea typeface="Times New Roman"/>
-              </a:rPr>
-              <a:t>: 99</a:t>
-            </a:r>
-            <a:r>
-              <a:rPr sz="2400" dirty="0"/>
-              <a:t/>
-            </a:r>
-            <a:br>
-              <a:rPr sz="2400" dirty="0"/>
-            </a:br>
-            <a:r>
-              <a:rPr lang="pt-BR" b="0" strike="noStrike" spc="-1" dirty="0">
-                <a:solidFill>
-                  <a:srgbClr val="1B1B21"/>
-                </a:solidFill>
-                <a:latin typeface="Times New Roman"/>
-                <a:ea typeface="Times New Roman"/>
-              </a:rPr>
-              <a:t>		</a:t>
-            </a:r>
-            <a:r>
-              <a:rPr lang="pt-BR" b="1" i="1" strike="noStrike" spc="-1" dirty="0">
-                <a:solidFill>
-                  <a:srgbClr val="1B1B21"/>
-                </a:solidFill>
-                <a:latin typeface="Times New Roman"/>
-                <a:ea typeface="Times New Roman"/>
-              </a:rPr>
-              <a:t>&gt;&gt; </a:t>
-            </a:r>
-            <a:r>
-              <a:rPr lang="pt-BR" b="1" i="1" strike="noStrike" spc="-1" dirty="0" smtClean="0">
-                <a:solidFill>
-                  <a:srgbClr val="1B1B21"/>
-                </a:solidFill>
-                <a:latin typeface="Times New Roman"/>
-                <a:ea typeface="Times New Roman"/>
-              </a:rPr>
-              <a:t>   </a:t>
-            </a:r>
-            <a:r>
-              <a:rPr lang="pt-BR" b="1" i="1" strike="noStrike" spc="-1" dirty="0" smtClean="0">
+              <a:rPr lang="pt-BR" sz="1400" b="1" i="1" strike="noStrike" spc="-1" dirty="0">
                 <a:solidFill>
                   <a:srgbClr val="FF0000"/>
                 </a:solidFill>
-                <a:latin typeface="Times New Roman"/>
-                <a:ea typeface="Times New Roman"/>
-              </a:rPr>
-              <a:t>12  +</a:t>
-            </a:r>
-            <a:r>
-              <a:rPr lang="pt-BR" b="1" i="1" spc="-1" dirty="0">
+                <a:latin typeface="Arial"/>
+                <a:ea typeface="Arial"/>
+              </a:rPr>
+              <a:t>: </a:t>
+            </a:r>
+            <a:r>
+              <a:rPr lang="pt-BR" sz="1400" b="1" i="1" strike="noStrike" spc="-1" dirty="0" err="1">
                 <a:solidFill>
                   <a:srgbClr val="FF0000"/>
                 </a:solidFill>
-                <a:latin typeface="Times New Roman"/>
-                <a:ea typeface="Times New Roman"/>
+                <a:latin typeface="Arial"/>
+                <a:ea typeface="Arial"/>
+              </a:rPr>
+              <a:t>true</a:t>
+            </a:r>
+            <a:endParaRPr lang="pt-BR" sz="1400" b="0" i="1" strike="noStrike" spc="-1" dirty="0">
+              <a:solidFill>
+                <a:srgbClr val="FF0000"/>
+              </a:solidFill>
+              <a:latin typeface="Arial"/>
+            </a:endParaRPr>
+          </a:p>
+          <a:p>
+            <a:r>
+              <a:rPr lang="pt-BR" sz="1800" b="0" i="1" strike="noStrike" spc="-1" dirty="0" smtClean="0">
+                <a:solidFill>
+                  <a:srgbClr val="1B1B21"/>
+                </a:solidFill>
+                <a:latin typeface="Arial"/>
+                <a:ea typeface="Arial"/>
+              </a:rPr>
+              <a:t>     </a:t>
+            </a:r>
+          </a:p>
+          <a:p>
+            <a:r>
+              <a:rPr lang="pt-BR" i="1" spc="-1" dirty="0">
+                <a:solidFill>
+                  <a:srgbClr val="1B1B21"/>
+                </a:solidFill>
+                <a:latin typeface="Arial"/>
+                <a:ea typeface="Arial"/>
               </a:rPr>
               <a:t> </a:t>
             </a:r>
             <a:r>
-              <a:rPr lang="pt-BR" b="1" i="1" spc="-1" dirty="0" smtClean="0">
-                <a:solidFill>
-                  <a:srgbClr val="FF0000"/>
-                </a:solidFill>
-                <a:latin typeface="Times New Roman"/>
-                <a:ea typeface="Times New Roman"/>
-              </a:rPr>
-              <a:t> </a:t>
-            </a:r>
-            <a:r>
-              <a:rPr lang="pt-BR" b="1" i="1" strike="noStrike" spc="-1" dirty="0" smtClean="0">
-                <a:solidFill>
-                  <a:srgbClr val="FF0000"/>
-                </a:solidFill>
-                <a:latin typeface="Times New Roman"/>
-                <a:ea typeface="Times New Roman"/>
-              </a:rPr>
-              <a:t> 5   </a:t>
-            </a:r>
-            <a:r>
-              <a:rPr lang="pt-BR" b="1" i="1" strike="noStrike" spc="-1" dirty="0">
-                <a:solidFill>
-                  <a:srgbClr val="FF0000"/>
-                </a:solidFill>
-                <a:latin typeface="Times New Roman"/>
-                <a:ea typeface="Times New Roman"/>
-              </a:rPr>
-              <a:t>*</a:t>
-            </a:r>
-            <a:r>
-              <a:rPr sz="2400" dirty="0"/>
-              <a:t/>
-            </a:r>
-            <a:br>
-              <a:rPr sz="2400" dirty="0"/>
-            </a:br>
-            <a:r>
-              <a:rPr lang="pt-BR" b="1" i="1" strike="noStrike" spc="-1" dirty="0">
-                <a:solidFill>
-                  <a:srgbClr val="1B1B21"/>
-                </a:solidFill>
-                <a:latin typeface="Times New Roman"/>
-                <a:ea typeface="Times New Roman"/>
-              </a:rPr>
-              <a:t>		</a:t>
-            </a:r>
-            <a:r>
-              <a:rPr lang="pt-BR" b="1" i="1" strike="noStrike" spc="-1" dirty="0" err="1">
-                <a:solidFill>
-                  <a:srgbClr val="1B1B21"/>
-                </a:solidFill>
-                <a:latin typeface="Times New Roman"/>
-                <a:ea typeface="Times New Roman"/>
-              </a:rPr>
-              <a:t>main</a:t>
-            </a:r>
-            <a:r>
-              <a:rPr lang="pt-BR" b="1" i="1" strike="noStrike" spc="-1" dirty="0">
-                <a:solidFill>
-                  <a:srgbClr val="1B1B21"/>
-                </a:solidFill>
-                <a:latin typeface="Times New Roman"/>
-                <a:ea typeface="Times New Roman"/>
-              </a:rPr>
-              <a:t> </a:t>
-            </a:r>
-            <a:r>
-              <a:rPr lang="pt-BR" b="1" i="1" strike="noStrike" spc="-1" dirty="0" err="1">
-                <a:solidFill>
-                  <a:srgbClr val="1B1B21"/>
-                </a:solidFill>
-                <a:latin typeface="Times New Roman"/>
-                <a:ea typeface="Times New Roman"/>
-              </a:rPr>
-              <a:t>stack</a:t>
-            </a:r>
-            <a:r>
-              <a:rPr lang="pt-BR" b="1" i="1" strike="noStrike" spc="-1" dirty="0">
-                <a:solidFill>
-                  <a:srgbClr val="1B1B21"/>
-                </a:solidFill>
-                <a:latin typeface="Times New Roman"/>
-                <a:ea typeface="Times New Roman"/>
-              </a:rPr>
-              <a:t>: </a:t>
-            </a:r>
-            <a:r>
-              <a:rPr lang="pt-BR" b="1" i="1" strike="noStrike" spc="-1" dirty="0" smtClean="0">
-                <a:solidFill>
-                  <a:srgbClr val="1B1B21"/>
-                </a:solidFill>
-                <a:latin typeface="Times New Roman"/>
-                <a:ea typeface="Times New Roman"/>
-              </a:rPr>
-              <a:t> </a:t>
-            </a:r>
-            <a:r>
-              <a:rPr lang="pt-BR" b="1" i="1" strike="noStrike" spc="-1" dirty="0" smtClean="0">
-                <a:solidFill>
-                  <a:srgbClr val="FF0000"/>
-                </a:solidFill>
-                <a:latin typeface="Times New Roman"/>
-                <a:ea typeface="Times New Roman"/>
-              </a:rPr>
-              <a:t>99  15</a:t>
-            </a:r>
-          </a:p>
-          <a:p>
-            <a:endParaRPr lang="pt-BR" b="0" strike="noStrike" spc="-1" dirty="0">
-              <a:solidFill>
-                <a:srgbClr val="FF0000"/>
-              </a:solidFill>
-              <a:latin typeface="Arial"/>
-            </a:endParaRPr>
-          </a:p>
-          <a:p>
-            <a:r>
-              <a:rPr lang="pt-BR" sz="1400" b="0" strike="noStrike" spc="-1" dirty="0">
-                <a:solidFill>
-                  <a:srgbClr val="1B1B21"/>
-                </a:solidFill>
-                <a:latin typeface="Times New Roman"/>
-                <a:ea typeface="Times New Roman"/>
-              </a:rPr>
-              <a:t>     </a:t>
-            </a:r>
-            <a:r>
-              <a:rPr lang="pt-BR" sz="2400" b="0" strike="noStrike" spc="-1" dirty="0">
-                <a:solidFill>
-                  <a:srgbClr val="1B1B21"/>
-                </a:solidFill>
-                <a:latin typeface="Times New Roman"/>
-                <a:ea typeface="Times New Roman"/>
-              </a:rPr>
-              <a:t>Após multiplicarmos o 3, realizamos uma soma entre 1 e 2 e com o resultado multiplicamos por 5, obtendo 15 que fica logo acima na pilha, no exemplo a direita.</a:t>
-            </a:r>
-            <a:endParaRPr lang="pt-BR" sz="2400" b="0" strike="noStrike" spc="-1" dirty="0">
+              <a:rPr lang="pt-BR" i="1" spc="-1" dirty="0" smtClean="0">
+                <a:solidFill>
+                  <a:srgbClr val="1B1B21"/>
+                </a:solidFill>
+                <a:latin typeface="Arial"/>
+                <a:ea typeface="Arial"/>
+              </a:rPr>
+              <a:t>    </a:t>
+            </a:r>
+            <a:r>
+              <a:rPr lang="pt-BR" sz="1800" b="0" i="1" strike="noStrike" spc="-1" dirty="0" smtClean="0">
+                <a:solidFill>
+                  <a:srgbClr val="1B1B21"/>
+                </a:solidFill>
+                <a:latin typeface="Arial"/>
+                <a:ea typeface="Arial"/>
+              </a:rPr>
+              <a:t>Digitamos </a:t>
+            </a:r>
+            <a:r>
+              <a:rPr lang="pt-BR" sz="1800" b="0" i="1" strike="noStrike" spc="-1" dirty="0">
+                <a:solidFill>
+                  <a:srgbClr val="1B1B21"/>
+                </a:solidFill>
+                <a:latin typeface="Arial"/>
+                <a:ea typeface="Arial"/>
+              </a:rPr>
+              <a:t>o sinal maior (&gt;) para verificar se 99 é maior que 15. O intérprete imprime o resultado, </a:t>
+            </a:r>
+            <a:r>
+              <a:rPr lang="pt-BR" sz="1800" b="0" i="1" strike="noStrike" spc="-1" dirty="0" err="1">
+                <a:solidFill>
+                  <a:srgbClr val="1B1B21"/>
+                </a:solidFill>
+                <a:latin typeface="Arial"/>
+                <a:ea typeface="Arial"/>
+              </a:rPr>
+              <a:t>true</a:t>
+            </a:r>
+            <a:r>
+              <a:rPr lang="pt-BR" sz="1800" b="0" i="1" strike="noStrike" spc="-1" dirty="0">
+                <a:solidFill>
+                  <a:srgbClr val="1B1B21"/>
+                </a:solidFill>
+                <a:latin typeface="Arial"/>
+                <a:ea typeface="Arial"/>
+              </a:rPr>
+              <a:t>.</a:t>
+            </a:r>
+            <a:endParaRPr lang="pt-BR" sz="1800" b="0" strike="noStrike" spc="-1" dirty="0">
               <a:solidFill>
                 <a:srgbClr val="1B1B21"/>
               </a:solidFill>
               <a:latin typeface="Arial"/>
             </a:endParaRPr>
           </a:p>
-          <a:p>
-            <a:endParaRPr lang="pt-BR" sz="2400" b="0" strike="noStrike" spc="-1" dirty="0">
-              <a:solidFill>
-                <a:srgbClr val="1B1B21"/>
-              </a:solidFill>
-              <a:latin typeface="Arial"/>
-            </a:endParaRPr>
-          </a:p>
-        </p:txBody>
-      </p:sp>
-      <p:sp>
-        <p:nvSpPr>
-          <p:cNvPr id="188" name="TextShape 3"/>
+        </p:txBody>
+      </p:sp>
+      <p:sp>
+        <p:nvSpPr>
+          <p:cNvPr id="191" name="TextShape 3"/>
           <p:cNvSpPr txBox="1"/>
           <p:nvPr/>
         </p:nvSpPr>
@@ -8544,7 +9041,7 @@
                 </a:solidFill>
                 <a:latin typeface="Arial"/>
               </a:rPr>
-              <a:t>11</a:t>
+              <a:t>12</a:t>
             </a:r>
             <a:endParaRPr lang="pt-BR" sz="1800" b="0" strike="noStrike" spc="-1" dirty="0">
               <a:latin typeface="Arial"/>
@@ -8561,7 +9058,7 @@
     <mc:Choice Requires="p14">
       <p:transition spd="slow" p14:dur="2000"/>
     </mc:Choice>
-    <mc:Fallback xmlns="" xmlns:p15="http://schemas.microsoft.com/office/powerpoint/2012/main">
+    <mc:Fallback xmlns:p15="http://schemas.microsoft.com/office/powerpoint/2012/main" xmlns="">
       <p:transition spd="slow"/>
     </mc:Fallback>
   </mc:AlternateContent>
@@ -8614,13 +9111,13 @@
       </p:grpSpPr>
       <p:sp>
         <p:nvSpPr>
-          <p:cNvPr id="189" name="TextShape 1"/>
+          <p:cNvPr id="192" name="TextShape 1"/>
           <p:cNvSpPr txBox="1"/>
           <p:nvPr/>
         </p:nvSpPr>
         <p:spPr>
           <a:xfrm>
-            <a:off x="774720" y="557640"/>
+            <a:off x="819000" y="773640"/>
             <a:ext cx="7505280" cy="954360"/>
           </a:xfrm>
           <a:prstGeom prst="rect">
@@ -8636,84 +9133,61 @@
           <a:lstStyle/>
           <a:p>
             <a:r>
-              <a:rPr lang="pt-BR" sz="2200" spc="-1" dirty="0">
+              <a:rPr lang="pt-BR" sz="2000" b="0" strike="noStrike" spc="-1" dirty="0">
+                <a:solidFill>
+                  <a:srgbClr val="000000"/>
+                </a:solidFill>
+                <a:latin typeface="Arial"/>
+              </a:rPr>
+              <a:t>Por último, para nós limparmos a pilha, utilizamos o comando POP, deixando assim a pilha vazia (</a:t>
+            </a:r>
+            <a:r>
+              <a:rPr lang="pt-BR" sz="2000" b="0" strike="noStrike" spc="-1" dirty="0" err="1">
+                <a:solidFill>
+                  <a:srgbClr val="000000"/>
+                </a:solidFill>
+                <a:latin typeface="Arial"/>
+              </a:rPr>
+              <a:t>empty</a:t>
+            </a:r>
+            <a:r>
+              <a:rPr lang="pt-BR" sz="2000" b="0" strike="noStrike" spc="-1" dirty="0">
+                <a:solidFill>
+                  <a:srgbClr val="000000"/>
+                </a:solidFill>
+                <a:latin typeface="Arial"/>
+              </a:rPr>
+              <a:t>)</a:t>
+            </a:r>
+            <a:r>
+              <a:rPr lang="pt-BR" sz="2000" b="0" strike="noStrike" spc="-1" dirty="0">
                 <a:solidFill>
                   <a:srgbClr val="1B1B21"/>
                 </a:solidFill>
                 <a:latin typeface="Arial"/>
                 <a:ea typeface="Arial"/>
               </a:rPr>
-              <a:t> </a:t>
-            </a:r>
-            <a:r>
-              <a:rPr lang="pt-BR" sz="2200" spc="-1" dirty="0" smtClean="0">
-                <a:solidFill>
-                  <a:srgbClr val="1B1B21"/>
-                </a:solidFill>
-                <a:latin typeface="Arial"/>
-                <a:ea typeface="Arial"/>
-              </a:rPr>
-              <a:t>   </a:t>
-            </a:r>
-            <a:r>
-              <a:rPr lang="pt-BR" sz="2200" b="0" strike="noStrike" spc="-1" dirty="0" smtClean="0">
-                <a:solidFill>
-                  <a:srgbClr val="1B1B21"/>
-                </a:solidFill>
-                <a:latin typeface="Arial"/>
-                <a:ea typeface="Arial"/>
-              </a:rPr>
-              <a:t>Na </a:t>
-            </a:r>
-            <a:r>
-              <a:rPr lang="pt-BR" sz="2200" spc="-1" dirty="0" smtClean="0">
-                <a:solidFill>
-                  <a:srgbClr val="1B1B21"/>
-                </a:solidFill>
-                <a:latin typeface="Arial"/>
-                <a:ea typeface="Arial"/>
-              </a:rPr>
-              <a:t>linguagem, o </a:t>
-            </a:r>
-            <a:r>
-              <a:rPr lang="pt-BR" sz="2200" b="0" strike="noStrike" spc="-1" dirty="0" smtClean="0">
-                <a:solidFill>
-                  <a:srgbClr val="1B1B21"/>
-                </a:solidFill>
-                <a:latin typeface="Arial"/>
-                <a:ea typeface="Arial"/>
-              </a:rPr>
-              <a:t>valor </a:t>
-            </a:r>
-            <a:r>
-              <a:rPr lang="pt-BR" sz="2200" b="0" strike="noStrike" spc="-1" dirty="0">
-                <a:solidFill>
-                  <a:srgbClr val="1B1B21"/>
-                </a:solidFill>
-                <a:latin typeface="Arial"/>
-                <a:ea typeface="Arial"/>
-              </a:rPr>
-              <a:t>superior é tratado como o operando direito e o valor abaixo é tratado como o operando esquerdo.</a:t>
-            </a:r>
-            <a:endParaRPr lang="pt-BR" sz="2200" b="0" strike="noStrike" spc="-1" dirty="0">
-              <a:solidFill>
-                <a:srgbClr val="1B1B21"/>
-              </a:solidFill>
-              <a:latin typeface="Arial"/>
-            </a:endParaRPr>
-          </a:p>
-        </p:txBody>
-      </p:sp>
-      <p:sp>
-        <p:nvSpPr>
-          <p:cNvPr id="190" name="TextShape 2"/>
+              <a:t>.</a:t>
+            </a:r>
+            <a:endParaRPr lang="pt-BR" sz="2000" b="0" strike="noStrike" spc="-1" dirty="0">
+              <a:solidFill>
+                <a:srgbClr val="000000"/>
+              </a:solidFill>
+              <a:latin typeface="Arial"/>
+            </a:endParaRPr>
+          </a:p>
+        </p:txBody>
+      </p:sp>
+      <p:sp>
+        <p:nvSpPr>
+          <p:cNvPr id="193" name="TextShape 2"/>
           <p:cNvSpPr txBox="1"/>
           <p:nvPr/>
         </p:nvSpPr>
         <p:spPr>
           <a:xfrm>
-            <a:off x="702720" y="1584000"/>
-            <a:ext cx="7505280" cy="2880000"/>
+            <a:off x="819000" y="1991160"/>
+            <a:ext cx="7505280" cy="2447640"/>
           </a:xfrm>
           <a:prstGeom prst="rect">
             <a:avLst/>
@@ -8730,27 +9204,17 @@
           <a:lstStyle/>
           <a:p>
             <a:r>
-              <a:rPr lang="pt-BR" sz="1800" b="0" i="1" strike="noStrike" spc="-1" dirty="0">
+              <a:rPr lang="pt-BR" sz="1400" b="0" strike="noStrike" spc="-1" dirty="0">
                 <a:solidFill>
                   <a:srgbClr val="1B1B21"/>
                 </a:solidFill>
                 <a:latin typeface="Arial"/>
                 <a:ea typeface="Arial"/>
               </a:rPr>
-              <a:t> 		</a:t>
-            </a:r>
-            <a:r>
-              <a:rPr lang="pt-BR" sz="1400" b="0" i="1" strike="noStrike" spc="-1" dirty="0">
-                <a:solidFill>
-                  <a:srgbClr val="1B1B21"/>
-                </a:solidFill>
-                <a:latin typeface="Arial"/>
-                <a:ea typeface="Arial"/>
-              </a:rPr>
-              <a:t>&gt;&gt; </a:t>
-            </a:r>
-            <a:r>
-              <a:rPr lang="pt-BR" sz="1400" b="0" i="1" strike="noStrike" spc="-1" dirty="0" smtClean="0">
+              <a:t> 		&gt;&gt; </a:t>
+            </a:r>
+            <a:r>
+              <a:rPr lang="pt-BR" sz="1400" b="0" strike="noStrike" spc="-1" dirty="0" smtClean="0">
                 <a:solidFill>
                   <a:srgbClr val="1B1B21"/>
                 </a:solidFill>
@@ -8767,7 +9231,7 @@
               <a:rPr dirty="0"/>
             </a:br>
             <a:r>
-              <a:rPr lang="pt-BR" sz="1400" b="0" i="1" strike="noStrike" spc="-1" dirty="0">
+              <a:rPr lang="pt-BR" sz="1400" b="0" strike="noStrike" spc="-1" dirty="0">
                 <a:solidFill>
                   <a:srgbClr val="1B1B21"/>
                 </a:solidFill>
@@ -8777,7 +9241,7 @@
               <a:t>		</a:t>
             </a:r>
             <a:r>
-              <a:rPr lang="pt-BR" sz="1400" b="0" i="1" strike="noStrike" spc="-1" dirty="0" err="1">
+              <a:rPr lang="pt-BR" sz="1400" b="0" strike="noStrike" spc="-1" dirty="0" err="1">
                 <a:solidFill>
                   <a:srgbClr val="1B1B21"/>
                 </a:solidFill>
@@ -8787,7 +9251,7 @@
               <a:t>main</a:t>
             </a:r>
             <a:r>
-              <a:rPr lang="pt-BR" sz="1400" b="0" i="1" strike="noStrike" spc="-1" dirty="0">
+              <a:rPr lang="pt-BR" sz="1400" b="0" strike="noStrike" spc="-1" dirty="0">
                 <a:solidFill>
                   <a:srgbClr val="1B1B21"/>
                 </a:solidFill>
@@ -8797,7 +9261,7 @@
               <a:t> </a:t>
             </a:r>
             <a:r>
-              <a:rPr lang="pt-BR" sz="1400" b="0" i="1" strike="noStrike" spc="-1" dirty="0" err="1">
+              <a:rPr lang="pt-BR" sz="1400" b="0" strike="noStrike" spc="-1" dirty="0" err="1">
                 <a:solidFill>
                   <a:srgbClr val="1B1B21"/>
                 </a:solidFill>
@@ -8807,24 +9271,24 @@
               <a:t>stack</a:t>
             </a:r>
             <a:r>
-              <a:rPr lang="pt-BR" sz="1400" b="0" i="1" strike="noStrike" spc="-1" dirty="0">
+              <a:rPr lang="pt-BR" sz="1400" b="0" strike="noStrike" spc="-1" dirty="0" smtClean="0">
                 <a:solidFill>
                   <a:srgbClr val="1B1B21"/>
                 </a:solidFill>
                 <a:latin typeface="Arial"/>
                 <a:ea typeface="Arial"/>
               </a:rPr>
-              <a:t>: </a:t>
-            </a:r>
-            <a:r>
-              <a:rPr lang="pt-BR" sz="1400" b="0" i="1" strike="noStrike" spc="-1" dirty="0" smtClean="0">
+              <a:t>:  </a:t>
+            </a:r>
+            <a:r>
+              <a:rPr lang="pt-BR" sz="1400" b="0" strike="noStrike" spc="-1" dirty="0">
                 <a:solidFill>
                   <a:srgbClr val="1B1B21"/>
                 </a:solidFill>
                 <a:latin typeface="Arial"/>
                 <a:ea typeface="Arial"/>
               </a:rPr>
-              <a:t> 99</a:t>
+              <a:t>99</a:t>
             </a:r>
             <a:r>
               <a:rPr dirty="0"/>
@@ -8834,7 +9298,7 @@
               <a:rPr dirty="0"/>
             </a:br>
             <a:r>
-              <a:rPr lang="pt-BR" sz="1400" b="0" i="1" strike="noStrike" spc="-1" dirty="0">
+              <a:rPr lang="pt-BR" sz="1400" b="0" strike="noStrike" spc="-1" dirty="0">
                 <a:solidFill>
                   <a:srgbClr val="1B1B21"/>
                 </a:solidFill>
@@ -8844,134 +9308,14 @@
               <a:t>		&gt;&gt; </a:t>
             </a:r>
             <a:r>
-              <a:rPr lang="pt-BR" sz="1400" b="0" i="1" strike="noStrike" spc="-1" dirty="0" smtClean="0">
+              <a:rPr lang="pt-BR" sz="1400" b="0" strike="noStrike" spc="-1" dirty="0" smtClean="0">
                 <a:solidFill>
                   <a:srgbClr val="1B1B21"/>
                 </a:solidFill>
                 <a:latin typeface="Arial"/>
                 <a:ea typeface="Arial"/>
               </a:rPr>
-              <a:t>  1 </a:t>
-            </a:r>
-            <a:r>
-              <a:rPr lang="pt-BR" sz="1400" i="1" spc="-1" dirty="0">
-                <a:solidFill>
-                  <a:srgbClr val="1B1B21"/>
-                </a:solidFill>
-                <a:latin typeface="Arial"/>
-                <a:ea typeface="Arial"/>
-              </a:rPr>
-              <a:t> </a:t>
-            </a:r>
-            <a:r>
-              <a:rPr lang="pt-BR" sz="1400" i="1" spc="-1" dirty="0" smtClean="0">
-                <a:solidFill>
-                  <a:srgbClr val="1B1B21"/>
-                </a:solidFill>
-                <a:latin typeface="Arial"/>
-                <a:ea typeface="Arial"/>
-              </a:rPr>
-              <a:t> </a:t>
-            </a:r>
-            <a:r>
-              <a:rPr lang="pt-BR" sz="1400" b="0" i="1" strike="noStrike" spc="-1" dirty="0" smtClean="0">
-                <a:solidFill>
-                  <a:srgbClr val="1B1B21"/>
-                </a:solidFill>
-                <a:latin typeface="Arial"/>
-                <a:ea typeface="Arial"/>
-              </a:rPr>
-              <a:t>2 </a:t>
-            </a:r>
-            <a:r>
-              <a:rPr lang="pt-BR" sz="1400" i="1" spc="-1" dirty="0">
-                <a:solidFill>
-                  <a:srgbClr val="1B1B21"/>
-                </a:solidFill>
-                <a:latin typeface="Arial"/>
-                <a:ea typeface="Arial"/>
-              </a:rPr>
-              <a:t> </a:t>
-            </a:r>
-            <a:r>
-              <a:rPr lang="pt-BR" sz="1400" i="1" spc="-1" dirty="0" smtClean="0">
-                <a:solidFill>
-                  <a:srgbClr val="1B1B21"/>
-                </a:solidFill>
-                <a:latin typeface="Arial"/>
-                <a:ea typeface="Arial"/>
-              </a:rPr>
-              <a:t> </a:t>
-            </a:r>
-            <a:r>
-              <a:rPr lang="pt-BR" sz="1400" b="0" i="1" strike="noStrike" spc="-1" dirty="0" smtClean="0">
-                <a:solidFill>
-                  <a:srgbClr val="1B1B21"/>
-                </a:solidFill>
-                <a:latin typeface="Arial"/>
-                <a:ea typeface="Arial"/>
-              </a:rPr>
-              <a:t>+</a:t>
-            </a:r>
-            <a:r>
-              <a:rPr lang="pt-BR" sz="1400" i="1" spc="-1" dirty="0">
-                <a:solidFill>
-                  <a:srgbClr val="1B1B21"/>
-                </a:solidFill>
-                <a:latin typeface="Arial"/>
-                <a:ea typeface="Arial"/>
-              </a:rPr>
-              <a:t> </a:t>
-            </a:r>
-            <a:r>
-              <a:rPr lang="pt-BR" sz="1400" i="1" spc="-1" dirty="0" smtClean="0">
-                <a:solidFill>
-                  <a:srgbClr val="1B1B21"/>
-                </a:solidFill>
-                <a:latin typeface="Arial"/>
-                <a:ea typeface="Arial"/>
-              </a:rPr>
-              <a:t> </a:t>
-            </a:r>
-            <a:r>
-              <a:rPr lang="pt-BR" sz="1400" b="0" i="1" strike="noStrike" spc="-1" dirty="0" smtClean="0">
-                <a:solidFill>
-                  <a:srgbClr val="1B1B21"/>
-                </a:solidFill>
-                <a:latin typeface="Arial"/>
-                <a:ea typeface="Arial"/>
-              </a:rPr>
-              <a:t>5</a:t>
-            </a:r>
-            <a:r>
-              <a:rPr lang="pt-BR" sz="1400" i="1" spc="-1" dirty="0">
-                <a:solidFill>
-                  <a:srgbClr val="1B1B21"/>
-                </a:solidFill>
-                <a:latin typeface="Arial"/>
-                <a:ea typeface="Arial"/>
-              </a:rPr>
-              <a:t> </a:t>
-            </a:r>
-            <a:r>
-              <a:rPr lang="pt-BR" sz="1400" i="1" spc="-1" dirty="0" smtClean="0">
-                <a:solidFill>
-                  <a:srgbClr val="1B1B21"/>
-                </a:solidFill>
-                <a:latin typeface="Arial"/>
-                <a:ea typeface="Arial"/>
-              </a:rPr>
-              <a:t> </a:t>
-            </a:r>
-            <a:r>
-              <a:rPr lang="pt-BR" sz="1400" b="0" i="1" strike="noStrike" spc="-1" dirty="0" smtClean="0">
-                <a:solidFill>
-                  <a:srgbClr val="1B1B21"/>
-                </a:solidFill>
-                <a:latin typeface="Arial"/>
-                <a:ea typeface="Arial"/>
-              </a:rPr>
-              <a:t>*</a:t>
+              <a:t>  1  2  +  5  *</a:t>
             </a:r>
             <a:r>
               <a:rPr dirty="0"/>
@@ -8981,7 +9325,7 @@
               <a:rPr dirty="0"/>
             </a:br>
             <a:r>
-              <a:rPr lang="pt-BR" sz="1400" b="0" i="1" strike="noStrike" spc="-1" dirty="0">
+              <a:rPr lang="pt-BR" sz="1400" b="0" strike="noStrike" spc="-1" dirty="0">
                 <a:solidFill>
                   <a:srgbClr val="1B1B21"/>
                 </a:solidFill>
@@ -8991,7 +9335,7 @@
               <a:t>		</a:t>
             </a:r>
             <a:r>
-              <a:rPr lang="pt-BR" sz="1400" b="0" i="1" strike="noStrike" spc="-1" dirty="0" err="1">
+              <a:rPr lang="pt-BR" sz="1400" b="0" strike="noStrike" spc="-1" dirty="0" err="1">
                 <a:solidFill>
                   <a:srgbClr val="1B1B21"/>
                 </a:solidFill>
@@ -9001,7 +9345,7 @@
               <a:t>main</a:t>
             </a:r>
             <a:r>
-              <a:rPr lang="pt-BR" sz="1400" b="0" i="1" strike="noStrike" spc="-1" dirty="0">
+              <a:rPr lang="pt-BR" sz="1400" b="0" strike="noStrike" spc="-1" dirty="0">
                 <a:solidFill>
                   <a:srgbClr val="1B1B21"/>
                 </a:solidFill>
@@ -9011,7 +9355,7 @@
               <a:t> </a:t>
             </a:r>
             <a:r>
-              <a:rPr lang="pt-BR" sz="1400" b="0" i="1" strike="noStrike" spc="-1" dirty="0" err="1">
+              <a:rPr lang="pt-BR" sz="1400" b="0" strike="noStrike" spc="-1" dirty="0" err="1">
                 <a:solidFill>
                   <a:srgbClr val="1B1B21"/>
                 </a:solidFill>
@@ -9021,24 +9365,34 @@
               <a:t>stack</a:t>
             </a:r>
             <a:r>
-              <a:rPr lang="pt-BR" sz="1400" b="0" i="1" strike="noStrike" spc="-1" dirty="0">
+              <a:rPr lang="pt-BR" sz="1400" b="0" strike="noStrike" spc="-1" dirty="0" smtClean="0">
                 <a:solidFill>
                   <a:srgbClr val="1B1B21"/>
                 </a:solidFill>
                 <a:latin typeface="Arial"/>
                 <a:ea typeface="Arial"/>
               </a:rPr>
-              <a:t>: </a:t>
-            </a:r>
-            <a:r>
-              <a:rPr lang="pt-BR" sz="1400" b="0" i="1" strike="noStrike" spc="-1" dirty="0" smtClean="0">
+              <a:t>:  </a:t>
+            </a:r>
+            <a:r>
+              <a:rPr lang="pt-BR" sz="1400" b="0" strike="noStrike" spc="-1" dirty="0">
                 <a:solidFill>
                   <a:srgbClr val="1B1B21"/>
                 </a:solidFill>
                 <a:latin typeface="Arial"/>
                 <a:ea typeface="Arial"/>
               </a:rPr>
-              <a:t> 99  15</a:t>
+              <a:t>99 </a:t>
+            </a:r>
+            <a:r>
+              <a:rPr lang="pt-BR" sz="1400" b="0" strike="noStrike" spc="-1" dirty="0" smtClean="0">
+                <a:solidFill>
+                  <a:srgbClr val="1B1B21"/>
+                </a:solidFill>
+                <a:latin typeface="Arial"/>
+                <a:ea typeface="Arial"/>
+              </a:rPr>
+              <a:t> 15</a:t>
             </a:r>
             <a:r>
               <a:rPr dirty="0"/>
@@ -9048,44 +9402,24 @@
               <a:rPr dirty="0"/>
             </a:br>
             <a:r>
-              <a:rPr lang="pt-BR" sz="1400" b="0" i="1" strike="noStrike" spc="-1" dirty="0">
+              <a:rPr lang="pt-BR" sz="1400" b="0" strike="noStrike" spc="-1" dirty="0">
                 <a:solidFill>
                   <a:srgbClr val="1B1B21"/>
                 </a:solidFill>
                 <a:latin typeface="Arial"/>
                 <a:ea typeface="Arial"/>
               </a:rPr>
-              <a:t>		</a:t>
-            </a:r>
-            <a:r>
-              <a:rPr lang="pt-BR" sz="1400" b="1" i="1" strike="noStrike" spc="-1" dirty="0">
+              <a:t>		&gt;&gt; </a:t>
+            </a:r>
+            <a:r>
+              <a:rPr lang="pt-BR" sz="1400" b="0" strike="noStrike" spc="-1" dirty="0" smtClean="0">
                 <a:solidFill>
                   <a:srgbClr val="1B1B21"/>
                 </a:solidFill>
                 <a:latin typeface="Arial"/>
                 <a:ea typeface="Arial"/>
               </a:rPr>
-              <a:t>&gt;&gt; </a:t>
-            </a:r>
-            <a:r>
-              <a:rPr lang="pt-BR" sz="1400" b="1" i="1" strike="noStrike" spc="-1" dirty="0" smtClean="0">
-                <a:solidFill>
-                  <a:srgbClr val="1B1B21"/>
-                </a:solidFill>
-                <a:latin typeface="Arial"/>
-                <a:ea typeface="Arial"/>
-              </a:rPr>
-              <a:t>  </a:t>
-            </a:r>
-            <a:r>
-              <a:rPr lang="pt-BR" sz="1400" b="1" i="1" strike="noStrike" spc="-1" dirty="0" smtClean="0">
-                <a:solidFill>
-                  <a:srgbClr val="FF0000"/>
-                </a:solidFill>
-                <a:latin typeface="Arial"/>
-                <a:ea typeface="Arial"/>
-              </a:rPr>
-              <a:t>&gt;</a:t>
+              <a:t>  &gt;</a:t>
             </a:r>
             <a:r>
               <a:rPr dirty="0"/>
@@ -9095,6 +9429,83 @@
               <a:rPr dirty="0"/>
             </a:br>
             <a:r>
+              <a:rPr lang="pt-BR" sz="1400" b="0" strike="noStrike" spc="-1" dirty="0">
+                <a:solidFill>
+                  <a:srgbClr val="1B1B21"/>
+                </a:solidFill>
+                <a:latin typeface="Arial"/>
+                <a:ea typeface="Arial"/>
+              </a:rPr>
+              <a:t>		</a:t>
+            </a:r>
+            <a:r>
+              <a:rPr lang="pt-BR" sz="1400" b="0" strike="noStrike" spc="-1" dirty="0" err="1">
+                <a:solidFill>
+                  <a:srgbClr val="1B1B21"/>
+                </a:solidFill>
+                <a:latin typeface="Arial"/>
+                <a:ea typeface="Arial"/>
+              </a:rPr>
+              <a:t>main</a:t>
+            </a:r>
+            <a:r>
+              <a:rPr lang="pt-BR" sz="1400" b="0" strike="noStrike" spc="-1" dirty="0">
+                <a:solidFill>
+                  <a:srgbClr val="1B1B21"/>
+                </a:solidFill>
+                <a:latin typeface="Arial"/>
+                <a:ea typeface="Arial"/>
+              </a:rPr>
+              <a:t> </a:t>
+            </a:r>
+            <a:r>
+              <a:rPr lang="pt-BR" sz="1400" b="0" strike="noStrike" spc="-1" dirty="0" err="1">
+                <a:solidFill>
+                  <a:srgbClr val="1B1B21"/>
+                </a:solidFill>
+                <a:latin typeface="Arial"/>
+                <a:ea typeface="Arial"/>
+              </a:rPr>
+              <a:t>stack</a:t>
+            </a:r>
+            <a:r>
+              <a:rPr lang="pt-BR" sz="1400" b="0" strike="noStrike" spc="-1" dirty="0" smtClean="0">
+                <a:solidFill>
+                  <a:srgbClr val="1B1B21"/>
+                </a:solidFill>
+                <a:latin typeface="Arial"/>
+                <a:ea typeface="Arial"/>
+              </a:rPr>
+              <a:t>:  </a:t>
+            </a:r>
+            <a:r>
+              <a:rPr lang="pt-BR" sz="1400" b="0" strike="noStrike" spc="-1" dirty="0" err="1">
+                <a:solidFill>
+                  <a:srgbClr val="1B1B21"/>
+                </a:solidFill>
+                <a:latin typeface="Arial"/>
+                <a:ea typeface="Arial"/>
+              </a:rPr>
+              <a:t>true</a:t>
+            </a:r>
+            <a:r>
+              <a:rPr dirty="0"/>
+              <a:t/>
+            </a:r>
+            <a:br>
+              <a:rPr dirty="0"/>
+            </a:br>
+            <a:r>
+              <a:rPr lang="pt-BR" sz="1400" b="0" strike="noStrike" spc="-1" dirty="0">
+                <a:solidFill>
+                  <a:srgbClr val="1B1B21"/>
+                </a:solidFill>
+                <a:latin typeface="Arial"/>
+                <a:ea typeface="Arial"/>
+              </a:rPr>
+              <a:t>		</a:t>
+            </a:r>
+            <a:r>
               <a:rPr lang="pt-BR" sz="1400" b="1" i="1" strike="noStrike" spc="-1" dirty="0">
                 <a:solidFill>
                   <a:srgbClr val="1B1B21"/>
@@ -9102,6 +9513,43 @@
                 <a:latin typeface="Arial"/>
                 <a:ea typeface="Arial"/>
               </a:rPr>
+              <a:t>&gt;&gt; </a:t>
+            </a:r>
+            <a:r>
+              <a:rPr lang="pt-BR" sz="1400" b="1" i="1" strike="noStrike" spc="-1" dirty="0" smtClean="0">
+                <a:solidFill>
+                  <a:srgbClr val="1B1B21"/>
+                </a:solidFill>
+                <a:latin typeface="Arial"/>
+                <a:ea typeface="Arial"/>
+              </a:rPr>
+              <a:t>  </a:t>
+            </a:r>
+            <a:r>
+              <a:rPr lang="pt-BR" sz="1400" b="1" i="1" strike="noStrike" spc="-1" dirty="0" smtClean="0">
+                <a:solidFill>
+                  <a:srgbClr val="FF0000"/>
+                </a:solidFill>
+                <a:latin typeface="Arial"/>
+                <a:ea typeface="Arial"/>
+              </a:rPr>
+              <a:t>pop</a:t>
+            </a:r>
+            <a:r>
+              <a:rPr dirty="0"/>
+              <a:t/>
+            </a:r>
+            <a:br>
+              <a:rPr dirty="0"/>
+            </a:br>
+            <a:r>
+              <a:rPr lang="pt-BR" sz="1400" b="1" i="1" strike="noStrike" spc="-1" dirty="0">
+                <a:solidFill>
+                  <a:srgbClr val="1B1B21"/>
+                </a:solidFill>
+                <a:latin typeface="Arial"/>
+                <a:ea typeface="Arial"/>
+              </a:rPr>
               <a:t>		</a:t>
             </a:r>
             <a:r>
@@ -9127,125 +9575,55 @@
             <a:r>
               <a:rPr lang="pt-BR" sz="1400" b="1" i="1" strike="noStrike" spc="-1" dirty="0" err="1">
                 <a:solidFill>
+                  <a:srgbClr val="1B1B21"/>
+                </a:solidFill>
+                <a:latin typeface="Arial"/>
+                <a:ea typeface="Arial"/>
+              </a:rPr>
+              <a:t>stack</a:t>
+            </a:r>
+            <a:r>
+              <a:rPr lang="pt-BR" sz="1400" b="1" i="1" strike="noStrike" spc="-1" dirty="0">
+                <a:solidFill>
+                  <a:srgbClr val="1B1B21"/>
+                </a:solidFill>
+                <a:latin typeface="Arial"/>
+                <a:ea typeface="Arial"/>
+              </a:rPr>
+              <a:t>: </a:t>
+            </a:r>
+            <a:r>
+              <a:rPr lang="pt-BR" sz="1400" b="1" i="1" strike="noStrike" spc="-1" dirty="0" smtClean="0">
+                <a:solidFill>
+                  <a:srgbClr val="1B1B21"/>
+                </a:solidFill>
+                <a:latin typeface="Arial"/>
+                <a:ea typeface="Arial"/>
+              </a:rPr>
+              <a:t> </a:t>
+            </a:r>
+            <a:r>
+              <a:rPr lang="pt-BR" sz="1400" b="1" i="1" strike="noStrike" spc="-1" dirty="0" err="1" smtClean="0">
+                <a:solidFill>
                   <a:srgbClr val="FF0000"/>
                 </a:solidFill>
                 <a:latin typeface="Arial"/>
                 <a:ea typeface="Arial"/>
               </a:rPr>
-              <a:t>stack</a:t>
-            </a:r>
-            <a:r>
-              <a:rPr lang="pt-BR" sz="1400" b="1" i="1" strike="noStrike" spc="-1" dirty="0">
-                <a:solidFill>
-                  <a:srgbClr val="FF0000"/>
-                </a:solidFill>
-                <a:latin typeface="Arial"/>
-                <a:ea typeface="Arial"/>
-              </a:rPr>
-              <a:t>: </a:t>
-            </a:r>
-            <a:r>
-              <a:rPr lang="pt-BR" sz="1400" b="1" i="1" strike="noStrike" spc="-1" dirty="0" err="1">
-                <a:solidFill>
-                  <a:srgbClr val="FF0000"/>
-                </a:solidFill>
-                <a:latin typeface="Arial"/>
-                <a:ea typeface="Arial"/>
-              </a:rPr>
-              <a:t>true</a:t>
-            </a:r>
-            <a:endParaRPr lang="pt-BR" sz="1400" b="0" i="1" strike="noStrike" spc="-1" dirty="0">
+              <a:t>empty</a:t>
+            </a:r>
+            <a:endParaRPr lang="pt-BR" sz="1400" b="0" strike="noStrike" spc="-1" dirty="0">
               <a:solidFill>
                 <a:srgbClr val="FF0000"/>
               </a:solidFill>
               <a:latin typeface="Arial"/>
             </a:endParaRPr>
           </a:p>
-          <a:p>
-            <a:r>
-              <a:rPr lang="pt-BR" sz="1800" b="0" i="1" strike="noStrike" spc="-1" dirty="0" smtClean="0">
-                <a:solidFill>
-                  <a:srgbClr val="1B1B21"/>
-                </a:solidFill>
-                <a:latin typeface="Arial"/>
-                <a:ea typeface="Arial"/>
-              </a:rPr>
-              <a:t>     </a:t>
-            </a:r>
-          </a:p>
-          <a:p>
-            <a:r>
-              <a:rPr lang="pt-BR" i="1" spc="-1" dirty="0">
-                <a:solidFill>
-                  <a:srgbClr val="1B1B21"/>
-                </a:solidFill>
-                <a:latin typeface="Arial"/>
-                <a:ea typeface="Arial"/>
-              </a:rPr>
-              <a:t> </a:t>
-            </a:r>
-            <a:r>
-              <a:rPr lang="pt-BR" i="1" spc="-1" dirty="0" smtClean="0">
-                <a:solidFill>
-                  <a:srgbClr val="1B1B21"/>
-                </a:solidFill>
-                <a:latin typeface="Arial"/>
-                <a:ea typeface="Arial"/>
-              </a:rPr>
-              <a:t>    </a:t>
-            </a:r>
-            <a:r>
-              <a:rPr lang="pt-BR" sz="1800" b="0" i="1" strike="noStrike" spc="-1" dirty="0" smtClean="0">
-                <a:solidFill>
-                  <a:srgbClr val="1B1B21"/>
-                </a:solidFill>
-                <a:latin typeface="Arial"/>
-                <a:ea typeface="Arial"/>
-              </a:rPr>
-              <a:t>Digitamos </a:t>
-            </a:r>
-            <a:r>
-              <a:rPr lang="pt-BR" sz="1800" b="0" i="1" strike="noStrike" spc="-1" dirty="0">
-                <a:solidFill>
-                  <a:srgbClr val="1B1B21"/>
-                </a:solidFill>
-                <a:latin typeface="Arial"/>
-                <a:ea typeface="Arial"/>
-              </a:rPr>
-              <a:t>o sinal maior (&gt;) para verificar se 99 é maior que 15. O intérprete imprime o resultado, </a:t>
-            </a:r>
-            <a:r>
-              <a:rPr lang="pt-BR" sz="1800" b="0" i="1" strike="noStrike" spc="-1" dirty="0" err="1">
-                <a:solidFill>
-                  <a:srgbClr val="1B1B21"/>
-                </a:solidFill>
-                <a:latin typeface="Arial"/>
-                <a:ea typeface="Arial"/>
-              </a:rPr>
-              <a:t>true</a:t>
-            </a:r>
-            <a:r>
-              <a:rPr lang="pt-BR" sz="1800" b="0" i="1" strike="noStrike" spc="-1" dirty="0">
-                <a:solidFill>
-                  <a:srgbClr val="1B1B21"/>
-                </a:solidFill>
-                <a:latin typeface="Arial"/>
-                <a:ea typeface="Arial"/>
-              </a:rPr>
-              <a:t>.</a:t>
-            </a:r>
-            <a:endParaRPr lang="pt-BR" sz="1800" b="0" strike="noStrike" spc="-1" dirty="0">
-              <a:solidFill>
-                <a:srgbClr val="1B1B21"/>
-              </a:solidFill>
-              <a:latin typeface="Arial"/>
-            </a:endParaRPr>
-          </a:p>
-        </p:txBody>
-      </p:sp>
-      <p:sp>
-        <p:nvSpPr>
-          <p:cNvPr id="191" name="TextShape 3"/>
+        </p:txBody>
+      </p:sp>
+      <p:sp>
+        <p:nvSpPr>
+          <p:cNvPr id="194" name="TextShape 3"/>
           <p:cNvSpPr txBox="1"/>
           <p:nvPr/>
         </p:nvSpPr>
@@ -9273,7 +9651,7 @@
                 </a:solidFill>
                 <a:latin typeface="Arial"/>
               </a:rPr>
-              <a:t>12</a:t>
+              <a:t>13</a:t>
             </a:r>
             <a:endParaRPr lang="pt-BR" sz="1800" b="0" strike="noStrike" spc="-1" dirty="0">
               <a:latin typeface="Arial"/>
@@ -9290,7 +9668,7 @@
     <mc:Choice Requires="p14">
       <p:transition spd="slow" p14:dur="2000"/>
     </mc:Choice>
-    <mc:Fallback xmlns="" xmlns:p15="http://schemas.microsoft.com/office/powerpoint/2012/main">
+    <mc:Fallback xmlns:p15="http://schemas.microsoft.com/office/powerpoint/2012/main" xmlns="">
       <p:transition spd="slow"/>
     </mc:Fallback>
   </mc:AlternateContent>
@@ -9343,13 +9721,13 @@
       </p:grpSpPr>
       <p:sp>
         <p:nvSpPr>
-          <p:cNvPr id="192" name="TextShape 1"/>
+          <p:cNvPr id="183" name="TextShape 1"/>
           <p:cNvSpPr txBox="1"/>
           <p:nvPr/>
         </p:nvSpPr>
         <p:spPr>
           <a:xfrm>
-            <a:off x="819000" y="773640"/>
+            <a:off x="792000" y="576699"/>
             <a:ext cx="7505280" cy="954360"/>
           </a:xfrm>
           <a:prstGeom prst="rect">
@@ -9361,65 +9739,43 @@
           </a:ln>
         </p:spPr>
         <p:txBody>
-          <a:bodyPr lIns="0" tIns="0" rIns="0" bIns="0" anchor="ctr"/>
-          <a:lstStyle/>
-          <a:p>
-            <a:r>
-              <a:rPr lang="pt-BR" sz="2000" b="0" strike="noStrike" spc="-1" dirty="0">
-                <a:solidFill>
-                  <a:srgbClr val="000000"/>
-                </a:solidFill>
-                <a:latin typeface="Arial"/>
-              </a:rPr>
-              <a:t>Por último, para nós limparmos a pilha, utilizamos o comando POP, deixando assim a pilha vazia (</a:t>
-            </a:r>
-            <a:r>
-              <a:rPr lang="pt-BR" sz="2000" b="0" strike="noStrike" spc="-1" dirty="0" err="1">
-                <a:solidFill>
-                  <a:srgbClr val="000000"/>
-                </a:solidFill>
-                <a:latin typeface="Arial"/>
-              </a:rPr>
-              <a:t>empty</a:t>
-            </a:r>
-            <a:r>
-              <a:rPr lang="pt-BR" sz="2000" b="0" strike="noStrike" spc="-1" dirty="0">
-                <a:solidFill>
-                  <a:srgbClr val="000000"/>
-                </a:solidFill>
-                <a:latin typeface="Arial"/>
-              </a:rPr>
-              <a:t>)</a:t>
-            </a:r>
-            <a:r>
-              <a:rPr lang="pt-BR" sz="2000" b="0" strike="noStrike" spc="-1" dirty="0">
-                <a:solidFill>
-                  <a:srgbClr val="1B1B21"/>
-                </a:solidFill>
-                <a:latin typeface="Arial"/>
-                <a:ea typeface="Arial"/>
-              </a:rPr>
-              <a:t>.</a:t>
-            </a:r>
-            <a:endParaRPr lang="pt-BR" sz="2000" b="0" strike="noStrike" spc="-1" dirty="0">
-              <a:solidFill>
-                <a:srgbClr val="000000"/>
-              </a:solidFill>
-              <a:latin typeface="Arial"/>
-            </a:endParaRPr>
-          </a:p>
-        </p:txBody>
-      </p:sp>
-      <p:sp>
-        <p:nvSpPr>
-          <p:cNvPr id="193" name="TextShape 2"/>
+          <a:bodyPr tIns="91440" bIns="91440"/>
+          <a:lstStyle/>
+          <a:p>
+            <a:pPr>
+              <a:lnSpc>
+                <a:spcPct val="100000"/>
+              </a:lnSpc>
+            </a:pPr>
+            <a:r>
+              <a:rPr lang="pt-BR" sz="3000" b="1" strike="noStrike" spc="-1" dirty="0" smtClean="0">
+                <a:solidFill>
+                  <a:srgbClr val="AF7B51"/>
+                </a:solidFill>
+                <a:latin typeface="Nunito"/>
+                <a:ea typeface="Nunito"/>
+              </a:rPr>
+              <a:t>Fundamentos do JOY</a:t>
+            </a:r>
+            <a:endParaRPr lang="pt-BR" sz="3000" b="0" strike="noStrike" spc="-1" dirty="0">
+              <a:solidFill>
+                <a:srgbClr val="000000"/>
+              </a:solidFill>
+              <a:latin typeface="Arial"/>
+            </a:endParaRPr>
+          </a:p>
+        </p:txBody>
+      </p:sp>
+      <p:sp>
+        <p:nvSpPr>
+          <p:cNvPr id="184" name="TextShape 2"/>
           <p:cNvSpPr txBox="1"/>
           <p:nvPr/>
         </p:nvSpPr>
         <p:spPr>
           <a:xfrm>
-            <a:off x="819000" y="1991160"/>
-            <a:ext cx="7505280" cy="2447640"/>
+            <a:off x="558918" y="1297411"/>
+            <a:ext cx="7505280" cy="3444918"/>
           </a:xfrm>
           <a:prstGeom prst="rect">
             <a:avLst/>
@@ -9430,438 +9786,276 @@
           </a:ln>
         </p:spPr>
         <p:txBody>
-          <a:bodyPr lIns="0" tIns="0" rIns="0" bIns="0">
-            <a:normAutofit/>
-          </a:bodyPr>
-          <a:lstStyle/>
-          <a:p>
-            <a:r>
-              <a:rPr lang="pt-BR" sz="1400" b="0" strike="noStrike" spc="-1" dirty="0">
-                <a:solidFill>
-                  <a:srgbClr val="1B1B21"/>
-                </a:solidFill>
-                <a:latin typeface="Arial"/>
-                <a:ea typeface="Arial"/>
-              </a:rPr>
-              <a:t> 		&gt;&gt; </a:t>
-            </a:r>
-            <a:r>
-              <a:rPr lang="pt-BR" sz="1400" b="0" strike="noStrike" spc="-1" dirty="0" smtClean="0">
-                <a:solidFill>
-                  <a:srgbClr val="1B1B21"/>
-                </a:solidFill>
-                <a:latin typeface="Arial"/>
-                <a:ea typeface="Arial"/>
-              </a:rPr>
-              <a:t>  33  3  *</a:t>
-            </a:r>
-            <a:r>
-              <a:rPr dirty="0"/>
-              <a:t/>
-            </a:r>
-            <a:br>
-              <a:rPr dirty="0"/>
-            </a:br>
-            <a:r>
-              <a:rPr lang="pt-BR" sz="1400" b="0" strike="noStrike" spc="-1" dirty="0">
-                <a:solidFill>
-                  <a:srgbClr val="1B1B21"/>
-                </a:solidFill>
-                <a:latin typeface="Arial"/>
-                <a:ea typeface="Arial"/>
-              </a:rPr>
-              <a:t>		</a:t>
-            </a:r>
-            <a:r>
-              <a:rPr lang="pt-BR" sz="1400" b="0" strike="noStrike" spc="-1" dirty="0" err="1">
-                <a:solidFill>
-                  <a:srgbClr val="1B1B21"/>
-                </a:solidFill>
-                <a:latin typeface="Arial"/>
-                <a:ea typeface="Arial"/>
-              </a:rPr>
-              <a:t>main</a:t>
-            </a:r>
-            <a:r>
-              <a:rPr lang="pt-BR" sz="1400" b="0" strike="noStrike" spc="-1" dirty="0">
-                <a:solidFill>
-                  <a:srgbClr val="1B1B21"/>
-                </a:solidFill>
-                <a:latin typeface="Arial"/>
-                <a:ea typeface="Arial"/>
+          <a:bodyPr tIns="91440" bIns="91440"/>
+          <a:lstStyle/>
+          <a:p>
+            <a:pPr>
+              <a:lnSpc>
+                <a:spcPct val="115000"/>
+              </a:lnSpc>
+            </a:pPr>
+            <a:r>
+              <a:rPr lang="pt-BR" sz="1600" b="0" strike="noStrike" spc="-1" dirty="0" smtClean="0">
+                <a:solidFill>
+                  <a:srgbClr val="1B1B21"/>
+                </a:solidFill>
+                <a:latin typeface="Times New Roman"/>
+                <a:ea typeface="Times New Roman"/>
+              </a:rPr>
+              <a:t>  </a:t>
+            </a:r>
+            <a:r>
+              <a:rPr lang="pt-BR" sz="1600" b="0" strike="noStrike" spc="-1" dirty="0" err="1" smtClean="0">
+                <a:solidFill>
+                  <a:srgbClr val="1B1B21"/>
+                </a:solidFill>
+                <a:latin typeface="Times New Roman"/>
+                <a:ea typeface="Times New Roman"/>
+              </a:rPr>
+              <a:t>Joy</a:t>
+            </a:r>
+            <a:r>
+              <a:rPr lang="pt-BR" sz="1600" b="0" strike="noStrike" spc="-1" dirty="0" smtClean="0">
+                <a:solidFill>
+                  <a:srgbClr val="1B1B21"/>
+                </a:solidFill>
+                <a:latin typeface="Times New Roman"/>
+                <a:ea typeface="Times New Roman"/>
+              </a:rPr>
+              <a:t> é uma linguagem puramente funcional, portanto não há estado e, consequentemente, nenhuma atribuição.</a:t>
+            </a:r>
+          </a:p>
+          <a:p>
+            <a:pPr>
+              <a:lnSpc>
+                <a:spcPct val="115000"/>
+              </a:lnSpc>
+            </a:pPr>
+            <a:endParaRPr lang="pt-BR" sz="1600" spc="-1" dirty="0">
+              <a:solidFill>
+                <a:srgbClr val="1B1B21"/>
+              </a:solidFill>
+              <a:latin typeface="Times New Roman"/>
+              <a:ea typeface="Times New Roman"/>
+            </a:endParaRPr>
+          </a:p>
+          <a:p>
+            <a:pPr>
+              <a:lnSpc>
+                <a:spcPct val="115000"/>
+              </a:lnSpc>
+            </a:pPr>
+            <a:r>
+              <a:rPr lang="pt-BR" sz="1600" spc="-1" dirty="0">
+                <a:solidFill>
+                  <a:srgbClr val="1B1B21"/>
+                </a:solidFill>
+                <a:latin typeface="Times New Roman"/>
+                <a:ea typeface="Times New Roman"/>
               </a:rPr>
               <a:t> </a:t>
             </a:r>
             <a:r>
-              <a:rPr lang="pt-BR" sz="1400" b="0" strike="noStrike" spc="-1" dirty="0" err="1">
-                <a:solidFill>
-                  <a:srgbClr val="1B1B21"/>
-                </a:solidFill>
-                <a:latin typeface="Arial"/>
-                <a:ea typeface="Arial"/>
-              </a:rPr>
-              <a:t>stack</a:t>
-            </a:r>
-            <a:r>
-              <a:rPr lang="pt-BR" sz="1400" b="0" strike="noStrike" spc="-1" dirty="0" smtClean="0">
-                <a:solidFill>
-                  <a:srgbClr val="1B1B21"/>
-                </a:solidFill>
-                <a:latin typeface="Arial"/>
-                <a:ea typeface="Arial"/>
-              </a:rPr>
-              <a:t>:  </a:t>
-            </a:r>
-            <a:r>
-              <a:rPr lang="pt-BR" sz="1400" b="0" strike="noStrike" spc="-1" dirty="0">
-                <a:solidFill>
-                  <a:srgbClr val="1B1B21"/>
-                </a:solidFill>
-                <a:latin typeface="Arial"/>
-                <a:ea typeface="Arial"/>
-              </a:rPr>
-              <a:t>99</a:t>
-            </a:r>
-            <a:r>
-              <a:rPr dirty="0"/>
-              <a:t/>
-            </a:r>
-            <a:br>
-              <a:rPr dirty="0"/>
-            </a:br>
-            <a:r>
-              <a:rPr lang="pt-BR" sz="1400" b="0" strike="noStrike" spc="-1" dirty="0">
-                <a:solidFill>
-                  <a:srgbClr val="1B1B21"/>
-                </a:solidFill>
-                <a:latin typeface="Arial"/>
-                <a:ea typeface="Arial"/>
-              </a:rPr>
-              <a:t>		&gt;&gt; </a:t>
-            </a:r>
-            <a:r>
-              <a:rPr lang="pt-BR" sz="1400" b="0" strike="noStrike" spc="-1" dirty="0" smtClean="0">
-                <a:solidFill>
-                  <a:srgbClr val="1B1B21"/>
-                </a:solidFill>
-                <a:latin typeface="Arial"/>
-                <a:ea typeface="Arial"/>
-              </a:rPr>
-              <a:t>  1  2  +  5  *</a:t>
-            </a:r>
-            <a:r>
-              <a:rPr dirty="0"/>
-              <a:t/>
-            </a:r>
-            <a:br>
-              <a:rPr dirty="0"/>
-            </a:br>
-            <a:r>
-              <a:rPr lang="pt-BR" sz="1400" b="0" strike="noStrike" spc="-1" dirty="0">
-                <a:solidFill>
-                  <a:srgbClr val="1B1B21"/>
-                </a:solidFill>
-                <a:latin typeface="Arial"/>
-                <a:ea typeface="Arial"/>
-              </a:rPr>
-              <a:t>		</a:t>
-            </a:r>
-            <a:r>
-              <a:rPr lang="pt-BR" sz="1400" b="0" strike="noStrike" spc="-1" dirty="0" err="1">
-                <a:solidFill>
-                  <a:srgbClr val="1B1B21"/>
-                </a:solidFill>
-                <a:latin typeface="Arial"/>
-                <a:ea typeface="Arial"/>
-              </a:rPr>
-              <a:t>main</a:t>
-            </a:r>
-            <a:r>
-              <a:rPr lang="pt-BR" sz="1400" b="0" strike="noStrike" spc="-1" dirty="0">
-                <a:solidFill>
-                  <a:srgbClr val="1B1B21"/>
-                </a:solidFill>
-                <a:latin typeface="Arial"/>
-                <a:ea typeface="Arial"/>
+              <a:rPr lang="pt-BR" sz="1600" spc="-1" dirty="0" smtClean="0">
+                <a:solidFill>
+                  <a:srgbClr val="1B1B21"/>
+                </a:solidFill>
+                <a:latin typeface="Times New Roman"/>
+                <a:ea typeface="Times New Roman"/>
               </a:rPr>
               <a:t> </a:t>
             </a:r>
             <a:r>
-              <a:rPr lang="pt-BR" sz="1400" b="0" strike="noStrike" spc="-1" dirty="0" err="1">
-                <a:solidFill>
-                  <a:srgbClr val="1B1B21"/>
-                </a:solidFill>
-                <a:latin typeface="Arial"/>
-                <a:ea typeface="Arial"/>
-              </a:rPr>
-              <a:t>stack</a:t>
-            </a:r>
-            <a:r>
-              <a:rPr lang="pt-BR" sz="1400" b="0" strike="noStrike" spc="-1" dirty="0" smtClean="0">
-                <a:solidFill>
-                  <a:srgbClr val="1B1B21"/>
-                </a:solidFill>
-                <a:latin typeface="Arial"/>
-                <a:ea typeface="Arial"/>
-              </a:rPr>
-              <a:t>:  </a:t>
-            </a:r>
-            <a:r>
-              <a:rPr lang="pt-BR" sz="1400" b="0" strike="noStrike" spc="-1" dirty="0">
-                <a:solidFill>
-                  <a:srgbClr val="1B1B21"/>
-                </a:solidFill>
-                <a:latin typeface="Arial"/>
-                <a:ea typeface="Arial"/>
-              </a:rPr>
-              <a:t>99 </a:t>
-            </a:r>
-            <a:r>
-              <a:rPr lang="pt-BR" sz="1400" b="0" strike="noStrike" spc="-1" dirty="0" smtClean="0">
-                <a:solidFill>
-                  <a:srgbClr val="1B1B21"/>
-                </a:solidFill>
-                <a:latin typeface="Arial"/>
-                <a:ea typeface="Arial"/>
-              </a:rPr>
-              <a:t> 15</a:t>
-            </a:r>
-            <a:r>
-              <a:rPr dirty="0"/>
-              <a:t/>
-            </a:r>
-            <a:br>
-              <a:rPr dirty="0"/>
-            </a:br>
-            <a:r>
-              <a:rPr lang="pt-BR" sz="1400" b="0" strike="noStrike" spc="-1" dirty="0">
-                <a:solidFill>
-                  <a:srgbClr val="1B1B21"/>
-                </a:solidFill>
-                <a:latin typeface="Arial"/>
-                <a:ea typeface="Arial"/>
-              </a:rPr>
-              <a:t>		&gt;&gt; </a:t>
-            </a:r>
-            <a:r>
-              <a:rPr lang="pt-BR" sz="1400" b="0" strike="noStrike" spc="-1" dirty="0" smtClean="0">
-                <a:solidFill>
-                  <a:srgbClr val="1B1B21"/>
-                </a:solidFill>
-                <a:latin typeface="Arial"/>
-                <a:ea typeface="Arial"/>
-              </a:rPr>
-              <a:t>  &gt;</a:t>
-            </a:r>
-            <a:r>
-              <a:rPr dirty="0"/>
-              <a:t/>
-            </a:r>
-            <a:br>
-              <a:rPr dirty="0"/>
-            </a:br>
-            <a:r>
-              <a:rPr lang="pt-BR" sz="1400" b="0" strike="noStrike" spc="-1" dirty="0">
-                <a:solidFill>
-                  <a:srgbClr val="1B1B21"/>
-                </a:solidFill>
-                <a:latin typeface="Arial"/>
-                <a:ea typeface="Arial"/>
-              </a:rPr>
-              <a:t>		</a:t>
-            </a:r>
-            <a:r>
-              <a:rPr lang="pt-BR" sz="1400" b="0" strike="noStrike" spc="-1" dirty="0" err="1">
-                <a:solidFill>
-                  <a:srgbClr val="1B1B21"/>
-                </a:solidFill>
-                <a:latin typeface="Arial"/>
-                <a:ea typeface="Arial"/>
-              </a:rPr>
-              <a:t>main</a:t>
-            </a:r>
-            <a:r>
-              <a:rPr lang="pt-BR" sz="1400" b="0" strike="noStrike" spc="-1" dirty="0">
-                <a:solidFill>
-                  <a:srgbClr val="1B1B21"/>
-                </a:solidFill>
-                <a:latin typeface="Arial"/>
-                <a:ea typeface="Arial"/>
+              <a:rPr lang="pt-BR" sz="1600" b="0" strike="noStrike" spc="-1" dirty="0" smtClean="0">
+                <a:solidFill>
+                  <a:srgbClr val="1B1B21"/>
+                </a:solidFill>
+                <a:latin typeface="Times New Roman"/>
+                <a:ea typeface="Times New Roman"/>
+              </a:rPr>
+              <a:t>Programas de </a:t>
+            </a:r>
+            <a:r>
+              <a:rPr lang="pt-BR" sz="1600" b="0" strike="noStrike" spc="-1" dirty="0" err="1" smtClean="0">
+                <a:solidFill>
+                  <a:srgbClr val="1B1B21"/>
+                </a:solidFill>
+                <a:latin typeface="Times New Roman"/>
+                <a:ea typeface="Times New Roman"/>
+              </a:rPr>
+              <a:t>Joy</a:t>
+            </a:r>
+            <a:r>
+              <a:rPr lang="pt-BR" sz="1600" b="0" strike="noStrike" spc="-1" dirty="0" smtClean="0">
+                <a:solidFill>
+                  <a:srgbClr val="1B1B21"/>
+                </a:solidFill>
+                <a:latin typeface="Times New Roman"/>
+                <a:ea typeface="Times New Roman"/>
+              </a:rPr>
+              <a:t> denotam funções unárias de pilhas para pilhas.</a:t>
+            </a:r>
+          </a:p>
+          <a:p>
+            <a:pPr>
+              <a:lnSpc>
+                <a:spcPct val="115000"/>
+              </a:lnSpc>
+            </a:pPr>
+            <a:endParaRPr lang="pt-BR" sz="1600" b="0" strike="noStrike" spc="-1" dirty="0" smtClean="0">
+              <a:solidFill>
+                <a:srgbClr val="1B1B21"/>
+              </a:solidFill>
+              <a:latin typeface="Times New Roman"/>
+              <a:ea typeface="Times New Roman"/>
+            </a:endParaRPr>
+          </a:p>
+          <a:p>
+            <a:pPr>
+              <a:lnSpc>
+                <a:spcPct val="115000"/>
+              </a:lnSpc>
+            </a:pPr>
+            <a:r>
+              <a:rPr lang="pt-BR" sz="1600" spc="-1" dirty="0">
+                <a:solidFill>
+                  <a:srgbClr val="1B1B21"/>
+                </a:solidFill>
+                <a:latin typeface="Times New Roman"/>
+                <a:ea typeface="Times New Roman"/>
               </a:rPr>
               <a:t> </a:t>
             </a:r>
             <a:r>
-              <a:rPr lang="pt-BR" sz="1400" b="0" strike="noStrike" spc="-1" dirty="0" err="1">
-                <a:solidFill>
-                  <a:srgbClr val="1B1B21"/>
-                </a:solidFill>
-                <a:latin typeface="Arial"/>
-                <a:ea typeface="Arial"/>
-              </a:rPr>
-              <a:t>stack</a:t>
-            </a:r>
-            <a:r>
-              <a:rPr lang="pt-BR" sz="1400" b="0" strike="noStrike" spc="-1" dirty="0" smtClean="0">
-                <a:solidFill>
-                  <a:srgbClr val="1B1B21"/>
-                </a:solidFill>
-                <a:latin typeface="Arial"/>
-                <a:ea typeface="Arial"/>
-              </a:rPr>
-              <a:t>:  </a:t>
-            </a:r>
-            <a:r>
-              <a:rPr lang="pt-BR" sz="1400" b="0" strike="noStrike" spc="-1" dirty="0" err="1">
-                <a:solidFill>
-                  <a:srgbClr val="1B1B21"/>
-                </a:solidFill>
-                <a:latin typeface="Arial"/>
-                <a:ea typeface="Arial"/>
-              </a:rPr>
-              <a:t>true</a:t>
-            </a:r>
-            <a:r>
-              <a:rPr dirty="0"/>
-              <a:t/>
-            </a:r>
-            <a:br>
-              <a:rPr dirty="0"/>
-            </a:br>
-            <a:r>
-              <a:rPr lang="pt-BR" sz="1400" b="0" strike="noStrike" spc="-1" dirty="0">
-                <a:solidFill>
-                  <a:srgbClr val="1B1B21"/>
-                </a:solidFill>
-                <a:latin typeface="Arial"/>
-                <a:ea typeface="Arial"/>
-              </a:rPr>
-              <a:t>		</a:t>
-            </a:r>
-            <a:r>
-              <a:rPr lang="pt-BR" sz="1400" b="1" i="1" strike="noStrike" spc="-1" dirty="0">
-                <a:solidFill>
-                  <a:srgbClr val="1B1B21"/>
-                </a:solidFill>
-                <a:latin typeface="Arial"/>
-                <a:ea typeface="Arial"/>
-              </a:rPr>
-              <a:t>&gt;&gt; </a:t>
-            </a:r>
-            <a:r>
-              <a:rPr lang="pt-BR" sz="1400" b="1" i="1" strike="noStrike" spc="-1" dirty="0" smtClean="0">
-                <a:solidFill>
-                  <a:srgbClr val="1B1B21"/>
-                </a:solidFill>
-                <a:latin typeface="Arial"/>
-                <a:ea typeface="Arial"/>
-              </a:rPr>
-              <a:t>  </a:t>
-            </a:r>
-            <a:r>
-              <a:rPr lang="pt-BR" sz="1400" b="1" i="1" strike="noStrike" spc="-1" dirty="0" smtClean="0">
-                <a:solidFill>
-                  <a:srgbClr val="FF0000"/>
-                </a:solidFill>
-                <a:latin typeface="Arial"/>
-                <a:ea typeface="Arial"/>
-              </a:rPr>
-              <a:t>pop</a:t>
-            </a:r>
-            <a:r>
-              <a:rPr dirty="0"/>
-              <a:t/>
-            </a:r>
-            <a:br>
-              <a:rPr dirty="0"/>
-            </a:br>
-            <a:r>
-              <a:rPr lang="pt-BR" sz="1400" b="1" i="1" strike="noStrike" spc="-1" dirty="0">
-                <a:solidFill>
-                  <a:srgbClr val="1B1B21"/>
-                </a:solidFill>
-                <a:latin typeface="Arial"/>
-                <a:ea typeface="Arial"/>
-              </a:rPr>
-              <a:t>		</a:t>
-            </a:r>
-            <a:r>
-              <a:rPr lang="pt-BR" sz="1400" b="1" i="1" strike="noStrike" spc="-1" dirty="0" err="1">
-                <a:solidFill>
-                  <a:srgbClr val="1B1B21"/>
-                </a:solidFill>
-                <a:latin typeface="Arial"/>
-                <a:ea typeface="Arial"/>
-              </a:rPr>
-              <a:t>main</a:t>
-            </a:r>
-            <a:r>
-              <a:rPr lang="pt-BR" sz="1400" b="1" i="1" strike="noStrike" spc="-1" dirty="0">
-                <a:solidFill>
-                  <a:srgbClr val="1B1B21"/>
-                </a:solidFill>
-                <a:latin typeface="Arial"/>
-                <a:ea typeface="Arial"/>
+              <a:rPr lang="pt-BR" sz="1600" b="0" strike="noStrike" spc="-1" dirty="0" smtClean="0">
+                <a:solidFill>
+                  <a:srgbClr val="1B1B21"/>
+                </a:solidFill>
+                <a:latin typeface="Times New Roman"/>
+                <a:ea typeface="Times New Roman"/>
               </a:rPr>
               <a:t> </a:t>
             </a:r>
             <a:r>
-              <a:rPr lang="pt-BR" sz="1400" b="1" i="1" strike="noStrike" spc="-1" dirty="0" err="1">
-                <a:solidFill>
-                  <a:srgbClr val="1B1B21"/>
-                </a:solidFill>
-                <a:latin typeface="Arial"/>
-                <a:ea typeface="Arial"/>
-              </a:rPr>
-              <a:t>stack</a:t>
-            </a:r>
-            <a:r>
-              <a:rPr lang="pt-BR" sz="1400" b="1" i="1" strike="noStrike" spc="-1" dirty="0">
-                <a:solidFill>
-                  <a:srgbClr val="1B1B21"/>
-                </a:solidFill>
-                <a:latin typeface="Arial"/>
-                <a:ea typeface="Arial"/>
-              </a:rPr>
-              <a:t>: </a:t>
-            </a:r>
-            <a:r>
-              <a:rPr lang="pt-BR" sz="1400" b="1" i="1" strike="noStrike" spc="-1" dirty="0" smtClean="0">
-                <a:solidFill>
-                  <a:srgbClr val="1B1B21"/>
-                </a:solidFill>
-                <a:latin typeface="Arial"/>
-                <a:ea typeface="Arial"/>
+              <a:rPr lang="pt-BR" sz="1600" b="0" strike="noStrike" spc="-1" dirty="0" err="1" smtClean="0">
+                <a:solidFill>
+                  <a:srgbClr val="1B1B21"/>
+                </a:solidFill>
+                <a:latin typeface="Times New Roman"/>
+                <a:ea typeface="Times New Roman"/>
+              </a:rPr>
+              <a:t>Joy</a:t>
+            </a:r>
+            <a:r>
+              <a:rPr lang="pt-BR" sz="1600" b="0" strike="noStrike" spc="-1" dirty="0" smtClean="0">
+                <a:solidFill>
+                  <a:srgbClr val="1B1B21"/>
+                </a:solidFill>
+                <a:latin typeface="Times New Roman"/>
+                <a:ea typeface="Times New Roman"/>
+              </a:rPr>
+              <a:t> usa a notação concatenada, portanto a concatenação de programas denota a composição das funções que os programas denotam.</a:t>
+            </a:r>
+          </a:p>
+          <a:p>
+            <a:pPr>
+              <a:lnSpc>
+                <a:spcPct val="115000"/>
+              </a:lnSpc>
+            </a:pPr>
+            <a:endParaRPr lang="pt-BR" sz="1600" b="0" strike="noStrike" spc="-1" dirty="0" smtClean="0">
+              <a:solidFill>
+                <a:srgbClr val="1B1B21"/>
+              </a:solidFill>
+              <a:latin typeface="Times New Roman"/>
+              <a:ea typeface="Times New Roman"/>
+            </a:endParaRPr>
+          </a:p>
+          <a:p>
+            <a:pPr>
+              <a:lnSpc>
+                <a:spcPct val="115000"/>
+              </a:lnSpc>
+            </a:pPr>
+            <a:r>
+              <a:rPr lang="pt-BR" sz="1600" spc="-1" dirty="0">
+                <a:solidFill>
+                  <a:srgbClr val="1B1B21"/>
+                </a:solidFill>
+                <a:latin typeface="Times New Roman"/>
+                <a:ea typeface="Times New Roman"/>
               </a:rPr>
               <a:t> </a:t>
             </a:r>
             <a:r>
-              <a:rPr lang="pt-BR" sz="1400" b="1" i="1" strike="noStrike" spc="-1" dirty="0" err="1" smtClean="0">
-                <a:solidFill>
-                  <a:srgbClr val="FF0000"/>
-                </a:solidFill>
-                <a:latin typeface="Arial"/>
-                <a:ea typeface="Arial"/>
-              </a:rPr>
-              <a:t>empty</a:t>
-            </a:r>
-            <a:endParaRPr lang="pt-BR" sz="1400" b="0" strike="noStrike" spc="-1" dirty="0">
-              <a:solidFill>
-                <a:srgbClr val="FF0000"/>
-              </a:solidFill>
-              <a:latin typeface="Arial"/>
-            </a:endParaRPr>
-          </a:p>
-        </p:txBody>
-      </p:sp>
-      <p:sp>
-        <p:nvSpPr>
-          <p:cNvPr id="194" name="TextShape 3"/>
+              <a:rPr lang="pt-BR" sz="1600" b="0" strike="noStrike" spc="-1" dirty="0" smtClean="0">
+                <a:solidFill>
+                  <a:srgbClr val="1B1B21"/>
+                </a:solidFill>
+                <a:latin typeface="Times New Roman"/>
+                <a:ea typeface="Times New Roman"/>
+              </a:rPr>
+              <a:t> As definições não usam parâmetros formais, portanto não há ambiente de associações.</a:t>
+            </a:r>
+          </a:p>
+          <a:p>
+            <a:pPr>
+              <a:lnSpc>
+                <a:spcPct val="115000"/>
+              </a:lnSpc>
+            </a:pPr>
+            <a:endParaRPr lang="pt-BR" sz="1600" b="0" strike="noStrike" spc="-1" dirty="0" smtClean="0">
+              <a:solidFill>
+                <a:srgbClr val="1B1B21"/>
+              </a:solidFill>
+              <a:latin typeface="Times New Roman"/>
+              <a:ea typeface="Times New Roman"/>
+            </a:endParaRPr>
+          </a:p>
+          <a:p>
+            <a:pPr>
+              <a:lnSpc>
+                <a:spcPct val="115000"/>
+              </a:lnSpc>
+            </a:pPr>
+            <a:r>
+              <a:rPr lang="pt-BR" sz="1600" spc="-1" dirty="0">
+                <a:solidFill>
+                  <a:srgbClr val="1B1B21"/>
+                </a:solidFill>
+                <a:latin typeface="Times New Roman"/>
+                <a:ea typeface="Times New Roman"/>
+              </a:rPr>
+              <a:t> </a:t>
+            </a:r>
+            <a:r>
+              <a:rPr lang="pt-BR" sz="1600" b="0" strike="noStrike" spc="-1" dirty="0" smtClean="0">
+                <a:solidFill>
+                  <a:srgbClr val="1B1B21"/>
+                </a:solidFill>
+                <a:latin typeface="Times New Roman"/>
+                <a:ea typeface="Times New Roman"/>
+              </a:rPr>
+              <a:t> Combinadores fazem o trabalho de funções de ordem superior, eles tomam programas citados como parâmetros.</a:t>
+            </a:r>
+            <a:endParaRPr lang="pt-BR" sz="1600" b="0" strike="noStrike" spc="-1" dirty="0">
+              <a:solidFill>
+                <a:srgbClr val="000000"/>
+              </a:solidFill>
+              <a:latin typeface="Arial"/>
+            </a:endParaRPr>
+          </a:p>
+        </p:txBody>
+      </p:sp>
+      <p:sp>
+        <p:nvSpPr>
+          <p:cNvPr id="185" name="TextShape 3"/>
           <p:cNvSpPr txBox="1"/>
           <p:nvPr/>
         </p:nvSpPr>
         <p:spPr>
           <a:xfrm>
-            <a:off x="8424720" y="4438800"/>
+            <a:off x="8424360" y="4438440"/>
             <a:ext cx="503640" cy="602280"/>
           </a:xfrm>
           <a:prstGeom prst="rect">
@@ -9883,7 +10077,7 @@
                 </a:solidFill>
                 <a:latin typeface="Arial"/>
               </a:rPr>
-              <a:t>13</a:t>
+              <a:t>14</a:t>
             </a:r>
             <a:endParaRPr lang="pt-BR" sz="1800" b="0" strike="noStrike" spc="-1" dirty="0">
               <a:latin typeface="Arial"/>
@@ -9891,7 +10085,212 @@
           </a:p>
         </p:txBody>
       </p:sp>
+      <p:sp>
+        <p:nvSpPr>
+          <p:cNvPr id="2" name="Elipse 1"/>
+          <p:cNvSpPr/>
+          <p:nvPr/>
+        </p:nvSpPr>
+        <p:spPr>
+          <a:xfrm>
+            <a:off x="558918" y="1480800"/>
+            <a:ext cx="116541" cy="100517"/>
+          </a:xfrm>
+          <a:prstGeom prst="ellipse">
+            <a:avLst/>
+          </a:prstGeom>
+        </p:spPr>
+        <p:style>
+          <a:lnRef idx="2">
+            <a:schemeClr val="accent1">
+              <a:shade val="50000"/>
+            </a:schemeClr>
+          </a:lnRef>
+          <a:fillRef idx="1">
+            <a:schemeClr val="accent1"/>
+          </a:fillRef>
+          <a:effectRef idx="0">
+            <a:schemeClr val="accent1"/>
+          </a:effectRef>
+          <a:fontRef idx="minor">
+            <a:schemeClr val="lt1"/>
+          </a:fontRef>
+        </p:style>
+        <p:txBody>
+          <a:bodyPr rtlCol="0" anchor="ctr"/>
+          <a:lstStyle/>
+          <a:p>
+            <a:pPr algn="ctr"/>
+            <a:endParaRPr lang="pt-BR"/>
+          </a:p>
+        </p:txBody>
+      </p:sp>
+      <p:sp>
+        <p:nvSpPr>
+          <p:cNvPr id="6" name="Elipse 5"/>
+          <p:cNvSpPr/>
+          <p:nvPr/>
+        </p:nvSpPr>
+        <p:spPr>
+          <a:xfrm>
+            <a:off x="558918" y="2302029"/>
+            <a:ext cx="116541" cy="100517"/>
+          </a:xfrm>
+          <a:prstGeom prst="ellipse">
+            <a:avLst/>
+          </a:prstGeom>
+        </p:spPr>
+        <p:style>
+          <a:lnRef idx="2">
+            <a:schemeClr val="accent1">
+              <a:shade val="50000"/>
+            </a:schemeClr>
+          </a:lnRef>
+          <a:fillRef idx="1">
+            <a:schemeClr val="accent1"/>
+          </a:fillRef>
+          <a:effectRef idx="0">
+            <a:schemeClr val="accent1"/>
+          </a:effectRef>
+          <a:fontRef idx="minor">
+            <a:schemeClr val="lt1"/>
+          </a:fontRef>
+        </p:style>
+        <p:txBody>
+          <a:bodyPr rtlCol="0" anchor="ctr"/>
+          <a:lstStyle/>
+          <a:p>
+            <a:pPr algn="ctr"/>
+            <a:endParaRPr lang="pt-BR"/>
+          </a:p>
+        </p:txBody>
+      </p:sp>
+      <p:sp>
+        <p:nvSpPr>
+          <p:cNvPr id="7" name="Elipse 6"/>
+          <p:cNvSpPr/>
+          <p:nvPr/>
+        </p:nvSpPr>
+        <p:spPr>
+          <a:xfrm>
+            <a:off x="558918" y="2906188"/>
+            <a:ext cx="116541" cy="100517"/>
+          </a:xfrm>
+          <a:prstGeom prst="ellipse">
+            <a:avLst/>
+          </a:prstGeom>
+        </p:spPr>
+        <p:style>
+          <a:lnRef idx="2">
+            <a:schemeClr val="accent1">
+              <a:shade val="50000"/>
+            </a:schemeClr>
+          </a:lnRef>
+          <a:fillRef idx="1">
+            <a:schemeClr val="accent1"/>
+          </a:fillRef>
+          <a:effectRef idx="0">
+            <a:schemeClr val="accent1"/>
+          </a:effectRef>
+          <a:fontRef idx="minor">
+            <a:schemeClr val="lt1"/>
+          </a:fontRef>
+        </p:style>
+        <p:txBody>
+          <a:bodyPr rtlCol="0" anchor="ctr"/>
+          <a:lstStyle/>
+          <a:p>
+            <a:pPr algn="ctr"/>
+            <a:endParaRPr lang="pt-BR"/>
+          </a:p>
+        </p:txBody>
+      </p:sp>
+      <p:sp>
+        <p:nvSpPr>
+          <p:cNvPr id="8" name="Elipse 7"/>
+          <p:cNvSpPr/>
+          <p:nvPr/>
+        </p:nvSpPr>
+        <p:spPr>
+          <a:xfrm>
+            <a:off x="558918" y="3727417"/>
+            <a:ext cx="116541" cy="100517"/>
+          </a:xfrm>
+          <a:prstGeom prst="ellipse">
+            <a:avLst/>
+          </a:prstGeom>
+        </p:spPr>
+        <p:style>
+          <a:lnRef idx="2">
+            <a:schemeClr val="accent1">
+              <a:shade val="50000"/>
+            </a:schemeClr>
+          </a:lnRef>
+          <a:fillRef idx="1">
+            <a:schemeClr val="accent1"/>
+          </a:fillRef>
+          <a:effectRef idx="0">
+            <a:schemeClr val="accent1"/>
+          </a:effectRef>
+          <a:fontRef idx="minor">
+            <a:schemeClr val="lt1"/>
+          </a:fontRef>
+        </p:style>
+        <p:txBody>
+          <a:bodyPr rtlCol="0" anchor="ctr"/>
+          <a:lstStyle/>
+          <a:p>
+            <a:pPr algn="ctr"/>
+            <a:endParaRPr lang="pt-BR"/>
+          </a:p>
+        </p:txBody>
+      </p:sp>
+      <p:sp>
+        <p:nvSpPr>
+          <p:cNvPr id="9" name="Elipse 8"/>
+          <p:cNvSpPr/>
+          <p:nvPr/>
+        </p:nvSpPr>
+        <p:spPr>
+          <a:xfrm>
+            <a:off x="558918" y="4290696"/>
+            <a:ext cx="116541" cy="100517"/>
+          </a:xfrm>
+          <a:prstGeom prst="ellipse">
+            <a:avLst/>
+          </a:prstGeom>
+        </p:spPr>
+        <p:style>
+          <a:lnRef idx="2">
+            <a:schemeClr val="accent1">
+              <a:shade val="50000"/>
+            </a:schemeClr>
+          </a:lnRef>
+          <a:fillRef idx="1">
+            <a:schemeClr val="accent1"/>
+          </a:fillRef>
+          <a:effectRef idx="0">
+            <a:schemeClr val="accent1"/>
+          </a:effectRef>
+          <a:fontRef idx="minor">
+            <a:schemeClr val="lt1"/>
+          </a:fontRef>
+        </p:style>
+        <p:txBody>
+          <a:bodyPr rtlCol="0" anchor="ctr"/>
+          <a:lstStyle/>
+          <a:p>
+            <a:pPr algn="ctr"/>
+            <a:endParaRPr lang="pt-BR"/>
+          </a:p>
+        </p:txBody>
+      </p:sp>
     </p:spTree>
+    <p:extLst>
+      <p:ext uri="{BB962C8B-B14F-4D97-AF65-F5344CB8AC3E}">
+        <p14:creationId xmlns:p14="http://schemas.microsoft.com/office/powerpoint/2010/main" val="432649671"/>
+      </p:ext>
+    </p:extLst>
   </p:cSld>
   <p:clrMapOvr>
     <a:masterClrMapping/>
@@ -9900,7 +10299,7 @@
     <mc:Choice Requires="p14">
       <p:transition spd="slow" p14:dur="2000"/>
     </mc:Choice>
-    <mc:Fallback xmlns="" xmlns:p15="http://schemas.microsoft.com/office/powerpoint/2012/main">
+    <mc:Fallback xmlns:p15="http://schemas.microsoft.com/office/powerpoint/2012/main" xmlns="">
       <p:transition spd="slow"/>
     </mc:Fallback>
   </mc:AlternateContent>
@@ -9953,13 +10352,13 @@
       </p:grpSpPr>
       <p:sp>
         <p:nvSpPr>
-          <p:cNvPr id="183" name="TextShape 1"/>
+          <p:cNvPr id="195" name="TextShape 1"/>
           <p:cNvSpPr txBox="1"/>
           <p:nvPr/>
         </p:nvSpPr>
         <p:spPr>
           <a:xfrm>
-            <a:off x="792000" y="576699"/>
+            <a:off x="819000" y="845640"/>
             <a:ext cx="7505280" cy="954360"/>
           </a:xfrm>
           <a:prstGeom prst="rect">
@@ -9971,43 +10370,38 @@
           </a:ln>
         </p:spPr>
         <p:txBody>
-          <a:bodyPr tIns="91440" bIns="91440"/>
-          <a:lstStyle/>
-          <a:p>
-            <a:pPr>
-              <a:lnSpc>
-                <a:spcPct val="100000"/>
-              </a:lnSpc>
-            </a:pPr>
-            <a:r>
-              <a:rPr lang="pt-BR" sz="3000" b="1" strike="noStrike" spc="-1" dirty="0" smtClean="0">
+          <a:bodyPr lIns="0" tIns="0" rIns="0" bIns="0" anchor="ctr"/>
+          <a:lstStyle/>
+          <a:p>
+            <a:r>
+              <a:rPr lang="pt-BR" sz="3200" b="1" strike="noStrike" spc="-1">
                 <a:solidFill>
                   <a:srgbClr val="AF7B51"/>
                 </a:solidFill>
                 <a:latin typeface="Nunito"/>
                 <a:ea typeface="Nunito"/>
               </a:rPr>
-              <a:t>Fundamentos do JOY</a:t>
-            </a:r>
-            <a:endParaRPr lang="pt-BR" sz="3000" b="0" strike="noStrike" spc="-1" dirty="0">
-              <a:solidFill>
-                <a:srgbClr val="000000"/>
-              </a:solidFill>
-              <a:latin typeface="Arial"/>
-            </a:endParaRPr>
-          </a:p>
-        </p:txBody>
-      </p:sp>
-      <p:sp>
-        <p:nvSpPr>
-          <p:cNvPr id="184" name="TextShape 2"/>
+              <a:t>Conclusão</a:t>
+            </a:r>
+            <a:endParaRPr lang="pt-BR" sz="3200" b="0" strike="noStrike" spc="-1">
+              <a:solidFill>
+                <a:srgbClr val="000000"/>
+              </a:solidFill>
+              <a:latin typeface="Arial"/>
+            </a:endParaRPr>
+          </a:p>
+        </p:txBody>
+      </p:sp>
+      <p:sp>
+        <p:nvSpPr>
+          <p:cNvPr id="196" name="TextShape 2"/>
           <p:cNvSpPr txBox="1"/>
           <p:nvPr/>
         </p:nvSpPr>
         <p:spPr>
           <a:xfrm>
-            <a:off x="558918" y="1297411"/>
-            <a:ext cx="7505280" cy="3444918"/>
+            <a:off x="819000" y="1990800"/>
+            <a:ext cx="7505280" cy="2447640"/>
           </a:xfrm>
           <a:prstGeom prst="rect">
             <a:avLst/>
@@ -10018,276 +10412,39 @@
           </a:ln>
         </p:spPr>
         <p:txBody>
-          <a:bodyPr tIns="91440" bIns="91440"/>
-          <a:lstStyle/>
-          <a:p>
-            <a:pPr>
-              <a:lnSpc>
-                <a:spcPct val="115000"/>
-              </a:lnSpc>
-            </a:pPr>
-            <a:r>
-              <a:rPr lang="pt-BR" sz="1600" b="0" strike="noStrike" spc="-1" dirty="0" smtClean="0">
-                <a:solidFill>
-                  <a:srgbClr val="1B1B21"/>
-                </a:solidFill>
-                <a:latin typeface="Times New Roman"/>
-                <a:ea typeface="Times New Roman"/>
-              </a:rPr>
-              <a:t>  </a:t>
-            </a:r>
-            <a:r>
-              <a:rPr lang="pt-BR" sz="1600" b="0" strike="noStrike" spc="-1" dirty="0" err="1" smtClean="0">
-                <a:solidFill>
-                  <a:srgbClr val="1B1B21"/>
-                </a:solidFill>
-                <a:latin typeface="Times New Roman"/>
-                <a:ea typeface="Times New Roman"/>
-              </a:rPr>
-              <a:t>Joy</a:t>
-            </a:r>
-            <a:r>
-              <a:rPr lang="pt-BR" sz="1600" b="0" strike="noStrike" spc="-1" dirty="0" smtClean="0">
-                <a:solidFill>
-                  <a:srgbClr val="1B1B21"/>
-                </a:solidFill>
-                <a:latin typeface="Times New Roman"/>
-                <a:ea typeface="Times New Roman"/>
-              </a:rPr>
-              <a:t> é uma linguagem puramente funcional, portanto não há estado e, consequentemente, nenhuma atribuição.</a:t>
-            </a:r>
-          </a:p>
-          <a:p>
-            <a:pPr>
-              <a:lnSpc>
-                <a:spcPct val="115000"/>
-              </a:lnSpc>
-            </a:pPr>
-            <a:endParaRPr lang="pt-BR" sz="1600" spc="-1" dirty="0">
-              <a:solidFill>
-                <a:srgbClr val="1B1B21"/>
-              </a:solidFill>
-              <a:latin typeface="Times New Roman"/>
-              <a:ea typeface="Times New Roman"/>
-            </a:endParaRPr>
-          </a:p>
-          <a:p>
-            <a:pPr>
-              <a:lnSpc>
-                <a:spcPct val="115000"/>
-              </a:lnSpc>
-            </a:pPr>
-            <a:r>
-              <a:rPr lang="pt-BR" sz="1600" spc="-1" dirty="0">
-                <a:solidFill>
-                  <a:srgbClr val="1B1B21"/>
-                </a:solidFill>
-                <a:latin typeface="Times New Roman"/>
-                <a:ea typeface="Times New Roman"/>
-              </a:rPr>
-              <a:t> </a:t>
-            </a:r>
-            <a:r>
-              <a:rPr lang="pt-BR" sz="1600" spc="-1" dirty="0" smtClean="0">
-                <a:solidFill>
-                  <a:srgbClr val="1B1B21"/>
-                </a:solidFill>
-                <a:latin typeface="Times New Roman"/>
-                <a:ea typeface="Times New Roman"/>
-              </a:rPr>
-              <a:t> </a:t>
-            </a:r>
-            <a:r>
-              <a:rPr lang="pt-BR" sz="1600" b="0" strike="noStrike" spc="-1" dirty="0" smtClean="0">
-                <a:solidFill>
-                  <a:srgbClr val="1B1B21"/>
-                </a:solidFill>
-                <a:latin typeface="Times New Roman"/>
-                <a:ea typeface="Times New Roman"/>
-              </a:rPr>
-              <a:t>Programas de </a:t>
-            </a:r>
-            <a:r>
-              <a:rPr lang="pt-BR" sz="1600" b="0" strike="noStrike" spc="-1" dirty="0" err="1" smtClean="0">
-                <a:solidFill>
-                  <a:srgbClr val="1B1B21"/>
-                </a:solidFill>
-                <a:latin typeface="Times New Roman"/>
-                <a:ea typeface="Times New Roman"/>
-              </a:rPr>
-              <a:t>Joy</a:t>
-            </a:r>
-            <a:r>
-              <a:rPr lang="pt-BR" sz="1600" b="0" strike="noStrike" spc="-1" dirty="0" smtClean="0">
-                <a:solidFill>
-                  <a:srgbClr val="1B1B21"/>
-                </a:solidFill>
-                <a:latin typeface="Times New Roman"/>
-                <a:ea typeface="Times New Roman"/>
-              </a:rPr>
-              <a:t> denotam funções unárias de pilhas para pilhas.</a:t>
-            </a:r>
-          </a:p>
-          <a:p>
-            <a:pPr>
-              <a:lnSpc>
-                <a:spcPct val="115000"/>
-              </a:lnSpc>
-            </a:pPr>
-            <a:endParaRPr lang="pt-BR" sz="1600" b="0" strike="noStrike" spc="-1" dirty="0" smtClean="0">
-              <a:solidFill>
-                <a:srgbClr val="1B1B21"/>
-              </a:solidFill>
-              <a:latin typeface="Times New Roman"/>
-              <a:ea typeface="Times New Roman"/>
-            </a:endParaRPr>
-          </a:p>
-          <a:p>
-            <a:pPr>
-              <a:lnSpc>
-                <a:spcPct val="115000"/>
-              </a:lnSpc>
-            </a:pPr>
-            <a:r>
-              <a:rPr lang="pt-BR" sz="1600" spc="-1" dirty="0">
-                <a:solidFill>
-                  <a:srgbClr val="1B1B21"/>
-                </a:solidFill>
-                <a:latin typeface="Times New Roman"/>
-                <a:ea typeface="Times New Roman"/>
-              </a:rPr>
-              <a:t> </a:t>
-            </a:r>
-            <a:r>
-              <a:rPr lang="pt-BR" sz="1600" b="0" strike="noStrike" spc="-1" dirty="0" smtClean="0">
-                <a:solidFill>
-                  <a:srgbClr val="1B1B21"/>
-                </a:solidFill>
-                <a:latin typeface="Times New Roman"/>
-                <a:ea typeface="Times New Roman"/>
-              </a:rPr>
-              <a:t> </a:t>
-            </a:r>
-            <a:r>
-              <a:rPr lang="pt-BR" sz="1600" b="0" strike="noStrike" spc="-1" dirty="0" err="1" smtClean="0">
-                <a:solidFill>
-                  <a:srgbClr val="1B1B21"/>
-                </a:solidFill>
-                <a:latin typeface="Times New Roman"/>
-                <a:ea typeface="Times New Roman"/>
-              </a:rPr>
-              <a:t>Joy</a:t>
-            </a:r>
-            <a:r>
-              <a:rPr lang="pt-BR" sz="1600" b="0" strike="noStrike" spc="-1" dirty="0" smtClean="0">
-                <a:solidFill>
-                  <a:srgbClr val="1B1B21"/>
-                </a:solidFill>
-                <a:latin typeface="Times New Roman"/>
-                <a:ea typeface="Times New Roman"/>
-              </a:rPr>
-              <a:t> usa a notação concatenada, portanto a concatenação de programas denota a composição das funções que os programas denotam.</a:t>
-            </a:r>
-          </a:p>
-          <a:p>
-            <a:pPr>
-              <a:lnSpc>
-                <a:spcPct val="115000"/>
-              </a:lnSpc>
-            </a:pPr>
-            <a:endParaRPr lang="pt-BR" sz="1600" b="0" strike="noStrike" spc="-1" dirty="0" smtClean="0">
-              <a:solidFill>
-                <a:srgbClr val="1B1B21"/>
-              </a:solidFill>
-              <a:latin typeface="Times New Roman"/>
-              <a:ea typeface="Times New Roman"/>
-            </a:endParaRPr>
-          </a:p>
-          <a:p>
-            <a:pPr>
-              <a:lnSpc>
-                <a:spcPct val="115000"/>
-              </a:lnSpc>
-            </a:pPr>
-            <a:r>
-              <a:rPr lang="pt-BR" sz="1600" spc="-1" dirty="0">
-                <a:solidFill>
-                  <a:srgbClr val="1B1B21"/>
-                </a:solidFill>
-                <a:latin typeface="Times New Roman"/>
-                <a:ea typeface="Times New Roman"/>
-              </a:rPr>
-              <a:t> </a:t>
-            </a:r>
-            <a:r>
-              <a:rPr lang="pt-BR" sz="1600" b="0" strike="noStrike" spc="-1" dirty="0" smtClean="0">
-                <a:solidFill>
-                  <a:srgbClr val="1B1B21"/>
-                </a:solidFill>
-                <a:latin typeface="Times New Roman"/>
-                <a:ea typeface="Times New Roman"/>
-              </a:rPr>
-              <a:t> As definições não usam parâmetros formais, portanto não há ambiente de associações.</a:t>
-            </a:r>
-          </a:p>
-          <a:p>
-            <a:pPr>
-              <a:lnSpc>
-                <a:spcPct val="115000"/>
-              </a:lnSpc>
-            </a:pPr>
-            <a:endParaRPr lang="pt-BR" sz="1600" b="0" strike="noStrike" spc="-1" dirty="0" smtClean="0">
-              <a:solidFill>
-                <a:srgbClr val="1B1B21"/>
-              </a:solidFill>
-              <a:latin typeface="Times New Roman"/>
-              <a:ea typeface="Times New Roman"/>
-            </a:endParaRPr>
-          </a:p>
-          <a:p>
-            <a:pPr>
-              <a:lnSpc>
-                <a:spcPct val="115000"/>
-              </a:lnSpc>
-            </a:pPr>
-            <a:r>
-              <a:rPr lang="pt-BR" sz="1600" spc="-1" dirty="0">
-                <a:solidFill>
-                  <a:srgbClr val="1B1B21"/>
-                </a:solidFill>
-                <a:latin typeface="Times New Roman"/>
-                <a:ea typeface="Times New Roman"/>
-              </a:rPr>
-              <a:t> </a:t>
-            </a:r>
-            <a:r>
-              <a:rPr lang="pt-BR" sz="1600" b="0" strike="noStrike" spc="-1" dirty="0" smtClean="0">
-                <a:solidFill>
-                  <a:srgbClr val="1B1B21"/>
-                </a:solidFill>
-                <a:latin typeface="Times New Roman"/>
-                <a:ea typeface="Times New Roman"/>
-              </a:rPr>
-              <a:t> Combinadores fazem o trabalho de funções de ordem superior, eles tomam programas citados como parâmetros.</a:t>
-            </a:r>
-            <a:endParaRPr lang="pt-BR" sz="1600" b="0" strike="noStrike" spc="-1" dirty="0">
-              <a:solidFill>
-                <a:srgbClr val="000000"/>
-              </a:solidFill>
-              <a:latin typeface="Arial"/>
-            </a:endParaRPr>
-          </a:p>
-        </p:txBody>
-      </p:sp>
-      <p:sp>
-        <p:nvSpPr>
-          <p:cNvPr id="185" name="TextShape 3"/>
+          <a:bodyPr lIns="0" tIns="0" rIns="0" bIns="0">
+            <a:normAutofit fontScale="88500" lnSpcReduction="10000"/>
+          </a:bodyPr>
+          <a:lstStyle/>
+          <a:p>
+            <a:r>
+              <a:rPr lang="pt-BR" sz="2800" b="0" strike="noStrike" spc="-1">
+                <a:solidFill>
+                  <a:srgbClr val="000000"/>
+                </a:solidFill>
+                <a:latin typeface="Arial"/>
+                <a:ea typeface="Arial"/>
+              </a:rPr>
+              <a:t>Por ser uma linguagem 100% funcional e não ter expressões imperativas, é uma linguagem não muito utilizada, pois os conceitos funcionais, que são bons para alguns problemas em específico, são ruins para algumas coisas que são muito normais, tornando assim então o código muito mais complexo para coisas simples.</a:t>
+            </a:r>
+            <a:endParaRPr lang="pt-BR" sz="2800" b="0" strike="noStrike" spc="-1">
+              <a:solidFill>
+                <a:srgbClr val="000000"/>
+              </a:solidFill>
+              <a:latin typeface="Arial"/>
+            </a:endParaRPr>
+          </a:p>
+        </p:txBody>
+      </p:sp>
+      <p:sp>
+        <p:nvSpPr>
+          <p:cNvPr id="197" name="TextShape 3"/>
           <p:cNvSpPr txBox="1"/>
           <p:nvPr/>
         </p:nvSpPr>
         <p:spPr>
           <a:xfrm>
-            <a:off x="8424360" y="4438440"/>
+            <a:off x="8424720" y="4438800"/>
             <a:ext cx="503640" cy="602280"/>
           </a:xfrm>
           <a:prstGeom prst="rect">
@@ -10309,7 +10466,7 @@
                 </a:solidFill>
                 <a:latin typeface="Arial"/>
               </a:rPr>
-              <a:t>14</a:t>
+              <a:t>15</a:t>
             </a:r>
             <a:endParaRPr lang="pt-BR" sz="1800" b="0" strike="noStrike" spc="-1" dirty="0">
               <a:latin typeface="Arial"/>
@@ -10317,212 +10474,7 @@
           </a:p>
         </p:txBody>
       </p:sp>
-      <p:sp>
-        <p:nvSpPr>
-          <p:cNvPr id="2" name="Elipse 1"/>
-          <p:cNvSpPr/>
-          <p:nvPr/>
-        </p:nvSpPr>
-        <p:spPr>
-          <a:xfrm>
-            <a:off x="558918" y="1480800"/>
-            <a:ext cx="116541" cy="100517"/>
-          </a:xfrm>
-          <a:prstGeom prst="ellipse">
-            <a:avLst/>
-          </a:prstGeom>
-        </p:spPr>
-        <p:style>
-          <a:lnRef idx="2">
-            <a:schemeClr val="accent1">
-              <a:shade val="50000"/>
-            </a:schemeClr>
-          </a:lnRef>
-          <a:fillRef idx="1">
-            <a:schemeClr val="accent1"/>
-          </a:fillRef>
-          <a:effectRef idx="0">
-            <a:schemeClr val="accent1"/>
-          </a:effectRef>
-          <a:fontRef idx="minor">
-            <a:schemeClr val="lt1"/>
-          </a:fontRef>
-        </p:style>
-        <p:txBody>
-          <a:bodyPr rtlCol="0" anchor="ctr"/>
-          <a:lstStyle/>
-          <a:p>
-            <a:pPr algn="ctr"/>
-            <a:endParaRPr lang="pt-BR"/>
-          </a:p>
-        </p:txBody>
-      </p:sp>
-      <p:sp>
-        <p:nvSpPr>
-          <p:cNvPr id="6" name="Elipse 5"/>
-          <p:cNvSpPr/>
-          <p:nvPr/>
-        </p:nvSpPr>
-        <p:spPr>
-          <a:xfrm>
-            <a:off x="558918" y="2302029"/>
-            <a:ext cx="116541" cy="100517"/>
-          </a:xfrm>
-          <a:prstGeom prst="ellipse">
-            <a:avLst/>
-          </a:prstGeom>
-        </p:spPr>
-        <p:style>
-          <a:lnRef idx="2">
-            <a:schemeClr val="accent1">
-              <a:shade val="50000"/>
-            </a:schemeClr>
-          </a:lnRef>
-          <a:fillRef idx="1">
-            <a:schemeClr val="accent1"/>
-          </a:fillRef>
-          <a:effectRef idx="0">
-            <a:schemeClr val="accent1"/>
-          </a:effectRef>
-          <a:fontRef idx="minor">
-            <a:schemeClr val="lt1"/>
-          </a:fontRef>
-        </p:style>
-        <p:txBody>
-          <a:bodyPr rtlCol="0" anchor="ctr"/>
-          <a:lstStyle/>
-          <a:p>
-            <a:pPr algn="ctr"/>
-            <a:endParaRPr lang="pt-BR"/>
-          </a:p>
-        </p:txBody>
-      </p:sp>
-      <p:sp>
-        <p:nvSpPr>
-          <p:cNvPr id="7" name="Elipse 6"/>
-          <p:cNvSpPr/>
-          <p:nvPr/>
-        </p:nvSpPr>
-        <p:spPr>
-          <a:xfrm>
-            <a:off x="558918" y="2906188"/>
-            <a:ext cx="116541" cy="100517"/>
-          </a:xfrm>
-          <a:prstGeom prst="ellipse">
-            <a:avLst/>
-          </a:prstGeom>
-        </p:spPr>
-        <p:style>
-          <a:lnRef idx="2">
-            <a:schemeClr val="accent1">
-              <a:shade val="50000"/>
-            </a:schemeClr>
-          </a:lnRef>
-          <a:fillRef idx="1">
-            <a:schemeClr val="accent1"/>
-          </a:fillRef>
-          <a:effectRef idx="0">
-            <a:schemeClr val="accent1"/>
-          </a:effectRef>
-          <a:fontRef idx="minor">
-            <a:schemeClr val="lt1"/>
-          </a:fontRef>
-        </p:style>
-        <p:txBody>
-          <a:bodyPr rtlCol="0" anchor="ctr"/>
-          <a:lstStyle/>
-          <a:p>
-            <a:pPr algn="ctr"/>
-            <a:endParaRPr lang="pt-BR"/>
-          </a:p>
-        </p:txBody>
-      </p:sp>
-      <p:sp>
-        <p:nvSpPr>
-          <p:cNvPr id="8" name="Elipse 7"/>
-          <p:cNvSpPr/>
-          <p:nvPr/>
-        </p:nvSpPr>
-        <p:spPr>
-          <a:xfrm>
-            <a:off x="558918" y="3727417"/>
-            <a:ext cx="116541" cy="100517"/>
-          </a:xfrm>
-          <a:prstGeom prst="ellipse">
-            <a:avLst/>
-          </a:prstGeom>
-        </p:spPr>
-        <p:style>
-          <a:lnRef idx="2">
-            <a:schemeClr val="accent1">
-              <a:shade val="50000"/>
-            </a:schemeClr>
-          </a:lnRef>
-          <a:fillRef idx="1">
-            <a:schemeClr val="accent1"/>
-          </a:fillRef>
-          <a:effectRef idx="0">
-            <a:schemeClr val="accent1"/>
-          </a:effectRef>
-          <a:fontRef idx="minor">
-            <a:schemeClr val="lt1"/>
-          </a:fontRef>
-        </p:style>
-        <p:txBody>
-          <a:bodyPr rtlCol="0" anchor="ctr"/>
-          <a:lstStyle/>
-          <a:p>
-            <a:pPr algn="ctr"/>
-            <a:endParaRPr lang="pt-BR"/>
-          </a:p>
-        </p:txBody>
-      </p:sp>
-      <p:sp>
-        <p:nvSpPr>
-          <p:cNvPr id="9" name="Elipse 8"/>
-          <p:cNvSpPr/>
-          <p:nvPr/>
-        </p:nvSpPr>
-        <p:spPr>
-          <a:xfrm>
-            <a:off x="558918" y="4290696"/>
-            <a:ext cx="116541" cy="100517"/>
-          </a:xfrm>
-          <a:prstGeom prst="ellipse">
-            <a:avLst/>
-          </a:prstGeom>
-        </p:spPr>
-        <p:style>
-          <a:lnRef idx="2">
-            <a:schemeClr val="accent1">
-              <a:shade val="50000"/>
-            </a:schemeClr>
-          </a:lnRef>
-          <a:fillRef idx="1">
-            <a:schemeClr val="accent1"/>
-          </a:fillRef>
-          <a:effectRef idx="0">
-            <a:schemeClr val="accent1"/>
-          </a:effectRef>
-          <a:fontRef idx="minor">
-            <a:schemeClr val="lt1"/>
-          </a:fontRef>
-        </p:style>
-        <p:txBody>
-          <a:bodyPr rtlCol="0" anchor="ctr"/>
-          <a:lstStyle/>
-          <a:p>
-            <a:pPr algn="ctr"/>
-            <a:endParaRPr lang="pt-BR"/>
-          </a:p>
-        </p:txBody>
-      </p:sp>
     </p:spTree>
-    <p:extLst>
-      <p:ext uri="{BB962C8B-B14F-4D97-AF65-F5344CB8AC3E}">
-        <p14:creationId xmlns:p14="http://schemas.microsoft.com/office/powerpoint/2010/main" val="432649671"/>
-      </p:ext>
-    </p:extLst>
   </p:cSld>
   <p:clrMapOvr>
     <a:masterClrMapping/>
@@ -10531,7 +10483,7 @@
     <mc:Choice Requires="p14">
       <p:transition spd="slow" p14:dur="2000"/>
     </mc:Choice>
-    <mc:Fallback xmlns="" xmlns:p15="http://schemas.microsoft.com/office/powerpoint/2012/main">
+    <mc:Fallback xmlns:p15="http://schemas.microsoft.com/office/powerpoint/2012/main" xmlns="">
       <p:transition spd="slow"/>
     </mc:Fallback>
   </mc:AlternateContent>
@@ -10584,14 +10536,14 @@
       </p:grpSpPr>
       <p:sp>
         <p:nvSpPr>
-          <p:cNvPr id="195" name="TextShape 1"/>
+          <p:cNvPr id="198" name="TextShape 1"/>
           <p:cNvSpPr txBox="1"/>
           <p:nvPr/>
         </p:nvSpPr>
         <p:spPr>
           <a:xfrm>
-            <a:off x="819000" y="845640"/>
-            <a:ext cx="7505280" cy="954360"/>
+            <a:off x="1393920" y="1301040"/>
+            <a:ext cx="6366600" cy="2538720"/>
           </a:xfrm>
           <a:prstGeom prst="rect">
             <a:avLst/>
@@ -10602,9 +10554,14 @@
           </a:ln>
         </p:spPr>
         <p:txBody>
-          <a:bodyPr lIns="0" tIns="0" rIns="0" bIns="0" anchor="ctr"/>
-          <a:lstStyle/>
-          <a:p>
+          <a:bodyPr tIns="91440" bIns="91440" anchor="ctr"/>
+          <a:lstStyle/>
+          <a:p>
+            <a:pPr algn="ctr">
+              <a:lnSpc>
+                <a:spcPct val="100000"/>
+              </a:lnSpc>
+            </a:pPr>
             <a:r>
               <a:rPr lang="pt-BR" sz="3200" b="1" strike="noStrike" spc="-1">
                 <a:solidFill>
@@ -10613,94 +10570,12 @@
                 <a:latin typeface="Nunito"/>
                 <a:ea typeface="Nunito"/>
               </a:rPr>
-              <a:t>Conclusão</a:t>
+              <a:t>FIM</a:t>
             </a:r>
             <a:endParaRPr lang="pt-BR" sz="3200" b="0" strike="noStrike" spc="-1">
               <a:solidFill>
                 <a:srgbClr val="000000"/>
               </a:solidFill>
-              <a:latin typeface="Arial"/>
-            </a:endParaRPr>
-          </a:p>
-        </p:txBody>
-      </p:sp>
-      <p:sp>
-        <p:nvSpPr>
-          <p:cNvPr id="196" name="TextShape 2"/>
-          <p:cNvSpPr txBox="1"/>
-          <p:nvPr/>
-        </p:nvSpPr>
-        <p:spPr>
-          <a:xfrm>
-            <a:off x="819000" y="1990800"/>
-            <a:ext cx="7505280" cy="2447640"/>
-          </a:xfrm>
-          <a:prstGeom prst="rect">
-            <a:avLst/>
-          </a:prstGeom>
-          <a:noFill/>
-          <a:ln>
-            <a:noFill/>
-          </a:ln>
-        </p:spPr>
-        <p:txBody>
-          <a:bodyPr lIns="0" tIns="0" rIns="0" bIns="0">
-            <a:normAutofit fontScale="88500" lnSpcReduction="10000"/>
-          </a:bodyPr>
-          <a:lstStyle/>
-          <a:p>
-            <a:r>
-              <a:rPr lang="pt-BR" sz="2800" b="0" strike="noStrike" spc="-1">
-                <a:solidFill>
-                  <a:srgbClr val="000000"/>
-                </a:solidFill>
-                <a:latin typeface="Arial"/>
-                <a:ea typeface="Arial"/>
-              </a:rPr>
-              <a:t>Por ser uma linguagem 100% funcional e não ter expressões imperativas, é uma linguagem não muito utilizada, pois os conceitos funcionais, que são bons para alguns problemas em específico, são ruins para algumas coisas que são muito normais, tornando assim então o código muito mais complexo para coisas simples.</a:t>
-            </a:r>
-            <a:endParaRPr lang="pt-BR" sz="2800" b="0" strike="noStrike" spc="-1">
-              <a:solidFill>
-                <a:srgbClr val="000000"/>
-              </a:solidFill>
-              <a:latin typeface="Arial"/>
-            </a:endParaRPr>
-          </a:p>
-        </p:txBody>
-      </p:sp>
-      <p:sp>
-        <p:nvSpPr>
-          <p:cNvPr id="197" name="TextShape 3"/>
-          <p:cNvSpPr txBox="1"/>
-          <p:nvPr/>
-        </p:nvSpPr>
-        <p:spPr>
-          <a:xfrm>
-            <a:off x="8424720" y="4438800"/>
-            <a:ext cx="503640" cy="602280"/>
-          </a:xfrm>
-          <a:prstGeom prst="rect">
-            <a:avLst/>
-          </a:prstGeom>
-          <a:noFill/>
-          <a:ln>
-            <a:noFill/>
-          </a:ln>
-        </p:spPr>
-        <p:txBody>
-          <a:bodyPr lIns="90000" tIns="45000" rIns="90000" bIns="45000"/>
-          <a:lstStyle/>
-          <a:p>
-            <a:r>
-              <a:rPr lang="pt-BR" sz="1800" b="0" strike="noStrike" spc="-1" dirty="0" smtClean="0">
-                <a:solidFill>
-                  <a:srgbClr val="000000"/>
-                </a:solidFill>
-                <a:latin typeface="Arial"/>
-              </a:rPr>
-              <a:t>15</a:t>
-            </a:r>
-            <a:endParaRPr lang="pt-BR" sz="1800" b="0" strike="noStrike" spc="-1" dirty="0">
               <a:latin typeface="Arial"/>
             </a:endParaRPr>
           </a:p>
@@ -10715,114 +10590,7 @@
     <mc:Choice Requires="p14">
       <p:transition spd="slow" p14:dur="2000"/>
     </mc:Choice>
-    <mc:Fallback xmlns="" xmlns:p15="http://schemas.microsoft.com/office/powerpoint/2012/main">
-      <p:transition spd="slow"/>
-    </mc:Fallback>
-  </mc:AlternateContent>
-  <p:timing>
-    <p:tnLst>
-      <p:par>
-        <p:cTn id="1" dur="indefinite" restart="never" nodeType="tmRoot">
-          <p:childTnLst>
-            <p:seq>
-              <p:cTn id="2" dur="indefinite" nodeType="mainSeq"/>
-              <p:prevCondLst>
-                <p:cond evt="onPrev" delay="0">
-                  <p:tgtEl>
-                    <p:sldTgt/>
-                  </p:tgtEl>
-                </p:cond>
-              </p:prevCondLst>
-              <p:nextCondLst>
-                <p:cond evt="onNext" delay="0">
-                  <p:tgtEl>
-                    <p:sldTgt/>
-                  </p:tgtEl>
-                </p:cond>
-              </p:nextCondLst>
-            </p:seq>
-          </p:childTnLst>
-        </p:cTn>
-      </p:par>
-    </p:tnLst>
-  </p:timing>
-</p:sld>
-</file>
-
-<file path=ppt/slides/slide16.xml><?xml version="1.0" encoding="utf-8"?>
-<p:sld xmlns:a="http://schemas.openxmlformats.org/drawingml/2006/main" xmlns:r="http://schemas.openxmlformats.org/officeDocument/2006/relationships" xmlns:p="http://schemas.openxmlformats.org/presentationml/2006/main">
-  <p:cSld>
-    <p:spTree>
-      <p:nvGrpSpPr>
-        <p:cNvPr id="1" name=""/>
-        <p:cNvGrpSpPr/>
-        <p:nvPr/>
-      </p:nvGrpSpPr>
-      <p:grpSpPr>
-        <a:xfrm>
-          <a:off x="0" y="0"/>
-          <a:ext cx="0" cy="0"/>
-          <a:chOff x="0" y="0"/>
-          <a:chExt cx="0" cy="0"/>
-        </a:xfrm>
-      </p:grpSpPr>
-      <p:sp>
-        <p:nvSpPr>
-          <p:cNvPr id="198" name="TextShape 1"/>
-          <p:cNvSpPr txBox="1"/>
-          <p:nvPr/>
-        </p:nvSpPr>
-        <p:spPr>
-          <a:xfrm>
-            <a:off x="1393920" y="1301040"/>
-            <a:ext cx="6366600" cy="2538720"/>
-          </a:xfrm>
-          <a:prstGeom prst="rect">
-            <a:avLst/>
-          </a:prstGeom>
-          <a:noFill/>
-          <a:ln>
-            <a:noFill/>
-          </a:ln>
-        </p:spPr>
-        <p:txBody>
-          <a:bodyPr tIns="91440" bIns="91440" anchor="ctr"/>
-          <a:lstStyle/>
-          <a:p>
-            <a:pPr algn="ctr">
-              <a:lnSpc>
-                <a:spcPct val="100000"/>
-              </a:lnSpc>
-            </a:pPr>
-            <a:r>
-              <a:rPr lang="pt-BR" sz="3200" b="1" strike="noStrike" spc="-1">
-                <a:solidFill>
-                  <a:srgbClr val="AF7B51"/>
-                </a:solidFill>
-                <a:latin typeface="Nunito"/>
-                <a:ea typeface="Nunito"/>
-              </a:rPr>
-              <a:t>FIM</a:t>
-            </a:r>
-            <a:endParaRPr lang="pt-BR" sz="3200" b="0" strike="noStrike" spc="-1">
-              <a:solidFill>
-                <a:srgbClr val="000000"/>
-              </a:solidFill>
-              <a:latin typeface="Arial"/>
-            </a:endParaRPr>
-          </a:p>
-        </p:txBody>
-      </p:sp>
-    </p:spTree>
-  </p:cSld>
-  <p:clrMapOvr>
-    <a:masterClrMapping/>
-  </p:clrMapOvr>
-  <mc:AlternateContent xmlns:mc="http://schemas.openxmlformats.org/markup-compatibility/2006" xmlns:p14="http://schemas.microsoft.com/office/powerpoint/2010/main">
-    <mc:Choice Requires="p14">
-      <p:transition spd="slow" p14:dur="2000"/>
-    </mc:Choice>
-    <mc:Fallback xmlns="" xmlns:p15="http://schemas.microsoft.com/office/powerpoint/2012/main">
+    <mc:Fallback xmlns:p15="http://schemas.microsoft.com/office/powerpoint/2012/main" xmlns="">
       <p:transition spd="slow"/>
     </mc:Fallback>
   </mc:AlternateContent>
@@ -10902,16 +10670,16 @@
               </a:lnSpc>
             </a:pPr>
             <a:r>
-              <a:rPr lang="pt-BR" sz="3000" b="1" strike="noStrike" spc="-1">
+              <a:rPr lang="pt-BR" sz="3000" b="1" strike="noStrike" spc="-1" dirty="0" smtClean="0">
                 <a:solidFill>
                   <a:srgbClr val="AF7B51"/>
                 </a:solidFill>
                 <a:latin typeface="Nunito"/>
                 <a:ea typeface="Nunito"/>
               </a:rPr>
-              <a:t>Equipe API</a:t>
-            </a:r>
-            <a:endParaRPr lang="pt-BR" sz="3000" b="0" strike="noStrike" spc="-1">
+              <a:t>Introdução</a:t>
+            </a:r>
+            <a:endParaRPr lang="pt-BR" sz="3000" b="0" strike="noStrike" spc="-1" dirty="0">
               <a:solidFill>
                 <a:srgbClr val="000000"/>
               </a:solidFill>
@@ -10928,8 +10696,8 @@
         </p:nvSpPr>
         <p:spPr>
           <a:xfrm>
-            <a:off x="819000" y="1800360"/>
-            <a:ext cx="7505280" cy="2674800"/>
+            <a:off x="819000" y="1800000"/>
+            <a:ext cx="7505280" cy="1180504"/>
           </a:xfrm>
           <a:prstGeom prst="rect">
             <a:avLst/>
@@ -10949,190 +10717,79 @@
               </a:lnSpc>
             </a:pPr>
             <a:r>
-              <a:rPr lang="pt-BR" sz="1400" b="0" strike="noStrike" spc="-1">
-                <a:solidFill>
-                  <a:srgbClr val="222222"/>
-                </a:solidFill>
-                <a:latin typeface="Arial"/>
-                <a:ea typeface="Arial"/>
-              </a:rPr>
-              <a:t>Cecília de Oliveira Martins - RA: 81620964</a:t>
-            </a:r>
-            <a:endParaRPr lang="pt-BR" sz="1400" b="0" strike="noStrike" spc="-1">
-              <a:solidFill>
-                <a:srgbClr val="000000"/>
-              </a:solidFill>
-              <a:latin typeface="Arial"/>
-            </a:endParaRPr>
-          </a:p>
-          <a:p>
-            <a:pPr>
-              <a:lnSpc>
-                <a:spcPct val="115000"/>
-              </a:lnSpc>
-              <a:spcBef>
-                <a:spcPts val="1599"/>
-              </a:spcBef>
-            </a:pPr>
-            <a:r>
-              <a:rPr lang="pt-BR" sz="1400" b="0" strike="noStrike" spc="-1">
-                <a:solidFill>
-                  <a:srgbClr val="222222"/>
-                </a:solidFill>
-                <a:latin typeface="Arial"/>
-                <a:ea typeface="Arial"/>
-              </a:rPr>
-              <a:t>Gabriel Ferreira da Silva - RA: 81621851</a:t>
-            </a:r>
-            <a:endParaRPr lang="pt-BR" sz="1400" b="0" strike="noStrike" spc="-1">
-              <a:solidFill>
-                <a:srgbClr val="000000"/>
-              </a:solidFill>
-              <a:latin typeface="Arial"/>
-            </a:endParaRPr>
-          </a:p>
-          <a:p>
-            <a:pPr>
-              <a:lnSpc>
-                <a:spcPct val="115000"/>
-              </a:lnSpc>
-              <a:spcBef>
-                <a:spcPts val="1599"/>
-              </a:spcBef>
-            </a:pPr>
-            <a:r>
-              <a:rPr lang="pt-BR" sz="1400" b="0" strike="noStrike" spc="-1">
-                <a:solidFill>
-                  <a:srgbClr val="222222"/>
-                </a:solidFill>
-                <a:latin typeface="Arial"/>
-                <a:ea typeface="Arial"/>
-              </a:rPr>
-              <a:t>Gabriel Teixeira Pinto - RA: 8162259600</a:t>
-            </a:r>
-            <a:endParaRPr lang="pt-BR" sz="1400" b="0" strike="noStrike" spc="-1">
-              <a:solidFill>
-                <a:srgbClr val="000000"/>
-              </a:solidFill>
-              <a:latin typeface="Arial"/>
-            </a:endParaRPr>
-          </a:p>
-          <a:p>
-            <a:pPr>
-              <a:lnSpc>
-                <a:spcPct val="115000"/>
-              </a:lnSpc>
-              <a:spcBef>
-                <a:spcPts val="1599"/>
-              </a:spcBef>
-            </a:pPr>
-            <a:r>
-              <a:rPr lang="pt-BR" sz="1400" b="0" strike="noStrike" spc="-1">
-                <a:solidFill>
-                  <a:srgbClr val="222222"/>
-                </a:solidFill>
-                <a:latin typeface="Arial"/>
-                <a:ea typeface="Arial"/>
-              </a:rPr>
-              <a:t>James da Silva Santos - RA: 81620085</a:t>
-            </a:r>
-            <a:endParaRPr lang="pt-BR" sz="1400" b="0" strike="noStrike" spc="-1">
-              <a:solidFill>
-                <a:srgbClr val="000000"/>
-              </a:solidFill>
-              <a:latin typeface="Arial"/>
-            </a:endParaRPr>
-          </a:p>
-          <a:p>
-            <a:pPr>
-              <a:lnSpc>
-                <a:spcPct val="115000"/>
-              </a:lnSpc>
-              <a:spcBef>
-                <a:spcPts val="1599"/>
-              </a:spcBef>
-            </a:pPr>
-            <a:r>
-              <a:rPr lang="pt-BR" sz="1400" b="0" strike="noStrike" spc="-1">
-                <a:solidFill>
-                  <a:srgbClr val="222222"/>
-                </a:solidFill>
-                <a:latin typeface="Arial"/>
-                <a:ea typeface="Arial"/>
-              </a:rPr>
-              <a:t>Ricardo Ferla Silva - RA: 81620904</a:t>
-            </a:r>
-            <a:endParaRPr lang="pt-BR" sz="1400" b="0" strike="noStrike" spc="-1">
-              <a:solidFill>
-                <a:srgbClr val="000000"/>
-              </a:solidFill>
-              <a:latin typeface="Arial"/>
-            </a:endParaRPr>
-          </a:p>
-          <a:p>
-            <a:pPr>
-              <a:lnSpc>
-                <a:spcPct val="115000"/>
-              </a:lnSpc>
-              <a:spcBef>
-                <a:spcPts val="1599"/>
-              </a:spcBef>
-            </a:pPr>
-            <a:r>
-              <a:rPr lang="pt-BR" sz="1400" b="0" strike="noStrike" spc="-1">
-                <a:solidFill>
-                  <a:srgbClr val="222222"/>
-                </a:solidFill>
-                <a:latin typeface="Arial"/>
-                <a:ea typeface="Arial"/>
-              </a:rPr>
-              <a:t>Wellington Shiniti Kawashima - RA: 81622278</a:t>
-            </a:r>
-            <a:endParaRPr lang="pt-BR" sz="1400" b="0" strike="noStrike" spc="-1">
-              <a:solidFill>
-                <a:srgbClr val="000000"/>
-              </a:solidFill>
-              <a:latin typeface="Arial"/>
-            </a:endParaRPr>
-          </a:p>
-          <a:p>
-            <a:pPr>
-              <a:lnSpc>
-                <a:spcPct val="115000"/>
-              </a:lnSpc>
-              <a:spcBef>
-                <a:spcPts val="1599"/>
-              </a:spcBef>
-            </a:pPr>
-            <a:endParaRPr lang="pt-BR" sz="1400" b="0" strike="noStrike" spc="-1">
-              <a:solidFill>
-                <a:srgbClr val="000000"/>
-              </a:solidFill>
-              <a:latin typeface="Arial"/>
-            </a:endParaRPr>
-          </a:p>
-          <a:p>
-            <a:pPr>
-              <a:lnSpc>
-                <a:spcPct val="115000"/>
-              </a:lnSpc>
-              <a:spcBef>
-                <a:spcPts val="1599"/>
-              </a:spcBef>
-              <a:spcAft>
-                <a:spcPts val="1599"/>
-              </a:spcAft>
-            </a:pPr>
-            <a:endParaRPr lang="pt-BR" sz="1400" b="0" strike="noStrike" spc="-1">
-              <a:solidFill>
-                <a:srgbClr val="000000"/>
-              </a:solidFill>
+              <a:rPr lang="pt-BR" i="1" dirty="0"/>
+              <a:t>Nesta apresentação, abordaremos o tema de Linguagens Funcionais (Paradigma Funcional), com </a:t>
+            </a:r>
+            <a:r>
+              <a:rPr lang="pt-BR" i="1" dirty="0" smtClean="0"/>
+              <a:t>ênfase </a:t>
+            </a:r>
+            <a:r>
+              <a:rPr lang="pt-BR" i="1" dirty="0"/>
+              <a:t>nas linguagens funcionais Cat &amp; Joy, com o objetivo de ter um melhor </a:t>
+            </a:r>
+            <a:r>
+              <a:rPr lang="pt-BR" i="1" dirty="0" err="1"/>
+              <a:t>compreendimento</a:t>
+            </a:r>
+            <a:r>
+              <a:rPr lang="pt-BR" i="1" dirty="0"/>
+              <a:t> das </a:t>
+            </a:r>
+            <a:r>
+              <a:rPr lang="pt-BR" i="1" dirty="0" smtClean="0"/>
+              <a:t>linguagens</a:t>
+            </a:r>
+            <a:endParaRPr lang="pt-BR" sz="1400" b="0" strike="noStrike" spc="-1" dirty="0">
+              <a:solidFill>
+                <a:srgbClr val="000000"/>
+              </a:solidFill>
+              <a:latin typeface="Arial"/>
+            </a:endParaRPr>
+          </a:p>
+        </p:txBody>
+      </p:sp>
+      <p:sp>
+        <p:nvSpPr>
+          <p:cNvPr id="4" name="TextShape 3"/>
+          <p:cNvSpPr txBox="1"/>
+          <p:nvPr/>
+        </p:nvSpPr>
+        <p:spPr>
+          <a:xfrm>
+            <a:off x="8424000" y="4438440"/>
+            <a:ext cx="307080" cy="346320"/>
+          </a:xfrm>
+          <a:prstGeom prst="rect">
+            <a:avLst/>
+          </a:prstGeom>
+          <a:noFill/>
+          <a:ln>
+            <a:noFill/>
+          </a:ln>
+        </p:spPr>
+        <p:txBody>
+          <a:bodyPr lIns="90000" tIns="45000" rIns="90000" bIns="45000"/>
+          <a:lstStyle/>
+          <a:p>
+            <a:r>
+              <a:rPr lang="pt-BR" sz="1800" b="0" strike="noStrike" spc="-1" dirty="0" smtClean="0">
+                <a:latin typeface="Arial"/>
+              </a:rPr>
+              <a:t>3</a:t>
+            </a:r>
+            <a:endParaRPr lang="pt-BR" sz="1800" b="0" strike="noStrike" spc="-1" dirty="0">
               <a:latin typeface="Arial"/>
             </a:endParaRPr>
           </a:p>
         </p:txBody>
       </p:sp>
     </p:spTree>
+    <p:extLst>
+      <p:ext uri="{BB962C8B-B14F-4D97-AF65-F5344CB8AC3E}">
+        <p14:creationId xmlns:p14="http://schemas.microsoft.com/office/powerpoint/2010/main" val="3530184980"/>
+      </p:ext>
+    </p:extLst>
   </p:cSld>
   <p:clrMapOvr>
     <a:masterClrMapping/>
@@ -11141,7 +10798,7 @@
     <mc:Choice Requires="p14">
       <p:transition spd="slow" p14:dur="2000"/>
     </mc:Choice>
-    <mc:Fallback xmlns="" xmlns:p15="http://schemas.microsoft.com/office/powerpoint/2012/main">
+    <mc:Fallback xmlns:p15="http://schemas.microsoft.com/office/powerpoint/2012/main" xmlns="">
       <p:transition spd="slow"/>
     </mc:Fallback>
   </mc:AlternateContent>
@@ -11194,7 +10851,7 @@
       </p:grpSpPr>
       <p:sp>
         <p:nvSpPr>
-          <p:cNvPr id="161" name="TextShape 1"/>
+          <p:cNvPr id="165" name="TextShape 1"/>
           <p:cNvSpPr txBox="1"/>
           <p:nvPr/>
         </p:nvSpPr>
@@ -11221,34 +10878,34 @@
               </a:lnSpc>
             </a:pPr>
             <a:r>
-              <a:rPr lang="pt-BR" sz="3000" b="1" strike="noStrike" spc="-1" dirty="0" smtClean="0">
+              <a:rPr lang="pt-BR" sz="3000" b="1" strike="noStrike" spc="-1">
                 <a:solidFill>
                   <a:srgbClr val="AF7B51"/>
                 </a:solidFill>
                 <a:latin typeface="Nunito"/>
                 <a:ea typeface="Nunito"/>
               </a:rPr>
-              <a:t>Introdução</a:t>
-            </a:r>
-            <a:endParaRPr lang="pt-BR" sz="3000" b="0" strike="noStrike" spc="-1" dirty="0">
-              <a:solidFill>
-                <a:srgbClr val="000000"/>
-              </a:solidFill>
-              <a:latin typeface="Arial"/>
-            </a:endParaRPr>
-          </a:p>
-        </p:txBody>
-      </p:sp>
-      <p:sp>
-        <p:nvSpPr>
-          <p:cNvPr id="162" name="TextShape 2"/>
+              <a:t>A Linguagem Funcional</a:t>
+            </a:r>
+            <a:endParaRPr lang="pt-BR" sz="3000" b="0" strike="noStrike" spc="-1">
+              <a:solidFill>
+                <a:srgbClr val="000000"/>
+              </a:solidFill>
+              <a:latin typeface="Arial"/>
+            </a:endParaRPr>
+          </a:p>
+        </p:txBody>
+      </p:sp>
+      <p:sp>
+        <p:nvSpPr>
+          <p:cNvPr id="166" name="TextShape 2"/>
           <p:cNvSpPr txBox="1"/>
           <p:nvPr/>
         </p:nvSpPr>
         <p:spPr>
           <a:xfrm>
-            <a:off x="819000" y="2238105"/>
-            <a:ext cx="7505280" cy="2674800"/>
+            <a:off x="504000" y="1656000"/>
+            <a:ext cx="7820280" cy="2782440"/>
           </a:xfrm>
           <a:prstGeom prst="rect">
             <a:avLst/>
@@ -11262,242 +10919,70 @@
           <a:bodyPr tIns="91440" bIns="91440"/>
           <a:lstStyle/>
           <a:p>
-            <a:pPr>
-              <a:lnSpc>
-                <a:spcPct val="115000"/>
-              </a:lnSpc>
-            </a:pPr>
-            <a:r>
-              <a:rPr lang="en-US" i="1" dirty="0" err="1" smtClean="0"/>
-              <a:t>Nesta</a:t>
-            </a:r>
-            <a:r>
-              <a:rPr lang="en-US" i="1" dirty="0" smtClean="0"/>
-              <a:t> </a:t>
-            </a:r>
-            <a:r>
-              <a:rPr lang="en-US" i="1" dirty="0" err="1" smtClean="0"/>
-              <a:t>apresentação</a:t>
-            </a:r>
-            <a:r>
-              <a:rPr lang="en-US" i="1" dirty="0" smtClean="0"/>
-              <a:t>, </a:t>
-            </a:r>
-            <a:r>
-              <a:rPr lang="en-US" i="1" dirty="0" err="1"/>
-              <a:t>inicialmente</a:t>
-            </a:r>
-            <a:r>
-              <a:rPr lang="en-US" i="1" dirty="0"/>
-              <a:t>, </a:t>
-            </a:r>
-            <a:r>
-              <a:rPr lang="en-US" i="1" dirty="0" err="1"/>
-              <a:t>falaremos</a:t>
-            </a:r>
-            <a:r>
-              <a:rPr lang="en-US" i="1" dirty="0"/>
-              <a:t> </a:t>
-            </a:r>
-            <a:r>
-              <a:rPr lang="en-US" i="1" dirty="0" err="1"/>
-              <a:t>brevemente</a:t>
-            </a:r>
-            <a:r>
-              <a:rPr lang="en-US" i="1" dirty="0"/>
-              <a:t> </a:t>
-            </a:r>
-            <a:r>
-              <a:rPr lang="en-US" i="1" dirty="0" err="1"/>
-              <a:t>sobre</a:t>
-            </a:r>
-            <a:r>
-              <a:rPr lang="en-US" i="1" dirty="0"/>
-              <a:t> </a:t>
-            </a:r>
-            <a:r>
-              <a:rPr lang="en-US" i="1" dirty="0" err="1"/>
-              <a:t>Linguagem</a:t>
-            </a:r>
-            <a:r>
-              <a:rPr lang="en-US" i="1" dirty="0"/>
-              <a:t> </a:t>
-            </a:r>
-            <a:r>
-              <a:rPr lang="en-US" i="1" dirty="0" err="1"/>
-              <a:t>Funcional</a:t>
-            </a:r>
-            <a:r>
-              <a:rPr lang="en-US" i="1" dirty="0"/>
-              <a:t> (</a:t>
-            </a:r>
-            <a:r>
-              <a:rPr lang="en-US" i="1" dirty="0" err="1"/>
-              <a:t>ou</a:t>
-            </a:r>
-            <a:r>
-              <a:rPr lang="en-US" i="1" dirty="0"/>
-              <a:t> </a:t>
-            </a:r>
-            <a:r>
-              <a:rPr lang="en-US" i="1" dirty="0" err="1"/>
-              <a:t>Paradigma</a:t>
-            </a:r>
-            <a:r>
-              <a:rPr lang="en-US" i="1" dirty="0"/>
-              <a:t> </a:t>
-            </a:r>
-            <a:r>
-              <a:rPr lang="en-US" i="1" dirty="0" err="1"/>
-              <a:t>Funcional</a:t>
-            </a:r>
-            <a:r>
-              <a:rPr lang="en-US" i="1" dirty="0"/>
-              <a:t>) para </a:t>
-            </a:r>
-            <a:r>
-              <a:rPr lang="en-US" i="1" dirty="0" err="1"/>
-              <a:t>então</a:t>
-            </a:r>
-            <a:r>
-              <a:rPr lang="en-US" i="1" dirty="0"/>
-              <a:t> </a:t>
-            </a:r>
-            <a:r>
-              <a:rPr lang="en-US" i="1" dirty="0" err="1"/>
-              <a:t>ter</a:t>
-            </a:r>
-            <a:r>
-              <a:rPr lang="en-US" i="1" dirty="0"/>
-              <a:t> um </a:t>
-            </a:r>
-            <a:r>
-              <a:rPr lang="en-US" i="1" dirty="0" err="1"/>
-              <a:t>compreendimento</a:t>
-            </a:r>
-            <a:r>
-              <a:rPr lang="en-US" i="1" dirty="0"/>
-              <a:t> </a:t>
-            </a:r>
-            <a:r>
-              <a:rPr lang="en-US" i="1" dirty="0" err="1"/>
-              <a:t>melhor</a:t>
-            </a:r>
-            <a:r>
-              <a:rPr lang="en-US" i="1" dirty="0"/>
-              <a:t> de </a:t>
-            </a:r>
-            <a:r>
-              <a:rPr lang="en-US" i="1" dirty="0" err="1"/>
-              <a:t>sua</a:t>
-            </a:r>
-            <a:r>
-              <a:rPr lang="en-US" i="1" dirty="0"/>
-              <a:t> </a:t>
-            </a:r>
-            <a:r>
-              <a:rPr lang="en-US" i="1" dirty="0" err="1"/>
-              <a:t>funcionalidade</a:t>
-            </a:r>
-            <a:r>
-              <a:rPr lang="en-US" i="1" dirty="0"/>
-              <a:t>, para </a:t>
-            </a:r>
-            <a:r>
-              <a:rPr lang="en-US" i="1" dirty="0" err="1"/>
-              <a:t>enfim</a:t>
-            </a:r>
-            <a:r>
-              <a:rPr lang="en-US" i="1" dirty="0"/>
-              <a:t>, </a:t>
-            </a:r>
-            <a:r>
-              <a:rPr lang="en-US" i="1" dirty="0" err="1"/>
-              <a:t>abordarmos</a:t>
-            </a:r>
-            <a:r>
-              <a:rPr lang="en-US" i="1" dirty="0"/>
-              <a:t> </a:t>
-            </a:r>
-            <a:r>
-              <a:rPr lang="en-US" i="1" dirty="0" err="1"/>
-              <a:t>sobre</a:t>
-            </a:r>
-            <a:r>
-              <a:rPr lang="en-US" i="1" dirty="0"/>
-              <a:t> </a:t>
-            </a:r>
-            <a:r>
-              <a:rPr lang="en-US" i="1" dirty="0" err="1"/>
-              <a:t>duas</a:t>
-            </a:r>
-            <a:r>
-              <a:rPr lang="en-US" i="1" dirty="0"/>
-              <a:t> de </a:t>
-            </a:r>
-            <a:r>
-              <a:rPr lang="en-US" i="1" dirty="0" err="1"/>
-              <a:t>suas</a:t>
-            </a:r>
-            <a:r>
-              <a:rPr lang="en-US" i="1" dirty="0"/>
-              <a:t> </a:t>
-            </a:r>
-            <a:r>
-              <a:rPr lang="en-US" i="1" dirty="0" err="1"/>
-              <a:t>linguagens</a:t>
-            </a:r>
-            <a:r>
-              <a:rPr lang="en-US" i="1" dirty="0"/>
-              <a:t>, </a:t>
-            </a:r>
-            <a:r>
-              <a:rPr lang="en-US" i="1" dirty="0" err="1"/>
-              <a:t>sendo</a:t>
-            </a:r>
-            <a:r>
-              <a:rPr lang="en-US" i="1" dirty="0"/>
-              <a:t> </a:t>
-            </a:r>
-            <a:r>
-              <a:rPr lang="en-US" i="1" dirty="0" err="1"/>
-              <a:t>elas</a:t>
-            </a:r>
-            <a:r>
-              <a:rPr lang="en-US" i="1" dirty="0"/>
-              <a:t>: Cat &amp; Joy</a:t>
-            </a:r>
-            <a:endParaRPr lang="pt-BR" sz="1400" b="0" strike="noStrike" spc="-1" dirty="0">
-              <a:solidFill>
-                <a:srgbClr val="000000"/>
-              </a:solidFill>
-              <a:latin typeface="Arial"/>
-            </a:endParaRPr>
-          </a:p>
-          <a:p>
-            <a:pPr>
-              <a:lnSpc>
-                <a:spcPct val="115000"/>
-              </a:lnSpc>
-              <a:spcBef>
-                <a:spcPts val="1599"/>
-              </a:spcBef>
-              <a:spcAft>
-                <a:spcPts val="1599"/>
-              </a:spcAft>
-            </a:pPr>
-            <a:endParaRPr lang="pt-BR" sz="1400" b="0" strike="noStrike" spc="-1" dirty="0">
-              <a:solidFill>
-                <a:srgbClr val="000000"/>
-              </a:solidFill>
-              <a:latin typeface="Arial"/>
-            </a:endParaRPr>
-          </a:p>
-        </p:txBody>
-      </p:sp>
-      <p:sp>
-        <p:nvSpPr>
-          <p:cNvPr id="4" name="TextShape 3"/>
+            <a:r>
+              <a:rPr lang="pt-BR" sz="1400" b="0" strike="noStrike" spc="-1">
+                <a:solidFill>
+                  <a:srgbClr val="233A44"/>
+                </a:solidFill>
+                <a:latin typeface="Calibri"/>
+                <a:ea typeface="Calibri"/>
+              </a:rPr>
+              <a:t>Programar em linguagem funcional significa basicamente definir funções matemáticas e utilizar o computador para variar expressões ou funções. Pelo fato de utilizar da conotação de Church (o qual não possui o conceito de referência a célula de memórias, trabalhando apenas com valores passados para funções e produzindo resultado) para poder determinar a entrada, a função sempre produzirá a mesma saída, evitando os chamados efeitos colaterais.  </a:t>
+            </a:r>
+            <a:endParaRPr lang="pt-BR" sz="1400" b="0" strike="noStrike" spc="-1">
+              <a:solidFill>
+                <a:srgbClr val="000000"/>
+              </a:solidFill>
+              <a:latin typeface="Arial"/>
+            </a:endParaRPr>
+          </a:p>
+          <a:p>
+            <a:r>
+              <a:rPr lang="pt-BR" sz="1400" b="0" strike="noStrike" spc="-1">
+                <a:solidFill>
+                  <a:srgbClr val="233A44"/>
+                </a:solidFill>
+                <a:latin typeface="Calibri"/>
+                <a:ea typeface="Calibri"/>
+              </a:rPr>
+              <a:t>As linguagens de programação funcional trazem consigo alto poder de expressividade, com elas, podemos aplicar funções sobre conjuntos de dados, principalmente através de funções de alta ordem, nos permitindo executar computações complexas em chamadas simples de funções.</a:t>
+            </a:r>
+            <a:r>
+              <a:t/>
+            </a:r>
+            <a:br/>
+            <a:r>
+              <a:rPr lang="pt-BR" sz="1400" b="0" strike="noStrike" spc="-1">
+                <a:solidFill>
+                  <a:srgbClr val="233A44"/>
+                </a:solidFill>
+                <a:latin typeface="Calibri"/>
+                <a:ea typeface="Calibri"/>
+              </a:rPr>
+              <a:t>Sua maior vantagem é sem dúvidas a abstração e também evitar os efeitos colaterais</a:t>
+            </a:r>
+            <a:r>
+              <a:rPr lang="pt-BR" sz="1600" b="0" strike="noStrike" spc="-1">
+                <a:solidFill>
+                  <a:srgbClr val="233A44"/>
+                </a:solidFill>
+                <a:latin typeface="Calibri"/>
+                <a:ea typeface="Calibri"/>
+              </a:rPr>
+              <a:t>.</a:t>
+            </a:r>
+            <a:endParaRPr lang="pt-BR" sz="1600" b="0" strike="noStrike" spc="-1">
+              <a:solidFill>
+                <a:srgbClr val="000000"/>
+              </a:solidFill>
+              <a:latin typeface="Arial"/>
+            </a:endParaRPr>
+          </a:p>
+        </p:txBody>
+      </p:sp>
+      <p:sp>
+        <p:nvSpPr>
+          <p:cNvPr id="167" name="TextShape 3"/>
           <p:cNvSpPr txBox="1"/>
           <p:nvPr/>
         </p:nvSpPr>
@@ -11522,7 +11007,7 @@
               <a:rPr lang="pt-BR" sz="1800" b="0" strike="noStrike" spc="-1" dirty="0" smtClean="0">
                 <a:latin typeface="Arial"/>
               </a:rPr>
-              <a:t>3</a:t>
+              <a:t>4</a:t>
             </a:r>
             <a:endParaRPr lang="pt-BR" sz="1800" b="0" strike="noStrike" spc="-1" dirty="0">
               <a:latin typeface="Arial"/>
@@ -11531,11 +11016,6 @@
         </p:txBody>
       </p:sp>
     </p:spTree>
-    <p:extLst>
-      <p:ext uri="{BB962C8B-B14F-4D97-AF65-F5344CB8AC3E}">
-        <p14:creationId xmlns:p14="http://schemas.microsoft.com/office/powerpoint/2010/main" val="3530184980"/>
-      </p:ext>
-    </p:extLst>
   </p:cSld>
   <p:clrMapOvr>
     <a:masterClrMapping/>
@@ -11544,7 +11024,7 @@
     <mc:Choice Requires="p14">
       <p:transition spd="slow" p14:dur="2000"/>
     </mc:Choice>
-    <mc:Fallback xmlns="" xmlns:p15="http://schemas.microsoft.com/office/powerpoint/2012/main">
+    <mc:Fallback xmlns:p15="http://schemas.microsoft.com/office/powerpoint/2012/main" xmlns="">
       <p:transition spd="slow"/>
     </mc:Fallback>
   </mc:AlternateContent>
@@ -11597,7 +11077,7 @@
       </p:grpSpPr>
       <p:sp>
         <p:nvSpPr>
-          <p:cNvPr id="165" name="TextShape 1"/>
+          <p:cNvPr id="168" name="TextShape 1"/>
           <p:cNvSpPr txBox="1"/>
           <p:nvPr/>
         </p:nvSpPr>
@@ -11615,43 +11095,48 @@
           </a:ln>
         </p:spPr>
         <p:txBody>
-          <a:bodyPr tIns="91440" bIns="91440"/>
-          <a:lstStyle/>
-          <a:p>
-            <a:pPr>
-              <a:lnSpc>
-                <a:spcPct val="100000"/>
-              </a:lnSpc>
-            </a:pPr>
-            <a:r>
-              <a:rPr lang="pt-BR" sz="3000" b="1" strike="noStrike" spc="-1">
+          <a:bodyPr lIns="0" tIns="0" rIns="0" bIns="0" anchor="ctr"/>
+          <a:lstStyle/>
+          <a:p>
+            <a:r>
+              <a:rPr lang="pt-BR" sz="3000" b="1" strike="noStrike" spc="-1" dirty="0" smtClean="0">
                 <a:solidFill>
                   <a:srgbClr val="AF7B51"/>
                 </a:solidFill>
                 <a:latin typeface="Nunito"/>
                 <a:ea typeface="Nunito"/>
               </a:rPr>
-              <a:t>A Linguagem Funcional</a:t>
-            </a:r>
-            <a:endParaRPr lang="pt-BR" sz="3000" b="0" strike="noStrike" spc="-1">
-              <a:solidFill>
-                <a:srgbClr val="000000"/>
-              </a:solidFill>
-              <a:latin typeface="Arial"/>
-            </a:endParaRPr>
-          </a:p>
-        </p:txBody>
-      </p:sp>
-      <p:sp>
-        <p:nvSpPr>
-          <p:cNvPr id="166" name="TextShape 2"/>
+              <a:t>Origem </a:t>
+            </a:r>
+            <a:r>
+              <a:rPr lang="pt-BR" sz="3000" b="1" strike="noStrike" spc="-1" dirty="0">
+                <a:solidFill>
+                  <a:srgbClr val="AF7B51"/>
+                </a:solidFill>
+                <a:latin typeface="Nunito"/>
+                <a:ea typeface="Nunito"/>
+              </a:rPr>
+              <a:t>da Linguagem JOY</a:t>
+            </a:r>
+            <a:endParaRPr lang="pt-BR" sz="3000" b="0" strike="noStrike" spc="-1" dirty="0">
+              <a:solidFill>
+                <a:srgbClr val="000000"/>
+              </a:solidFill>
+              <a:latin typeface="Arial"/>
+            </a:endParaRPr>
+          </a:p>
+        </p:txBody>
+      </p:sp>
+      <p:sp>
+        <p:nvSpPr>
+          <p:cNvPr id="169" name="TextShape 2"/>
           <p:cNvSpPr txBox="1"/>
           <p:nvPr/>
         </p:nvSpPr>
         <p:spPr>
           <a:xfrm>
-            <a:off x="504000" y="1656000"/>
-            <a:ext cx="7820280" cy="2782440"/>
+            <a:off x="792000" y="2232000"/>
+            <a:ext cx="7505280" cy="2447640"/>
           </a:xfrm>
           <a:prstGeom prst="rect">
             <a:avLst/>
@@ -11662,79 +11147,49 @@
           </a:ln>
         </p:spPr>
         <p:txBody>
-          <a:bodyPr tIns="91440" bIns="91440"/>
-          <a:lstStyle/>
-          <a:p>
-            <a:r>
-              <a:rPr lang="pt-BR" sz="1400" b="0" strike="noStrike" spc="-1">
-                <a:solidFill>
-                  <a:srgbClr val="233A44"/>
-                </a:solidFill>
-                <a:latin typeface="Calibri"/>
-                <a:ea typeface="Calibri"/>
-              </a:rPr>
-              <a:t>Programar em linguagem funcional significa basicamente definir funções matemáticas e utilizar o computador para variar expressões ou funções. Pelo fato de utilizar da conotação de Church (o qual não possui o conceito de referência a célula de memórias, trabalhando apenas com valores passados para funções e produzindo resultado) para poder determinar a entrada, a função sempre produzirá a mesma saída, evitando os chamados efeitos colaterais.  </a:t>
-            </a:r>
-            <a:endParaRPr lang="pt-BR" sz="1400" b="0" strike="noStrike" spc="-1">
-              <a:solidFill>
-                <a:srgbClr val="000000"/>
-              </a:solidFill>
-              <a:latin typeface="Arial"/>
-            </a:endParaRPr>
-          </a:p>
-          <a:p>
-            <a:r>
-              <a:rPr lang="pt-BR" sz="1400" b="0" strike="noStrike" spc="-1">
-                <a:solidFill>
-                  <a:srgbClr val="233A44"/>
-                </a:solidFill>
-                <a:latin typeface="Calibri"/>
-                <a:ea typeface="Calibri"/>
-              </a:rPr>
-              <a:t>As linguagens de programação funcional trazem consigo alto poder de expressividade, com elas, podemos aplicar funções sobre conjuntos de dados, principalmente através de funções de alta ordem, nos permitindo executar computações complexas em chamadas simples de funções.</a:t>
-            </a:r>
-            <a:r>
-              <a:t/>
-            </a:r>
-            <a:br/>
-            <a:r>
-              <a:rPr lang="pt-BR" sz="1400" b="0" strike="noStrike" spc="-1">
-                <a:solidFill>
-                  <a:srgbClr val="233A44"/>
-                </a:solidFill>
-                <a:latin typeface="Calibri"/>
-                <a:ea typeface="Calibri"/>
-              </a:rPr>
-              <a:t>Sua maior vantagem é sem dúvidas a abstração e também evitar os efeitos colaterais</a:t>
-            </a:r>
-            <a:r>
-              <a:rPr lang="pt-BR" sz="1600" b="0" strike="noStrike" spc="-1">
-                <a:solidFill>
-                  <a:srgbClr val="233A44"/>
-                </a:solidFill>
-                <a:latin typeface="Calibri"/>
-                <a:ea typeface="Calibri"/>
+          <a:bodyPr lIns="0" tIns="0" rIns="0" bIns="0">
+            <a:normAutofit/>
+          </a:bodyPr>
+          <a:lstStyle/>
+          <a:p>
+            <a:r>
+              <a:rPr lang="pt-BR" sz="2000" b="0" strike="noStrike" spc="-1">
+                <a:solidFill>
+                  <a:srgbClr val="000000"/>
+                </a:solidFill>
+                <a:latin typeface="Arial"/>
+                <a:ea typeface="Arial"/>
+              </a:rPr>
+              <a:t>A linguagem Joy foi criada em 2001 na Universidade de Melbourne, na Austrália. O criador se chama Manfred von Thun of La Trobe. Joy é baseada na composição de funções assim como o Cálculo Lambda e apresenta muita similaridade com a linguagem Forth. Assim como Factor, é orientada a pilha. É dinâmica e fortemente tipada</a:t>
+            </a:r>
+            <a:r>
+              <a:rPr lang="pt-BR" sz="1200" b="0" strike="noStrike" spc="-1">
+                <a:solidFill>
+                  <a:srgbClr val="000000"/>
+                </a:solidFill>
+                <a:latin typeface="Arial"/>
+                <a:ea typeface="Arial"/>
               </a:rPr>
               <a:t>.</a:t>
             </a:r>
-            <a:endParaRPr lang="pt-BR" sz="1600" b="0" strike="noStrike" spc="-1">
-              <a:solidFill>
-                <a:srgbClr val="000000"/>
-              </a:solidFill>
-              <a:latin typeface="Arial"/>
-            </a:endParaRPr>
-          </a:p>
-        </p:txBody>
-      </p:sp>
-      <p:sp>
-        <p:nvSpPr>
-          <p:cNvPr id="167" name="TextShape 3"/>
+            <a:endParaRPr lang="pt-BR" sz="1200" b="0" strike="noStrike" spc="-1">
+              <a:solidFill>
+                <a:srgbClr val="000000"/>
+              </a:solidFill>
+              <a:latin typeface="Arial"/>
+            </a:endParaRPr>
+          </a:p>
+        </p:txBody>
+      </p:sp>
+      <p:sp>
+        <p:nvSpPr>
+          <p:cNvPr id="170" name="TextShape 3"/>
           <p:cNvSpPr txBox="1"/>
           <p:nvPr/>
         </p:nvSpPr>
         <p:spPr>
           <a:xfrm>
-            <a:off x="8424000" y="4438440"/>
+            <a:off x="8424360" y="4438440"/>
             <a:ext cx="307080" cy="346320"/>
           </a:xfrm>
           <a:prstGeom prst="rect">
@@ -11750,10 +11205,13 @@
           <a:lstStyle/>
           <a:p>
             <a:r>
-              <a:rPr lang="pt-BR" sz="1800" b="0" strike="noStrike" spc="-1" dirty="0" smtClean="0">
-                <a:latin typeface="Arial"/>
-              </a:rPr>
-              <a:t>4</a:t>
+              <a:rPr lang="pt-BR" spc="-1" dirty="0">
+                <a:solidFill>
+                  <a:srgbClr val="000000"/>
+                </a:solidFill>
+                <a:latin typeface="Arial"/>
+              </a:rPr>
+              <a:t>5</a:t>
             </a:r>
             <a:endParaRPr lang="pt-BR" sz="1800" b="0" strike="noStrike" spc="-1" dirty="0">
               <a:latin typeface="Arial"/>
@@ -11770,7 +11228,7 @@
     <mc:Choice Requires="p14">
       <p:transition spd="slow" p14:dur="2000"/>
     </mc:Choice>
-    <mc:Fallback xmlns="" xmlns:p15="http://schemas.microsoft.com/office/powerpoint/2012/main">
+    <mc:Fallback xmlns:p15="http://schemas.microsoft.com/office/powerpoint/2012/main" xmlns="">
       <p:transition spd="slow"/>
     </mc:Fallback>
   </mc:AlternateContent>
@@ -11823,14 +11281,14 @@
       </p:grpSpPr>
       <p:sp>
         <p:nvSpPr>
-          <p:cNvPr id="168" name="TextShape 1"/>
+          <p:cNvPr id="171" name="TextShape 1"/>
           <p:cNvSpPr txBox="1"/>
           <p:nvPr/>
         </p:nvSpPr>
         <p:spPr>
           <a:xfrm>
-            <a:off x="819000" y="845640"/>
-            <a:ext cx="7505280" cy="954360"/>
+            <a:off x="846720" y="1872000"/>
+            <a:ext cx="7505280" cy="2447640"/>
           </a:xfrm>
           <a:prstGeom prst="rect">
             <a:avLst/>
@@ -11841,48 +11299,38 @@
           </a:ln>
         </p:spPr>
         <p:txBody>
-          <a:bodyPr lIns="0" tIns="0" rIns="0" bIns="0" anchor="ctr"/>
-          <a:lstStyle/>
-          <a:p>
-            <a:r>
-              <a:rPr lang="pt-BR" sz="3000" b="1" strike="noStrike" spc="-1" dirty="0" smtClean="0">
-                <a:solidFill>
-                  <a:srgbClr val="AF7B51"/>
-                </a:solidFill>
-                <a:latin typeface="Nunito"/>
-                <a:ea typeface="Nunito"/>
-              </a:rPr>
-              <a:t>Origem </a:t>
-            </a:r>
-            <a:r>
-              <a:rPr lang="pt-BR" sz="3000" b="1" strike="noStrike" spc="-1" dirty="0">
-                <a:solidFill>
-                  <a:srgbClr val="AF7B51"/>
-                </a:solidFill>
-                <a:latin typeface="Nunito"/>
-                <a:ea typeface="Nunito"/>
-              </a:rPr>
-              <a:t>da Linguagem JOY</a:t>
-            </a:r>
-            <a:endParaRPr lang="pt-BR" sz="3000" b="0" strike="noStrike" spc="-1" dirty="0">
-              <a:solidFill>
-                <a:srgbClr val="000000"/>
-              </a:solidFill>
-              <a:latin typeface="Arial"/>
-            </a:endParaRPr>
-          </a:p>
-        </p:txBody>
-      </p:sp>
-      <p:sp>
-        <p:nvSpPr>
-          <p:cNvPr id="169" name="TextShape 2"/>
+          <a:bodyPr tIns="91440" bIns="91440"/>
+          <a:lstStyle/>
+          <a:p>
+            <a:r>
+              <a:rPr lang="pt-BR" sz="2400" b="0" strike="noStrike" spc="-1">
+                <a:solidFill>
+                  <a:srgbClr val="233A44"/>
+                </a:solidFill>
+                <a:latin typeface="Calibri"/>
+                <a:ea typeface="Calibri"/>
+              </a:rPr>
+              <a:t>Joy é uma linguagem de programação puramente funcional de mais alto nivel, e com isso, tem como objetivo eliminar a abstração de Lambda e a Aplicação de Funções e então as substituir por cotação de programa e composição de funções.</a:t>
+            </a:r>
+            <a:endParaRPr lang="pt-BR" sz="2400" b="0" strike="noStrike" spc="-1">
+              <a:solidFill>
+                <a:srgbClr val="000000"/>
+              </a:solidFill>
+              <a:latin typeface="Arial"/>
+            </a:endParaRPr>
+          </a:p>
+        </p:txBody>
+      </p:sp>
+      <p:sp>
+        <p:nvSpPr>
+          <p:cNvPr id="172" name="TextShape 2"/>
           <p:cNvSpPr txBox="1"/>
           <p:nvPr/>
         </p:nvSpPr>
         <p:spPr>
           <a:xfrm>
-            <a:off x="792000" y="2232000"/>
-            <a:ext cx="7505280" cy="2447640"/>
+            <a:off x="819000" y="845640"/>
+            <a:ext cx="7505280" cy="954360"/>
           </a:xfrm>
           <a:prstGeom prst="rect">
             <a:avLst/>
@@ -11893,43 +11341,36 @@
           </a:ln>
         </p:spPr>
         <p:txBody>
-          <a:bodyPr lIns="0" tIns="0" rIns="0" bIns="0">
-            <a:normAutofit/>
-          </a:bodyPr>
-          <a:lstStyle/>
-          <a:p>
-            <a:r>
-              <a:rPr lang="pt-BR" sz="2000" b="0" strike="noStrike" spc="-1">
-                <a:solidFill>
-                  <a:srgbClr val="000000"/>
-                </a:solidFill>
-                <a:latin typeface="Arial"/>
-                <a:ea typeface="Arial"/>
-              </a:rPr>
-              <a:t>A linguagem Joy foi criada em 2001 na Universidade de Melbourne, na Austrália. O criador se chama Manfred von Thun of La Trobe. Joy é baseada na composição de funções assim como o Cálculo Lambda e apresenta muita similaridade com a linguagem Forth. Assim como Factor, é orientada a pilha. É dinâmica e fortemente tipada</a:t>
-            </a:r>
-            <a:r>
-              <a:rPr lang="pt-BR" sz="1200" b="0" strike="noStrike" spc="-1">
-                <a:solidFill>
-                  <a:srgbClr val="000000"/>
-                </a:solidFill>
-                <a:latin typeface="Arial"/>
-                <a:ea typeface="Arial"/>
-              </a:rPr>
-              <a:t>.</a:t>
-            </a:r>
-            <a:endParaRPr lang="pt-BR" sz="1200" b="0" strike="noStrike" spc="-1">
-              <a:solidFill>
-                <a:srgbClr val="000000"/>
-              </a:solidFill>
-              <a:latin typeface="Arial"/>
-            </a:endParaRPr>
-          </a:p>
-        </p:txBody>
-      </p:sp>
-      <p:sp>
-        <p:nvSpPr>
-          <p:cNvPr id="170" name="TextShape 3"/>
+          <a:bodyPr tIns="91440" bIns="91440"/>
+          <a:lstStyle/>
+          <a:p>
+            <a:pPr>
+              <a:lnSpc>
+                <a:spcPct val="100000"/>
+              </a:lnSpc>
+            </a:pPr>
+            <a:r>
+              <a:rPr lang="pt-BR" sz="3000" b="1" strike="noStrike" spc="-1">
+                <a:solidFill>
+                  <a:srgbClr val="AF7B51"/>
+                </a:solidFill>
+                <a:latin typeface="Nunito"/>
+                <a:ea typeface="Nunito"/>
+              </a:rPr>
+              <a:t>JOY</a:t>
+            </a:r>
+            <a:endParaRPr lang="pt-BR" sz="3000" b="0" strike="noStrike" spc="-1">
+              <a:solidFill>
+                <a:srgbClr val="000000"/>
+              </a:solidFill>
+              <a:latin typeface="Arial"/>
+            </a:endParaRPr>
+          </a:p>
+        </p:txBody>
+      </p:sp>
+      <p:sp>
+        <p:nvSpPr>
+          <p:cNvPr id="173" name="TextShape 3"/>
           <p:cNvSpPr txBox="1"/>
           <p:nvPr/>
         </p:nvSpPr>
@@ -11951,13 +11392,10 @@
           <a:lstStyle/>
           <a:p>
             <a:r>
-              <a:rPr lang="pt-BR" spc="-1" dirty="0">
-                <a:solidFill>
-                  <a:srgbClr val="000000"/>
-                </a:solidFill>
-                <a:latin typeface="Arial"/>
-              </a:rPr>
-              <a:t>5</a:t>
+              <a:rPr lang="pt-BR" sz="1800" b="0" strike="noStrike" spc="-1" dirty="0" smtClean="0">
+                <a:latin typeface="Arial"/>
+              </a:rPr>
+              <a:t>6</a:t>
             </a:r>
             <a:endParaRPr lang="pt-BR" sz="1800" b="0" strike="noStrike" spc="-1" dirty="0">
               <a:latin typeface="Arial"/>
@@ -11974,7 +11412,7 @@
     <mc:Choice Requires="p14">
       <p:transition spd="slow" p14:dur="2000"/>
     </mc:Choice>
-    <mc:Fallback xmlns="" xmlns:p15="http://schemas.microsoft.com/office/powerpoint/2012/main">
+    <mc:Fallback xmlns:p15="http://schemas.microsoft.com/office/powerpoint/2012/main" xmlns="">
       <p:transition spd="slow"/>
     </mc:Fallback>
   </mc:AlternateContent>
@@ -12027,49 +11465,7 @@
       </p:grpSpPr>
       <p:sp>
         <p:nvSpPr>
-          <p:cNvPr id="171" name="TextShape 1"/>
-          <p:cNvSpPr txBox="1"/>
-          <p:nvPr/>
-        </p:nvSpPr>
-        <p:spPr>
-          <a:xfrm>
-            <a:off x="846720" y="1872000"/>
-            <a:ext cx="7505280" cy="2447640"/>
-          </a:xfrm>
-          <a:prstGeom prst="rect">
-            <a:avLst/>
-          </a:prstGeom>
-          <a:noFill/>
-          <a:ln>
-            <a:noFill/>
-          </a:ln>
-        </p:spPr>
-        <p:txBody>
-          <a:bodyPr tIns="91440" bIns="91440"/>
-          <a:lstStyle/>
-          <a:p>
-            <a:r>
-              <a:rPr lang="pt-BR" sz="2400" b="0" strike="noStrike" spc="-1">
-                <a:solidFill>
-                  <a:srgbClr val="233A44"/>
-                </a:solidFill>
-                <a:latin typeface="Calibri"/>
-                <a:ea typeface="Calibri"/>
-              </a:rPr>
-              <a:t>Joy é uma linguagem de programação puramente funcional de mais alto nivel, e com isso, tem como objetivo eliminar a abstração de Lambda e a Aplicação de Funções e então as substituir por cotação de programa e composição de funções.</a:t>
-            </a:r>
-            <a:endParaRPr lang="pt-BR" sz="2400" b="0" strike="noStrike" spc="-1">
-              <a:solidFill>
-                <a:srgbClr val="000000"/>
-              </a:solidFill>
-              <a:latin typeface="Arial"/>
-            </a:endParaRPr>
-          </a:p>
-        </p:txBody>
-      </p:sp>
-      <p:sp>
-        <p:nvSpPr>
-          <p:cNvPr id="172" name="TextShape 2"/>
+          <p:cNvPr id="174" name="TextShape 1"/>
           <p:cNvSpPr txBox="1"/>
           <p:nvPr/>
         </p:nvSpPr>
@@ -12096,34 +11492,44 @@
               </a:lnSpc>
             </a:pPr>
             <a:r>
-              <a:rPr lang="pt-BR" sz="3000" b="1" strike="noStrike" spc="-1">
+              <a:rPr lang="pt-BR" sz="3000" b="1" strike="noStrike" spc="-1" dirty="0" smtClean="0">
                 <a:solidFill>
                   <a:srgbClr val="AF7B51"/>
                 </a:solidFill>
                 <a:latin typeface="Nunito"/>
                 <a:ea typeface="Nunito"/>
               </a:rPr>
-              <a:t>JOY</a:t>
-            </a:r>
-            <a:endParaRPr lang="pt-BR" sz="3000" b="0" strike="noStrike" spc="-1">
-              <a:solidFill>
-                <a:srgbClr val="000000"/>
-              </a:solidFill>
-              <a:latin typeface="Arial"/>
-            </a:endParaRPr>
-          </a:p>
-        </p:txBody>
-      </p:sp>
-      <p:sp>
-        <p:nvSpPr>
-          <p:cNvPr id="173" name="TextShape 3"/>
+              <a:t>Origem </a:t>
+            </a:r>
+            <a:r>
+              <a:rPr lang="pt-BR" sz="3000" b="1" strike="noStrike" spc="-1" dirty="0">
+                <a:solidFill>
+                  <a:srgbClr val="AF7B51"/>
+                </a:solidFill>
+                <a:latin typeface="Nunito"/>
+                <a:ea typeface="Nunito"/>
+              </a:rPr>
+              <a:t>da Linguagem CAT</a:t>
+            </a:r>
+            <a:endParaRPr lang="pt-BR" sz="3000" b="0" strike="noStrike" spc="-1" dirty="0">
+              <a:solidFill>
+                <a:srgbClr val="000000"/>
+              </a:solidFill>
+              <a:latin typeface="Arial"/>
+            </a:endParaRPr>
+          </a:p>
+        </p:txBody>
+      </p:sp>
+      <p:sp>
+        <p:nvSpPr>
+          <p:cNvPr id="175" name="TextShape 2"/>
           <p:cNvSpPr txBox="1"/>
           <p:nvPr/>
         </p:nvSpPr>
         <p:spPr>
           <a:xfrm>
-            <a:off x="8424360" y="4438440"/>
-            <a:ext cx="307080" cy="346320"/>
+            <a:off x="864000" y="1944360"/>
+            <a:ext cx="7505280" cy="2447640"/>
           </a:xfrm>
           <a:prstGeom prst="rect">
             <a:avLst/>
@@ -12134,14 +11540,76 @@
           </a:ln>
         </p:spPr>
         <p:txBody>
+          <a:bodyPr tIns="91440" bIns="91440"/>
+          <a:lstStyle/>
+          <a:p>
+            <a:r>
+              <a:rPr lang="pt-BR" sz="2000" b="0" strike="noStrike" spc="-1">
+                <a:solidFill>
+                  <a:srgbClr val="000000"/>
+                </a:solidFill>
+                <a:latin typeface="Arial"/>
+                <a:ea typeface="Calibri"/>
+              </a:rPr>
+              <a:t>Cat é uma linguagem de programação funcional, orientada a pilha, </a:t>
+            </a:r>
+            <a:r>
+              <a:rPr lang="pt-BR" sz="2000" b="0" strike="noStrike" spc="-1">
+                <a:solidFill>
+                  <a:srgbClr val="1B1B21"/>
+                </a:solidFill>
+                <a:latin typeface="Arial"/>
+                <a:ea typeface="Calibri"/>
+              </a:rPr>
+              <a:t>foi criada em 2006 por Chrispher Diggins, tendo como </a:t>
+            </a:r>
+            <a:r>
+              <a:rPr lang="pt-BR" sz="2000" b="0" strike="noStrike" spc="-1">
+                <a:solidFill>
+                  <a:srgbClr val="000000"/>
+                </a:solidFill>
+                <a:latin typeface="Arial"/>
+                <a:ea typeface="Calibri"/>
+              </a:rPr>
+              <a:t>inspiração a Linguagem Joy. A especificação da linguagem está sob domínio publico, mas sua implementação oficial primária está sob a licença MIT, e foi escrita em C#.</a:t>
+            </a:r>
+            <a:endParaRPr lang="pt-BR" sz="2000" b="0" strike="noStrike" spc="-1">
+              <a:solidFill>
+                <a:srgbClr val="000000"/>
+              </a:solidFill>
+              <a:latin typeface="Arial"/>
+            </a:endParaRPr>
+          </a:p>
+        </p:txBody>
+      </p:sp>
+      <p:sp>
+        <p:nvSpPr>
+          <p:cNvPr id="176" name="TextShape 3"/>
+          <p:cNvSpPr txBox="1"/>
+          <p:nvPr/>
+        </p:nvSpPr>
+        <p:spPr>
+          <a:xfrm>
+            <a:off x="8424360" y="4438440"/>
+            <a:ext cx="307080" cy="346320"/>
+          </a:xfrm>
+          <a:prstGeom prst="rect">
+            <a:avLst/>
+          </a:prstGeom>
+          <a:noFill/>
+          <a:ln>
+            <a:noFill/>
+          </a:ln>
+        </p:spPr>
+        <p:txBody>
           <a:bodyPr lIns="90000" tIns="45000" rIns="90000" bIns="45000"/>
           <a:lstStyle/>
           <a:p>
             <a:r>
-              <a:rPr lang="pt-BR" sz="1800" b="0" strike="noStrike" spc="-1" dirty="0" smtClean="0">
-                <a:latin typeface="Arial"/>
-              </a:rPr>
-              <a:t>6</a:t>
+              <a:rPr lang="pt-BR" spc="-1" dirty="0">
+                <a:latin typeface="Arial"/>
+              </a:rPr>
+              <a:t>7</a:t>
             </a:r>
             <a:endParaRPr lang="pt-BR" sz="1800" b="0" strike="noStrike" spc="-1" dirty="0">
               <a:latin typeface="Arial"/>
@@ -12158,7 +11626,7 @@
     <mc:Choice Requires="p14">
       <p:transition spd="slow" p14:dur="2000"/>
     </mc:Choice>
-    <mc:Fallback xmlns="" xmlns:p15="http://schemas.microsoft.com/office/powerpoint/2012/main">
+    <mc:Fallback xmlns:p15="http://schemas.microsoft.com/office/powerpoint/2012/main" xmlns="">
       <p:transition spd="slow"/>
     </mc:Fallback>
   </mc:AlternateContent>
@@ -12211,7 +11679,7 @@
       </p:grpSpPr>
       <p:sp>
         <p:nvSpPr>
-          <p:cNvPr id="174" name="TextShape 1"/>
+          <p:cNvPr id="177" name="TextShape 1"/>
           <p:cNvSpPr txBox="1"/>
           <p:nvPr/>
         </p:nvSpPr>
@@ -12238,37 +11706,27 @@
               </a:lnSpc>
             </a:pPr>
             <a:r>
-              <a:rPr lang="pt-BR" sz="3000" b="1" strike="noStrike" spc="-1" dirty="0" smtClean="0">
+              <a:rPr lang="pt-BR" sz="3000" b="1" strike="noStrike" spc="-1">
                 <a:solidFill>
                   <a:srgbClr val="AF7B51"/>
                 </a:solidFill>
                 <a:latin typeface="Nunito"/>
                 <a:ea typeface="Nunito"/>
               </a:rPr>
-              <a:t>Origem </a:t>
-            </a:r>
-            <a:r>
-              <a:rPr lang="pt-BR" sz="3000" b="1" strike="noStrike" spc="-1" dirty="0">
-                <a:solidFill>
-                  <a:srgbClr val="AF7B51"/>
-                </a:solidFill>
-                <a:latin typeface="Nunito"/>
-                <a:ea typeface="Nunito"/>
-              </a:rPr>
-              <a:t>da Linguagem CAT</a:t>
-            </a:r>
-            <a:endParaRPr lang="pt-BR" sz="3000" b="0" strike="noStrike" spc="-1" dirty="0">
-              <a:solidFill>
-                <a:srgbClr val="000000"/>
-              </a:solidFill>
-              <a:latin typeface="Arial"/>
-            </a:endParaRPr>
-          </a:p>
-        </p:txBody>
-      </p:sp>
-      <p:sp>
-        <p:nvSpPr>
-          <p:cNvPr id="175" name="TextShape 2"/>
+              <a:t>CAT</a:t>
+            </a:r>
+            <a:endParaRPr lang="pt-BR" sz="3000" b="0" strike="noStrike" spc="-1">
+              <a:solidFill>
+                <a:srgbClr val="000000"/>
+              </a:solidFill>
+              <a:latin typeface="Arial"/>
+            </a:endParaRPr>
+          </a:p>
+        </p:txBody>
+      </p:sp>
+      <p:sp>
+        <p:nvSpPr>
+          <p:cNvPr id="178" name="TextShape 2"/>
           <p:cNvSpPr txBox="1"/>
           <p:nvPr/>
         </p:nvSpPr>
@@ -12292,13 +11750,21 @@
             <a:r>
               <a:rPr lang="pt-BR" sz="2000" b="0" strike="noStrike" spc="-1">
                 <a:solidFill>
-                  <a:srgbClr val="000000"/>
+                  <a:srgbClr val="1B1B21"/>
                 </a:solidFill>
                 <a:latin typeface="Arial"/>
                 <a:ea typeface="Calibri"/>
               </a:rPr>
-              <a:t>Cat é uma linguagem de programação funcional, orientada a pilha, </a:t>
-            </a:r>
+              <a:t>A Linguagem CAT foi criada para cumprir as mesmas tarefas que Joy, com o diferencial de ser mais restrita e tipada estaticamente, enquanto a outra linguagem depende muito da verificação dinâmica. </a:t>
+            </a:r>
+            <a:endParaRPr lang="pt-BR" sz="2000" b="0" strike="noStrike" spc="-1">
+              <a:solidFill>
+                <a:srgbClr val="000000"/>
+              </a:solidFill>
+              <a:latin typeface="Arial"/>
+            </a:endParaRPr>
+          </a:p>
+          <a:p>
             <a:r>
               <a:rPr lang="pt-BR" sz="2000" b="0" strike="noStrike" spc="-1">
                 <a:solidFill>
@@ -12307,17 +11773,27 @@
                 <a:latin typeface="Arial"/>
                 <a:ea typeface="Calibri"/>
               </a:rPr>
-              <a:t>foi criada em 2006 por Chrispher Diggins, tendo como </a:t>
+              <a:t>Por consequência, é menos flexível que a linguagem Joy</a:t>
+            </a:r>
+            <a:r>
+              <a:rPr lang="pt-BR" sz="1200" b="0" i="1" strike="noStrike" spc="-1">
+                <a:solidFill>
+                  <a:srgbClr val="1B1B21"/>
+                </a:solidFill>
+                <a:latin typeface="Arial"/>
+                <a:ea typeface="Calibri"/>
+              </a:rPr>
+              <a:t>, </a:t>
             </a:r>
             <a:r>
               <a:rPr lang="pt-BR" sz="2000" b="0" strike="noStrike" spc="-1">
                 <a:solidFill>
-                  <a:srgbClr val="000000"/>
+                  <a:srgbClr val="1B1B21"/>
                 </a:solidFill>
                 <a:latin typeface="Arial"/>
                 <a:ea typeface="Calibri"/>
               </a:rPr>
-              <a:t>inspiração a Linguagem Joy. A especificação da linguagem está sob domínio publico, mas sua implementação oficial primária está sob a licença MIT, e foi escrita em C#.</a:t>
+              <a:t>mas é mais que segura.</a:t>
             </a:r>
             <a:endParaRPr lang="pt-BR" sz="2000" b="0" strike="noStrike" spc="-1">
               <a:solidFill>
@@ -12330,7 +11806,7 @@
       </p:sp>
       <p:sp>
         <p:nvSpPr>
-          <p:cNvPr id="176" name="TextShape 3"/>
+          <p:cNvPr id="179" name="TextShape 3"/>
           <p:cNvSpPr txBox="1"/>
           <p:nvPr/>
         </p:nvSpPr>
@@ -12353,9 +11829,12 @@
           <a:p>
             <a:r>
               <a:rPr lang="pt-BR" spc="-1" dirty="0">
-                <a:latin typeface="Arial"/>
-              </a:rPr>
-              <a:t>7</a:t>
+                <a:solidFill>
+                  <a:srgbClr val="000000"/>
+                </a:solidFill>
+                <a:latin typeface="Arial"/>
+              </a:rPr>
+              <a:t>8</a:t>
             </a:r>
             <a:endParaRPr lang="pt-BR" sz="1800" b="0" strike="noStrike" spc="-1" dirty="0">
               <a:latin typeface="Arial"/>
@@ -12372,7 +11851,7 @@
     <mc:Choice Requires="p14">
       <p:transition spd="slow" p14:dur="2000"/>
     </mc:Choice>
-    <mc:Fallback xmlns="" xmlns:p15="http://schemas.microsoft.com/office/powerpoint/2012/main">
+    <mc:Fallback xmlns:p15="http://schemas.microsoft.com/office/powerpoint/2012/main" xmlns="">
       <p:transition spd="slow"/>
     </mc:Fallback>
   </mc:AlternateContent>
@@ -12425,7 +11904,7 @@
       </p:grpSpPr>
       <p:sp>
         <p:nvSpPr>
-          <p:cNvPr id="177" name="TextShape 1"/>
+          <p:cNvPr id="180" name="TextShape 1"/>
           <p:cNvSpPr txBox="1"/>
           <p:nvPr/>
         </p:nvSpPr>
@@ -12452,34 +11931,44 @@
               </a:lnSpc>
             </a:pPr>
             <a:r>
-              <a:rPr lang="pt-BR" sz="3000" b="1" strike="noStrike" spc="-1">
+              <a:rPr lang="pt-BR" sz="3000" b="1" strike="noStrike" spc="-1" dirty="0">
                 <a:solidFill>
                   <a:srgbClr val="AF7B51"/>
                 </a:solidFill>
                 <a:latin typeface="Nunito"/>
                 <a:ea typeface="Nunito"/>
               </a:rPr>
-              <a:t>CAT</a:t>
-            </a:r>
-            <a:endParaRPr lang="pt-BR" sz="3000" b="0" strike="noStrike" spc="-1">
-              <a:solidFill>
-                <a:srgbClr val="000000"/>
-              </a:solidFill>
-              <a:latin typeface="Arial"/>
-            </a:endParaRPr>
-          </a:p>
-        </p:txBody>
-      </p:sp>
-      <p:sp>
-        <p:nvSpPr>
-          <p:cNvPr id="178" name="TextShape 2"/>
+              <a:t>Exemplo das Linguagens </a:t>
+            </a:r>
+            <a:r>
+              <a:rPr lang="pt-BR" sz="3000" b="1" strike="noStrike" spc="-1" dirty="0" smtClean="0">
+                <a:solidFill>
+                  <a:srgbClr val="AF7B51"/>
+                </a:solidFill>
+                <a:latin typeface="Nunito"/>
+                <a:ea typeface="Nunito"/>
+              </a:rPr>
+              <a:t>Cat &amp; Joy</a:t>
+            </a:r>
+            <a:endParaRPr lang="pt-BR" sz="3000" b="0" strike="noStrike" spc="-1" dirty="0">
+              <a:solidFill>
+                <a:srgbClr val="000000"/>
+              </a:solidFill>
+              <a:latin typeface="Arial"/>
+            </a:endParaRPr>
+          </a:p>
+        </p:txBody>
+      </p:sp>
+      <p:sp>
+        <p:nvSpPr>
+          <p:cNvPr id="181" name="TextShape 2"/>
           <p:cNvSpPr txBox="1"/>
           <p:nvPr/>
         </p:nvSpPr>
         <p:spPr>
           <a:xfrm>
-            <a:off x="864000" y="1944360"/>
-            <a:ext cx="7505280" cy="2447640"/>
+            <a:off x="720000" y="1656000"/>
+            <a:ext cx="7505280" cy="2892240"/>
           </a:xfrm>
           <a:prstGeom prst="rect">
             <a:avLst/>
@@ -12493,66 +11982,208 @@
           <a:bodyPr tIns="91440" bIns="91440"/>
           <a:lstStyle/>
           <a:p>
-            <a:r>
-              <a:rPr lang="pt-BR" sz="2000" b="0" strike="noStrike" spc="-1">
-                <a:solidFill>
-                  <a:srgbClr val="1B1B21"/>
-                </a:solidFill>
-                <a:latin typeface="Arial"/>
-                <a:ea typeface="Calibri"/>
-              </a:rPr>
-              <a:t>A Linguagem CAT foi criada para cumprir as mesmas tarefas que Joy, com o diferencial de ser mais restrita e tipada estaticamente, enquanto a outra linguagem depende muito da verificação dinâmica. </a:t>
-            </a:r>
-            <a:endParaRPr lang="pt-BR" sz="2000" b="0" strike="noStrike" spc="-1">
-              <a:solidFill>
-                <a:srgbClr val="000000"/>
-              </a:solidFill>
-              <a:latin typeface="Arial"/>
-            </a:endParaRPr>
-          </a:p>
-          <a:p>
-            <a:r>
-              <a:rPr lang="pt-BR" sz="2000" b="0" strike="noStrike" spc="-1">
-                <a:solidFill>
-                  <a:srgbClr val="1B1B21"/>
-                </a:solidFill>
-                <a:latin typeface="Arial"/>
-                <a:ea typeface="Calibri"/>
-              </a:rPr>
-              <a:t>Por consequência, é menos flexível que a linguagem Joy</a:t>
-            </a:r>
-            <a:r>
-              <a:rPr lang="pt-BR" sz="1200" b="0" i="1" strike="noStrike" spc="-1">
-                <a:solidFill>
-                  <a:srgbClr val="1B1B21"/>
-                </a:solidFill>
-                <a:latin typeface="Arial"/>
-                <a:ea typeface="Calibri"/>
-              </a:rPr>
-              <a:t>, </a:t>
-            </a:r>
-            <a:r>
-              <a:rPr lang="pt-BR" sz="2000" b="0" strike="noStrike" spc="-1">
-                <a:solidFill>
-                  <a:srgbClr val="1B1B21"/>
-                </a:solidFill>
-                <a:latin typeface="Arial"/>
-                <a:ea typeface="Calibri"/>
-              </a:rPr>
-              <a:t>mas é mais que segura.</a:t>
-            </a:r>
-            <a:endParaRPr lang="pt-BR" sz="2000" b="0" strike="noStrike" spc="-1">
-              <a:solidFill>
-                <a:srgbClr val="000000"/>
-              </a:solidFill>
-              <a:latin typeface="Arial"/>
-            </a:endParaRPr>
-          </a:p>
-        </p:txBody>
-      </p:sp>
-      <p:sp>
-        <p:nvSpPr>
-          <p:cNvPr id="179" name="TextShape 3"/>
+            <a:pPr>
+              <a:lnSpc>
+                <a:spcPct val="115000"/>
+              </a:lnSpc>
+            </a:pPr>
+            <a:r>
+              <a:rPr lang="pt-BR" sz="1100" b="0" strike="noStrike" spc="-1" dirty="0">
+                <a:solidFill>
+                  <a:srgbClr val="000000"/>
+                </a:solidFill>
+                <a:latin typeface="Arial"/>
+                <a:ea typeface="Arial"/>
+              </a:rPr>
+              <a:t>	 	</a:t>
+            </a:r>
+            <a:r>
+              <a:rPr lang="pt-BR" sz="1100" b="1" i="1" strike="noStrike" spc="-1" dirty="0">
+                <a:solidFill>
+                  <a:srgbClr val="000000"/>
+                </a:solidFill>
+                <a:latin typeface="Arial"/>
+                <a:ea typeface="Arial"/>
+              </a:rPr>
+              <a:t> </a:t>
+            </a:r>
+            <a:r>
+              <a:rPr lang="pt-BR" sz="1800" b="1" i="1" strike="noStrike" spc="-1" dirty="0">
+                <a:solidFill>
+                  <a:srgbClr val="1B1B21"/>
+                </a:solidFill>
+                <a:latin typeface="Times New Roman"/>
+                <a:ea typeface="Times New Roman"/>
+              </a:rPr>
+              <a:t>&gt;&gt; </a:t>
+            </a:r>
+            <a:r>
+              <a:rPr lang="pt-BR" sz="1800" b="1" i="1" strike="noStrike" spc="-1" dirty="0" smtClean="0">
+                <a:solidFill>
+                  <a:srgbClr val="1B1B21"/>
+                </a:solidFill>
+                <a:latin typeface="Times New Roman"/>
+                <a:ea typeface="Times New Roman"/>
+              </a:rPr>
+              <a:t>  </a:t>
+            </a:r>
+            <a:r>
+              <a:rPr lang="pt-BR" sz="1800" b="1" i="1" strike="noStrike" spc="-1" dirty="0" smtClean="0">
+                <a:solidFill>
+                  <a:srgbClr val="FF0000"/>
+                </a:solidFill>
+                <a:latin typeface="Times New Roman"/>
+                <a:ea typeface="Times New Roman"/>
+              </a:rPr>
+              <a:t>33  3  *</a:t>
+            </a:r>
+            <a:endParaRPr lang="pt-BR" sz="1800" b="0" strike="noStrike" spc="-1" dirty="0">
+              <a:solidFill>
+                <a:srgbClr val="FF0000"/>
+              </a:solidFill>
+              <a:latin typeface="Arial"/>
+            </a:endParaRPr>
+          </a:p>
+          <a:p>
+            <a:pPr>
+              <a:lnSpc>
+                <a:spcPct val="100000"/>
+              </a:lnSpc>
+            </a:pPr>
+            <a:r>
+              <a:rPr lang="pt-BR" sz="1800" b="1" i="1" strike="noStrike" spc="-1" dirty="0">
+                <a:solidFill>
+                  <a:srgbClr val="1B1B21"/>
+                </a:solidFill>
+                <a:latin typeface="Times New Roman"/>
+                <a:ea typeface="Times New Roman"/>
+              </a:rPr>
+              <a:t>		</a:t>
+            </a:r>
+            <a:r>
+              <a:rPr lang="pt-BR" sz="1800" b="1" i="1" strike="noStrike" spc="-1" dirty="0" err="1">
+                <a:solidFill>
+                  <a:srgbClr val="1B1B21"/>
+                </a:solidFill>
+                <a:latin typeface="Times New Roman"/>
+                <a:ea typeface="Times New Roman"/>
+              </a:rPr>
+              <a:t>main</a:t>
+            </a:r>
+            <a:r>
+              <a:rPr lang="pt-BR" sz="1800" b="1" i="1" strike="noStrike" spc="-1" dirty="0">
+                <a:solidFill>
+                  <a:srgbClr val="1B1B21"/>
+                </a:solidFill>
+                <a:latin typeface="Times New Roman"/>
+                <a:ea typeface="Times New Roman"/>
+              </a:rPr>
+              <a:t> </a:t>
+            </a:r>
+            <a:r>
+              <a:rPr lang="pt-BR" sz="1800" b="1" i="1" strike="noStrike" spc="-1" dirty="0" err="1">
+                <a:solidFill>
+                  <a:srgbClr val="1B1B21"/>
+                </a:solidFill>
+                <a:latin typeface="Times New Roman"/>
+                <a:ea typeface="Times New Roman"/>
+              </a:rPr>
+              <a:t>stack</a:t>
+            </a:r>
+            <a:r>
+              <a:rPr lang="pt-BR" sz="1800" b="1" i="1" strike="noStrike" spc="-1" dirty="0">
+                <a:solidFill>
+                  <a:srgbClr val="1B1B21"/>
+                </a:solidFill>
+                <a:latin typeface="Times New Roman"/>
+                <a:ea typeface="Times New Roman"/>
+              </a:rPr>
+              <a:t>: </a:t>
+            </a:r>
+            <a:r>
+              <a:rPr lang="pt-BR" sz="1800" b="1" i="1" strike="noStrike" spc="-1" dirty="0" smtClean="0">
+                <a:solidFill>
+                  <a:srgbClr val="1B1B21"/>
+                </a:solidFill>
+                <a:latin typeface="Times New Roman"/>
+                <a:ea typeface="Times New Roman"/>
+              </a:rPr>
+              <a:t> </a:t>
+            </a:r>
+            <a:r>
+              <a:rPr lang="pt-BR" sz="1800" b="1" i="1" strike="noStrike" spc="-1" dirty="0" smtClean="0">
+                <a:solidFill>
+                  <a:srgbClr val="FF0000"/>
+                </a:solidFill>
+                <a:latin typeface="Times New Roman"/>
+                <a:ea typeface="Times New Roman"/>
+              </a:rPr>
+              <a:t>99</a:t>
+            </a:r>
+            <a:endParaRPr lang="pt-BR" sz="1800" b="0" strike="noStrike" spc="-1" dirty="0">
+              <a:solidFill>
+                <a:srgbClr val="FF0000"/>
+              </a:solidFill>
+              <a:latin typeface="Arial"/>
+            </a:endParaRPr>
+          </a:p>
+          <a:p>
+            <a:pPr>
+              <a:lnSpc>
+                <a:spcPct val="100000"/>
+              </a:lnSpc>
+            </a:pPr>
+            <a:endParaRPr lang="pt-BR" sz="1800" b="0" strike="noStrike" spc="-1" dirty="0">
+              <a:solidFill>
+                <a:srgbClr val="000000"/>
+              </a:solidFill>
+              <a:latin typeface="Arial"/>
+            </a:endParaRPr>
+          </a:p>
+          <a:p>
+            <a:pPr>
+              <a:lnSpc>
+                <a:spcPct val="100000"/>
+              </a:lnSpc>
+            </a:pPr>
+            <a:r>
+              <a:rPr lang="pt-BR" sz="1800" b="0" strike="noStrike" spc="-1" dirty="0">
+                <a:solidFill>
+                  <a:srgbClr val="1B1B21"/>
+                </a:solidFill>
+                <a:latin typeface="Times New Roman"/>
+                <a:ea typeface="Times New Roman"/>
+              </a:rPr>
+              <a:t>Neste exemplo simples, primeiro inserimos o valor 33, depois inserimos o segundo valor 3 e por último o operando * para realizar a multiplicação. Na pilha o 33 primeiramente é inserido no topo, logo após o 3 vem acima empurrando o 33 para baixo na pilha, assim como o * vem por cima novamente. O resultando, 99, fica na posição 0 substituindo os valores digitados anteriormente. </a:t>
+            </a:r>
+            <a:endParaRPr lang="pt-BR" sz="1800" b="0" strike="noStrike" spc="-1" dirty="0">
+              <a:solidFill>
+                <a:srgbClr val="000000"/>
+              </a:solidFill>
+              <a:latin typeface="Arial"/>
+            </a:endParaRPr>
+          </a:p>
+          <a:p>
+            <a:pPr>
+              <a:lnSpc>
+                <a:spcPct val="115000"/>
+              </a:lnSpc>
+              <a:spcAft>
+                <a:spcPts val="1599"/>
+              </a:spcAft>
+            </a:pPr>
+            <a:endParaRPr lang="pt-BR" sz="1800" b="0" strike="noStrike" spc="-1" dirty="0">
+              <a:solidFill>
+                <a:srgbClr val="000000"/>
+              </a:solidFill>
+              <a:latin typeface="Arial"/>
+            </a:endParaRPr>
+          </a:p>
+        </p:txBody>
+      </p:sp>
+      <p:sp>
+        <p:nvSpPr>
+          <p:cNvPr id="182" name="TextShape 3"/>
           <p:cNvSpPr txBox="1"/>
           <p:nvPr/>
         </p:nvSpPr>
@@ -12580,7 +12211,7 @@
                 </a:solidFill>
                 <a:latin typeface="Arial"/>
               </a:rPr>
-              <a:t>8</a:t>
+              <a:t>9</a:t>
             </a:r>
             <a:endParaRPr lang="pt-BR" sz="1800" b="0" strike="noStrike" spc="-1" dirty="0">
               <a:latin typeface="Arial"/>
@@ -12597,7 +12228,7 @@
     <mc:Choice Requires="p14">
       <p:transition spd="slow" p14:dur="2000"/>
     </mc:Choice>
-    <mc:Fallback xmlns="" xmlns:p15="http://schemas.microsoft.com/office/powerpoint/2012/main">
+    <mc:Fallback xmlns:p15="http://schemas.microsoft.com/office/powerpoint/2012/main" xmlns="">
       <p:transition spd="slow"/>
     </mc:Fallback>
   </mc:AlternateContent>
@@ -12650,7 +12281,7 @@
       </p:grpSpPr>
       <p:sp>
         <p:nvSpPr>
-          <p:cNvPr id="180" name="TextShape 1"/>
+          <p:cNvPr id="183" name="TextShape 1"/>
           <p:cNvSpPr txBox="1"/>
           <p:nvPr/>
         </p:nvSpPr>
@@ -12677,33 +12308,43 @@
               </a:lnSpc>
             </a:pPr>
             <a:r>
-              <a:rPr lang="pt-BR" sz="3000" b="1" strike="noStrike" spc="-1">
+              <a:rPr lang="pt-BR" sz="3000" b="1" strike="noStrike" spc="-1" dirty="0">
                 <a:solidFill>
                   <a:srgbClr val="AF7B51"/>
                 </a:solidFill>
                 <a:latin typeface="Nunito"/>
                 <a:ea typeface="Nunito"/>
               </a:rPr>
-              <a:t>Exemplo das Linguagens Cat&amp;Joy</a:t>
-            </a:r>
-            <a:endParaRPr lang="pt-BR" sz="3000" b="0" strike="noStrike" spc="-1">
-              <a:solidFill>
-                <a:srgbClr val="000000"/>
-              </a:solidFill>
-              <a:latin typeface="Arial"/>
-            </a:endParaRPr>
-          </a:p>
-        </p:txBody>
-      </p:sp>
-      <p:sp>
-        <p:nvSpPr>
-          <p:cNvPr id="181" name="TextShape 2"/>
+              <a:t>Exemplo das Linguagens </a:t>
+            </a:r>
+            <a:r>
+              <a:rPr lang="pt-BR" sz="3000" b="1" strike="noStrike" spc="-1" dirty="0" err="1">
+                <a:solidFill>
+                  <a:srgbClr val="AF7B51"/>
+                </a:solidFill>
+                <a:latin typeface="Nunito"/>
+                <a:ea typeface="Nunito"/>
+              </a:rPr>
+              <a:t>Cat&amp;Joy</a:t>
+            </a:r>
+            <a:endParaRPr lang="pt-BR" sz="3000" b="0" strike="noStrike" spc="-1" dirty="0">
+              <a:solidFill>
+                <a:srgbClr val="000000"/>
+              </a:solidFill>
+              <a:latin typeface="Arial"/>
+            </a:endParaRPr>
+          </a:p>
+        </p:txBody>
+      </p:sp>
+      <p:sp>
+        <p:nvSpPr>
+          <p:cNvPr id="184" name="TextShape 2"/>
           <p:cNvSpPr txBox="1"/>
           <p:nvPr/>
         </p:nvSpPr>
         <p:spPr>
           <a:xfrm>
-            <a:off x="720000" y="1656000"/>
+            <a:off x="792000" y="1656000"/>
             <a:ext cx="7505280" cy="2892240"/>
           </a:xfrm>
           <a:prstGeom prst="rect">
@@ -12724,209 +12365,74 @@
               </a:lnSpc>
             </a:pPr>
             <a:r>
-              <a:rPr lang="pt-BR" sz="1100" b="0" strike="noStrike" spc="-1" dirty="0">
-                <a:solidFill>
-                  <a:srgbClr val="000000"/>
-                </a:solidFill>
-                <a:latin typeface="Arial"/>
-                <a:ea typeface="Arial"/>
-              </a:rPr>
-              <a:t>	 	</a:t>
-            </a:r>
-            <a:r>
-              <a:rPr lang="pt-BR" sz="1100" b="1" i="1" strike="noStrike" spc="-1" dirty="0">
-                <a:solidFill>
-                  <a:srgbClr val="000000"/>
-                </a:solidFill>
-                <a:latin typeface="Arial"/>
-                <a:ea typeface="Arial"/>
-              </a:rPr>
-              <a:t> </a:t>
-            </a:r>
-            <a:r>
-              <a:rPr lang="pt-BR" sz="1800" b="1" i="1" strike="noStrike" spc="-1" dirty="0">
+              <a:rPr lang="pt-BR" sz="2400" b="0" strike="noStrike" spc="-1" dirty="0">
                 <a:solidFill>
                   <a:srgbClr val="1B1B21"/>
                 </a:solidFill>
                 <a:latin typeface="Times New Roman"/>
                 <a:ea typeface="Times New Roman"/>
               </a:rPr>
-              <a:t>&gt;&gt; </a:t>
-            </a:r>
-            <a:r>
-              <a:rPr lang="pt-BR" sz="1800" b="1" i="1" strike="noStrike" spc="-1" dirty="0" smtClean="0">
+              <a:t>Basicamente a Linguagem funciona colocando os valores </a:t>
+            </a:r>
+            <a:r>
+              <a:rPr lang="pt-BR" sz="2400" b="0" strike="noStrike" spc="-1" dirty="0" smtClean="0">
                 <a:solidFill>
                   <a:srgbClr val="1B1B21"/>
                 </a:solidFill>
                 <a:latin typeface="Times New Roman"/>
                 <a:ea typeface="Times New Roman"/>
               </a:rPr>
-              <a:t>  </a:t>
-            </a:r>
-            <a:r>
-              <a:rPr lang="pt-BR" sz="1800" b="1" i="1" strike="noStrike" spc="-1" dirty="0" smtClean="0">
-                <a:solidFill>
-                  <a:srgbClr val="FF0000"/>
+              <a:t>ANTES </a:t>
+            </a:r>
+            <a:r>
+              <a:rPr lang="pt-BR" sz="2400" b="0" strike="noStrike" spc="-1" dirty="0">
+                <a:solidFill>
+                  <a:srgbClr val="1B1B21"/>
                 </a:solidFill>
                 <a:latin typeface="Times New Roman"/>
                 <a:ea typeface="Times New Roman"/>
               </a:rPr>
-              <a:t>33  3  *</a:t>
-            </a:r>
-            <a:endParaRPr lang="pt-BR" sz="1800" b="0" strike="noStrike" spc="-1" dirty="0">
-              <a:solidFill>
-                <a:srgbClr val="FF0000"/>
-              </a:solidFill>
-              <a:latin typeface="Arial"/>
-            </a:endParaRPr>
-          </a:p>
-          <a:p>
-            <a:pPr>
-              <a:lnSpc>
-                <a:spcPct val="100000"/>
-              </a:lnSpc>
-            </a:pPr>
-            <a:r>
-              <a:rPr lang="pt-BR" sz="1800" b="1" i="1" strike="noStrike" spc="-1" dirty="0">
+              <a:t>da </a:t>
+            </a:r>
+            <a:r>
+              <a:rPr lang="pt-BR" sz="2400" b="0" strike="noStrike" spc="-1" dirty="0" smtClean="0">
                 <a:solidFill>
                   <a:srgbClr val="1B1B21"/>
                 </a:solidFill>
                 <a:latin typeface="Times New Roman"/>
                 <a:ea typeface="Times New Roman"/>
               </a:rPr>
-              <a:t>		</a:t>
-            </a:r>
-            <a:r>
-              <a:rPr lang="pt-BR" sz="1800" b="1" i="1" strike="noStrike" spc="-1" dirty="0" err="1">
+              <a:t>operação que eles terão. </a:t>
+            </a:r>
+            <a:r>
+              <a:rPr lang="pt-BR" sz="2400" b="0" strike="noStrike" spc="-1" dirty="0">
                 <a:solidFill>
                   <a:srgbClr val="1B1B21"/>
                 </a:solidFill>
                 <a:latin typeface="Times New Roman"/>
                 <a:ea typeface="Times New Roman"/>
               </a:rPr>
-              <a:t>main</a:t>
-            </a:r>
-            <a:r>
-              <a:rPr lang="pt-BR" sz="1800" b="1" i="1" strike="noStrike" spc="-1" dirty="0">
-                <a:solidFill>
-                  <a:srgbClr val="1B1B21"/>
-                </a:solidFill>
-                <a:latin typeface="Times New Roman"/>
-                <a:ea typeface="Times New Roman"/>
-              </a:rPr>
-              <a:t> </a:t>
-            </a:r>
-            <a:r>
-              <a:rPr lang="pt-BR" sz="1800" b="1" i="1" strike="noStrike" spc="-1" dirty="0" err="1">
-                <a:solidFill>
-                  <a:srgbClr val="1B1B21"/>
-                </a:solidFill>
-                <a:latin typeface="Times New Roman"/>
-                <a:ea typeface="Times New Roman"/>
-              </a:rPr>
-              <a:t>stack</a:t>
-            </a:r>
-            <a:r>
-              <a:rPr lang="pt-BR" sz="1800" b="1" i="1" strike="noStrike" spc="-1" dirty="0">
-                <a:solidFill>
-                  <a:srgbClr val="1B1B21"/>
-                </a:solidFill>
-                <a:latin typeface="Times New Roman"/>
-                <a:ea typeface="Times New Roman"/>
-              </a:rPr>
-              <a:t>: </a:t>
-            </a:r>
-            <a:r>
-              <a:rPr lang="pt-BR" sz="1800" b="1" i="1" strike="noStrike" spc="-1" dirty="0" smtClean="0">
-                <a:solidFill>
-                  <a:srgbClr val="1B1B21"/>
-                </a:solidFill>
-                <a:latin typeface="Times New Roman"/>
-                <a:ea typeface="Times New Roman"/>
-              </a:rPr>
-              <a:t> </a:t>
-            </a:r>
-            <a:r>
-              <a:rPr lang="pt-BR" sz="1800" b="1" i="1" strike="noStrike" spc="-1" dirty="0" smtClean="0">
-                <a:solidFill>
-                  <a:srgbClr val="FF0000"/>
-                </a:solidFill>
-                <a:latin typeface="Times New Roman"/>
-                <a:ea typeface="Times New Roman"/>
-              </a:rPr>
-              <a:t>99</a:t>
-            </a:r>
-            <a:endParaRPr lang="pt-BR" sz="1800" b="0" strike="noStrike" spc="-1" dirty="0">
-              <a:solidFill>
-                <a:srgbClr val="FF0000"/>
-              </a:solidFill>
-              <a:latin typeface="Arial"/>
-            </a:endParaRPr>
-          </a:p>
-          <a:p>
-            <a:pPr>
-              <a:lnSpc>
-                <a:spcPct val="100000"/>
-              </a:lnSpc>
-            </a:pPr>
-            <a:endParaRPr lang="pt-BR" sz="1800" b="0" strike="noStrike" spc="-1" dirty="0">
-              <a:solidFill>
-                <a:srgbClr val="000000"/>
-              </a:solidFill>
-              <a:latin typeface="Arial"/>
-            </a:endParaRPr>
-          </a:p>
-          <a:p>
-            <a:pPr>
-              <a:lnSpc>
-                <a:spcPct val="100000"/>
-              </a:lnSpc>
-            </a:pPr>
-            <a:r>
-              <a:rPr lang="pt-BR" sz="1800" b="0" strike="noStrike" spc="-1" dirty="0">
-                <a:solidFill>
-                  <a:srgbClr val="1B1B21"/>
-                </a:solidFill>
-                <a:latin typeface="Times New Roman"/>
-                <a:ea typeface="Times New Roman"/>
-              </a:rPr>
-              <a:t>Neste exemplo simples, primeiro inserimos o valor 33, depois inserimos o segundo valor 3 e por último o operando * para realizar a multiplicação. Na pilha o 33 primeiramente é inserido no topo, logo após o 3 vem acima empurrando o 33 para baixo na pilha, assim como o * vem por cima novamente. O resultando, 99, fica na posição 0 substituindo os valores digitados anteriormente. </a:t>
-            </a:r>
-            <a:endParaRPr lang="pt-BR" sz="1800" b="0" strike="noStrike" spc="-1" dirty="0">
-              <a:solidFill>
-                <a:srgbClr val="000000"/>
-              </a:solidFill>
-              <a:latin typeface="Arial"/>
-            </a:endParaRPr>
-          </a:p>
-          <a:p>
-            <a:pPr>
-              <a:lnSpc>
-                <a:spcPct val="115000"/>
-              </a:lnSpc>
-              <a:spcAft>
-                <a:spcPts val="1599"/>
-              </a:spcAft>
-            </a:pPr>
-            <a:endParaRPr lang="pt-BR" sz="1800" b="0" strike="noStrike" spc="-1" dirty="0">
-              <a:solidFill>
-                <a:srgbClr val="000000"/>
-              </a:solidFill>
-              <a:latin typeface="Arial"/>
-            </a:endParaRPr>
-          </a:p>
-        </p:txBody>
-      </p:sp>
-      <p:sp>
-        <p:nvSpPr>
-          <p:cNvPr id="182" name="TextShape 3"/>
+              <a:t>Após colocar eles, deve se colocar o tipo de operação matemática, e então, o resultado irá substituir a posição dos valores inseridos e será exibido.</a:t>
+            </a:r>
+            <a:endParaRPr lang="pt-BR" sz="2400" b="0" strike="noStrike" spc="-1" dirty="0">
+              <a:solidFill>
+                <a:srgbClr val="000000"/>
+              </a:solidFill>
+              <a:latin typeface="Arial"/>
+            </a:endParaRPr>
+          </a:p>
+        </p:txBody>
+      </p:sp>
+      <p:sp>
+        <p:nvSpPr>
+          <p:cNvPr id="185" name="TextShape 3"/>
           <p:cNvSpPr txBox="1"/>
           <p:nvPr/>
         </p:nvSpPr>
         <p:spPr>
           <a:xfrm>
             <a:off x="8424360" y="4438440"/>
-            <a:ext cx="307080" cy="346320"/>
+            <a:ext cx="503640" cy="602280"/>
           </a:xfrm>
           <a:prstGeom prst="rect">
             <a:avLst/>
@@ -12941,13 +12447,13 @@
           <a:lstStyle/>
           <a:p>
             <a:r>
-              <a:rPr lang="pt-BR" spc="-1" dirty="0">
+              <a:rPr lang="pt-BR" spc="-1" dirty="0" smtClean="0">
                 <a:solidFill>
                   <a:srgbClr val="000000"/>
                 </a:solidFill>
                 <a:latin typeface="Arial"/>
               </a:rPr>
-              <a:t>9</a:t>
+              <a:t>10</a:t>
             </a:r>
             <a:endParaRPr lang="pt-BR" sz="1800" b="0" strike="noStrike" spc="-1" dirty="0">
               <a:latin typeface="Arial"/>
@@ -12964,7 +12470,7 @@
     <mc:Choice Requires="p14">
       <p:transition spd="slow" p14:dur="2000"/>
     </mc:Choice>
-    <mc:Fallback xmlns="" xmlns:p15="http://schemas.microsoft.com/office/powerpoint/2012/main">
+    <mc:Fallback xmlns:p15="http://schemas.microsoft.com/office/powerpoint/2012/main" xmlns="">
       <p:transition spd="slow"/>
     </mc:Fallback>
   </mc:AlternateContent>

--- a/PARADIGMA_FUNCIONAL__Linguagens_CAT_e_JOY_2.pptx
+++ b/PARADIGMA_FUNCIONAL__Linguagens_CAT_e_JOY_2.pptx
@@ -10,18 +10,19 @@
     <p:sldId id="256" r:id="rId4"/>
     <p:sldId id="272" r:id="rId5"/>
     <p:sldId id="259" r:id="rId6"/>
-    <p:sldId id="260" r:id="rId7"/>
-    <p:sldId id="261" r:id="rId8"/>
-    <p:sldId id="262" r:id="rId9"/>
+    <p:sldId id="261" r:id="rId7"/>
+    <p:sldId id="260" r:id="rId8"/>
+    <p:sldId id="271" r:id="rId9"/>
     <p:sldId id="263" r:id="rId10"/>
-    <p:sldId id="264" r:id="rId11"/>
-    <p:sldId id="265" r:id="rId12"/>
-    <p:sldId id="266" r:id="rId13"/>
-    <p:sldId id="267" r:id="rId14"/>
-    <p:sldId id="268" r:id="rId15"/>
-    <p:sldId id="271" r:id="rId16"/>
-    <p:sldId id="269" r:id="rId17"/>
-    <p:sldId id="270" r:id="rId18"/>
+    <p:sldId id="262" r:id="rId11"/>
+    <p:sldId id="274" r:id="rId12"/>
+    <p:sldId id="265" r:id="rId13"/>
+    <p:sldId id="264" r:id="rId14"/>
+    <p:sldId id="266" r:id="rId15"/>
+    <p:sldId id="267" r:id="rId16"/>
+    <p:sldId id="268" r:id="rId17"/>
+    <p:sldId id="269" r:id="rId18"/>
+    <p:sldId id="270" r:id="rId19"/>
   </p:sldIdLst>
   <p:sldSz cx="9144000" cy="5143500" type="screen16x9"/>
   <p:notesSz cx="6858000" cy="9144000"/>
@@ -7759,7 +7760,7 @@
               </a:lnSpc>
             </a:pPr>
             <a:r>
-              <a:rPr lang="pt-BR" sz="3800" b="1" strike="noStrike" spc="-1">
+              <a:rPr lang="pt-BR" sz="3800" b="1" strike="noStrike" spc="-1" dirty="0">
                 <a:solidFill>
                   <a:srgbClr val="AF7B51"/>
                 </a:solidFill>
@@ -7769,11 +7770,14 @@
               <a:t>PARADIGMA FUNCIONAL:</a:t>
             </a:r>
             <a:r>
+              <a:rPr dirty="0"/>
               <a:t/>
             </a:r>
-            <a:br/>
-            <a:r>
-              <a:rPr lang="pt-BR" sz="3800" b="1" strike="noStrike" spc="-1">
+            <a:br>
+              <a:rPr dirty="0"/>
+            </a:br>
+            <a:r>
+              <a:rPr lang="pt-BR" sz="3800" b="1" strike="noStrike" spc="-1" dirty="0">
                 <a:solidFill>
                   <a:srgbClr val="AF7B51"/>
                 </a:solidFill>
@@ -7782,7 +7786,7 @@
               </a:rPr>
               <a:t>Linguagens CAT e JOY</a:t>
             </a:r>
-            <a:endParaRPr lang="pt-BR" sz="3800" b="0" strike="noStrike" spc="-1">
+            <a:endParaRPr lang="pt-BR" sz="3800" b="0" strike="noStrike" spc="-1" dirty="0">
               <a:solidFill>
                 <a:srgbClr val="000000"/>
               </a:solidFill>
@@ -7820,16 +7824,26 @@
               </a:lnSpc>
             </a:pPr>
             <a:r>
-              <a:rPr lang="pt-BR" sz="1600" b="0" strike="noStrike" spc="-1">
+              <a:rPr lang="pt-BR" sz="1600" b="0" strike="noStrike" spc="-1" dirty="0">
                 <a:solidFill>
                   <a:srgbClr val="AF7B51"/>
                 </a:solidFill>
                 <a:latin typeface="Calibri"/>
                 <a:ea typeface="Calibri"/>
               </a:rPr>
-              <a:t>Grupo API</a:t>
-            </a:r>
-            <a:endParaRPr lang="pt-BR" sz="1600" b="0" strike="noStrike" spc="-1">
+              <a:t>Grupo </a:t>
+            </a:r>
+            <a:r>
+              <a:rPr lang="pt-BR" sz="1600" spc="-1" dirty="0" smtClean="0">
+                <a:solidFill>
+                  <a:srgbClr val="AF7B51"/>
+                </a:solidFill>
+                <a:latin typeface="Calibri"/>
+                <a:ea typeface="Calibri"/>
+              </a:rPr>
+              <a:t>10</a:t>
+            </a:r>
+            <a:endParaRPr lang="pt-BR" sz="1600" b="0" strike="noStrike" spc="-1" dirty="0">
               <a:latin typeface="Arial"/>
             </a:endParaRPr>
           </a:p>
@@ -7839,7 +7853,7 @@
                 <a:spcPct val="100000"/>
               </a:lnSpc>
             </a:pPr>
-            <a:endParaRPr lang="pt-BR" sz="1600" b="0" strike="noStrike" spc="-1">
+            <a:endParaRPr lang="pt-BR" sz="1600" b="0" strike="noStrike" spc="-1" dirty="0">
               <a:latin typeface="Arial"/>
             </a:endParaRPr>
           </a:p>
@@ -7907,13 +7921,13 @@
       </p:grpSpPr>
       <p:sp>
         <p:nvSpPr>
-          <p:cNvPr id="186" name="TextShape 1"/>
+          <p:cNvPr id="183" name="TextShape 1"/>
           <p:cNvSpPr txBox="1"/>
           <p:nvPr/>
         </p:nvSpPr>
         <p:spPr>
           <a:xfrm>
-            <a:off x="792000" y="701640"/>
+            <a:off x="819000" y="845640"/>
             <a:ext cx="7505280" cy="954360"/>
           </a:xfrm>
           <a:prstGeom prst="rect">
@@ -7928,28 +7942,69 @@
           <a:bodyPr tIns="91440" bIns="91440"/>
           <a:lstStyle/>
           <a:p>
-            <a:r>
-              <a:rPr lang="pt-BR" sz="2400" b="1" spc="-1" dirty="0">
+            <a:pPr>
+              <a:lnSpc>
+                <a:spcPct val="100000"/>
+              </a:lnSpc>
+            </a:pPr>
+            <a:r>
+              <a:rPr lang="pt-BR" sz="3000" b="1" strike="noStrike" spc="-1" dirty="0">
                 <a:solidFill>
                   <a:srgbClr val="AF7B51"/>
                 </a:solidFill>
                 <a:latin typeface="Nunito"/>
                 <a:ea typeface="Nunito"/>
               </a:rPr>
-              <a:t>Dando continuidade ao exemplo anterior, temos:</a:t>
-            </a:r>
-          </a:p>
-        </p:txBody>
-      </p:sp>
-      <p:sp>
-        <p:nvSpPr>
-          <p:cNvPr id="187" name="TextShape 2"/>
+              <a:t>Exemplo das Linguagens </a:t>
+            </a:r>
+            <a:r>
+              <a:rPr lang="pt-BR" sz="3000" b="1" strike="noStrike" spc="-1" dirty="0" err="1" smtClean="0">
+                <a:solidFill>
+                  <a:srgbClr val="AF7B51"/>
+                </a:solidFill>
+                <a:latin typeface="Nunito"/>
+                <a:ea typeface="Nunito"/>
+              </a:rPr>
+              <a:t>Cat</a:t>
+            </a:r>
+            <a:r>
+              <a:rPr lang="pt-BR" sz="3000" b="1" strike="noStrike" spc="-1" dirty="0" smtClean="0">
+                <a:solidFill>
+                  <a:srgbClr val="AF7B51"/>
+                </a:solidFill>
+                <a:latin typeface="Nunito"/>
+                <a:ea typeface="Nunito"/>
+              </a:rPr>
+              <a:t> &amp; </a:t>
+            </a:r>
+            <a:r>
+              <a:rPr lang="pt-BR" sz="3000" b="1" strike="noStrike" spc="-1" dirty="0" err="1" smtClean="0">
+                <a:solidFill>
+                  <a:srgbClr val="AF7B51"/>
+                </a:solidFill>
+                <a:latin typeface="Nunito"/>
+                <a:ea typeface="Nunito"/>
+              </a:rPr>
+              <a:t>Joy</a:t>
+            </a:r>
+            <a:endParaRPr lang="pt-BR" sz="3000" b="0" strike="noStrike" spc="-1" dirty="0">
+              <a:solidFill>
+                <a:srgbClr val="000000"/>
+              </a:solidFill>
+              <a:latin typeface="Arial"/>
+            </a:endParaRPr>
+          </a:p>
+        </p:txBody>
+      </p:sp>
+      <p:sp>
+        <p:nvSpPr>
+          <p:cNvPr id="184" name="TextShape 2"/>
           <p:cNvSpPr txBox="1"/>
           <p:nvPr/>
         </p:nvSpPr>
         <p:spPr>
           <a:xfrm>
-            <a:off x="792000" y="1544089"/>
+            <a:off x="792000" y="1656000"/>
             <a:ext cx="7505280" cy="2892240"/>
           </a:xfrm>
           <a:prstGeom prst="rect">
@@ -7964,333 +8019,109 @@
           <a:bodyPr tIns="91440" bIns="91440"/>
           <a:lstStyle/>
           <a:p>
-            <a:r>
-              <a:rPr lang="pt-BR" sz="1400" b="0" strike="noStrike" spc="-1" dirty="0">
-                <a:solidFill>
-                  <a:srgbClr val="1B1B21"/>
-                </a:solidFill>
-                <a:latin typeface="Times New Roman"/>
-                <a:ea typeface="Times New Roman"/>
-              </a:rPr>
-              <a:t> 		</a:t>
-            </a:r>
-            <a:r>
-              <a:rPr lang="pt-BR" b="0" strike="noStrike" spc="-1" dirty="0">
-                <a:solidFill>
-                  <a:srgbClr val="1B1B21"/>
-                </a:solidFill>
-                <a:latin typeface="Times New Roman"/>
-                <a:ea typeface="Times New Roman"/>
-              </a:rPr>
-              <a:t>&gt;&gt; </a:t>
-            </a:r>
-            <a:r>
-              <a:rPr lang="pt-BR" spc="-1" dirty="0">
-                <a:solidFill>
-                  <a:srgbClr val="1B1B21"/>
-                </a:solidFill>
-                <a:latin typeface="Times New Roman"/>
-                <a:ea typeface="Times New Roman"/>
-              </a:rPr>
-              <a:t> </a:t>
-            </a:r>
-            <a:r>
-              <a:rPr lang="pt-BR" spc="-1" dirty="0" smtClean="0">
-                <a:solidFill>
-                  <a:srgbClr val="1B1B21"/>
-                </a:solidFill>
-                <a:latin typeface="Times New Roman"/>
-                <a:ea typeface="Times New Roman"/>
-              </a:rPr>
-              <a:t>  </a:t>
-            </a:r>
-            <a:r>
-              <a:rPr lang="pt-BR" b="0" strike="noStrike" spc="-1" dirty="0" smtClean="0">
-                <a:solidFill>
-                  <a:srgbClr val="1B1B21"/>
-                </a:solidFill>
-                <a:latin typeface="Times New Roman"/>
-                <a:ea typeface="Times New Roman"/>
-              </a:rPr>
-              <a:t>33   3   *</a:t>
-            </a:r>
-            <a:r>
-              <a:rPr sz="2400" dirty="0"/>
-              <a:t/>
-            </a:r>
-            <a:br>
-              <a:rPr sz="2400" dirty="0"/>
-            </a:br>
-            <a:r>
-              <a:rPr lang="pt-BR" b="0" strike="noStrike" spc="-1" dirty="0">
-                <a:solidFill>
-                  <a:srgbClr val="1B1B21"/>
-                </a:solidFill>
-                <a:latin typeface="Times New Roman"/>
-                <a:ea typeface="Times New Roman"/>
-              </a:rPr>
-              <a:t>		</a:t>
-            </a:r>
-            <a:r>
-              <a:rPr lang="pt-BR" b="0" strike="noStrike" spc="-1" dirty="0" err="1">
-                <a:solidFill>
-                  <a:srgbClr val="1B1B21"/>
-                </a:solidFill>
-                <a:latin typeface="Times New Roman"/>
-                <a:ea typeface="Times New Roman"/>
-              </a:rPr>
-              <a:t>main</a:t>
-            </a:r>
-            <a:r>
-              <a:rPr lang="pt-BR" b="0" strike="noStrike" spc="-1" dirty="0">
-                <a:solidFill>
-                  <a:srgbClr val="1B1B21"/>
-                </a:solidFill>
-                <a:latin typeface="Times New Roman"/>
-                <a:ea typeface="Times New Roman"/>
-              </a:rPr>
-              <a:t> </a:t>
-            </a:r>
-            <a:r>
-              <a:rPr lang="pt-BR" b="0" strike="noStrike" spc="-1" dirty="0" err="1">
-                <a:solidFill>
-                  <a:srgbClr val="1B1B21"/>
-                </a:solidFill>
-                <a:latin typeface="Times New Roman"/>
-                <a:ea typeface="Times New Roman"/>
-              </a:rPr>
-              <a:t>stack</a:t>
-            </a:r>
-            <a:r>
-              <a:rPr lang="pt-BR" b="0" strike="noStrike" spc="-1" dirty="0">
-                <a:solidFill>
-                  <a:srgbClr val="1B1B21"/>
-                </a:solidFill>
-                <a:latin typeface="Times New Roman"/>
-                <a:ea typeface="Times New Roman"/>
-              </a:rPr>
-              <a:t>: 99</a:t>
-            </a:r>
-            <a:r>
-              <a:rPr sz="2400" dirty="0"/>
-              <a:t/>
-            </a:r>
-            <a:br>
-              <a:rPr sz="2400" dirty="0"/>
-            </a:br>
-            <a:r>
-              <a:rPr lang="pt-BR" b="0" strike="noStrike" spc="-1" dirty="0">
-                <a:solidFill>
-                  <a:srgbClr val="1B1B21"/>
-                </a:solidFill>
-                <a:latin typeface="Times New Roman"/>
-                <a:ea typeface="Times New Roman"/>
-              </a:rPr>
-              <a:t>		</a:t>
-            </a:r>
-            <a:r>
-              <a:rPr lang="pt-BR" b="1" i="1" strike="noStrike" spc="-1" dirty="0">
-                <a:solidFill>
-                  <a:srgbClr val="1B1B21"/>
-                </a:solidFill>
-                <a:latin typeface="Times New Roman"/>
-                <a:ea typeface="Times New Roman"/>
-              </a:rPr>
-              <a:t>&gt;&gt; </a:t>
-            </a:r>
-            <a:r>
-              <a:rPr lang="pt-BR" b="1" i="1" strike="noStrike" spc="-1" dirty="0" smtClean="0">
-                <a:solidFill>
-                  <a:srgbClr val="1B1B21"/>
-                </a:solidFill>
-                <a:latin typeface="Times New Roman"/>
-                <a:ea typeface="Times New Roman"/>
-              </a:rPr>
-              <a:t>   </a:t>
-            </a:r>
-            <a:r>
-              <a:rPr lang="pt-BR" b="1" i="1" strike="noStrike" spc="-1" dirty="0" smtClean="0">
-                <a:solidFill>
-                  <a:srgbClr val="FF0000"/>
-                </a:solidFill>
-                <a:latin typeface="Times New Roman"/>
-                <a:ea typeface="Times New Roman"/>
-              </a:rPr>
-              <a:t>12  +</a:t>
-            </a:r>
-            <a:r>
-              <a:rPr lang="pt-BR" b="1" i="1" spc="-1" dirty="0">
-                <a:solidFill>
-                  <a:srgbClr val="FF0000"/>
-                </a:solidFill>
-                <a:latin typeface="Times New Roman"/>
-                <a:ea typeface="Times New Roman"/>
-              </a:rPr>
-              <a:t> </a:t>
-            </a:r>
-            <a:r>
-              <a:rPr lang="pt-BR" b="1" i="1" spc="-1" dirty="0" smtClean="0">
-                <a:solidFill>
-                  <a:srgbClr val="FF0000"/>
-                </a:solidFill>
-                <a:latin typeface="Times New Roman"/>
-                <a:ea typeface="Times New Roman"/>
-              </a:rPr>
-              <a:t> </a:t>
-            </a:r>
-            <a:r>
-              <a:rPr lang="pt-BR" b="1" i="1" strike="noStrike" spc="-1" dirty="0" smtClean="0">
-                <a:solidFill>
-                  <a:srgbClr val="FF0000"/>
-                </a:solidFill>
-                <a:latin typeface="Times New Roman"/>
-                <a:ea typeface="Times New Roman"/>
-              </a:rPr>
-              <a:t> 5   </a:t>
-            </a:r>
-            <a:r>
-              <a:rPr lang="pt-BR" b="1" i="1" strike="noStrike" spc="-1" dirty="0">
-                <a:solidFill>
-                  <a:srgbClr val="FF0000"/>
-                </a:solidFill>
-                <a:latin typeface="Times New Roman"/>
-                <a:ea typeface="Times New Roman"/>
-              </a:rPr>
-              <a:t>*</a:t>
-            </a:r>
-            <a:r>
-              <a:rPr sz="2400" dirty="0"/>
-              <a:t/>
-            </a:r>
-            <a:br>
-              <a:rPr sz="2400" dirty="0"/>
-            </a:br>
-            <a:r>
-              <a:rPr lang="pt-BR" b="1" i="1" strike="noStrike" spc="-1" dirty="0">
-                <a:solidFill>
-                  <a:srgbClr val="1B1B21"/>
-                </a:solidFill>
-                <a:latin typeface="Times New Roman"/>
-                <a:ea typeface="Times New Roman"/>
-              </a:rPr>
-              <a:t>		</a:t>
-            </a:r>
-            <a:r>
-              <a:rPr lang="pt-BR" b="1" i="1" strike="noStrike" spc="-1" dirty="0" err="1">
-                <a:solidFill>
-                  <a:srgbClr val="1B1B21"/>
-                </a:solidFill>
-                <a:latin typeface="Times New Roman"/>
-                <a:ea typeface="Times New Roman"/>
-              </a:rPr>
-              <a:t>main</a:t>
-            </a:r>
-            <a:r>
-              <a:rPr lang="pt-BR" b="1" i="1" strike="noStrike" spc="-1" dirty="0">
-                <a:solidFill>
-                  <a:srgbClr val="1B1B21"/>
-                </a:solidFill>
-                <a:latin typeface="Times New Roman"/>
-                <a:ea typeface="Times New Roman"/>
-              </a:rPr>
-              <a:t> </a:t>
-            </a:r>
-            <a:r>
-              <a:rPr lang="pt-BR" b="1" i="1" strike="noStrike" spc="-1" dirty="0" err="1">
-                <a:solidFill>
-                  <a:srgbClr val="1B1B21"/>
-                </a:solidFill>
-                <a:latin typeface="Times New Roman"/>
-                <a:ea typeface="Times New Roman"/>
-              </a:rPr>
-              <a:t>stack</a:t>
-            </a:r>
-            <a:r>
-              <a:rPr lang="pt-BR" b="1" i="1" strike="noStrike" spc="-1" dirty="0">
-                <a:solidFill>
-                  <a:srgbClr val="1B1B21"/>
-                </a:solidFill>
-                <a:latin typeface="Times New Roman"/>
-                <a:ea typeface="Times New Roman"/>
-              </a:rPr>
-              <a:t>: </a:t>
-            </a:r>
-            <a:r>
-              <a:rPr lang="pt-BR" b="1" i="1" strike="noStrike" spc="-1" dirty="0" smtClean="0">
-                <a:solidFill>
-                  <a:srgbClr val="1B1B21"/>
-                </a:solidFill>
-                <a:latin typeface="Times New Roman"/>
-                <a:ea typeface="Times New Roman"/>
-              </a:rPr>
-              <a:t> </a:t>
-            </a:r>
-            <a:r>
-              <a:rPr lang="pt-BR" b="1" i="1" strike="noStrike" spc="-1" dirty="0" smtClean="0">
-                <a:solidFill>
-                  <a:srgbClr val="FF0000"/>
-                </a:solidFill>
-                <a:latin typeface="Times New Roman"/>
-                <a:ea typeface="Times New Roman"/>
-              </a:rPr>
-              <a:t>99  15</a:t>
-            </a:r>
-          </a:p>
-          <a:p>
-            <a:endParaRPr lang="pt-BR" b="0" strike="noStrike" spc="-1" dirty="0">
-              <a:solidFill>
-                <a:srgbClr val="FF0000"/>
-              </a:solidFill>
-              <a:latin typeface="Arial"/>
-            </a:endParaRPr>
-          </a:p>
-          <a:p>
-            <a:r>
-              <a:rPr lang="pt-BR" sz="1400" b="0" strike="noStrike" spc="-1" dirty="0">
-                <a:solidFill>
-                  <a:srgbClr val="1B1B21"/>
-                </a:solidFill>
-                <a:latin typeface="Times New Roman"/>
-                <a:ea typeface="Times New Roman"/>
-              </a:rPr>
-              <a:t>     </a:t>
-            </a:r>
+            <a:pPr algn="just">
+              <a:lnSpc>
+                <a:spcPct val="115000"/>
+              </a:lnSpc>
+            </a:pPr>
             <a:r>
               <a:rPr lang="pt-BR" sz="2400" b="0" strike="noStrike" spc="-1" dirty="0">
                 <a:solidFill>
                   <a:srgbClr val="1B1B21"/>
                 </a:solidFill>
-                <a:latin typeface="Times New Roman"/>
                 <a:ea typeface="Times New Roman"/>
               </a:rPr>
-              <a:t>Após multiplicarmos o 3, realizamos uma soma entre 1 e 2 e com o resultado multiplicamos por 5, obtendo 15 que fica logo acima na pilha, no exemplo a direita.</a:t>
+              <a:t>Basicamente a Linguagem funciona colocando os valores </a:t>
+            </a:r>
+            <a:r>
+              <a:rPr lang="pt-BR" sz="2400" b="0" strike="noStrike" spc="-1" dirty="0" smtClean="0">
+                <a:solidFill>
+                  <a:srgbClr val="1B1B21"/>
+                </a:solidFill>
+                <a:ea typeface="Times New Roman"/>
+              </a:rPr>
+              <a:t>ANTES </a:t>
+            </a:r>
+            <a:r>
+              <a:rPr lang="pt-BR" sz="2400" b="0" strike="noStrike" spc="-1" dirty="0">
+                <a:solidFill>
+                  <a:srgbClr val="1B1B21"/>
+                </a:solidFill>
+                <a:ea typeface="Times New Roman"/>
+              </a:rPr>
+              <a:t>da </a:t>
+            </a:r>
+            <a:r>
+              <a:rPr lang="pt-BR" sz="2400" b="0" strike="noStrike" spc="-1" dirty="0" smtClean="0">
+                <a:solidFill>
+                  <a:srgbClr val="1B1B21"/>
+                </a:solidFill>
+                <a:ea typeface="Times New Roman"/>
+              </a:rPr>
+              <a:t>operação que eles terão. </a:t>
+            </a:r>
+            <a:r>
+              <a:rPr lang="pt-BR" sz="2400" b="0" strike="noStrike" spc="-1" dirty="0">
+                <a:solidFill>
+                  <a:srgbClr val="1B1B21"/>
+                </a:solidFill>
+                <a:ea typeface="Times New Roman"/>
+              </a:rPr>
+              <a:t>Após </a:t>
+            </a:r>
+            <a:r>
+              <a:rPr lang="pt-BR" sz="2400" b="0" strike="noStrike" spc="-1" dirty="0" smtClean="0">
+                <a:solidFill>
+                  <a:srgbClr val="1B1B21"/>
+                </a:solidFill>
+                <a:ea typeface="Times New Roman"/>
+              </a:rPr>
+              <a:t>a introdução dos valores, </a:t>
+            </a:r>
+            <a:r>
+              <a:rPr lang="pt-BR" sz="2400" b="0" strike="noStrike" spc="-1" dirty="0">
+                <a:solidFill>
+                  <a:srgbClr val="1B1B21"/>
+                </a:solidFill>
+                <a:ea typeface="Times New Roman"/>
+              </a:rPr>
+              <a:t>deve se colocar o tipo de operação matemática, e </a:t>
+            </a:r>
+            <a:r>
+              <a:rPr lang="pt-BR" sz="2400" b="0" strike="noStrike" spc="-1" dirty="0" smtClean="0">
+                <a:solidFill>
+                  <a:srgbClr val="1B1B21"/>
+                </a:solidFill>
+                <a:ea typeface="Times New Roman"/>
+              </a:rPr>
+              <a:t>então </a:t>
+            </a:r>
+            <a:r>
+              <a:rPr lang="pt-BR" sz="2400" b="0" strike="noStrike" spc="-1" dirty="0">
+                <a:solidFill>
+                  <a:srgbClr val="1B1B21"/>
+                </a:solidFill>
+                <a:ea typeface="Times New Roman"/>
+              </a:rPr>
+              <a:t>o resultado irá substituir a posição dos valores inseridos e será exibido.</a:t>
             </a:r>
             <a:endParaRPr lang="pt-BR" sz="2400" b="0" strike="noStrike" spc="-1" dirty="0">
               <a:solidFill>
-                <a:srgbClr val="1B1B21"/>
-              </a:solidFill>
-              <a:latin typeface="Arial"/>
-            </a:endParaRPr>
-          </a:p>
-          <a:p>
-            <a:endParaRPr lang="pt-BR" sz="2400" b="0" strike="noStrike" spc="-1" dirty="0">
-              <a:solidFill>
-                <a:srgbClr val="1B1B21"/>
-              </a:solidFill>
-              <a:latin typeface="Arial"/>
-            </a:endParaRPr>
-          </a:p>
-        </p:txBody>
-      </p:sp>
-      <p:sp>
-        <p:nvSpPr>
-          <p:cNvPr id="188" name="TextShape 3"/>
+                <a:srgbClr val="000000"/>
+              </a:solidFill>
+            </a:endParaRPr>
+          </a:p>
+        </p:txBody>
+      </p:sp>
+      <p:sp>
+        <p:nvSpPr>
+          <p:cNvPr id="185" name="TextShape 3"/>
           <p:cNvSpPr txBox="1"/>
           <p:nvPr/>
         </p:nvSpPr>
         <p:spPr>
           <a:xfrm>
-            <a:off x="8424720" y="4438800"/>
+            <a:off x="8424360" y="4438440"/>
             <a:ext cx="503640" cy="602280"/>
           </a:xfrm>
           <a:prstGeom prst="rect">
@@ -8306,13 +8137,10 @@
           <a:lstStyle/>
           <a:p>
             <a:r>
-              <a:rPr lang="pt-BR" sz="1800" b="0" strike="noStrike" spc="-1" dirty="0" smtClean="0">
-                <a:solidFill>
-                  <a:srgbClr val="000000"/>
-                </a:solidFill>
+              <a:rPr lang="pt-BR" spc="-1" dirty="0" smtClean="0">
                 <a:latin typeface="Arial"/>
               </a:rPr>
-              <a:t>11</a:t>
+              <a:t>10</a:t>
             </a:r>
             <a:endParaRPr lang="pt-BR" sz="1800" b="0" strike="noStrike" spc="-1" dirty="0">
               <a:latin typeface="Arial"/>
@@ -8320,6 +8148,36 @@
           </a:p>
         </p:txBody>
       </p:sp>
+      <p:pic>
+        <p:nvPicPr>
+          <p:cNvPr id="5" name="Imagem 4" descr="File:Cat silhouette.svg - Wikimedia Commons"/>
+          <p:cNvPicPr>
+            <a:picLocks noChangeAspect="1"/>
+          </p:cNvPicPr>
+          <p:nvPr/>
+        </p:nvPicPr>
+        <p:blipFill>
+          <a:blip r:embed="rId2" cstate="print">
+            <a:extLst>
+              <a:ext uri="{28A0092B-C50C-407E-A947-70E740481C1C}">
+                <a14:useLocalDpi xmlns:a14="http://schemas.microsoft.com/office/drawing/2010/main" val="0"/>
+              </a:ext>
+            </a:extLst>
+          </a:blip>
+          <a:stretch>
+            <a:fillRect/>
+          </a:stretch>
+        </p:blipFill>
+        <p:spPr>
+          <a:xfrm>
+            <a:off x="7822734" y="4213260"/>
+            <a:ext cx="601266" cy="571500"/>
+          </a:xfrm>
+          <a:prstGeom prst="rect">
+            <a:avLst/>
+          </a:prstGeom>
+        </p:spPr>
+      </p:pic>
     </p:spTree>
   </p:cSld>
   <p:clrMapOvr>
@@ -8380,15 +8238,39 @@
           <a:chExt cx="0" cy="0"/>
         </a:xfrm>
       </p:grpSpPr>
-      <p:sp>
-        <p:nvSpPr>
-          <p:cNvPr id="189" name="TextShape 1"/>
+      <p:pic>
+        <p:nvPicPr>
+          <p:cNvPr id="23" name="Imagem 22"/>
+          <p:cNvPicPr>
+            <a:picLocks noChangeAspect="1"/>
+          </p:cNvPicPr>
+          <p:nvPr/>
+        </p:nvPicPr>
+        <p:blipFill>
+          <a:blip r:embed="rId2"/>
+          <a:stretch>
+            <a:fillRect/>
+          </a:stretch>
+        </p:blipFill>
+        <p:spPr>
+          <a:xfrm>
+            <a:off x="3247176" y="1181982"/>
+            <a:ext cx="1819529" cy="2534004"/>
+          </a:xfrm>
+          <a:prstGeom prst="rect">
+            <a:avLst/>
+          </a:prstGeom>
+        </p:spPr>
+      </p:pic>
+      <p:sp>
+        <p:nvSpPr>
+          <p:cNvPr id="180" name="TextShape 1"/>
           <p:cNvSpPr txBox="1"/>
           <p:nvPr/>
         </p:nvSpPr>
         <p:spPr>
           <a:xfrm>
-            <a:off x="774720" y="557640"/>
+            <a:off x="719281" y="598929"/>
             <a:ext cx="7505280" cy="954360"/>
           </a:xfrm>
           <a:prstGeom prst="rect">
@@ -8400,88 +8282,53 @@
           </a:ln>
         </p:spPr>
         <p:txBody>
-          <a:bodyPr lIns="0" tIns="0" rIns="0" bIns="0" anchor="ctr"/>
-          <a:lstStyle/>
-          <a:p>
-            <a:r>
-              <a:rPr lang="pt-BR" sz="2200" spc="-1" dirty="0">
+          <a:bodyPr tIns="91440" bIns="91440"/>
+          <a:lstStyle/>
+          <a:p>
+            <a:pPr>
+              <a:lnSpc>
+                <a:spcPct val="100000"/>
+              </a:lnSpc>
+            </a:pPr>
+            <a:r>
+              <a:rPr lang="pt-BR" sz="3000" b="1" strike="noStrike" spc="-1" dirty="0">
                 <a:solidFill>
-                  <a:srgbClr val="1B1B21"/>
+                  <a:srgbClr val="AF7B51"/>
                 </a:solidFill>
-                <a:latin typeface="Arial"/>
-                <a:ea typeface="Arial"/>
-              </a:rPr>
-              <a:t> </a:t>
-            </a:r>
-            <a:r>
-              <a:rPr lang="pt-BR" sz="2200" spc="-1" dirty="0" smtClean="0">
+                <a:latin typeface="Nunito"/>
+                <a:ea typeface="Nunito"/>
+              </a:rPr>
+              <a:t>Exemplo das Linguagens </a:t>
+            </a:r>
+            <a:r>
+              <a:rPr lang="pt-BR" sz="3000" b="1" strike="noStrike" spc="-1" dirty="0" smtClean="0">
                 <a:solidFill>
-                  <a:srgbClr val="1B1B21"/>
+                  <a:srgbClr val="AF7B51"/>
                 </a:solidFill>
-                <a:latin typeface="Arial"/>
-                <a:ea typeface="Arial"/>
-              </a:rPr>
-              <a:t>   </a:t>
-            </a:r>
-            <a:r>
-              <a:rPr lang="pt-BR" sz="2200" b="0" strike="noStrike" spc="-1" dirty="0" smtClean="0">
-                <a:solidFill>
-                  <a:srgbClr val="1B1B21"/>
-                </a:solidFill>
-                <a:latin typeface="Arial"/>
-                <a:ea typeface="Arial"/>
-              </a:rPr>
-              <a:t>Na </a:t>
-            </a:r>
-            <a:r>
-              <a:rPr lang="pt-BR" sz="2200" spc="-1" dirty="0" smtClean="0">
-                <a:solidFill>
-                  <a:srgbClr val="1B1B21"/>
-                </a:solidFill>
-                <a:latin typeface="Arial"/>
-                <a:ea typeface="Arial"/>
-              </a:rPr>
-              <a:t>linguagem, o </a:t>
-            </a:r>
-            <a:r>
-              <a:rPr lang="pt-BR" sz="2200" b="0" strike="noStrike" spc="-1" dirty="0" smtClean="0">
-                <a:solidFill>
-                  <a:srgbClr val="1B1B21"/>
-                </a:solidFill>
-                <a:latin typeface="Arial"/>
-                <a:ea typeface="Arial"/>
-              </a:rPr>
-              <a:t>valor </a:t>
-            </a:r>
-            <a:r>
-              <a:rPr lang="pt-BR" sz="2200" b="0" strike="noStrike" spc="-1" dirty="0">
-                <a:solidFill>
-                  <a:srgbClr val="1B1B21"/>
-                </a:solidFill>
-                <a:latin typeface="Arial"/>
-                <a:ea typeface="Arial"/>
-              </a:rPr>
-              <a:t>superior é tratado como o operando direito e o valor abaixo é tratado como o operando esquerdo.</a:t>
-            </a:r>
-            <a:endParaRPr lang="pt-BR" sz="2200" b="0" strike="noStrike" spc="-1" dirty="0">
-              <a:solidFill>
-                <a:srgbClr val="1B1B21"/>
-              </a:solidFill>
-              <a:latin typeface="Arial"/>
-            </a:endParaRPr>
-          </a:p>
-        </p:txBody>
-      </p:sp>
-      <p:sp>
-        <p:nvSpPr>
-          <p:cNvPr id="190" name="TextShape 2"/>
+                <a:latin typeface="Nunito"/>
+                <a:ea typeface="Nunito"/>
+              </a:rPr>
+              <a:t>Cat &amp; Joy</a:t>
+            </a:r>
+            <a:endParaRPr lang="pt-BR" sz="3000" b="0" strike="noStrike" spc="-1" dirty="0">
+              <a:solidFill>
+                <a:srgbClr val="000000"/>
+              </a:solidFill>
+              <a:latin typeface="Arial"/>
+            </a:endParaRPr>
+          </a:p>
+        </p:txBody>
+      </p:sp>
+      <p:sp>
+        <p:nvSpPr>
+          <p:cNvPr id="181" name="TextShape 2"/>
           <p:cNvSpPr txBox="1"/>
           <p:nvPr/>
         </p:nvSpPr>
         <p:spPr>
           <a:xfrm>
-            <a:off x="702720" y="1584000"/>
-            <a:ext cx="7505280" cy="2880000"/>
+            <a:off x="643517" y="2553694"/>
+            <a:ext cx="7178857" cy="2324585"/>
           </a:xfrm>
           <a:prstGeom prst="rect">
             <a:avLst/>
@@ -8492,535 +8339,126 @@
           </a:ln>
         </p:spPr>
         <p:txBody>
-          <a:bodyPr lIns="0" tIns="0" rIns="0" bIns="0">
-            <a:normAutofit/>
-          </a:bodyPr>
-          <a:lstStyle/>
-          <a:p>
-            <a:r>
-              <a:rPr lang="pt-BR" sz="1800" b="0" i="1" strike="noStrike" spc="-1" dirty="0">
+          <a:bodyPr tIns="91440" bIns="91440"/>
+          <a:lstStyle/>
+          <a:p>
+            <a:pPr>
+              <a:lnSpc>
+                <a:spcPct val="115000"/>
+              </a:lnSpc>
+            </a:pPr>
+            <a:r>
+              <a:rPr lang="pt-BR" sz="1100" b="1" i="1" strike="noStrike" spc="-1" dirty="0" smtClean="0">
+                <a:solidFill>
+                  <a:srgbClr val="000000"/>
+                </a:solidFill>
+                <a:latin typeface="Arial"/>
+                <a:ea typeface="Arial"/>
+              </a:rPr>
+              <a:t> </a:t>
+            </a:r>
+          </a:p>
+          <a:p>
+            <a:pPr>
+              <a:lnSpc>
+                <a:spcPct val="115000"/>
+              </a:lnSpc>
+            </a:pPr>
+            <a:endParaRPr lang="pt-BR" sz="1100" b="1" i="1" spc="-1" dirty="0">
+              <a:solidFill>
+                <a:srgbClr val="000000"/>
+              </a:solidFill>
+              <a:latin typeface="Arial"/>
+            </a:endParaRPr>
+          </a:p>
+          <a:p>
+            <a:pPr>
+              <a:lnSpc>
+                <a:spcPct val="115000"/>
+              </a:lnSpc>
+            </a:pPr>
+            <a:endParaRPr lang="pt-BR" sz="1100" b="1" i="1" strike="noStrike" spc="-1" dirty="0" smtClean="0">
+              <a:solidFill>
+                <a:srgbClr val="000000"/>
+              </a:solidFill>
+              <a:latin typeface="Arial"/>
+            </a:endParaRPr>
+          </a:p>
+          <a:p>
+            <a:pPr>
+              <a:lnSpc>
+                <a:spcPct val="115000"/>
+              </a:lnSpc>
+            </a:pPr>
+            <a:endParaRPr lang="pt-BR" sz="1800" b="0" strike="noStrike" spc="-1" dirty="0" smtClean="0">
+              <a:solidFill>
+                <a:srgbClr val="000000"/>
+              </a:solidFill>
+              <a:latin typeface="Arial"/>
+            </a:endParaRPr>
+          </a:p>
+          <a:p>
+            <a:pPr>
+              <a:lnSpc>
+                <a:spcPct val="100000"/>
+              </a:lnSpc>
+            </a:pPr>
+            <a:endParaRPr lang="pt-BR" sz="1800" b="0" strike="noStrike" spc="-1" dirty="0">
+              <a:solidFill>
+                <a:srgbClr val="000000"/>
+              </a:solidFill>
+              <a:latin typeface="Arial"/>
+            </a:endParaRPr>
+          </a:p>
+          <a:p>
+            <a:pPr algn="just">
+              <a:lnSpc>
+                <a:spcPct val="100000"/>
+              </a:lnSpc>
+            </a:pPr>
+            <a:r>
+              <a:rPr lang="pt-BR" sz="1400" b="0" strike="noStrike" spc="-1" dirty="0">
                 <a:solidFill>
                   <a:srgbClr val="1B1B21"/>
                 </a:solidFill>
-                <a:latin typeface="Arial"/>
-                <a:ea typeface="Arial"/>
-              </a:rPr>
-              <a:t> 		</a:t>
-            </a:r>
-            <a:r>
-              <a:rPr lang="pt-BR" sz="1400" b="0" i="1" strike="noStrike" spc="-1" dirty="0">
-                <a:solidFill>
-                  <a:srgbClr val="1B1B21"/>
-                </a:solidFill>
-                <a:latin typeface="Arial"/>
-                <a:ea typeface="Arial"/>
-              </a:rPr>
-              <a:t>&gt;&gt; </a:t>
-            </a:r>
-            <a:r>
-              <a:rPr lang="pt-BR" sz="1400" b="0" i="1" strike="noStrike" spc="-1" dirty="0" smtClean="0">
-                <a:solidFill>
-                  <a:srgbClr val="1B1B21"/>
-                </a:solidFill>
-                <a:latin typeface="Arial"/>
-                <a:ea typeface="Arial"/>
-              </a:rPr>
-              <a:t>  33  3  *</a:t>
-            </a:r>
-            <a:r>
-              <a:rPr dirty="0"/>
-              <a:t/>
-            </a:r>
-            <a:br>
-              <a:rPr dirty="0"/>
-            </a:br>
-            <a:r>
-              <a:rPr lang="pt-BR" sz="1400" b="0" i="1" strike="noStrike" spc="-1" dirty="0">
-                <a:solidFill>
-                  <a:srgbClr val="1B1B21"/>
-                </a:solidFill>
-                <a:latin typeface="Arial"/>
-                <a:ea typeface="Arial"/>
-              </a:rPr>
-              <a:t>		</a:t>
-            </a:r>
-            <a:r>
-              <a:rPr lang="pt-BR" sz="1400" b="0" i="1" strike="noStrike" spc="-1" dirty="0" err="1">
-                <a:solidFill>
-                  <a:srgbClr val="1B1B21"/>
-                </a:solidFill>
-                <a:latin typeface="Arial"/>
-                <a:ea typeface="Arial"/>
-              </a:rPr>
-              <a:t>main</a:t>
-            </a:r>
-            <a:r>
-              <a:rPr lang="pt-BR" sz="1400" b="0" i="1" strike="noStrike" spc="-1" dirty="0">
-                <a:solidFill>
-                  <a:srgbClr val="1B1B21"/>
-                </a:solidFill>
-                <a:latin typeface="Arial"/>
-                <a:ea typeface="Arial"/>
-              </a:rPr>
-              <a:t> </a:t>
-            </a:r>
-            <a:r>
-              <a:rPr lang="pt-BR" sz="1400" b="0" i="1" strike="noStrike" spc="-1" dirty="0" err="1">
-                <a:solidFill>
-                  <a:srgbClr val="1B1B21"/>
-                </a:solidFill>
-                <a:latin typeface="Arial"/>
-                <a:ea typeface="Arial"/>
-              </a:rPr>
-              <a:t>stack</a:t>
-            </a:r>
-            <a:r>
-              <a:rPr lang="pt-BR" sz="1400" b="0" i="1" strike="noStrike" spc="-1" dirty="0">
-                <a:solidFill>
-                  <a:srgbClr val="1B1B21"/>
-                </a:solidFill>
-                <a:latin typeface="Arial"/>
-                <a:ea typeface="Arial"/>
-              </a:rPr>
-              <a:t>: </a:t>
-            </a:r>
-            <a:r>
-              <a:rPr lang="pt-BR" sz="1400" b="0" i="1" strike="noStrike" spc="-1" dirty="0" smtClean="0">
-                <a:solidFill>
-                  <a:srgbClr val="1B1B21"/>
-                </a:solidFill>
-                <a:latin typeface="Arial"/>
-                <a:ea typeface="Arial"/>
-              </a:rPr>
-              <a:t> 99</a:t>
-            </a:r>
-            <a:r>
-              <a:rPr dirty="0"/>
-              <a:t/>
-            </a:r>
-            <a:br>
-              <a:rPr dirty="0"/>
-            </a:br>
-            <a:r>
-              <a:rPr lang="pt-BR" sz="1400" b="0" i="1" strike="noStrike" spc="-1" dirty="0">
-                <a:solidFill>
-                  <a:srgbClr val="1B1B21"/>
-                </a:solidFill>
-                <a:latin typeface="Arial"/>
-                <a:ea typeface="Arial"/>
-              </a:rPr>
-              <a:t>		&gt;&gt; </a:t>
-            </a:r>
-            <a:r>
-              <a:rPr lang="pt-BR" sz="1400" b="0" i="1" strike="noStrike" spc="-1" dirty="0" smtClean="0">
-                <a:solidFill>
-                  <a:srgbClr val="1B1B21"/>
-                </a:solidFill>
-                <a:latin typeface="Arial"/>
-                <a:ea typeface="Arial"/>
-              </a:rPr>
-              <a:t>  1 </a:t>
-            </a:r>
-            <a:r>
-              <a:rPr lang="pt-BR" sz="1400" i="1" spc="-1" dirty="0">
-                <a:solidFill>
-                  <a:srgbClr val="1B1B21"/>
-                </a:solidFill>
-                <a:latin typeface="Arial"/>
-                <a:ea typeface="Arial"/>
-              </a:rPr>
-              <a:t> </a:t>
-            </a:r>
-            <a:r>
-              <a:rPr lang="pt-BR" sz="1400" i="1" spc="-1" dirty="0" smtClean="0">
-                <a:solidFill>
-                  <a:srgbClr val="1B1B21"/>
-                </a:solidFill>
-                <a:latin typeface="Arial"/>
-                <a:ea typeface="Arial"/>
-              </a:rPr>
-              <a:t> </a:t>
-            </a:r>
-            <a:r>
-              <a:rPr lang="pt-BR" sz="1400" b="0" i="1" strike="noStrike" spc="-1" dirty="0" smtClean="0">
-                <a:solidFill>
-                  <a:srgbClr val="1B1B21"/>
-                </a:solidFill>
-                <a:latin typeface="Arial"/>
-                <a:ea typeface="Arial"/>
-              </a:rPr>
-              <a:t>2 </a:t>
-            </a:r>
-            <a:r>
-              <a:rPr lang="pt-BR" sz="1400" i="1" spc="-1" dirty="0">
-                <a:solidFill>
-                  <a:srgbClr val="1B1B21"/>
-                </a:solidFill>
-                <a:latin typeface="Arial"/>
-                <a:ea typeface="Arial"/>
-              </a:rPr>
-              <a:t> </a:t>
-            </a:r>
-            <a:r>
-              <a:rPr lang="pt-BR" sz="1400" i="1" spc="-1" dirty="0" smtClean="0">
-                <a:solidFill>
-                  <a:srgbClr val="1B1B21"/>
-                </a:solidFill>
-                <a:latin typeface="Arial"/>
-                <a:ea typeface="Arial"/>
-              </a:rPr>
-              <a:t> </a:t>
-            </a:r>
-            <a:r>
-              <a:rPr lang="pt-BR" sz="1400" b="0" i="1" strike="noStrike" spc="-1" dirty="0" smtClean="0">
-                <a:solidFill>
-                  <a:srgbClr val="1B1B21"/>
-                </a:solidFill>
-                <a:latin typeface="Arial"/>
-                <a:ea typeface="Arial"/>
-              </a:rPr>
-              <a:t>+</a:t>
-            </a:r>
-            <a:r>
-              <a:rPr lang="pt-BR" sz="1400" i="1" spc="-1" dirty="0">
-                <a:solidFill>
-                  <a:srgbClr val="1B1B21"/>
-                </a:solidFill>
-                <a:latin typeface="Arial"/>
-                <a:ea typeface="Arial"/>
-              </a:rPr>
-              <a:t> </a:t>
-            </a:r>
-            <a:r>
-              <a:rPr lang="pt-BR" sz="1400" i="1" spc="-1" dirty="0" smtClean="0">
-                <a:solidFill>
-                  <a:srgbClr val="1B1B21"/>
-                </a:solidFill>
-                <a:latin typeface="Arial"/>
-                <a:ea typeface="Arial"/>
-              </a:rPr>
-              <a:t> </a:t>
-            </a:r>
-            <a:r>
-              <a:rPr lang="pt-BR" sz="1400" b="0" i="1" strike="noStrike" spc="-1" dirty="0" smtClean="0">
-                <a:solidFill>
-                  <a:srgbClr val="1B1B21"/>
-                </a:solidFill>
-                <a:latin typeface="Arial"/>
-                <a:ea typeface="Arial"/>
-              </a:rPr>
-              <a:t>5</a:t>
-            </a:r>
-            <a:r>
-              <a:rPr lang="pt-BR" sz="1400" i="1" spc="-1" dirty="0">
-                <a:solidFill>
-                  <a:srgbClr val="1B1B21"/>
-                </a:solidFill>
-                <a:latin typeface="Arial"/>
-                <a:ea typeface="Arial"/>
-              </a:rPr>
-              <a:t> </a:t>
-            </a:r>
-            <a:r>
-              <a:rPr lang="pt-BR" sz="1400" i="1" spc="-1" dirty="0" smtClean="0">
-                <a:solidFill>
-                  <a:srgbClr val="1B1B21"/>
-                </a:solidFill>
-                <a:latin typeface="Arial"/>
-                <a:ea typeface="Arial"/>
-              </a:rPr>
-              <a:t> </a:t>
-            </a:r>
-            <a:r>
-              <a:rPr lang="pt-BR" sz="1400" b="0" i="1" strike="noStrike" spc="-1" dirty="0" smtClean="0">
-                <a:solidFill>
-                  <a:srgbClr val="1B1B21"/>
-                </a:solidFill>
-                <a:latin typeface="Arial"/>
-                <a:ea typeface="Arial"/>
-              </a:rPr>
-              <a:t>*</a:t>
-            </a:r>
-            <a:r>
-              <a:rPr dirty="0"/>
-              <a:t/>
-            </a:r>
-            <a:br>
-              <a:rPr dirty="0"/>
-            </a:br>
-            <a:r>
-              <a:rPr lang="pt-BR" sz="1400" b="0" i="1" strike="noStrike" spc="-1" dirty="0">
-                <a:solidFill>
-                  <a:srgbClr val="1B1B21"/>
-                </a:solidFill>
-                <a:latin typeface="Arial"/>
-                <a:ea typeface="Arial"/>
-              </a:rPr>
-              <a:t>		</a:t>
-            </a:r>
-            <a:r>
-              <a:rPr lang="pt-BR" sz="1400" b="0" i="1" strike="noStrike" spc="-1" dirty="0" err="1">
-                <a:solidFill>
-                  <a:srgbClr val="1B1B21"/>
-                </a:solidFill>
-                <a:latin typeface="Arial"/>
-                <a:ea typeface="Arial"/>
-              </a:rPr>
-              <a:t>main</a:t>
-            </a:r>
-            <a:r>
-              <a:rPr lang="pt-BR" sz="1400" b="0" i="1" strike="noStrike" spc="-1" dirty="0">
-                <a:solidFill>
-                  <a:srgbClr val="1B1B21"/>
-                </a:solidFill>
-                <a:latin typeface="Arial"/>
-                <a:ea typeface="Arial"/>
-              </a:rPr>
-              <a:t> </a:t>
-            </a:r>
-            <a:r>
-              <a:rPr lang="pt-BR" sz="1400" b="0" i="1" strike="noStrike" spc="-1" dirty="0" err="1">
-                <a:solidFill>
-                  <a:srgbClr val="1B1B21"/>
-                </a:solidFill>
-                <a:latin typeface="Arial"/>
-                <a:ea typeface="Arial"/>
-              </a:rPr>
-              <a:t>stack</a:t>
-            </a:r>
-            <a:r>
-              <a:rPr lang="pt-BR" sz="1400" b="0" i="1" strike="noStrike" spc="-1" dirty="0">
-                <a:solidFill>
-                  <a:srgbClr val="1B1B21"/>
-                </a:solidFill>
-                <a:latin typeface="Arial"/>
-                <a:ea typeface="Arial"/>
-              </a:rPr>
-              <a:t>: </a:t>
-            </a:r>
-            <a:r>
-              <a:rPr lang="pt-BR" sz="1400" b="0" i="1" strike="noStrike" spc="-1" dirty="0" smtClean="0">
-                <a:solidFill>
-                  <a:srgbClr val="1B1B21"/>
-                </a:solidFill>
-                <a:latin typeface="Arial"/>
-                <a:ea typeface="Arial"/>
-              </a:rPr>
-              <a:t> 99  15</a:t>
-            </a:r>
-            <a:r>
-              <a:rPr dirty="0"/>
-              <a:t/>
-            </a:r>
-            <a:br>
-              <a:rPr dirty="0"/>
-            </a:br>
-            <a:r>
-              <a:rPr lang="pt-BR" sz="1400" b="0" i="1" strike="noStrike" spc="-1" dirty="0">
-                <a:solidFill>
-                  <a:srgbClr val="1B1B21"/>
-                </a:solidFill>
-                <a:latin typeface="Arial"/>
-                <a:ea typeface="Arial"/>
-              </a:rPr>
-              <a:t>		</a:t>
-            </a:r>
-            <a:r>
-              <a:rPr lang="pt-BR" sz="1400" b="1" i="1" strike="noStrike" spc="-1" dirty="0">
-                <a:solidFill>
-                  <a:srgbClr val="1B1B21"/>
-                </a:solidFill>
-                <a:latin typeface="Arial"/>
-                <a:ea typeface="Arial"/>
-              </a:rPr>
-              <a:t>&gt;&gt; </a:t>
-            </a:r>
-            <a:r>
-              <a:rPr lang="pt-BR" sz="1400" b="1" i="1" strike="noStrike" spc="-1" dirty="0" smtClean="0">
-                <a:solidFill>
-                  <a:srgbClr val="1B1B21"/>
-                </a:solidFill>
-                <a:latin typeface="Arial"/>
-                <a:ea typeface="Arial"/>
-              </a:rPr>
-              <a:t>  </a:t>
-            </a:r>
-            <a:r>
-              <a:rPr lang="pt-BR" sz="1400" b="1" i="1" strike="noStrike" spc="-1" dirty="0" smtClean="0">
-                <a:solidFill>
-                  <a:srgbClr val="FF0000"/>
-                </a:solidFill>
-                <a:latin typeface="Arial"/>
-                <a:ea typeface="Arial"/>
-              </a:rPr>
-              <a:t>&gt;</a:t>
-            </a:r>
-            <a:r>
-              <a:rPr dirty="0"/>
-              <a:t/>
-            </a:r>
-            <a:br>
-              <a:rPr dirty="0"/>
-            </a:br>
-            <a:r>
-              <a:rPr lang="pt-BR" sz="1400" b="1" i="1" strike="noStrike" spc="-1" dirty="0">
-                <a:solidFill>
-                  <a:srgbClr val="1B1B21"/>
-                </a:solidFill>
-                <a:latin typeface="Arial"/>
-                <a:ea typeface="Arial"/>
-              </a:rPr>
-              <a:t>		</a:t>
-            </a:r>
-            <a:r>
-              <a:rPr lang="pt-BR" sz="1400" b="1" i="1" strike="noStrike" spc="-1" dirty="0" err="1">
-                <a:solidFill>
-                  <a:srgbClr val="1B1B21"/>
-                </a:solidFill>
-                <a:latin typeface="Arial"/>
-                <a:ea typeface="Arial"/>
-              </a:rPr>
-              <a:t>main</a:t>
-            </a:r>
-            <a:r>
-              <a:rPr lang="pt-BR" sz="1400" b="1" i="1" strike="noStrike" spc="-1" dirty="0">
-                <a:solidFill>
-                  <a:srgbClr val="1B1B21"/>
-                </a:solidFill>
-                <a:latin typeface="Arial"/>
-                <a:ea typeface="Arial"/>
-              </a:rPr>
-              <a:t> </a:t>
-            </a:r>
-            <a:r>
-              <a:rPr lang="pt-BR" sz="1400" b="1" i="1" strike="noStrike" spc="-1" dirty="0" err="1">
-                <a:solidFill>
-                  <a:srgbClr val="FF0000"/>
-                </a:solidFill>
-                <a:latin typeface="Arial"/>
-                <a:ea typeface="Arial"/>
-              </a:rPr>
-              <a:t>stack</a:t>
-            </a:r>
-            <a:r>
-              <a:rPr lang="pt-BR" sz="1400" b="1" i="1" strike="noStrike" spc="-1" dirty="0">
-                <a:solidFill>
-                  <a:srgbClr val="FF0000"/>
-                </a:solidFill>
-                <a:latin typeface="Arial"/>
-                <a:ea typeface="Arial"/>
-              </a:rPr>
-              <a:t>: </a:t>
-            </a:r>
-            <a:r>
-              <a:rPr lang="pt-BR" sz="1400" b="1" i="1" strike="noStrike" spc="-1" dirty="0" err="1">
-                <a:solidFill>
-                  <a:srgbClr val="FF0000"/>
-                </a:solidFill>
-                <a:latin typeface="Arial"/>
-                <a:ea typeface="Arial"/>
-              </a:rPr>
-              <a:t>true</a:t>
-            </a:r>
-            <a:endParaRPr lang="pt-BR" sz="1400" b="0" i="1" strike="noStrike" spc="-1" dirty="0">
-              <a:solidFill>
-                <a:srgbClr val="FF0000"/>
-              </a:solidFill>
-              <a:latin typeface="Arial"/>
-            </a:endParaRPr>
-          </a:p>
-          <a:p>
-            <a:r>
-              <a:rPr lang="pt-BR" sz="1800" b="0" i="1" strike="noStrike" spc="-1" dirty="0" smtClean="0">
-                <a:solidFill>
-                  <a:srgbClr val="1B1B21"/>
-                </a:solidFill>
-                <a:latin typeface="Arial"/>
-                <a:ea typeface="Arial"/>
-              </a:rPr>
-              <a:t>     </a:t>
-            </a:r>
-          </a:p>
-          <a:p>
-            <a:r>
-              <a:rPr lang="pt-BR" i="1" spc="-1" dirty="0">
-                <a:solidFill>
-                  <a:srgbClr val="1B1B21"/>
-                </a:solidFill>
-                <a:latin typeface="Arial"/>
-                <a:ea typeface="Arial"/>
-              </a:rPr>
-              <a:t> </a:t>
-            </a:r>
-            <a:r>
-              <a:rPr lang="pt-BR" i="1" spc="-1" dirty="0" smtClean="0">
-                <a:solidFill>
-                  <a:srgbClr val="1B1B21"/>
-                </a:solidFill>
-                <a:latin typeface="Arial"/>
-                <a:ea typeface="Arial"/>
-              </a:rPr>
-              <a:t>    </a:t>
-            </a:r>
-            <a:r>
-              <a:rPr lang="pt-BR" sz="1800" b="0" i="1" strike="noStrike" spc="-1" dirty="0" smtClean="0">
-                <a:solidFill>
-                  <a:srgbClr val="1B1B21"/>
-                </a:solidFill>
-                <a:latin typeface="Arial"/>
-                <a:ea typeface="Arial"/>
-              </a:rPr>
-              <a:t>Digitamos </a:t>
-            </a:r>
-            <a:r>
-              <a:rPr lang="pt-BR" sz="1800" b="0" i="1" strike="noStrike" spc="-1" dirty="0">
-                <a:solidFill>
-                  <a:srgbClr val="1B1B21"/>
-                </a:solidFill>
-                <a:latin typeface="Arial"/>
-                <a:ea typeface="Arial"/>
-              </a:rPr>
-              <a:t>o sinal maior (&gt;) para verificar se 99 é maior que 15. O intérprete imprime o resultado, </a:t>
-            </a:r>
-            <a:r>
-              <a:rPr lang="pt-BR" sz="1800" b="0" i="1" strike="noStrike" spc="-1" dirty="0" err="1">
-                <a:solidFill>
-                  <a:srgbClr val="1B1B21"/>
-                </a:solidFill>
-                <a:latin typeface="Arial"/>
-                <a:ea typeface="Arial"/>
-              </a:rPr>
-              <a:t>true</a:t>
-            </a:r>
-            <a:r>
-              <a:rPr lang="pt-BR" sz="1800" b="0" i="1" strike="noStrike" spc="-1" dirty="0">
-                <a:solidFill>
-                  <a:srgbClr val="1B1B21"/>
-                </a:solidFill>
-                <a:latin typeface="Arial"/>
-                <a:ea typeface="Arial"/>
-              </a:rPr>
-              <a:t>.</a:t>
-            </a:r>
+                <a:ea typeface="Times New Roman"/>
+              </a:rPr>
+              <a:t>Neste exemplo simples, primeiro inserimos o valor 33, depois inserimos o segundo valor 3 e por último o operando * para realizar a multiplicação. Na pilha o 33 primeiramente é inserido no topo, logo após o 3 vem acima empurrando o 33 para baixo na pilha, assim como o * vem por cima novamente. O resultando, 99, fica na posição 0 substituindo os valores digitados anteriormente. </a:t>
+            </a:r>
+            <a:endParaRPr lang="pt-BR" sz="1400" b="0" strike="noStrike" spc="-1" dirty="0">
+              <a:solidFill>
+                <a:srgbClr val="000000"/>
+              </a:solidFill>
+            </a:endParaRPr>
+          </a:p>
+          <a:p>
+            <a:pPr>
+              <a:lnSpc>
+                <a:spcPct val="115000"/>
+              </a:lnSpc>
+              <a:spcAft>
+                <a:spcPts val="1599"/>
+              </a:spcAft>
+            </a:pPr>
             <a:endParaRPr lang="pt-BR" sz="1800" b="0" strike="noStrike" spc="-1" dirty="0">
               <a:solidFill>
-                <a:srgbClr val="1B1B21"/>
-              </a:solidFill>
-              <a:latin typeface="Arial"/>
-            </a:endParaRPr>
-          </a:p>
-        </p:txBody>
-      </p:sp>
-      <p:sp>
-        <p:nvSpPr>
-          <p:cNvPr id="191" name="TextShape 3"/>
+                <a:srgbClr val="000000"/>
+              </a:solidFill>
+              <a:latin typeface="Arial"/>
+            </a:endParaRPr>
+          </a:p>
+        </p:txBody>
+      </p:sp>
+      <p:sp>
+        <p:nvSpPr>
+          <p:cNvPr id="182" name="TextShape 3"/>
           <p:cNvSpPr txBox="1"/>
           <p:nvPr/>
         </p:nvSpPr>
         <p:spPr>
           <a:xfrm>
-            <a:off x="8424720" y="4438800"/>
-            <a:ext cx="503640" cy="602280"/>
+            <a:off x="8424359" y="4438440"/>
+            <a:ext cx="480649" cy="346320"/>
           </a:xfrm>
           <a:prstGeom prst="rect">
             <a:avLst/>
@@ -9035,13 +8473,10 @@
           <a:lstStyle/>
           <a:p>
             <a:r>
-              <a:rPr lang="pt-BR" sz="1800" b="0" strike="noStrike" spc="-1" dirty="0" smtClean="0">
-                <a:solidFill>
-                  <a:srgbClr val="000000"/>
-                </a:solidFill>
+              <a:rPr lang="pt-BR" spc="-1" dirty="0" smtClean="0">
                 <a:latin typeface="Arial"/>
               </a:rPr>
-              <a:t>12</a:t>
+              <a:t>11	</a:t>
             </a:r>
             <a:endParaRPr lang="pt-BR" sz="1800" b="0" strike="noStrike" spc="-1" dirty="0">
               <a:latin typeface="Arial"/>
@@ -9049,6 +8484,36 @@
           </a:p>
         </p:txBody>
       </p:sp>
+      <p:pic>
+        <p:nvPicPr>
+          <p:cNvPr id="5" name="Imagem 4" descr="File:Cat silhouette.svg - Wikimedia Commons"/>
+          <p:cNvPicPr>
+            <a:picLocks noChangeAspect="1"/>
+          </p:cNvPicPr>
+          <p:nvPr/>
+        </p:nvPicPr>
+        <p:blipFill>
+          <a:blip r:embed="rId3" cstate="print">
+            <a:extLst>
+              <a:ext uri="{28A0092B-C50C-407E-A947-70E740481C1C}">
+                <a14:useLocalDpi xmlns:a14="http://schemas.microsoft.com/office/drawing/2010/main" val="0"/>
+              </a:ext>
+            </a:extLst>
+          </a:blip>
+          <a:stretch>
+            <a:fillRect/>
+          </a:stretch>
+        </p:blipFill>
+        <p:spPr>
+          <a:xfrm>
+            <a:off x="7822734" y="4213260"/>
+            <a:ext cx="601266" cy="571500"/>
+          </a:xfrm>
+          <a:prstGeom prst="rect">
+            <a:avLst/>
+          </a:prstGeom>
+        </p:spPr>
+      </p:pic>
     </p:spTree>
   </p:cSld>
   <p:clrMapOvr>
@@ -9111,13 +8576,13 @@
       </p:grpSpPr>
       <p:sp>
         <p:nvSpPr>
-          <p:cNvPr id="192" name="TextShape 1"/>
+          <p:cNvPr id="186" name="TextShape 1"/>
           <p:cNvSpPr txBox="1"/>
           <p:nvPr/>
         </p:nvSpPr>
         <p:spPr>
           <a:xfrm>
-            <a:off x="819000" y="773640"/>
+            <a:off x="792000" y="701640"/>
             <a:ext cx="7505280" cy="954360"/>
           </a:xfrm>
           <a:prstGeom prst="rect">
@@ -9129,65 +8594,32 @@
           </a:ln>
         </p:spPr>
         <p:txBody>
-          <a:bodyPr lIns="0" tIns="0" rIns="0" bIns="0" anchor="ctr"/>
-          <a:lstStyle/>
-          <a:p>
-            <a:r>
-              <a:rPr lang="pt-BR" sz="2000" b="0" strike="noStrike" spc="-1" dirty="0">
+          <a:bodyPr tIns="91440" bIns="91440"/>
+          <a:lstStyle/>
+          <a:p>
+            <a:r>
+              <a:rPr lang="pt-BR" sz="2400" b="1" spc="-1" dirty="0">
                 <a:solidFill>
-                  <a:srgbClr val="000000"/>
+                  <a:srgbClr val="AF7B51"/>
                 </a:solidFill>
-                <a:latin typeface="Arial"/>
-              </a:rPr>
-              <a:t>Por último, para nós limparmos a pilha, utilizamos o comando POP, deixando assim a pilha vazia (</a:t>
-            </a:r>
-            <a:r>
-              <a:rPr lang="pt-BR" sz="2000" b="0" strike="noStrike" spc="-1" dirty="0" err="1">
-                <a:solidFill>
-                  <a:srgbClr val="000000"/>
-                </a:solidFill>
-                <a:latin typeface="Arial"/>
-              </a:rPr>
-              <a:t>empty</a:t>
-            </a:r>
-            <a:r>
-              <a:rPr lang="pt-BR" sz="2000" b="0" strike="noStrike" spc="-1" dirty="0">
-                <a:solidFill>
-                  <a:srgbClr val="000000"/>
-                </a:solidFill>
-                <a:latin typeface="Arial"/>
-              </a:rPr>
-              <a:t>)</a:t>
-            </a:r>
-            <a:r>
-              <a:rPr lang="pt-BR" sz="2000" b="0" strike="noStrike" spc="-1" dirty="0">
-                <a:solidFill>
-                  <a:srgbClr val="1B1B21"/>
-                </a:solidFill>
-                <a:latin typeface="Arial"/>
-                <a:ea typeface="Arial"/>
-              </a:rPr>
-              <a:t>.</a:t>
-            </a:r>
-            <a:endParaRPr lang="pt-BR" sz="2000" b="0" strike="noStrike" spc="-1" dirty="0">
-              <a:solidFill>
-                <a:srgbClr val="000000"/>
-              </a:solidFill>
-              <a:latin typeface="Arial"/>
-            </a:endParaRPr>
-          </a:p>
-        </p:txBody>
-      </p:sp>
-      <p:sp>
-        <p:nvSpPr>
-          <p:cNvPr id="193" name="TextShape 2"/>
+                <a:latin typeface="Nunito"/>
+                <a:ea typeface="Nunito"/>
+              </a:rPr>
+              <a:t>Dando continuidade ao exemplo anterior, temos:</a:t>
+            </a:r>
+          </a:p>
+        </p:txBody>
+      </p:sp>
+      <p:sp>
+        <p:nvSpPr>
+          <p:cNvPr id="187" name="TextShape 2"/>
           <p:cNvSpPr txBox="1"/>
           <p:nvPr/>
         </p:nvSpPr>
         <p:spPr>
           <a:xfrm>
-            <a:off x="819000" y="1991160"/>
-            <a:ext cx="7505280" cy="2447640"/>
+            <a:off x="792000" y="3338640"/>
+            <a:ext cx="7505280" cy="2892240"/>
           </a:xfrm>
           <a:prstGeom prst="rect">
             <a:avLst/>
@@ -9198,9 +8630,7 @@
           </a:ln>
         </p:spPr>
         <p:txBody>
-          <a:bodyPr lIns="0" tIns="0" rIns="0" bIns="0">
-            <a:normAutofit/>
-          </a:bodyPr>
+          <a:bodyPr tIns="91440" bIns="91440"/>
           <a:lstStyle/>
           <a:p>
             <a:r>
@@ -9208,422 +8638,75 @@
                 <a:solidFill>
                   <a:srgbClr val="1B1B21"/>
                 </a:solidFill>
-                <a:latin typeface="Arial"/>
-                <a:ea typeface="Arial"/>
-              </a:rPr>
-              <a:t> 		&gt;&gt; </a:t>
-            </a:r>
-            <a:r>
-              <a:rPr lang="pt-BR" sz="1400" b="0" strike="noStrike" spc="-1" dirty="0" smtClean="0">
+                <a:latin typeface="Times New Roman"/>
+                <a:ea typeface="Times New Roman"/>
+              </a:rPr>
+              <a:t> 		</a:t>
+            </a:r>
+            <a:endParaRPr lang="pt-BR" b="0" strike="noStrike" spc="-1" dirty="0">
+              <a:solidFill>
+                <a:srgbClr val="FF0000"/>
+              </a:solidFill>
+              <a:latin typeface="Arial"/>
+            </a:endParaRPr>
+          </a:p>
+          <a:p>
+            <a:pPr algn="just"/>
+            <a:r>
+              <a:rPr lang="pt-BR" sz="2200" b="0" strike="noStrike" spc="-1" dirty="0" smtClean="0">
                 <a:solidFill>
                   <a:srgbClr val="1B1B21"/>
                 </a:solidFill>
-                <a:latin typeface="Arial"/>
-                <a:ea typeface="Arial"/>
-              </a:rPr>
-              <a:t>  33  3  *</a:t>
-            </a:r>
-            <a:r>
-              <a:rPr dirty="0"/>
-              <a:t/>
-            </a:r>
-            <a:br>
-              <a:rPr dirty="0"/>
-            </a:br>
-            <a:r>
-              <a:rPr lang="pt-BR" sz="1400" b="0" strike="noStrike" spc="-1" dirty="0">
+                <a:ea typeface="Times New Roman"/>
+              </a:rPr>
+              <a:t>Após </a:t>
+            </a:r>
+            <a:r>
+              <a:rPr lang="pt-BR" sz="2200" b="0" strike="noStrike" spc="-1" dirty="0">
                 <a:solidFill>
                   <a:srgbClr val="1B1B21"/>
                 </a:solidFill>
-                <a:latin typeface="Arial"/>
-                <a:ea typeface="Arial"/>
-              </a:rPr>
-              <a:t>		</a:t>
-            </a:r>
-            <a:r>
-              <a:rPr lang="pt-BR" sz="1400" b="0" strike="noStrike" spc="-1" dirty="0" err="1">
+                <a:ea typeface="Times New Roman"/>
+              </a:rPr>
+              <a:t>multiplicarmos o </a:t>
+            </a:r>
+            <a:r>
+              <a:rPr lang="pt-BR" sz="2200" b="0" strike="noStrike" spc="-1" dirty="0" smtClean="0">
                 <a:solidFill>
                   <a:srgbClr val="1B1B21"/>
                 </a:solidFill>
-                <a:latin typeface="Arial"/>
-                <a:ea typeface="Arial"/>
-              </a:rPr>
-              <a:t>main</a:t>
-            </a:r>
-            <a:r>
-              <a:rPr lang="pt-BR" sz="1400" b="0" strike="noStrike" spc="-1" dirty="0">
+                <a:ea typeface="Times New Roman"/>
+              </a:rPr>
+              <a:t>33, </a:t>
+            </a:r>
+            <a:r>
+              <a:rPr lang="pt-BR" sz="2200" b="0" strike="noStrike" spc="-1" dirty="0">
                 <a:solidFill>
                   <a:srgbClr val="1B1B21"/>
                 </a:solidFill>
-                <a:latin typeface="Arial"/>
-                <a:ea typeface="Arial"/>
-              </a:rPr>
-              <a:t> </a:t>
-            </a:r>
-            <a:r>
-              <a:rPr lang="pt-BR" sz="1400" b="0" strike="noStrike" spc="-1" dirty="0" err="1">
-                <a:solidFill>
-                  <a:srgbClr val="1B1B21"/>
-                </a:solidFill>
-                <a:latin typeface="Arial"/>
-                <a:ea typeface="Arial"/>
-              </a:rPr>
-              <a:t>stack</a:t>
-            </a:r>
-            <a:r>
-              <a:rPr lang="pt-BR" sz="1400" b="0" strike="noStrike" spc="-1" dirty="0" smtClean="0">
-                <a:solidFill>
-                  <a:srgbClr val="1B1B21"/>
-                </a:solidFill>
-                <a:latin typeface="Arial"/>
-                <a:ea typeface="Arial"/>
-              </a:rPr>
-              <a:t>:  </a:t>
-            </a:r>
-            <a:r>
-              <a:rPr lang="pt-BR" sz="1400" b="0" strike="noStrike" spc="-1" dirty="0">
-                <a:solidFill>
-                  <a:srgbClr val="1B1B21"/>
-                </a:solidFill>
-                <a:latin typeface="Arial"/>
-                <a:ea typeface="Arial"/>
-              </a:rPr>
-              <a:t>99</a:t>
-            </a:r>
-            <a:r>
-              <a:rPr dirty="0"/>
-              <a:t/>
-            </a:r>
-            <a:br>
-              <a:rPr dirty="0"/>
-            </a:br>
-            <a:r>
-              <a:rPr lang="pt-BR" sz="1400" b="0" strike="noStrike" spc="-1" dirty="0">
-                <a:solidFill>
-                  <a:srgbClr val="1B1B21"/>
-                </a:solidFill>
-                <a:latin typeface="Arial"/>
-                <a:ea typeface="Arial"/>
-              </a:rPr>
-              <a:t>		&gt;&gt; </a:t>
-            </a:r>
-            <a:r>
-              <a:rPr lang="pt-BR" sz="1400" b="0" strike="noStrike" spc="-1" dirty="0" smtClean="0">
-                <a:solidFill>
-                  <a:srgbClr val="1B1B21"/>
-                </a:solidFill>
-                <a:latin typeface="Arial"/>
-                <a:ea typeface="Arial"/>
-              </a:rPr>
-              <a:t>  1  2  +  5  *</a:t>
-            </a:r>
-            <a:r>
-              <a:rPr dirty="0"/>
-              <a:t/>
-            </a:r>
-            <a:br>
-              <a:rPr dirty="0"/>
-            </a:br>
-            <a:r>
-              <a:rPr lang="pt-BR" sz="1400" b="0" strike="noStrike" spc="-1" dirty="0">
-                <a:solidFill>
-                  <a:srgbClr val="1B1B21"/>
-                </a:solidFill>
-                <a:latin typeface="Arial"/>
-                <a:ea typeface="Arial"/>
-              </a:rPr>
-              <a:t>		</a:t>
-            </a:r>
-            <a:r>
-              <a:rPr lang="pt-BR" sz="1400" b="0" strike="noStrike" spc="-1" dirty="0" err="1">
-                <a:solidFill>
-                  <a:srgbClr val="1B1B21"/>
-                </a:solidFill>
-                <a:latin typeface="Arial"/>
-                <a:ea typeface="Arial"/>
-              </a:rPr>
-              <a:t>main</a:t>
-            </a:r>
-            <a:r>
-              <a:rPr lang="pt-BR" sz="1400" b="0" strike="noStrike" spc="-1" dirty="0">
-                <a:solidFill>
-                  <a:srgbClr val="1B1B21"/>
-                </a:solidFill>
-                <a:latin typeface="Arial"/>
-                <a:ea typeface="Arial"/>
-              </a:rPr>
-              <a:t> </a:t>
-            </a:r>
-            <a:r>
-              <a:rPr lang="pt-BR" sz="1400" b="0" strike="noStrike" spc="-1" dirty="0" err="1">
-                <a:solidFill>
-                  <a:srgbClr val="1B1B21"/>
-                </a:solidFill>
-                <a:latin typeface="Arial"/>
-                <a:ea typeface="Arial"/>
-              </a:rPr>
-              <a:t>stack</a:t>
-            </a:r>
-            <a:r>
-              <a:rPr lang="pt-BR" sz="1400" b="0" strike="noStrike" spc="-1" dirty="0" smtClean="0">
-                <a:solidFill>
-                  <a:srgbClr val="1B1B21"/>
-                </a:solidFill>
-                <a:latin typeface="Arial"/>
-                <a:ea typeface="Arial"/>
-              </a:rPr>
-              <a:t>:  </a:t>
-            </a:r>
-            <a:r>
-              <a:rPr lang="pt-BR" sz="1400" b="0" strike="noStrike" spc="-1" dirty="0">
-                <a:solidFill>
-                  <a:srgbClr val="1B1B21"/>
-                </a:solidFill>
-                <a:latin typeface="Arial"/>
-                <a:ea typeface="Arial"/>
-              </a:rPr>
-              <a:t>99 </a:t>
-            </a:r>
-            <a:r>
-              <a:rPr lang="pt-BR" sz="1400" b="0" strike="noStrike" spc="-1" dirty="0" smtClean="0">
-                <a:solidFill>
-                  <a:srgbClr val="1B1B21"/>
-                </a:solidFill>
-                <a:latin typeface="Arial"/>
-                <a:ea typeface="Arial"/>
-              </a:rPr>
-              <a:t> 15</a:t>
-            </a:r>
-            <a:r>
-              <a:rPr dirty="0"/>
-              <a:t/>
-            </a:r>
-            <a:br>
-              <a:rPr dirty="0"/>
-            </a:br>
-            <a:r>
-              <a:rPr lang="pt-BR" sz="1400" b="0" strike="noStrike" spc="-1" dirty="0">
-                <a:solidFill>
-                  <a:srgbClr val="1B1B21"/>
-                </a:solidFill>
-                <a:latin typeface="Arial"/>
-                <a:ea typeface="Arial"/>
-              </a:rPr>
-              <a:t>		&gt;&gt; </a:t>
-            </a:r>
-            <a:r>
-              <a:rPr lang="pt-BR" sz="1400" b="0" strike="noStrike" spc="-1" dirty="0" smtClean="0">
-                <a:solidFill>
-                  <a:srgbClr val="1B1B21"/>
-                </a:solidFill>
-                <a:latin typeface="Arial"/>
-                <a:ea typeface="Arial"/>
-              </a:rPr>
-              <a:t>  &gt;</a:t>
-            </a:r>
-            <a:r>
-              <a:rPr dirty="0"/>
-              <a:t/>
-            </a:r>
-            <a:br>
-              <a:rPr dirty="0"/>
-            </a:br>
-            <a:r>
-              <a:rPr lang="pt-BR" sz="1400" b="0" strike="noStrike" spc="-1" dirty="0">
-                <a:solidFill>
-                  <a:srgbClr val="1B1B21"/>
-                </a:solidFill>
-                <a:latin typeface="Arial"/>
-                <a:ea typeface="Arial"/>
-              </a:rPr>
-              <a:t>		</a:t>
-            </a:r>
-            <a:r>
-              <a:rPr lang="pt-BR" sz="1400" b="0" strike="noStrike" spc="-1" dirty="0" err="1">
-                <a:solidFill>
-                  <a:srgbClr val="1B1B21"/>
-                </a:solidFill>
-                <a:latin typeface="Arial"/>
-                <a:ea typeface="Arial"/>
-              </a:rPr>
-              <a:t>main</a:t>
-            </a:r>
-            <a:r>
-              <a:rPr lang="pt-BR" sz="1400" b="0" strike="noStrike" spc="-1" dirty="0">
-                <a:solidFill>
-                  <a:srgbClr val="1B1B21"/>
-                </a:solidFill>
-                <a:latin typeface="Arial"/>
-                <a:ea typeface="Arial"/>
-              </a:rPr>
-              <a:t> </a:t>
-            </a:r>
-            <a:r>
-              <a:rPr lang="pt-BR" sz="1400" b="0" strike="noStrike" spc="-1" dirty="0" err="1">
-                <a:solidFill>
-                  <a:srgbClr val="1B1B21"/>
-                </a:solidFill>
-                <a:latin typeface="Arial"/>
-                <a:ea typeface="Arial"/>
-              </a:rPr>
-              <a:t>stack</a:t>
-            </a:r>
-            <a:r>
-              <a:rPr lang="pt-BR" sz="1400" b="0" strike="noStrike" spc="-1" dirty="0" smtClean="0">
-                <a:solidFill>
-                  <a:srgbClr val="1B1B21"/>
-                </a:solidFill>
-                <a:latin typeface="Arial"/>
-                <a:ea typeface="Arial"/>
-              </a:rPr>
-              <a:t>:  </a:t>
-            </a:r>
-            <a:r>
-              <a:rPr lang="pt-BR" sz="1400" b="0" strike="noStrike" spc="-1" dirty="0" err="1">
-                <a:solidFill>
-                  <a:srgbClr val="1B1B21"/>
-                </a:solidFill>
-                <a:latin typeface="Arial"/>
-                <a:ea typeface="Arial"/>
-              </a:rPr>
-              <a:t>true</a:t>
-            </a:r>
-            <a:r>
-              <a:rPr dirty="0"/>
-              <a:t/>
-            </a:r>
-            <a:br>
-              <a:rPr dirty="0"/>
-            </a:br>
-            <a:r>
-              <a:rPr lang="pt-BR" sz="1400" b="0" strike="noStrike" spc="-1" dirty="0">
-                <a:solidFill>
-                  <a:srgbClr val="1B1B21"/>
-                </a:solidFill>
-                <a:latin typeface="Arial"/>
-                <a:ea typeface="Arial"/>
-              </a:rPr>
-              <a:t>		</a:t>
-            </a:r>
-            <a:r>
-              <a:rPr lang="pt-BR" sz="1400" b="1" i="1" strike="noStrike" spc="-1" dirty="0">
-                <a:solidFill>
-                  <a:srgbClr val="1B1B21"/>
-                </a:solidFill>
-                <a:latin typeface="Arial"/>
-                <a:ea typeface="Arial"/>
-              </a:rPr>
-              <a:t>&gt;&gt; </a:t>
-            </a:r>
-            <a:r>
-              <a:rPr lang="pt-BR" sz="1400" b="1" i="1" strike="noStrike" spc="-1" dirty="0" smtClean="0">
-                <a:solidFill>
-                  <a:srgbClr val="1B1B21"/>
-                </a:solidFill>
-                <a:latin typeface="Arial"/>
-                <a:ea typeface="Arial"/>
-              </a:rPr>
-              <a:t>  </a:t>
-            </a:r>
-            <a:r>
-              <a:rPr lang="pt-BR" sz="1400" b="1" i="1" strike="noStrike" spc="-1" dirty="0" smtClean="0">
-                <a:solidFill>
-                  <a:srgbClr val="FF0000"/>
-                </a:solidFill>
-                <a:latin typeface="Arial"/>
-                <a:ea typeface="Arial"/>
-              </a:rPr>
-              <a:t>pop</a:t>
-            </a:r>
-            <a:r>
-              <a:rPr dirty="0"/>
-              <a:t/>
-            </a:r>
-            <a:br>
-              <a:rPr dirty="0"/>
-            </a:br>
-            <a:r>
-              <a:rPr lang="pt-BR" sz="1400" b="1" i="1" strike="noStrike" spc="-1" dirty="0">
-                <a:solidFill>
-                  <a:srgbClr val="1B1B21"/>
-                </a:solidFill>
-                <a:latin typeface="Arial"/>
-                <a:ea typeface="Arial"/>
-              </a:rPr>
-              <a:t>		</a:t>
-            </a:r>
-            <a:r>
-              <a:rPr lang="pt-BR" sz="1400" b="1" i="1" strike="noStrike" spc="-1" dirty="0" err="1">
-                <a:solidFill>
-                  <a:srgbClr val="1B1B21"/>
-                </a:solidFill>
-                <a:latin typeface="Arial"/>
-                <a:ea typeface="Arial"/>
-              </a:rPr>
-              <a:t>main</a:t>
-            </a:r>
-            <a:r>
-              <a:rPr lang="pt-BR" sz="1400" b="1" i="1" strike="noStrike" spc="-1" dirty="0">
-                <a:solidFill>
-                  <a:srgbClr val="1B1B21"/>
-                </a:solidFill>
-                <a:latin typeface="Arial"/>
-                <a:ea typeface="Arial"/>
-              </a:rPr>
-              <a:t> </a:t>
-            </a:r>
-            <a:r>
-              <a:rPr lang="pt-BR" sz="1400" b="1" i="1" strike="noStrike" spc="-1" dirty="0" err="1">
-                <a:solidFill>
-                  <a:srgbClr val="1B1B21"/>
-                </a:solidFill>
-                <a:latin typeface="Arial"/>
-                <a:ea typeface="Arial"/>
-              </a:rPr>
-              <a:t>stack</a:t>
-            </a:r>
-            <a:r>
-              <a:rPr lang="pt-BR" sz="1400" b="1" i="1" strike="noStrike" spc="-1" dirty="0">
-                <a:solidFill>
-                  <a:srgbClr val="1B1B21"/>
-                </a:solidFill>
-                <a:latin typeface="Arial"/>
-                <a:ea typeface="Arial"/>
-              </a:rPr>
-              <a:t>: </a:t>
-            </a:r>
-            <a:r>
-              <a:rPr lang="pt-BR" sz="1400" b="1" i="1" strike="noStrike" spc="-1" dirty="0" smtClean="0">
-                <a:solidFill>
-                  <a:srgbClr val="1B1B21"/>
-                </a:solidFill>
-                <a:latin typeface="Arial"/>
-                <a:ea typeface="Arial"/>
-              </a:rPr>
-              <a:t> </a:t>
-            </a:r>
-            <a:r>
-              <a:rPr lang="pt-BR" sz="1400" b="1" i="1" strike="noStrike" spc="-1" dirty="0" err="1" smtClean="0">
-                <a:solidFill>
-                  <a:srgbClr val="FF0000"/>
-                </a:solidFill>
-                <a:latin typeface="Arial"/>
-                <a:ea typeface="Arial"/>
-              </a:rPr>
-              <a:t>empty</a:t>
-            </a:r>
-            <a:endParaRPr lang="pt-BR" sz="1400" b="0" strike="noStrike" spc="-1" dirty="0">
-              <a:solidFill>
-                <a:srgbClr val="FF0000"/>
-              </a:solidFill>
-              <a:latin typeface="Arial"/>
-            </a:endParaRPr>
-          </a:p>
-        </p:txBody>
-      </p:sp>
-      <p:sp>
-        <p:nvSpPr>
-          <p:cNvPr id="194" name="TextShape 3"/>
+                <a:ea typeface="Times New Roman"/>
+              </a:rPr>
+              <a:t>realizamos uma soma entre 1 e 2 e com o resultado multiplicamos por 5, obtendo 15 que fica logo acima na pilha, no exemplo a direita.</a:t>
+            </a:r>
+            <a:endParaRPr lang="pt-BR" sz="2200" b="0" strike="noStrike" spc="-1" dirty="0">
+              <a:solidFill>
+                <a:srgbClr val="1B1B21"/>
+              </a:solidFill>
+            </a:endParaRPr>
+          </a:p>
+          <a:p>
+            <a:endParaRPr lang="pt-BR" sz="2400" b="0" strike="noStrike" spc="-1" dirty="0">
+              <a:solidFill>
+                <a:srgbClr val="1B1B21"/>
+              </a:solidFill>
+              <a:latin typeface="Arial"/>
+            </a:endParaRPr>
+          </a:p>
+        </p:txBody>
+      </p:sp>
+      <p:sp>
+        <p:nvSpPr>
+          <p:cNvPr id="188" name="TextShape 3"/>
           <p:cNvSpPr txBox="1"/>
           <p:nvPr/>
         </p:nvSpPr>
@@ -9651,7 +8734,7 @@
                 </a:solidFill>
                 <a:latin typeface="Arial"/>
               </a:rPr>
-              <a:t>13</a:t>
+              <a:t>12</a:t>
             </a:r>
             <a:endParaRPr lang="pt-BR" sz="1800" b="0" strike="noStrike" spc="-1" dirty="0">
               <a:latin typeface="Arial"/>
@@ -9659,6 +8742,84 @@
           </a:p>
         </p:txBody>
       </p:sp>
+      <p:pic>
+        <p:nvPicPr>
+          <p:cNvPr id="5" name="Imagem 4" descr="File:Cat silhouette.svg - Wikimedia Commons"/>
+          <p:cNvPicPr>
+            <a:picLocks noChangeAspect="1"/>
+          </p:cNvPicPr>
+          <p:nvPr/>
+        </p:nvPicPr>
+        <p:blipFill>
+          <a:blip r:embed="rId2" cstate="print">
+            <a:extLst>
+              <a:ext uri="{28A0092B-C50C-407E-A947-70E740481C1C}">
+                <a14:useLocalDpi xmlns:a14="http://schemas.microsoft.com/office/drawing/2010/main" val="0"/>
+              </a:ext>
+            </a:extLst>
+          </a:blip>
+          <a:stretch>
+            <a:fillRect/>
+          </a:stretch>
+        </p:blipFill>
+        <p:spPr>
+          <a:xfrm>
+            <a:off x="7822734" y="4213260"/>
+            <a:ext cx="601266" cy="571500"/>
+          </a:xfrm>
+          <a:prstGeom prst="rect">
+            <a:avLst/>
+          </a:prstGeom>
+        </p:spPr>
+      </p:pic>
+      <p:pic>
+        <p:nvPicPr>
+          <p:cNvPr id="2" name="Imagem 1"/>
+          <p:cNvPicPr>
+            <a:picLocks noChangeAspect="1"/>
+          </p:cNvPicPr>
+          <p:nvPr/>
+        </p:nvPicPr>
+        <p:blipFill>
+          <a:blip r:embed="rId3"/>
+          <a:stretch>
+            <a:fillRect/>
+          </a:stretch>
+        </p:blipFill>
+        <p:spPr>
+          <a:xfrm>
+            <a:off x="3243125" y="1178820"/>
+            <a:ext cx="1971950" cy="2372056"/>
+          </a:xfrm>
+          <a:prstGeom prst="rect">
+            <a:avLst/>
+          </a:prstGeom>
+        </p:spPr>
+      </p:pic>
+      <p:pic>
+        <p:nvPicPr>
+          <p:cNvPr id="3" name="Imagem 2"/>
+          <p:cNvPicPr>
+            <a:picLocks noChangeAspect="1"/>
+          </p:cNvPicPr>
+          <p:nvPr/>
+        </p:nvPicPr>
+        <p:blipFill>
+          <a:blip r:embed="rId4"/>
+          <a:stretch>
+            <a:fillRect/>
+          </a:stretch>
+        </p:blipFill>
+        <p:spPr>
+          <a:xfrm>
+            <a:off x="3115685" y="1197873"/>
+            <a:ext cx="1952898" cy="2353003"/>
+          </a:xfrm>
+          <a:prstGeom prst="rect">
+            <a:avLst/>
+          </a:prstGeom>
+        </p:spPr>
+      </p:pic>
     </p:spTree>
   </p:cSld>
   <p:clrMapOvr>
@@ -9719,15 +8880,39 @@
           <a:chExt cx="0" cy="0"/>
         </a:xfrm>
       </p:grpSpPr>
-      <p:sp>
-        <p:nvSpPr>
-          <p:cNvPr id="183" name="TextShape 1"/>
+      <p:pic>
+        <p:nvPicPr>
+          <p:cNvPr id="2" name="Imagem 1"/>
+          <p:cNvPicPr>
+            <a:picLocks noChangeAspect="1"/>
+          </p:cNvPicPr>
+          <p:nvPr/>
+        </p:nvPicPr>
+        <p:blipFill>
+          <a:blip r:embed="rId2"/>
+          <a:stretch>
+            <a:fillRect/>
+          </a:stretch>
+        </p:blipFill>
+        <p:spPr>
+          <a:xfrm>
+            <a:off x="3222783" y="1413385"/>
+            <a:ext cx="1867161" cy="2372056"/>
+          </a:xfrm>
+          <a:prstGeom prst="rect">
+            <a:avLst/>
+          </a:prstGeom>
+        </p:spPr>
+      </p:pic>
+      <p:sp>
+        <p:nvSpPr>
+          <p:cNvPr id="189" name="TextShape 1"/>
           <p:cNvSpPr txBox="1"/>
           <p:nvPr/>
         </p:nvSpPr>
         <p:spPr>
           <a:xfrm>
-            <a:off x="792000" y="576699"/>
+            <a:off x="774720" y="557640"/>
             <a:ext cx="7505280" cy="954360"/>
           </a:xfrm>
           <a:prstGeom prst="rect">
@@ -9739,43 +8924,69 @@
           </a:ln>
         </p:spPr>
         <p:txBody>
-          <a:bodyPr tIns="91440" bIns="91440"/>
-          <a:lstStyle/>
-          <a:p>
-            <a:pPr>
-              <a:lnSpc>
-                <a:spcPct val="100000"/>
-              </a:lnSpc>
-            </a:pPr>
-            <a:r>
-              <a:rPr lang="pt-BR" sz="3000" b="1" strike="noStrike" spc="-1" dirty="0" smtClean="0">
+          <a:bodyPr lIns="0" tIns="0" rIns="0" bIns="0" anchor="ctr"/>
+          <a:lstStyle/>
+          <a:p>
+            <a:pPr algn="just"/>
+            <a:r>
+              <a:rPr lang="pt-BR" sz="2000" b="0" strike="noStrike" spc="-1" dirty="0" smtClean="0">
                 <a:solidFill>
-                  <a:srgbClr val="AF7B51"/>
+                  <a:srgbClr val="1B1B21"/>
                 </a:solidFill>
-                <a:latin typeface="Nunito"/>
-                <a:ea typeface="Nunito"/>
-              </a:rPr>
-              <a:t>Fundamentos do JOY</a:t>
-            </a:r>
-            <a:endParaRPr lang="pt-BR" sz="3000" b="0" strike="noStrike" spc="-1" dirty="0">
-              <a:solidFill>
-                <a:srgbClr val="000000"/>
-              </a:solidFill>
-              <a:latin typeface="Arial"/>
-            </a:endParaRPr>
-          </a:p>
-        </p:txBody>
-      </p:sp>
-      <p:sp>
-        <p:nvSpPr>
-          <p:cNvPr id="184" name="TextShape 2"/>
+                <a:latin typeface="Arial"/>
+                <a:ea typeface="Arial"/>
+              </a:rPr>
+              <a:t>Na </a:t>
+            </a:r>
+            <a:r>
+              <a:rPr lang="pt-BR" sz="2000" spc="-1" dirty="0" smtClean="0">
+                <a:solidFill>
+                  <a:srgbClr val="1B1B21"/>
+                </a:solidFill>
+                <a:latin typeface="Arial"/>
+                <a:ea typeface="Arial"/>
+              </a:rPr>
+              <a:t>linguagem, o </a:t>
+            </a:r>
+            <a:r>
+              <a:rPr lang="pt-BR" sz="2000" b="0" strike="noStrike" spc="-1" dirty="0" smtClean="0">
+                <a:solidFill>
+                  <a:srgbClr val="1B1B21"/>
+                </a:solidFill>
+                <a:latin typeface="Arial"/>
+                <a:ea typeface="Arial"/>
+              </a:rPr>
+              <a:t>valor </a:t>
+            </a:r>
+            <a:r>
+              <a:rPr lang="pt-BR" sz="2000" b="0" strike="noStrike" spc="-1" dirty="0">
+                <a:solidFill>
+                  <a:srgbClr val="1B1B21"/>
+                </a:solidFill>
+                <a:latin typeface="Arial"/>
+                <a:ea typeface="Arial"/>
+              </a:rPr>
+              <a:t>superior é tratado como o operando direito e o valor abaixo é tratado como o operando esquerdo.</a:t>
+            </a:r>
+            <a:endParaRPr lang="pt-BR" sz="2000" b="0" strike="noStrike" spc="-1" dirty="0">
+              <a:solidFill>
+                <a:srgbClr val="1B1B21"/>
+              </a:solidFill>
+              <a:latin typeface="Arial"/>
+            </a:endParaRPr>
+          </a:p>
+        </p:txBody>
+      </p:sp>
+      <p:sp>
+        <p:nvSpPr>
+          <p:cNvPr id="190" name="TextShape 2"/>
           <p:cNvSpPr txBox="1"/>
           <p:nvPr/>
         </p:nvSpPr>
         <p:spPr>
           <a:xfrm>
-            <a:off x="558918" y="1297411"/>
-            <a:ext cx="7505280" cy="3444918"/>
+            <a:off x="702720" y="3106882"/>
+            <a:ext cx="7505280" cy="1357118"/>
           </a:xfrm>
           <a:prstGeom prst="rect">
             <a:avLst/>
@@ -9786,276 +8997,126 @@
           </a:ln>
         </p:spPr>
         <p:txBody>
-          <a:bodyPr tIns="91440" bIns="91440"/>
-          <a:lstStyle/>
-          <a:p>
-            <a:pPr>
-              <a:lnSpc>
-                <a:spcPct val="115000"/>
-              </a:lnSpc>
-            </a:pPr>
-            <a:r>
-              <a:rPr lang="pt-BR" sz="1600" b="0" strike="noStrike" spc="-1" dirty="0" smtClean="0">
+          <a:bodyPr lIns="0" tIns="0" rIns="0" bIns="0">
+            <a:normAutofit fontScale="77500" lnSpcReduction="20000"/>
+          </a:bodyPr>
+          <a:lstStyle/>
+          <a:p>
+            <a:endParaRPr lang="pt-BR" i="1" spc="-1" dirty="0">
+              <a:solidFill>
+                <a:srgbClr val="1B1B21"/>
+              </a:solidFill>
+              <a:latin typeface="Arial"/>
+              <a:ea typeface="Arial"/>
+            </a:endParaRPr>
+          </a:p>
+          <a:p>
+            <a:endParaRPr lang="pt-BR" sz="1800" b="0" i="1" strike="noStrike" spc="-1" dirty="0" smtClean="0">
+              <a:solidFill>
+                <a:srgbClr val="1B1B21"/>
+              </a:solidFill>
+              <a:latin typeface="Arial"/>
+              <a:ea typeface="Arial"/>
+            </a:endParaRPr>
+          </a:p>
+          <a:p>
+            <a:endParaRPr lang="pt-BR" i="1" spc="-1" dirty="0">
+              <a:solidFill>
+                <a:srgbClr val="1B1B21"/>
+              </a:solidFill>
+              <a:latin typeface="Arial"/>
+              <a:ea typeface="Arial"/>
+            </a:endParaRPr>
+          </a:p>
+          <a:p>
+            <a:endParaRPr lang="pt-BR" sz="1800" b="0" i="1" strike="noStrike" spc="-1" dirty="0" smtClean="0">
+              <a:solidFill>
+                <a:srgbClr val="1B1B21"/>
+              </a:solidFill>
+              <a:latin typeface="Arial"/>
+              <a:ea typeface="Arial"/>
+            </a:endParaRPr>
+          </a:p>
+          <a:p>
+            <a:endParaRPr lang="pt-BR" sz="1800" b="0" i="1" strike="noStrike" spc="-1" dirty="0" smtClean="0">
+              <a:solidFill>
+                <a:srgbClr val="1B1B21"/>
+              </a:solidFill>
+              <a:ea typeface="Arial"/>
+            </a:endParaRPr>
+          </a:p>
+          <a:p>
+            <a:r>
+              <a:rPr lang="pt-BR" sz="2600" i="1" spc="-1" dirty="0">
                 <a:solidFill>
                   <a:srgbClr val="1B1B21"/>
                 </a:solidFill>
-                <a:latin typeface="Times New Roman"/>
-                <a:ea typeface="Times New Roman"/>
-              </a:rPr>
-              <a:t>  </a:t>
-            </a:r>
-            <a:r>
-              <a:rPr lang="pt-BR" sz="1600" b="0" strike="noStrike" spc="-1" dirty="0" err="1" smtClean="0">
+                <a:ea typeface="Arial"/>
+              </a:rPr>
+              <a:t> </a:t>
+            </a:r>
+            <a:r>
+              <a:rPr lang="pt-BR" sz="2600" i="1" spc="-1" dirty="0" smtClean="0">
                 <a:solidFill>
                   <a:srgbClr val="1B1B21"/>
                 </a:solidFill>
-                <a:latin typeface="Times New Roman"/>
-                <a:ea typeface="Times New Roman"/>
-              </a:rPr>
-              <a:t>Joy</a:t>
-            </a:r>
-            <a:r>
-              <a:rPr lang="pt-BR" sz="1600" b="0" strike="noStrike" spc="-1" dirty="0" smtClean="0">
+                <a:ea typeface="Arial"/>
+              </a:rPr>
+              <a:t>    </a:t>
+            </a:r>
+            <a:r>
+              <a:rPr lang="pt-BR" sz="2600" b="0" i="1" strike="noStrike" spc="-1" dirty="0" smtClean="0">
                 <a:solidFill>
                   <a:srgbClr val="1B1B21"/>
                 </a:solidFill>
-                <a:latin typeface="Times New Roman"/>
-                <a:ea typeface="Times New Roman"/>
-              </a:rPr>
-              <a:t> é uma linguagem puramente funcional, portanto não há estado e, consequentemente, nenhuma atribuição.</a:t>
-            </a:r>
-          </a:p>
-          <a:p>
-            <a:pPr>
-              <a:lnSpc>
-                <a:spcPct val="115000"/>
-              </a:lnSpc>
-            </a:pPr>
-            <a:endParaRPr lang="pt-BR" sz="1600" spc="-1" dirty="0">
-              <a:solidFill>
-                <a:srgbClr val="1B1B21"/>
-              </a:solidFill>
-              <a:latin typeface="Times New Roman"/>
-              <a:ea typeface="Times New Roman"/>
-            </a:endParaRPr>
-          </a:p>
-          <a:p>
-            <a:pPr>
-              <a:lnSpc>
-                <a:spcPct val="115000"/>
-              </a:lnSpc>
-            </a:pPr>
-            <a:r>
-              <a:rPr lang="pt-BR" sz="1600" spc="-1" dirty="0">
+                <a:ea typeface="Arial"/>
+              </a:rPr>
+              <a:t>Digitamos </a:t>
+            </a:r>
+            <a:r>
+              <a:rPr lang="pt-BR" sz="2600" b="0" i="1" strike="noStrike" spc="-1" dirty="0">
                 <a:solidFill>
                   <a:srgbClr val="1B1B21"/>
                 </a:solidFill>
-                <a:latin typeface="Times New Roman"/>
-                <a:ea typeface="Times New Roman"/>
-              </a:rPr>
-              <a:t> </a:t>
-            </a:r>
-            <a:r>
-              <a:rPr lang="pt-BR" sz="1600" spc="-1" dirty="0" smtClean="0">
+                <a:ea typeface="Arial"/>
+              </a:rPr>
+              <a:t>o sinal maior (&gt;) para verificar se 99 é maior que 15. O intérprete imprime o resultado, </a:t>
+            </a:r>
+            <a:r>
+              <a:rPr lang="pt-BR" sz="2600" b="0" i="1" strike="noStrike" spc="-1" dirty="0" err="1">
                 <a:solidFill>
                   <a:srgbClr val="1B1B21"/>
                 </a:solidFill>
-                <a:latin typeface="Times New Roman"/>
-                <a:ea typeface="Times New Roman"/>
-              </a:rPr>
-              <a:t> </a:t>
-            </a:r>
-            <a:r>
-              <a:rPr lang="pt-BR" sz="1600" b="0" strike="noStrike" spc="-1" dirty="0" smtClean="0">
+                <a:ea typeface="Arial"/>
+              </a:rPr>
+              <a:t>true</a:t>
+            </a:r>
+            <a:r>
+              <a:rPr lang="pt-BR" sz="2600" b="0" i="1" strike="noStrike" spc="-1" dirty="0">
                 <a:solidFill>
                   <a:srgbClr val="1B1B21"/>
                 </a:solidFill>
-                <a:latin typeface="Times New Roman"/>
-                <a:ea typeface="Times New Roman"/>
-              </a:rPr>
-              <a:t>Programas de </a:t>
-            </a:r>
-            <a:r>
-              <a:rPr lang="pt-BR" sz="1600" b="0" strike="noStrike" spc="-1" dirty="0" err="1" smtClean="0">
-                <a:solidFill>
-                  <a:srgbClr val="1B1B21"/>
-                </a:solidFill>
-                <a:latin typeface="Times New Roman"/>
-                <a:ea typeface="Times New Roman"/>
-              </a:rPr>
-              <a:t>Joy</a:t>
-            </a:r>
-            <a:r>
-              <a:rPr lang="pt-BR" sz="1600" b="0" strike="noStrike" spc="-1" dirty="0" smtClean="0">
-                <a:solidFill>
-                  <a:srgbClr val="1B1B21"/>
-                </a:solidFill>
-                <a:latin typeface="Times New Roman"/>
-                <a:ea typeface="Times New Roman"/>
-              </a:rPr>
-              <a:t> denotam funções unárias de pilhas para pilhas.</a:t>
-            </a:r>
-          </a:p>
-          <a:p>
-            <a:pPr>
-              <a:lnSpc>
-                <a:spcPct val="115000"/>
-              </a:lnSpc>
-            </a:pPr>
-            <a:endParaRPr lang="pt-BR" sz="1600" b="0" strike="noStrike" spc="-1" dirty="0" smtClean="0">
+                <a:ea typeface="Arial"/>
+              </a:rPr>
+              <a:t>.</a:t>
+            </a:r>
+            <a:endParaRPr lang="pt-BR" sz="2600" b="0" strike="noStrike" spc="-1" dirty="0">
               <a:solidFill>
                 <a:srgbClr val="1B1B21"/>
               </a:solidFill>
-              <a:latin typeface="Times New Roman"/>
-              <a:ea typeface="Times New Roman"/>
-            </a:endParaRPr>
-          </a:p>
-          <a:p>
-            <a:pPr>
-              <a:lnSpc>
-                <a:spcPct val="115000"/>
-              </a:lnSpc>
-            </a:pPr>
-            <a:r>
-              <a:rPr lang="pt-BR" sz="1600" spc="-1" dirty="0">
-                <a:solidFill>
-                  <a:srgbClr val="1B1B21"/>
-                </a:solidFill>
-                <a:latin typeface="Times New Roman"/>
-                <a:ea typeface="Times New Roman"/>
-              </a:rPr>
-              <a:t> </a:t>
-            </a:r>
-            <a:r>
-              <a:rPr lang="pt-BR" sz="1600" b="0" strike="noStrike" spc="-1" dirty="0" smtClean="0">
-                <a:solidFill>
-                  <a:srgbClr val="1B1B21"/>
-                </a:solidFill>
-                <a:latin typeface="Times New Roman"/>
-                <a:ea typeface="Times New Roman"/>
-              </a:rPr>
-              <a:t> </a:t>
-            </a:r>
-            <a:r>
-              <a:rPr lang="pt-BR" sz="1600" b="0" strike="noStrike" spc="-1" dirty="0" err="1" smtClean="0">
-                <a:solidFill>
-                  <a:srgbClr val="1B1B21"/>
-                </a:solidFill>
-                <a:latin typeface="Times New Roman"/>
-                <a:ea typeface="Times New Roman"/>
-              </a:rPr>
-              <a:t>Joy</a:t>
-            </a:r>
-            <a:r>
-              <a:rPr lang="pt-BR" sz="1600" b="0" strike="noStrike" spc="-1" dirty="0" smtClean="0">
-                <a:solidFill>
-                  <a:srgbClr val="1B1B21"/>
-                </a:solidFill>
-                <a:latin typeface="Times New Roman"/>
-                <a:ea typeface="Times New Roman"/>
-              </a:rPr>
-              <a:t> usa a notação concatenada, portanto a concatenação de programas denota a composição das funções que os programas denotam.</a:t>
-            </a:r>
-          </a:p>
-          <a:p>
-            <a:pPr>
-              <a:lnSpc>
-                <a:spcPct val="115000"/>
-              </a:lnSpc>
-            </a:pPr>
-            <a:endParaRPr lang="pt-BR" sz="1600" b="0" strike="noStrike" spc="-1" dirty="0" smtClean="0">
-              <a:solidFill>
-                <a:srgbClr val="1B1B21"/>
-              </a:solidFill>
-              <a:latin typeface="Times New Roman"/>
-              <a:ea typeface="Times New Roman"/>
-            </a:endParaRPr>
-          </a:p>
-          <a:p>
-            <a:pPr>
-              <a:lnSpc>
-                <a:spcPct val="115000"/>
-              </a:lnSpc>
-            </a:pPr>
-            <a:r>
-              <a:rPr lang="pt-BR" sz="1600" spc="-1" dirty="0">
-                <a:solidFill>
-                  <a:srgbClr val="1B1B21"/>
-                </a:solidFill>
-                <a:latin typeface="Times New Roman"/>
-                <a:ea typeface="Times New Roman"/>
-              </a:rPr>
-              <a:t> </a:t>
-            </a:r>
-            <a:r>
-              <a:rPr lang="pt-BR" sz="1600" b="0" strike="noStrike" spc="-1" dirty="0" smtClean="0">
-                <a:solidFill>
-                  <a:srgbClr val="1B1B21"/>
-                </a:solidFill>
-                <a:latin typeface="Times New Roman"/>
-                <a:ea typeface="Times New Roman"/>
-              </a:rPr>
-              <a:t> As definições não usam parâmetros formais, portanto não há ambiente de associações.</a:t>
-            </a:r>
-          </a:p>
-          <a:p>
-            <a:pPr>
-              <a:lnSpc>
-                <a:spcPct val="115000"/>
-              </a:lnSpc>
-            </a:pPr>
-            <a:endParaRPr lang="pt-BR" sz="1600" b="0" strike="noStrike" spc="-1" dirty="0" smtClean="0">
-              <a:solidFill>
-                <a:srgbClr val="1B1B21"/>
-              </a:solidFill>
-              <a:latin typeface="Times New Roman"/>
-              <a:ea typeface="Times New Roman"/>
-            </a:endParaRPr>
-          </a:p>
-          <a:p>
-            <a:pPr>
-              <a:lnSpc>
-                <a:spcPct val="115000"/>
-              </a:lnSpc>
-            </a:pPr>
-            <a:r>
-              <a:rPr lang="pt-BR" sz="1600" spc="-1" dirty="0">
-                <a:solidFill>
-                  <a:srgbClr val="1B1B21"/>
-                </a:solidFill>
-                <a:latin typeface="Times New Roman"/>
-                <a:ea typeface="Times New Roman"/>
-              </a:rPr>
-              <a:t> </a:t>
-            </a:r>
-            <a:r>
-              <a:rPr lang="pt-BR" sz="1600" b="0" strike="noStrike" spc="-1" dirty="0" smtClean="0">
-                <a:solidFill>
-                  <a:srgbClr val="1B1B21"/>
-                </a:solidFill>
-                <a:latin typeface="Times New Roman"/>
-                <a:ea typeface="Times New Roman"/>
-              </a:rPr>
-              <a:t> Combinadores fazem o trabalho de funções de ordem superior, eles tomam programas citados como parâmetros.</a:t>
-            </a:r>
-            <a:endParaRPr lang="pt-BR" sz="1600" b="0" strike="noStrike" spc="-1" dirty="0">
-              <a:solidFill>
-                <a:srgbClr val="000000"/>
-              </a:solidFill>
-              <a:latin typeface="Arial"/>
-            </a:endParaRPr>
-          </a:p>
-        </p:txBody>
-      </p:sp>
-      <p:sp>
-        <p:nvSpPr>
-          <p:cNvPr id="185" name="TextShape 3"/>
+            </a:endParaRPr>
+          </a:p>
+        </p:txBody>
+      </p:sp>
+      <p:sp>
+        <p:nvSpPr>
+          <p:cNvPr id="191" name="TextShape 3"/>
           <p:cNvSpPr txBox="1"/>
           <p:nvPr/>
         </p:nvSpPr>
         <p:spPr>
           <a:xfrm>
-            <a:off x="8424360" y="4438440"/>
+            <a:off x="8424720" y="4438800"/>
             <a:ext cx="503640" cy="602280"/>
           </a:xfrm>
           <a:prstGeom prst="rect">
@@ -10077,7 +9138,7 @@
                 </a:solidFill>
                 <a:latin typeface="Arial"/>
               </a:rPr>
-              <a:t>14</a:t>
+              <a:t>13</a:t>
             </a:r>
             <a:endParaRPr lang="pt-BR" sz="1800" b="0" strike="noStrike" spc="-1" dirty="0">
               <a:latin typeface="Arial"/>
@@ -10085,212 +9146,37 @@
           </a:p>
         </p:txBody>
       </p:sp>
-      <p:sp>
-        <p:nvSpPr>
-          <p:cNvPr id="2" name="Elipse 1"/>
-          <p:cNvSpPr/>
+      <p:pic>
+        <p:nvPicPr>
+          <p:cNvPr id="5" name="Imagem 4" descr="File:Cat silhouette.svg - Wikimedia Commons"/>
+          <p:cNvPicPr>
+            <a:picLocks noChangeAspect="1"/>
+          </p:cNvPicPr>
           <p:nvPr/>
-        </p:nvSpPr>
-        <p:spPr>
-          <a:xfrm>
-            <a:off x="558918" y="1480800"/>
-            <a:ext cx="116541" cy="100517"/>
-          </a:xfrm>
-          <a:prstGeom prst="ellipse">
-            <a:avLst/>
-          </a:prstGeom>
-        </p:spPr>
-        <p:style>
-          <a:lnRef idx="2">
-            <a:schemeClr val="accent1">
-              <a:shade val="50000"/>
-            </a:schemeClr>
-          </a:lnRef>
-          <a:fillRef idx="1">
-            <a:schemeClr val="accent1"/>
-          </a:fillRef>
-          <a:effectRef idx="0">
-            <a:schemeClr val="accent1"/>
-          </a:effectRef>
-          <a:fontRef idx="minor">
-            <a:schemeClr val="lt1"/>
-          </a:fontRef>
-        </p:style>
-        <p:txBody>
-          <a:bodyPr rtlCol="0" anchor="ctr"/>
-          <a:lstStyle/>
-          <a:p>
-            <a:pPr algn="ctr"/>
-            <a:endParaRPr lang="pt-BR"/>
-          </a:p>
-        </p:txBody>
-      </p:sp>
-      <p:sp>
-        <p:nvSpPr>
-          <p:cNvPr id="6" name="Elipse 5"/>
-          <p:cNvSpPr/>
-          <p:nvPr/>
-        </p:nvSpPr>
-        <p:spPr>
-          <a:xfrm>
-            <a:off x="558918" y="2302029"/>
-            <a:ext cx="116541" cy="100517"/>
-          </a:xfrm>
-          <a:prstGeom prst="ellipse">
-            <a:avLst/>
-          </a:prstGeom>
-        </p:spPr>
-        <p:style>
-          <a:lnRef idx="2">
-            <a:schemeClr val="accent1">
-              <a:shade val="50000"/>
-            </a:schemeClr>
-          </a:lnRef>
-          <a:fillRef idx="1">
-            <a:schemeClr val="accent1"/>
-          </a:fillRef>
-          <a:effectRef idx="0">
-            <a:schemeClr val="accent1"/>
-          </a:effectRef>
-          <a:fontRef idx="minor">
-            <a:schemeClr val="lt1"/>
-          </a:fontRef>
-        </p:style>
-        <p:txBody>
-          <a:bodyPr rtlCol="0" anchor="ctr"/>
-          <a:lstStyle/>
-          <a:p>
-            <a:pPr algn="ctr"/>
-            <a:endParaRPr lang="pt-BR"/>
-          </a:p>
-        </p:txBody>
-      </p:sp>
-      <p:sp>
-        <p:nvSpPr>
-          <p:cNvPr id="7" name="Elipse 6"/>
-          <p:cNvSpPr/>
-          <p:nvPr/>
-        </p:nvSpPr>
-        <p:spPr>
-          <a:xfrm>
-            <a:off x="558918" y="2906188"/>
-            <a:ext cx="116541" cy="100517"/>
-          </a:xfrm>
-          <a:prstGeom prst="ellipse">
-            <a:avLst/>
-          </a:prstGeom>
-        </p:spPr>
-        <p:style>
-          <a:lnRef idx="2">
-            <a:schemeClr val="accent1">
-              <a:shade val="50000"/>
-            </a:schemeClr>
-          </a:lnRef>
-          <a:fillRef idx="1">
-            <a:schemeClr val="accent1"/>
-          </a:fillRef>
-          <a:effectRef idx="0">
-            <a:schemeClr val="accent1"/>
-          </a:effectRef>
-          <a:fontRef idx="minor">
-            <a:schemeClr val="lt1"/>
-          </a:fontRef>
-        </p:style>
-        <p:txBody>
-          <a:bodyPr rtlCol="0" anchor="ctr"/>
-          <a:lstStyle/>
-          <a:p>
-            <a:pPr algn="ctr"/>
-            <a:endParaRPr lang="pt-BR"/>
-          </a:p>
-        </p:txBody>
-      </p:sp>
-      <p:sp>
-        <p:nvSpPr>
-          <p:cNvPr id="8" name="Elipse 7"/>
-          <p:cNvSpPr/>
-          <p:nvPr/>
-        </p:nvSpPr>
-        <p:spPr>
-          <a:xfrm>
-            <a:off x="558918" y="3727417"/>
-            <a:ext cx="116541" cy="100517"/>
-          </a:xfrm>
-          <a:prstGeom prst="ellipse">
-            <a:avLst/>
-          </a:prstGeom>
-        </p:spPr>
-        <p:style>
-          <a:lnRef idx="2">
-            <a:schemeClr val="accent1">
-              <a:shade val="50000"/>
-            </a:schemeClr>
-          </a:lnRef>
-          <a:fillRef idx="1">
-            <a:schemeClr val="accent1"/>
-          </a:fillRef>
-          <a:effectRef idx="0">
-            <a:schemeClr val="accent1"/>
-          </a:effectRef>
-          <a:fontRef idx="minor">
-            <a:schemeClr val="lt1"/>
-          </a:fontRef>
-        </p:style>
-        <p:txBody>
-          <a:bodyPr rtlCol="0" anchor="ctr"/>
-          <a:lstStyle/>
-          <a:p>
-            <a:pPr algn="ctr"/>
-            <a:endParaRPr lang="pt-BR"/>
-          </a:p>
-        </p:txBody>
-      </p:sp>
-      <p:sp>
-        <p:nvSpPr>
-          <p:cNvPr id="9" name="Elipse 8"/>
-          <p:cNvSpPr/>
-          <p:nvPr/>
-        </p:nvSpPr>
-        <p:spPr>
-          <a:xfrm>
-            <a:off x="558918" y="4290696"/>
-            <a:ext cx="116541" cy="100517"/>
-          </a:xfrm>
-          <a:prstGeom prst="ellipse">
-            <a:avLst/>
-          </a:prstGeom>
-        </p:spPr>
-        <p:style>
-          <a:lnRef idx="2">
-            <a:schemeClr val="accent1">
-              <a:shade val="50000"/>
-            </a:schemeClr>
-          </a:lnRef>
-          <a:fillRef idx="1">
-            <a:schemeClr val="accent1"/>
-          </a:fillRef>
-          <a:effectRef idx="0">
-            <a:schemeClr val="accent1"/>
-          </a:effectRef>
-          <a:fontRef idx="minor">
-            <a:schemeClr val="lt1"/>
-          </a:fontRef>
-        </p:style>
-        <p:txBody>
-          <a:bodyPr rtlCol="0" anchor="ctr"/>
-          <a:lstStyle/>
-          <a:p>
-            <a:pPr algn="ctr"/>
-            <a:endParaRPr lang="pt-BR"/>
-          </a:p>
-        </p:txBody>
-      </p:sp>
+        </p:nvPicPr>
+        <p:blipFill>
+          <a:blip r:embed="rId3" cstate="print">
+            <a:extLst>
+              <a:ext uri="{28A0092B-C50C-407E-A947-70E740481C1C}">
+                <a14:useLocalDpi xmlns:a14="http://schemas.microsoft.com/office/drawing/2010/main" val="0"/>
+              </a:ext>
+            </a:extLst>
+          </a:blip>
+          <a:stretch>
+            <a:fillRect/>
+          </a:stretch>
+        </p:blipFill>
+        <p:spPr>
+          <a:xfrm>
+            <a:off x="7822734" y="4213260"/>
+            <a:ext cx="601266" cy="571500"/>
+          </a:xfrm>
+          <a:prstGeom prst="rect">
+            <a:avLst/>
+          </a:prstGeom>
+        </p:spPr>
+      </p:pic>
     </p:spTree>
-    <p:extLst>
-      <p:ext uri="{BB962C8B-B14F-4D97-AF65-F5344CB8AC3E}">
-        <p14:creationId xmlns:p14="http://schemas.microsoft.com/office/powerpoint/2010/main" val="432649671"/>
-      </p:ext>
-    </p:extLst>
   </p:cSld>
   <p:clrMapOvr>
     <a:masterClrMapping/>
@@ -10352,13 +9238,13 @@
       </p:grpSpPr>
       <p:sp>
         <p:nvSpPr>
-          <p:cNvPr id="195" name="TextShape 1"/>
+          <p:cNvPr id="192" name="TextShape 1"/>
           <p:cNvSpPr txBox="1"/>
           <p:nvPr/>
         </p:nvSpPr>
         <p:spPr>
           <a:xfrm>
-            <a:off x="819000" y="845640"/>
+            <a:off x="819000" y="517320"/>
             <a:ext cx="7505280" cy="954360"/>
           </a:xfrm>
           <a:prstGeom prst="rect">
@@ -10373,72 +9259,56 @@
           <a:bodyPr lIns="0" tIns="0" rIns="0" bIns="0" anchor="ctr"/>
           <a:lstStyle/>
           <a:p>
-            <a:r>
-              <a:rPr lang="pt-BR" sz="3200" b="1" strike="noStrike" spc="-1">
-                <a:solidFill>
-                  <a:srgbClr val="AF7B51"/>
-                </a:solidFill>
-                <a:latin typeface="Nunito"/>
-                <a:ea typeface="Nunito"/>
-              </a:rPr>
-              <a:t>Conclusão</a:t>
-            </a:r>
-            <a:endParaRPr lang="pt-BR" sz="3200" b="0" strike="noStrike" spc="-1">
-              <a:solidFill>
-                <a:srgbClr val="000000"/>
-              </a:solidFill>
-              <a:latin typeface="Arial"/>
-            </a:endParaRPr>
-          </a:p>
-        </p:txBody>
-      </p:sp>
-      <p:sp>
-        <p:nvSpPr>
-          <p:cNvPr id="196" name="TextShape 2"/>
-          <p:cNvSpPr txBox="1"/>
-          <p:nvPr/>
-        </p:nvSpPr>
-        <p:spPr>
-          <a:xfrm>
-            <a:off x="819000" y="1990800"/>
-            <a:ext cx="7505280" cy="2447640"/>
-          </a:xfrm>
-          <a:prstGeom prst="rect">
-            <a:avLst/>
-          </a:prstGeom>
-          <a:noFill/>
-          <a:ln>
-            <a:noFill/>
-          </a:ln>
-        </p:spPr>
-        <p:txBody>
-          <a:bodyPr lIns="0" tIns="0" rIns="0" bIns="0">
-            <a:normAutofit fontScale="88500" lnSpcReduction="10000"/>
-          </a:bodyPr>
-          <a:lstStyle/>
-          <a:p>
-            <a:r>
-              <a:rPr lang="pt-BR" sz="2800" b="0" strike="noStrike" spc="-1">
+            <a:pPr algn="just"/>
+            <a:r>
+              <a:rPr lang="pt-BR" sz="2000" b="0" strike="noStrike" spc="-1" dirty="0">
                 <a:solidFill>
                   <a:srgbClr val="000000"/>
                 </a:solidFill>
                 <a:latin typeface="Arial"/>
+              </a:rPr>
+              <a:t>Por último, para nós limparmos a pilha, utilizamos o comando POP, deixando assim a pilha vazia (</a:t>
+            </a:r>
+            <a:r>
+              <a:rPr lang="pt-BR" sz="2000" b="0" strike="noStrike" spc="-1" dirty="0" err="1">
+                <a:solidFill>
+                  <a:srgbClr val="000000"/>
+                </a:solidFill>
+                <a:latin typeface="Arial"/>
+              </a:rPr>
+              <a:t>empty</a:t>
+            </a:r>
+            <a:r>
+              <a:rPr lang="pt-BR" sz="2000" b="0" strike="noStrike" spc="-1" dirty="0">
+                <a:solidFill>
+                  <a:srgbClr val="000000"/>
+                </a:solidFill>
+                <a:latin typeface="Arial"/>
+              </a:rPr>
+              <a:t>)</a:t>
+            </a:r>
+            <a:r>
+              <a:rPr lang="pt-BR" sz="2000" b="0" strike="noStrike" spc="-1" dirty="0">
+                <a:solidFill>
+                  <a:srgbClr val="1B1B21"/>
+                </a:solidFill>
+                <a:latin typeface="Arial"/>
                 <a:ea typeface="Arial"/>
               </a:rPr>
-              <a:t>Por ser uma linguagem 100% funcional e não ter expressões imperativas, é uma linguagem não muito utilizada, pois os conceitos funcionais, que são bons para alguns problemas em específico, são ruins para algumas coisas que são muito normais, tornando assim então o código muito mais complexo para coisas simples.</a:t>
-            </a:r>
-            <a:endParaRPr lang="pt-BR" sz="2800" b="0" strike="noStrike" spc="-1">
-              <a:solidFill>
-                <a:srgbClr val="000000"/>
-              </a:solidFill>
-              <a:latin typeface="Arial"/>
-            </a:endParaRPr>
-          </a:p>
-        </p:txBody>
-      </p:sp>
-      <p:sp>
-        <p:nvSpPr>
-          <p:cNvPr id="197" name="TextShape 3"/>
+              <a:t>.</a:t>
+            </a:r>
+            <a:endParaRPr lang="pt-BR" sz="2000" b="0" strike="noStrike" spc="-1" dirty="0">
+              <a:solidFill>
+                <a:srgbClr val="000000"/>
+              </a:solidFill>
+              <a:latin typeface="Arial"/>
+            </a:endParaRPr>
+          </a:p>
+        </p:txBody>
+      </p:sp>
+      <p:sp>
+        <p:nvSpPr>
+          <p:cNvPr id="194" name="TextShape 3"/>
           <p:cNvSpPr txBox="1"/>
           <p:nvPr/>
         </p:nvSpPr>
@@ -10466,7 +9336,7 @@
                 </a:solidFill>
                 <a:latin typeface="Arial"/>
               </a:rPr>
-              <a:t>15</a:t>
+              <a:t>14</a:t>
             </a:r>
             <a:endParaRPr lang="pt-BR" sz="1800" b="0" strike="noStrike" spc="-1" dirty="0">
               <a:latin typeface="Arial"/>
@@ -10474,6 +9344,60 @@
           </a:p>
         </p:txBody>
       </p:sp>
+      <p:pic>
+        <p:nvPicPr>
+          <p:cNvPr id="5" name="Imagem 4" descr="File:Cat silhouette.svg - Wikimedia Commons"/>
+          <p:cNvPicPr>
+            <a:picLocks noChangeAspect="1"/>
+          </p:cNvPicPr>
+          <p:nvPr/>
+        </p:nvPicPr>
+        <p:blipFill>
+          <a:blip r:embed="rId2" cstate="print">
+            <a:extLst>
+              <a:ext uri="{28A0092B-C50C-407E-A947-70E740481C1C}">
+                <a14:useLocalDpi xmlns:a14="http://schemas.microsoft.com/office/drawing/2010/main" val="0"/>
+              </a:ext>
+            </a:extLst>
+          </a:blip>
+          <a:stretch>
+            <a:fillRect/>
+          </a:stretch>
+        </p:blipFill>
+        <p:spPr>
+          <a:xfrm>
+            <a:off x="7822734" y="4213260"/>
+            <a:ext cx="601266" cy="571500"/>
+          </a:xfrm>
+          <a:prstGeom prst="rect">
+            <a:avLst/>
+          </a:prstGeom>
+        </p:spPr>
+      </p:pic>
+      <p:pic>
+        <p:nvPicPr>
+          <p:cNvPr id="3" name="Imagem 2"/>
+          <p:cNvPicPr>
+            <a:picLocks noChangeAspect="1"/>
+          </p:cNvPicPr>
+          <p:nvPr/>
+        </p:nvPicPr>
+        <p:blipFill>
+          <a:blip r:embed="rId3"/>
+          <a:stretch>
+            <a:fillRect/>
+          </a:stretch>
+        </p:blipFill>
+        <p:spPr>
+          <a:xfrm>
+            <a:off x="3253955" y="1471680"/>
+            <a:ext cx="1867161" cy="2362530"/>
+          </a:xfrm>
+          <a:prstGeom prst="rect">
+            <a:avLst/>
+          </a:prstGeom>
+        </p:spPr>
+      </p:pic>
     </p:spTree>
   </p:cSld>
   <p:clrMapOvr>
@@ -10536,6 +9460,287 @@
       </p:grpSpPr>
       <p:sp>
         <p:nvSpPr>
+          <p:cNvPr id="195" name="TextShape 1"/>
+          <p:cNvSpPr txBox="1"/>
+          <p:nvPr/>
+        </p:nvSpPr>
+        <p:spPr>
+          <a:xfrm>
+            <a:off x="819000" y="845640"/>
+            <a:ext cx="7505280" cy="954360"/>
+          </a:xfrm>
+          <a:prstGeom prst="rect">
+            <a:avLst/>
+          </a:prstGeom>
+          <a:noFill/>
+          <a:ln>
+            <a:noFill/>
+          </a:ln>
+        </p:spPr>
+        <p:txBody>
+          <a:bodyPr lIns="0" tIns="0" rIns="0" bIns="0" anchor="ctr"/>
+          <a:lstStyle/>
+          <a:p>
+            <a:r>
+              <a:rPr lang="pt-BR" sz="3200" b="1" strike="noStrike" spc="-1">
+                <a:solidFill>
+                  <a:srgbClr val="AF7B51"/>
+                </a:solidFill>
+                <a:latin typeface="Nunito"/>
+                <a:ea typeface="Nunito"/>
+              </a:rPr>
+              <a:t>Conclusão</a:t>
+            </a:r>
+            <a:endParaRPr lang="pt-BR" sz="3200" b="0" strike="noStrike" spc="-1">
+              <a:solidFill>
+                <a:srgbClr val="000000"/>
+              </a:solidFill>
+              <a:latin typeface="Arial"/>
+            </a:endParaRPr>
+          </a:p>
+        </p:txBody>
+      </p:sp>
+      <p:sp>
+        <p:nvSpPr>
+          <p:cNvPr id="196" name="TextShape 2"/>
+          <p:cNvSpPr txBox="1"/>
+          <p:nvPr/>
+        </p:nvSpPr>
+        <p:spPr>
+          <a:xfrm>
+            <a:off x="819000" y="1990800"/>
+            <a:ext cx="7505280" cy="2447640"/>
+          </a:xfrm>
+          <a:prstGeom prst="rect">
+            <a:avLst/>
+          </a:prstGeom>
+          <a:noFill/>
+          <a:ln>
+            <a:noFill/>
+          </a:ln>
+        </p:spPr>
+        <p:txBody>
+          <a:bodyPr lIns="0" tIns="0" rIns="0" bIns="0">
+            <a:normAutofit fontScale="96000"/>
+          </a:bodyPr>
+          <a:lstStyle/>
+          <a:p>
+            <a:pPr algn="just"/>
+            <a:r>
+              <a:rPr lang="pt-BR" sz="2200" spc="-1" dirty="0">
+                <a:solidFill>
+                  <a:srgbClr val="000000"/>
+                </a:solidFill>
+                <a:ea typeface="Arial"/>
+              </a:rPr>
+              <a:t>Por ambas pertencerem a uma linguagem 100% funcional e não </a:t>
+            </a:r>
+            <a:r>
+              <a:rPr lang="pt-BR" sz="2200" spc="-1" dirty="0" err="1">
+                <a:solidFill>
+                  <a:srgbClr val="000000"/>
+                </a:solidFill>
+                <a:ea typeface="Arial"/>
+              </a:rPr>
+              <a:t>possuirem</a:t>
+            </a:r>
+            <a:r>
+              <a:rPr lang="pt-BR" sz="2200" spc="-1" dirty="0">
+                <a:solidFill>
+                  <a:srgbClr val="000000"/>
+                </a:solidFill>
+                <a:ea typeface="Arial"/>
+              </a:rPr>
+              <a:t> expressões imperativas, são linguagens não muito utilizadas, contudo os conceitos funcionais das linguagens são bons para problemas </a:t>
+            </a:r>
+            <a:r>
+              <a:rPr lang="pt-BR" sz="2200" spc="-1" dirty="0" err="1">
+                <a:solidFill>
+                  <a:srgbClr val="000000"/>
+                </a:solidFill>
+                <a:ea typeface="Arial"/>
+              </a:rPr>
+              <a:t>especificos</a:t>
+            </a:r>
+            <a:r>
+              <a:rPr lang="pt-BR" sz="2200" spc="-1" dirty="0">
+                <a:solidFill>
+                  <a:srgbClr val="000000"/>
+                </a:solidFill>
+                <a:ea typeface="Arial"/>
+              </a:rPr>
+              <a:t>, como por exemplo operações matemáticas, </a:t>
+            </a:r>
+            <a:r>
+              <a:rPr lang="pt-BR" sz="2200" spc="-1" dirty="0" err="1">
+                <a:solidFill>
+                  <a:srgbClr val="000000"/>
+                </a:solidFill>
+                <a:ea typeface="Arial"/>
+              </a:rPr>
+              <a:t>entretando</a:t>
+            </a:r>
+            <a:r>
+              <a:rPr lang="pt-BR" sz="2200" spc="-1" dirty="0">
+                <a:solidFill>
+                  <a:srgbClr val="000000"/>
+                </a:solidFill>
+                <a:ea typeface="Arial"/>
+              </a:rPr>
+              <a:t> o código pode se tornar complexo para os demais problemas.</a:t>
+            </a:r>
+          </a:p>
+          <a:p>
+            <a:pPr algn="just"/>
+            <a:r>
+              <a:rPr lang="pt-BR" sz="2200" b="0" strike="noStrike" spc="-1" dirty="0" smtClean="0">
+                <a:solidFill>
+                  <a:srgbClr val="000000"/>
+                </a:solidFill>
+                <a:latin typeface="Arial"/>
+                <a:ea typeface="Arial"/>
+              </a:rPr>
+              <a:t>.</a:t>
+            </a:r>
+            <a:endParaRPr lang="pt-BR" sz="2200" b="0" strike="noStrike" spc="-1" dirty="0">
+              <a:solidFill>
+                <a:srgbClr val="000000"/>
+              </a:solidFill>
+              <a:latin typeface="Arial"/>
+            </a:endParaRPr>
+          </a:p>
+        </p:txBody>
+      </p:sp>
+      <p:sp>
+        <p:nvSpPr>
+          <p:cNvPr id="197" name="TextShape 3"/>
+          <p:cNvSpPr txBox="1"/>
+          <p:nvPr/>
+        </p:nvSpPr>
+        <p:spPr>
+          <a:xfrm>
+            <a:off x="8424720" y="4438800"/>
+            <a:ext cx="503640" cy="602280"/>
+          </a:xfrm>
+          <a:prstGeom prst="rect">
+            <a:avLst/>
+          </a:prstGeom>
+          <a:noFill/>
+          <a:ln>
+            <a:noFill/>
+          </a:ln>
+        </p:spPr>
+        <p:txBody>
+          <a:bodyPr lIns="90000" tIns="45000" rIns="90000" bIns="45000"/>
+          <a:lstStyle/>
+          <a:p>
+            <a:r>
+              <a:rPr lang="pt-BR" sz="1800" b="0" strike="noStrike" spc="-1" dirty="0" smtClean="0">
+                <a:solidFill>
+                  <a:srgbClr val="000000"/>
+                </a:solidFill>
+                <a:latin typeface="Arial"/>
+              </a:rPr>
+              <a:t>15</a:t>
+            </a:r>
+            <a:endParaRPr lang="pt-BR" sz="1800" b="0" strike="noStrike" spc="-1" dirty="0">
+              <a:latin typeface="Arial"/>
+            </a:endParaRPr>
+          </a:p>
+        </p:txBody>
+      </p:sp>
+      <p:pic>
+        <p:nvPicPr>
+          <p:cNvPr id="5" name="Imagem 4" descr="File:Cat silhouette.svg - Wikimedia Commons"/>
+          <p:cNvPicPr>
+            <a:picLocks noChangeAspect="1"/>
+          </p:cNvPicPr>
+          <p:nvPr/>
+        </p:nvPicPr>
+        <p:blipFill>
+          <a:blip r:embed="rId2" cstate="print">
+            <a:extLst>
+              <a:ext uri="{28A0092B-C50C-407E-A947-70E740481C1C}">
+                <a14:useLocalDpi xmlns:a14="http://schemas.microsoft.com/office/drawing/2010/main" val="0"/>
+              </a:ext>
+            </a:extLst>
+          </a:blip>
+          <a:stretch>
+            <a:fillRect/>
+          </a:stretch>
+        </p:blipFill>
+        <p:spPr>
+          <a:xfrm>
+            <a:off x="7822734" y="4213260"/>
+            <a:ext cx="601266" cy="571500"/>
+          </a:xfrm>
+          <a:prstGeom prst="rect">
+            <a:avLst/>
+          </a:prstGeom>
+        </p:spPr>
+      </p:pic>
+    </p:spTree>
+  </p:cSld>
+  <p:clrMapOvr>
+    <a:masterClrMapping/>
+  </p:clrMapOvr>
+  <mc:AlternateContent xmlns:mc="http://schemas.openxmlformats.org/markup-compatibility/2006" xmlns:p14="http://schemas.microsoft.com/office/powerpoint/2010/main">
+    <mc:Choice Requires="p14">
+      <p:transition spd="slow" p14:dur="2000"/>
+    </mc:Choice>
+    <mc:Fallback xmlns:p15="http://schemas.microsoft.com/office/powerpoint/2012/main" xmlns="">
+      <p:transition spd="slow"/>
+    </mc:Fallback>
+  </mc:AlternateContent>
+  <p:timing>
+    <p:tnLst>
+      <p:par>
+        <p:cTn id="1" dur="indefinite" restart="never" nodeType="tmRoot">
+          <p:childTnLst>
+            <p:seq>
+              <p:cTn id="2" dur="indefinite" nodeType="mainSeq"/>
+              <p:prevCondLst>
+                <p:cond evt="onPrev" delay="0">
+                  <p:tgtEl>
+                    <p:sldTgt/>
+                  </p:tgtEl>
+                </p:cond>
+              </p:prevCondLst>
+              <p:nextCondLst>
+                <p:cond evt="onNext" delay="0">
+                  <p:tgtEl>
+                    <p:sldTgt/>
+                  </p:tgtEl>
+                </p:cond>
+              </p:nextCondLst>
+            </p:seq>
+          </p:childTnLst>
+        </p:cTn>
+      </p:par>
+    </p:tnLst>
+  </p:timing>
+</p:sld>
+</file>
+
+<file path=ppt/slides/slide16.xml><?xml version="1.0" encoding="utf-8"?>
+<p:sld xmlns:a="http://schemas.openxmlformats.org/drawingml/2006/main" xmlns:r="http://schemas.openxmlformats.org/officeDocument/2006/relationships" xmlns:p="http://schemas.openxmlformats.org/presentationml/2006/main">
+  <p:cSld>
+    <p:spTree>
+      <p:nvGrpSpPr>
+        <p:cNvPr id="1" name=""/>
+        <p:cNvGrpSpPr/>
+        <p:nvPr/>
+      </p:nvGrpSpPr>
+      <p:grpSpPr>
+        <a:xfrm>
+          <a:off x="0" y="0"/>
+          <a:ext cx="0" cy="0"/>
+          <a:chOff x="0" y="0"/>
+          <a:chExt cx="0" cy="0"/>
+        </a:xfrm>
+      </p:grpSpPr>
+      <p:sp>
+        <p:nvSpPr>
           <p:cNvPr id="198" name="TextShape 1"/>
           <p:cNvSpPr txBox="1"/>
           <p:nvPr/>
@@ -10711,40 +9916,40 @@
           <a:bodyPr tIns="91440" bIns="91440"/>
           <a:lstStyle/>
           <a:p>
-            <a:pPr>
+            <a:pPr algn="just">
               <a:lnSpc>
                 <a:spcPct val="115000"/>
               </a:lnSpc>
             </a:pPr>
             <a:r>
-              <a:rPr lang="pt-BR" i="1" dirty="0"/>
+              <a:rPr lang="pt-BR" i="1" dirty="0">
+                <a:cs typeface="Calibri" panose="020F0502020204030204" pitchFamily="34" charset="0"/>
+              </a:rPr>
               <a:t>Nesta apresentação, abordaremos o tema de Linguagens Funcionais (Paradigma Funcional), com </a:t>
             </a:r>
             <a:r>
-              <a:rPr lang="pt-BR" i="1" dirty="0" smtClean="0"/>
+              <a:rPr lang="pt-BR" i="1" dirty="0" smtClean="0">
+                <a:cs typeface="Calibri" panose="020F0502020204030204" pitchFamily="34" charset="0"/>
+              </a:rPr>
               <a:t>ênfase </a:t>
             </a:r>
             <a:r>
-              <a:rPr lang="pt-BR" i="1" dirty="0"/>
-              <a:t>nas linguagens funcionais Cat &amp; Joy, com o objetivo de ter um melhor </a:t>
-            </a:r>
-            <a:r>
-              <a:rPr lang="pt-BR" i="1" dirty="0" err="1"/>
-              <a:t>compreendimento</a:t>
-            </a:r>
-            <a:r>
-              <a:rPr lang="pt-BR" i="1" dirty="0"/>
-              <a:t> das </a:t>
-            </a:r>
-            <a:r>
-              <a:rPr lang="pt-BR" i="1" dirty="0" smtClean="0"/>
-              <a:t>linguagens</a:t>
+              <a:rPr lang="pt-BR" i="1" dirty="0">
+                <a:cs typeface="Calibri" panose="020F0502020204030204" pitchFamily="34" charset="0"/>
+              </a:rPr>
+              <a:t>nas linguagens funcionais Cat &amp; Joy, com o objetivo de ter um melhor compreendimento das </a:t>
+            </a:r>
+            <a:r>
+              <a:rPr lang="pt-BR" i="1" dirty="0" smtClean="0">
+                <a:cs typeface="Calibri" panose="020F0502020204030204" pitchFamily="34" charset="0"/>
+              </a:rPr>
+              <a:t>linguagens.</a:t>
             </a:r>
             <a:endParaRPr lang="pt-BR" sz="1400" b="0" strike="noStrike" spc="-1" dirty="0">
               <a:solidFill>
                 <a:srgbClr val="000000"/>
               </a:solidFill>
-              <a:latin typeface="Arial"/>
+              <a:cs typeface="Calibri" panose="020F0502020204030204" pitchFamily="34" charset="0"/>
             </a:endParaRPr>
           </a:p>
         </p:txBody>
@@ -10773,10 +9978,10 @@
           <a:lstStyle/>
           <a:p>
             <a:r>
-              <a:rPr lang="pt-BR" sz="1800" b="0" strike="noStrike" spc="-1" dirty="0" smtClean="0">
+              <a:rPr lang="pt-BR" spc="-1" dirty="0">
                 <a:latin typeface="Arial"/>
               </a:rPr>
-              <a:t>3</a:t>
+              <a:t>2</a:t>
             </a:r>
             <a:endParaRPr lang="pt-BR" sz="1800" b="0" strike="noStrike" spc="-1" dirty="0">
               <a:latin typeface="Arial"/>
@@ -10784,6 +9989,36 @@
           </a:p>
         </p:txBody>
       </p:sp>
+      <p:pic>
+        <p:nvPicPr>
+          <p:cNvPr id="3" name="Imagem 2" descr="File:Cat silhouette.svg - Wikimedia Commons"/>
+          <p:cNvPicPr>
+            <a:picLocks noChangeAspect="1"/>
+          </p:cNvPicPr>
+          <p:nvPr/>
+        </p:nvPicPr>
+        <p:blipFill>
+          <a:blip r:embed="rId2" cstate="print">
+            <a:extLst>
+              <a:ext uri="{28A0092B-C50C-407E-A947-70E740481C1C}">
+                <a14:useLocalDpi xmlns:a14="http://schemas.microsoft.com/office/drawing/2010/main" val="0"/>
+              </a:ext>
+            </a:extLst>
+          </a:blip>
+          <a:stretch>
+            <a:fillRect/>
+          </a:stretch>
+        </p:blipFill>
+        <p:spPr>
+          <a:xfrm>
+            <a:off x="7822734" y="4213260"/>
+            <a:ext cx="601266" cy="571500"/>
+          </a:xfrm>
+          <a:prstGeom prst="rect">
+            <a:avLst/>
+          </a:prstGeom>
+        </p:spPr>
+      </p:pic>
     </p:spTree>
     <p:extLst>
       <p:ext uri="{BB962C8B-B14F-4D97-AF65-F5344CB8AC3E}">
@@ -10919,63 +10154,104 @@
           <a:bodyPr tIns="91440" bIns="91440"/>
           <a:lstStyle/>
           <a:p>
-            <a:r>
-              <a:rPr lang="pt-BR" sz="1400" b="0" strike="noStrike" spc="-1">
-                <a:solidFill>
-                  <a:srgbClr val="233A44"/>
-                </a:solidFill>
-                <a:latin typeface="Calibri"/>
+            <a:pPr algn="just"/>
+            <a:r>
+              <a:rPr lang="pt-BR" sz="1400" b="0" strike="noStrike" spc="-1" dirty="0">
                 <a:ea typeface="Calibri"/>
               </a:rPr>
-              <a:t>Programar em linguagem funcional significa basicamente definir funções matemáticas e utilizar o computador para variar expressões ou funções. Pelo fato de utilizar da conotação de Church (o qual não possui o conceito de referência a célula de memórias, trabalhando apenas com valores passados para funções e produzindo resultado) para poder determinar a entrada, a função sempre produzirá a mesma saída, evitando os chamados efeitos colaterais.  </a:t>
-            </a:r>
-            <a:endParaRPr lang="pt-BR" sz="1400" b="0" strike="noStrike" spc="-1">
-              <a:solidFill>
-                <a:srgbClr val="000000"/>
-              </a:solidFill>
-              <a:latin typeface="Arial"/>
-            </a:endParaRPr>
-          </a:p>
-          <a:p>
-            <a:r>
-              <a:rPr lang="pt-BR" sz="1400" b="0" strike="noStrike" spc="-1">
-                <a:solidFill>
-                  <a:srgbClr val="233A44"/>
-                </a:solidFill>
-                <a:latin typeface="Calibri"/>
+              <a:t>Programar em linguagem funcional </a:t>
+            </a:r>
+            <a:r>
+              <a:rPr lang="pt-BR" sz="1400" b="0" strike="noStrike" spc="-1" dirty="0" smtClean="0">
                 <a:ea typeface="Calibri"/>
               </a:rPr>
+              <a:t>significa </a:t>
+            </a:r>
+            <a:r>
+              <a:rPr lang="pt-BR" sz="1400" b="0" strike="noStrike" spc="-1" dirty="0">
+                <a:ea typeface="Calibri"/>
+              </a:rPr>
+              <a:t>definir funções matemáticas e utilizar o computador para variar expressões ou funções. Pelo fato de utilizar da conotação de </a:t>
+            </a:r>
+            <a:r>
+              <a:rPr lang="pt-BR" sz="1400" b="0" strike="noStrike" spc="-1" dirty="0" smtClean="0">
+                <a:ea typeface="Calibri"/>
+              </a:rPr>
+              <a:t>Church* para </a:t>
+            </a:r>
+            <a:r>
+              <a:rPr lang="pt-BR" sz="1400" b="0" strike="noStrike" spc="-1" dirty="0">
+                <a:ea typeface="Calibri"/>
+              </a:rPr>
+              <a:t>poder determinar a entrada, a função sempre produzirá a mesma saída, evitando os chamados efeitos colaterais.  </a:t>
+            </a:r>
+            <a:endParaRPr lang="pt-BR" sz="1400" b="0" strike="noStrike" spc="-1" dirty="0"/>
+          </a:p>
+          <a:p>
+            <a:pPr algn="just"/>
+            <a:r>
+              <a:rPr lang="pt-BR" sz="1400" b="0" strike="noStrike" spc="-1" dirty="0">
+                <a:ea typeface="Calibri"/>
+              </a:rPr>
               <a:t>As linguagens de programação funcional trazem consigo alto poder de expressividade, com elas, podemos aplicar funções sobre conjuntos de dados, principalmente através de funções de alta ordem, nos permitindo executar computações complexas em chamadas simples de funções.</a:t>
             </a:r>
             <a:r>
+              <a:rPr dirty="0"/>
               <a:t/>
             </a:r>
-            <a:br/>
-            <a:r>
-              <a:rPr lang="pt-BR" sz="1400" b="0" strike="noStrike" spc="-1">
-                <a:solidFill>
-                  <a:srgbClr val="233A44"/>
-                </a:solidFill>
-                <a:latin typeface="Calibri"/>
+            <a:br>
+              <a:rPr dirty="0"/>
+            </a:br>
+            <a:r>
+              <a:rPr lang="pt-BR" sz="1400" b="0" strike="noStrike" spc="-1" dirty="0">
                 <a:ea typeface="Calibri"/>
               </a:rPr>
               <a:t>Sua maior vantagem é sem dúvidas a abstração e também evitar os efeitos colaterais</a:t>
             </a:r>
             <a:r>
-              <a:rPr lang="pt-BR" sz="1600" b="0" strike="noStrike" spc="-1">
-                <a:solidFill>
-                  <a:srgbClr val="233A44"/>
-                </a:solidFill>
-                <a:latin typeface="Calibri"/>
+              <a:rPr lang="pt-BR" sz="1600" b="0" strike="noStrike" spc="-1" dirty="0" smtClean="0">
                 <a:ea typeface="Calibri"/>
               </a:rPr>
               <a:t>.</a:t>
             </a:r>
-            <a:endParaRPr lang="pt-BR" sz="1600" b="0" strike="noStrike" spc="-1">
-              <a:solidFill>
-                <a:srgbClr val="000000"/>
-              </a:solidFill>
-              <a:latin typeface="Arial"/>
+          </a:p>
+          <a:p>
+            <a:pPr algn="just"/>
+            <a:endParaRPr lang="pt-BR" sz="1600" spc="-1" dirty="0"/>
+          </a:p>
+          <a:p>
+            <a:pPr algn="just"/>
+            <a:r>
+              <a:rPr lang="pt-BR" sz="1200" spc="-1" dirty="0" smtClean="0">
+                <a:ea typeface="Calibri"/>
+              </a:rPr>
+              <a:t>*</a:t>
+            </a:r>
+            <a:r>
+              <a:rPr lang="pt-BR" sz="1200" i="1" spc="-1" dirty="0" smtClean="0">
+                <a:ea typeface="Calibri"/>
+              </a:rPr>
+              <a:t>Conotação que não </a:t>
+            </a:r>
+            <a:r>
+              <a:rPr lang="pt-BR" sz="1200" i="1" spc="-1" dirty="0">
+                <a:ea typeface="Calibri"/>
+              </a:rPr>
+              <a:t>possui o conceito de referência a célula de memórias, trabalhando apenas com valores passados para funções e produzindo </a:t>
+            </a:r>
+            <a:r>
+              <a:rPr lang="pt-BR" sz="1200" i="1" spc="-1" dirty="0" smtClean="0">
+                <a:ea typeface="Calibri"/>
+              </a:rPr>
+              <a:t>resultado.</a:t>
+            </a:r>
+            <a:endParaRPr lang="pt-BR" sz="1200" i="1" spc="-1" dirty="0"/>
+          </a:p>
+          <a:p>
+            <a:endParaRPr lang="pt-BR" sz="1600" b="0" strike="noStrike" spc="-1" dirty="0" smtClean="0">
+              <a:solidFill>
+                <a:srgbClr val="233A44"/>
+              </a:solidFill>
             </a:endParaRPr>
           </a:p>
         </p:txBody>
@@ -11004,10 +10280,10 @@
           <a:lstStyle/>
           <a:p>
             <a:r>
-              <a:rPr lang="pt-BR" sz="1800" b="0" strike="noStrike" spc="-1" dirty="0" smtClean="0">
+              <a:rPr lang="pt-BR" spc="-1" dirty="0">
                 <a:latin typeface="Arial"/>
               </a:rPr>
-              <a:t>4</a:t>
+              <a:t>3</a:t>
             </a:r>
             <a:endParaRPr lang="pt-BR" sz="1800" b="0" strike="noStrike" spc="-1" dirty="0">
               <a:latin typeface="Arial"/>
@@ -11015,6 +10291,36 @@
           </a:p>
         </p:txBody>
       </p:sp>
+      <p:pic>
+        <p:nvPicPr>
+          <p:cNvPr id="5" name="Imagem 4" descr="File:Cat silhouette.svg - Wikimedia Commons"/>
+          <p:cNvPicPr>
+            <a:picLocks noChangeAspect="1"/>
+          </p:cNvPicPr>
+          <p:nvPr/>
+        </p:nvPicPr>
+        <p:blipFill>
+          <a:blip r:embed="rId2" cstate="print">
+            <a:extLst>
+              <a:ext uri="{28A0092B-C50C-407E-A947-70E740481C1C}">
+                <a14:useLocalDpi xmlns:a14="http://schemas.microsoft.com/office/drawing/2010/main" val="0"/>
+              </a:ext>
+            </a:extLst>
+          </a:blip>
+          <a:stretch>
+            <a:fillRect/>
+          </a:stretch>
+        </p:blipFill>
+        <p:spPr>
+          <a:xfrm>
+            <a:off x="7822734" y="4213260"/>
+            <a:ext cx="601266" cy="571500"/>
+          </a:xfrm>
+          <a:prstGeom prst="rect">
+            <a:avLst/>
+          </a:prstGeom>
+        </p:spPr>
+      </p:pic>
     </p:spTree>
   </p:cSld>
   <p:clrMapOvr>
@@ -11077,14 +10383,14 @@
       </p:grpSpPr>
       <p:sp>
         <p:nvSpPr>
-          <p:cNvPr id="168" name="TextShape 1"/>
+          <p:cNvPr id="171" name="TextShape 1"/>
           <p:cNvSpPr txBox="1"/>
           <p:nvPr/>
         </p:nvSpPr>
         <p:spPr>
           <a:xfrm>
-            <a:off x="819000" y="845640"/>
-            <a:ext cx="7505280" cy="954360"/>
+            <a:off x="846720" y="1872000"/>
+            <a:ext cx="7505280" cy="2447640"/>
           </a:xfrm>
           <a:prstGeom prst="rect">
             <a:avLst/>
@@ -11095,19 +10401,60 @@
           </a:ln>
         </p:spPr>
         <p:txBody>
-          <a:bodyPr lIns="0" tIns="0" rIns="0" bIns="0" anchor="ctr"/>
-          <a:lstStyle/>
-          <a:p>
-            <a:r>
-              <a:rPr lang="pt-BR" sz="3000" b="1" strike="noStrike" spc="-1" dirty="0" smtClean="0">
-                <a:solidFill>
-                  <a:srgbClr val="AF7B51"/>
-                </a:solidFill>
-                <a:latin typeface="Nunito"/>
-                <a:ea typeface="Nunito"/>
-              </a:rPr>
-              <a:t>Origem </a:t>
-            </a:r>
+          <a:bodyPr tIns="91440" bIns="91440"/>
+          <a:lstStyle/>
+          <a:p>
+            <a:pPr algn="just"/>
+            <a:r>
+              <a:rPr lang="pt-BR" sz="2400" b="0" strike="noStrike" spc="-1" dirty="0">
+                <a:ea typeface="Calibri"/>
+              </a:rPr>
+              <a:t>Joy é uma linguagem de programação puramente funcional de mais alto </a:t>
+            </a:r>
+            <a:r>
+              <a:rPr lang="pt-BR" sz="2400" b="0" strike="noStrike" spc="-1" dirty="0" smtClean="0">
+                <a:ea typeface="Calibri"/>
+              </a:rPr>
+              <a:t>nível, </a:t>
+            </a:r>
+            <a:r>
+              <a:rPr lang="pt-BR" sz="2400" b="0" strike="noStrike" spc="-1" dirty="0">
+                <a:ea typeface="Calibri"/>
+              </a:rPr>
+              <a:t>e com isso, tem como objetivo eliminar a abstração de Lambda e a Aplicação de Funções e então as substituir por cotação de programa e composição de funções.</a:t>
+            </a:r>
+            <a:endParaRPr lang="pt-BR" sz="2400" b="0" strike="noStrike" spc="-1" dirty="0"/>
+          </a:p>
+        </p:txBody>
+      </p:sp>
+      <p:sp>
+        <p:nvSpPr>
+          <p:cNvPr id="172" name="TextShape 2"/>
+          <p:cNvSpPr txBox="1"/>
+          <p:nvPr/>
+        </p:nvSpPr>
+        <p:spPr>
+          <a:xfrm>
+            <a:off x="819000" y="845640"/>
+            <a:ext cx="7505280" cy="954360"/>
+          </a:xfrm>
+          <a:prstGeom prst="rect">
+            <a:avLst/>
+          </a:prstGeom>
+          <a:noFill/>
+          <a:ln>
+            <a:noFill/>
+          </a:ln>
+        </p:spPr>
+        <p:txBody>
+          <a:bodyPr tIns="91440" bIns="91440"/>
+          <a:lstStyle/>
+          <a:p>
+            <a:pPr>
+              <a:lnSpc>
+                <a:spcPct val="100000"/>
+              </a:lnSpc>
+            </a:pPr>
             <a:r>
               <a:rPr lang="pt-BR" sz="3000" b="1" strike="noStrike" spc="-1" dirty="0">
                 <a:solidFill>
@@ -11116,7 +10463,7 @@
                 <a:latin typeface="Nunito"/>
                 <a:ea typeface="Nunito"/>
               </a:rPr>
-              <a:t>da Linguagem JOY</a:t>
+              <a:t>JOY</a:t>
             </a:r>
             <a:endParaRPr lang="pt-BR" sz="3000" b="0" strike="noStrike" spc="-1" dirty="0">
               <a:solidFill>
@@ -11129,14 +10476,14 @@
       </p:sp>
       <p:sp>
         <p:nvSpPr>
-          <p:cNvPr id="169" name="TextShape 2"/>
+          <p:cNvPr id="173" name="TextShape 3"/>
           <p:cNvSpPr txBox="1"/>
           <p:nvPr/>
         </p:nvSpPr>
         <p:spPr>
           <a:xfrm>
-            <a:off x="792000" y="2232000"/>
-            <a:ext cx="7505280" cy="2447640"/>
+            <a:off x="8424360" y="4438440"/>
+            <a:ext cx="307080" cy="346320"/>
           </a:xfrm>
           <a:prstGeom prst="rect">
             <a:avLst/>
@@ -11147,78 +10494,51 @@
           </a:ln>
         </p:spPr>
         <p:txBody>
-          <a:bodyPr lIns="0" tIns="0" rIns="0" bIns="0">
-            <a:normAutofit/>
-          </a:bodyPr>
-          <a:lstStyle/>
-          <a:p>
-            <a:r>
-              <a:rPr lang="pt-BR" sz="2000" b="0" strike="noStrike" spc="-1">
-                <a:solidFill>
-                  <a:srgbClr val="000000"/>
-                </a:solidFill>
+          <a:bodyPr lIns="90000" tIns="45000" rIns="90000" bIns="45000"/>
+          <a:lstStyle/>
+          <a:p>
+            <a:r>
+              <a:rPr lang="pt-BR" spc="-1" dirty="0" smtClean="0">
                 <a:latin typeface="Arial"/>
-                <a:ea typeface="Arial"/>
-              </a:rPr>
-              <a:t>A linguagem Joy foi criada em 2001 na Universidade de Melbourne, na Austrália. O criador se chama Manfred von Thun of La Trobe. Joy é baseada na composição de funções assim como o Cálculo Lambda e apresenta muita similaridade com a linguagem Forth. Assim como Factor, é orientada a pilha. É dinâmica e fortemente tipada</a:t>
-            </a:r>
-            <a:r>
-              <a:rPr lang="pt-BR" sz="1200" b="0" strike="noStrike" spc="-1">
-                <a:solidFill>
-                  <a:srgbClr val="000000"/>
-                </a:solidFill>
-                <a:latin typeface="Arial"/>
-                <a:ea typeface="Arial"/>
-              </a:rPr>
-              <a:t>.</a:t>
-            </a:r>
-            <a:endParaRPr lang="pt-BR" sz="1200" b="0" strike="noStrike" spc="-1">
-              <a:solidFill>
-                <a:srgbClr val="000000"/>
-              </a:solidFill>
-              <a:latin typeface="Arial"/>
-            </a:endParaRPr>
-          </a:p>
-        </p:txBody>
-      </p:sp>
-      <p:sp>
-        <p:nvSpPr>
-          <p:cNvPr id="170" name="TextShape 3"/>
-          <p:cNvSpPr txBox="1"/>
+              </a:rPr>
+              <a:t>4</a:t>
+            </a:r>
+            <a:endParaRPr lang="pt-BR" sz="1800" b="0" strike="noStrike" spc="-1" dirty="0">
+              <a:latin typeface="Arial"/>
+            </a:endParaRPr>
+          </a:p>
+        </p:txBody>
+      </p:sp>
+      <p:pic>
+        <p:nvPicPr>
+          <p:cNvPr id="5" name="Imagem 4" descr="File:Cat silhouette.svg - Wikimedia Commons"/>
+          <p:cNvPicPr>
+            <a:picLocks noChangeAspect="1"/>
+          </p:cNvPicPr>
           <p:nvPr/>
-        </p:nvSpPr>
-        <p:spPr>
-          <a:xfrm>
-            <a:off x="8424360" y="4438440"/>
-            <a:ext cx="307080" cy="346320"/>
-          </a:xfrm>
-          <a:prstGeom prst="rect">
-            <a:avLst/>
-          </a:prstGeom>
-          <a:noFill/>
-          <a:ln>
-            <a:noFill/>
-          </a:ln>
-        </p:spPr>
-        <p:txBody>
-          <a:bodyPr lIns="90000" tIns="45000" rIns="90000" bIns="45000"/>
-          <a:lstStyle/>
-          <a:p>
-            <a:r>
-              <a:rPr lang="pt-BR" spc="-1" dirty="0">
-                <a:solidFill>
-                  <a:srgbClr val="000000"/>
-                </a:solidFill>
-                <a:latin typeface="Arial"/>
-              </a:rPr>
-              <a:t>5</a:t>
-            </a:r>
-            <a:endParaRPr lang="pt-BR" sz="1800" b="0" strike="noStrike" spc="-1" dirty="0">
-              <a:latin typeface="Arial"/>
-            </a:endParaRPr>
-          </a:p>
-        </p:txBody>
-      </p:sp>
+        </p:nvPicPr>
+        <p:blipFill>
+          <a:blip r:embed="rId2" cstate="print">
+            <a:extLst>
+              <a:ext uri="{28A0092B-C50C-407E-A947-70E740481C1C}">
+                <a14:useLocalDpi xmlns:a14="http://schemas.microsoft.com/office/drawing/2010/main" val="0"/>
+              </a:ext>
+            </a:extLst>
+          </a:blip>
+          <a:stretch>
+            <a:fillRect/>
+          </a:stretch>
+        </p:blipFill>
+        <p:spPr>
+          <a:xfrm>
+            <a:off x="7822734" y="4213260"/>
+            <a:ext cx="601266" cy="571500"/>
+          </a:xfrm>
+          <a:prstGeom prst="rect">
+            <a:avLst/>
+          </a:prstGeom>
+        </p:spPr>
+      </p:pic>
     </p:spTree>
   </p:cSld>
   <p:clrMapOvr>
@@ -11281,14 +10601,14 @@
       </p:grpSpPr>
       <p:sp>
         <p:nvSpPr>
-          <p:cNvPr id="171" name="TextShape 1"/>
+          <p:cNvPr id="168" name="TextShape 1"/>
           <p:cNvSpPr txBox="1"/>
           <p:nvPr/>
         </p:nvSpPr>
         <p:spPr>
           <a:xfrm>
-            <a:off x="846720" y="1872000"/>
-            <a:ext cx="7505280" cy="2447640"/>
+            <a:off x="792000" y="471568"/>
+            <a:ext cx="7505280" cy="954360"/>
           </a:xfrm>
           <a:prstGeom prst="rect">
             <a:avLst/>
@@ -11299,85 +10619,48 @@
           </a:ln>
         </p:spPr>
         <p:txBody>
-          <a:bodyPr tIns="91440" bIns="91440"/>
-          <a:lstStyle/>
-          <a:p>
-            <a:r>
-              <a:rPr lang="pt-BR" sz="2400" b="0" strike="noStrike" spc="-1">
-                <a:solidFill>
-                  <a:srgbClr val="233A44"/>
-                </a:solidFill>
-                <a:latin typeface="Calibri"/>
-                <a:ea typeface="Calibri"/>
-              </a:rPr>
-              <a:t>Joy é uma linguagem de programação puramente funcional de mais alto nivel, e com isso, tem como objetivo eliminar a abstração de Lambda e a Aplicação de Funções e então as substituir por cotação de programa e composição de funções.</a:t>
-            </a:r>
-            <a:endParaRPr lang="pt-BR" sz="2400" b="0" strike="noStrike" spc="-1">
-              <a:solidFill>
-                <a:srgbClr val="000000"/>
-              </a:solidFill>
-              <a:latin typeface="Arial"/>
-            </a:endParaRPr>
-          </a:p>
-        </p:txBody>
-      </p:sp>
-      <p:sp>
-        <p:nvSpPr>
-          <p:cNvPr id="172" name="TextShape 2"/>
-          <p:cNvSpPr txBox="1"/>
-          <p:nvPr/>
-        </p:nvSpPr>
-        <p:spPr>
-          <a:xfrm>
-            <a:off x="819000" y="845640"/>
-            <a:ext cx="7505280" cy="954360"/>
-          </a:xfrm>
-          <a:prstGeom prst="rect">
-            <a:avLst/>
-          </a:prstGeom>
-          <a:noFill/>
-          <a:ln>
-            <a:noFill/>
-          </a:ln>
-        </p:spPr>
-        <p:txBody>
-          <a:bodyPr tIns="91440" bIns="91440"/>
-          <a:lstStyle/>
-          <a:p>
-            <a:pPr>
-              <a:lnSpc>
-                <a:spcPct val="100000"/>
-              </a:lnSpc>
-            </a:pPr>
-            <a:r>
-              <a:rPr lang="pt-BR" sz="3000" b="1" strike="noStrike" spc="-1">
+          <a:bodyPr lIns="0" tIns="0" rIns="0" bIns="0" anchor="ctr"/>
+          <a:lstStyle/>
+          <a:p>
+            <a:r>
+              <a:rPr lang="pt-BR" sz="3000" b="1" strike="noStrike" spc="-1" dirty="0" smtClean="0">
                 <a:solidFill>
                   <a:srgbClr val="AF7B51"/>
                 </a:solidFill>
                 <a:latin typeface="Nunito"/>
                 <a:ea typeface="Nunito"/>
               </a:rPr>
-              <a:t>JOY</a:t>
-            </a:r>
-            <a:endParaRPr lang="pt-BR" sz="3000" b="0" strike="noStrike" spc="-1">
-              <a:solidFill>
-                <a:srgbClr val="000000"/>
-              </a:solidFill>
-              <a:latin typeface="Arial"/>
-            </a:endParaRPr>
-          </a:p>
-        </p:txBody>
-      </p:sp>
-      <p:sp>
-        <p:nvSpPr>
-          <p:cNvPr id="173" name="TextShape 3"/>
+              <a:t>Origem </a:t>
+            </a:r>
+            <a:r>
+              <a:rPr lang="pt-BR" sz="3000" b="1" strike="noStrike" spc="-1" dirty="0">
+                <a:solidFill>
+                  <a:srgbClr val="AF7B51"/>
+                </a:solidFill>
+                <a:latin typeface="Nunito"/>
+                <a:ea typeface="Nunito"/>
+              </a:rPr>
+              <a:t>da Linguagem JOY</a:t>
+            </a:r>
+            <a:endParaRPr lang="pt-BR" sz="3000" b="0" strike="noStrike" spc="-1" dirty="0">
+              <a:solidFill>
+                <a:srgbClr val="000000"/>
+              </a:solidFill>
+              <a:latin typeface="Arial"/>
+            </a:endParaRPr>
+          </a:p>
+        </p:txBody>
+      </p:sp>
+      <p:sp>
+        <p:nvSpPr>
+          <p:cNvPr id="169" name="TextShape 2"/>
           <p:cNvSpPr txBox="1"/>
           <p:nvPr/>
         </p:nvSpPr>
         <p:spPr>
           <a:xfrm>
-            <a:off x="8424360" y="4438440"/>
-            <a:ext cx="307080" cy="346320"/>
+            <a:off x="792000" y="1670890"/>
+            <a:ext cx="7505280" cy="2447640"/>
           </a:xfrm>
           <a:prstGeom prst="rect">
             <a:avLst/>
@@ -11388,14 +10671,252 @@
           </a:ln>
         </p:spPr>
         <p:txBody>
+          <a:bodyPr lIns="0" tIns="0" rIns="0" bIns="0">
+            <a:normAutofit/>
+          </a:bodyPr>
+          <a:lstStyle/>
+          <a:p>
+            <a:pPr algn="just"/>
+            <a:r>
+              <a:rPr lang="pt-BR" sz="2000" spc="-1" dirty="0">
+                <a:solidFill>
+                  <a:srgbClr val="000000"/>
+                </a:solidFill>
+                <a:latin typeface="Arial"/>
+                <a:ea typeface="Arial"/>
+              </a:rPr>
+              <a:t>Joy é uma linguagem de programação puramente funcional criada por Manfred von </a:t>
+            </a:r>
+            <a:r>
+              <a:rPr lang="pt-BR" sz="2000" spc="-1" dirty="0" err="1">
+                <a:solidFill>
+                  <a:srgbClr val="000000"/>
+                </a:solidFill>
+                <a:latin typeface="Arial"/>
+                <a:ea typeface="Arial"/>
+              </a:rPr>
+              <a:t>Thun</a:t>
+            </a:r>
+            <a:r>
+              <a:rPr lang="pt-BR" sz="2000" spc="-1" dirty="0">
+                <a:solidFill>
+                  <a:srgbClr val="000000"/>
+                </a:solidFill>
+                <a:latin typeface="Arial"/>
+                <a:ea typeface="Arial"/>
+              </a:rPr>
+              <a:t> </a:t>
+            </a:r>
+            <a:r>
+              <a:rPr lang="pt-BR" sz="2000" spc="-1" dirty="0" err="1">
+                <a:solidFill>
+                  <a:srgbClr val="000000"/>
+                </a:solidFill>
+                <a:latin typeface="Arial"/>
+                <a:ea typeface="Arial"/>
+              </a:rPr>
+              <a:t>of</a:t>
+            </a:r>
+            <a:r>
+              <a:rPr lang="pt-BR" sz="2000" spc="-1" dirty="0">
+                <a:solidFill>
+                  <a:srgbClr val="000000"/>
+                </a:solidFill>
+                <a:latin typeface="Arial"/>
+                <a:ea typeface="Arial"/>
+              </a:rPr>
+              <a:t>  La </a:t>
+            </a:r>
+            <a:r>
+              <a:rPr lang="pt-BR" sz="2000" spc="-1" dirty="0" err="1">
+                <a:solidFill>
+                  <a:srgbClr val="000000"/>
+                </a:solidFill>
+                <a:latin typeface="Arial"/>
+                <a:ea typeface="Arial"/>
+              </a:rPr>
+              <a:t>Trobe</a:t>
+            </a:r>
+            <a:r>
+              <a:rPr lang="pt-BR" sz="2000" spc="-1" dirty="0">
+                <a:solidFill>
+                  <a:srgbClr val="000000"/>
+                </a:solidFill>
+                <a:latin typeface="Arial"/>
+                <a:ea typeface="Arial"/>
+              </a:rPr>
+              <a:t>  em 2001 na Universidade de Melbourne, na Austrália</a:t>
+            </a:r>
+            <a:r>
+              <a:rPr lang="pt-BR" sz="2000" spc="-1" dirty="0">
+                <a:solidFill>
+                  <a:srgbClr val="000000"/>
+                </a:solidFill>
+                <a:latin typeface="Arial"/>
+                <a:ea typeface="Arial"/>
+              </a:rPr>
+              <a:t>. </a:t>
+            </a:r>
+            <a:r>
+              <a:rPr lang="pt-BR" sz="2000" b="0" strike="noStrike" spc="-1" dirty="0">
+                <a:solidFill>
+                  <a:srgbClr val="000000"/>
+                </a:solidFill>
+                <a:latin typeface="Arial"/>
+                <a:ea typeface="Arial"/>
+              </a:rPr>
+              <a:t>Joy é baseada na composição de funções assim como o Cálculo Lambda e apresenta muita similaridade com a linguagem </a:t>
+            </a:r>
+            <a:r>
+              <a:rPr lang="pt-BR" sz="2000" b="0" strike="noStrike" spc="-1" dirty="0" err="1">
+                <a:solidFill>
+                  <a:srgbClr val="000000"/>
+                </a:solidFill>
+                <a:latin typeface="Arial"/>
+                <a:ea typeface="Arial"/>
+              </a:rPr>
+              <a:t>Forth</a:t>
+            </a:r>
+            <a:r>
+              <a:rPr lang="pt-BR" sz="2000" b="0" strike="noStrike" spc="-1" dirty="0">
+                <a:solidFill>
+                  <a:srgbClr val="000000"/>
+                </a:solidFill>
+                <a:latin typeface="Arial"/>
+                <a:ea typeface="Arial"/>
+              </a:rPr>
+              <a:t>. Assim como </a:t>
+            </a:r>
+            <a:r>
+              <a:rPr lang="pt-BR" sz="2000" b="0" strike="noStrike" spc="-1" dirty="0" smtClean="0">
+                <a:solidFill>
+                  <a:srgbClr val="000000"/>
+                </a:solidFill>
+                <a:latin typeface="Arial"/>
+                <a:ea typeface="Arial"/>
+              </a:rPr>
+              <a:t>em </a:t>
+            </a:r>
+            <a:r>
+              <a:rPr lang="pt-BR" sz="2000" b="0" strike="noStrike" spc="-1" dirty="0" err="1" smtClean="0">
+                <a:solidFill>
+                  <a:srgbClr val="000000"/>
+                </a:solidFill>
+                <a:latin typeface="Arial"/>
+                <a:ea typeface="Arial"/>
+              </a:rPr>
+              <a:t>Factor</a:t>
+            </a:r>
+            <a:r>
+              <a:rPr lang="pt-BR" sz="2000" b="0" strike="noStrike" spc="-1" dirty="0">
+                <a:solidFill>
+                  <a:srgbClr val="000000"/>
+                </a:solidFill>
+                <a:latin typeface="Arial"/>
+                <a:ea typeface="Arial"/>
+              </a:rPr>
+              <a:t>, </a:t>
+            </a:r>
+            <a:r>
+              <a:rPr lang="pt-BR" sz="2000" spc="-1" dirty="0" smtClean="0">
+                <a:solidFill>
+                  <a:srgbClr val="000000"/>
+                </a:solidFill>
+                <a:latin typeface="Arial"/>
+                <a:ea typeface="Arial"/>
+              </a:rPr>
+              <a:t>a linguagem Joy também é</a:t>
+            </a:r>
+            <a:r>
+              <a:rPr lang="pt-BR" sz="2000" b="0" strike="noStrike" spc="-1" dirty="0" smtClean="0">
+                <a:solidFill>
+                  <a:srgbClr val="000000"/>
+                </a:solidFill>
+                <a:latin typeface="Arial"/>
+                <a:ea typeface="Arial"/>
+              </a:rPr>
+              <a:t> </a:t>
+            </a:r>
+            <a:r>
+              <a:rPr lang="pt-BR" sz="2000" b="0" strike="noStrike" spc="-1" dirty="0">
+                <a:solidFill>
+                  <a:srgbClr val="000000"/>
+                </a:solidFill>
+                <a:latin typeface="Arial"/>
+                <a:ea typeface="Arial"/>
+              </a:rPr>
+              <a:t>orientada a </a:t>
+            </a:r>
+            <a:r>
+              <a:rPr lang="pt-BR" sz="2000" b="0" strike="noStrike" spc="-1" dirty="0" smtClean="0">
+                <a:solidFill>
+                  <a:srgbClr val="000000"/>
+                </a:solidFill>
+                <a:latin typeface="Arial"/>
+                <a:ea typeface="Arial"/>
+              </a:rPr>
+              <a:t>pilha. Além disso também é </a:t>
+            </a:r>
+            <a:r>
+              <a:rPr lang="pt-BR" sz="2000" b="0" strike="noStrike" spc="-1" dirty="0">
+                <a:solidFill>
+                  <a:srgbClr val="000000"/>
+                </a:solidFill>
+                <a:latin typeface="Arial"/>
+                <a:ea typeface="Arial"/>
+              </a:rPr>
+              <a:t>dinâmica e fortemente tipada</a:t>
+            </a:r>
+            <a:r>
+              <a:rPr lang="pt-BR" sz="1200" b="0" strike="noStrike" spc="-1" dirty="0">
+                <a:solidFill>
+                  <a:srgbClr val="000000"/>
+                </a:solidFill>
+                <a:latin typeface="Arial"/>
+                <a:ea typeface="Arial"/>
+              </a:rPr>
+              <a:t>.</a:t>
+            </a:r>
+            <a:endParaRPr lang="pt-BR" sz="1200" b="0" strike="noStrike" spc="-1" dirty="0">
+              <a:solidFill>
+                <a:srgbClr val="000000"/>
+              </a:solidFill>
+              <a:latin typeface="Arial"/>
+            </a:endParaRPr>
+          </a:p>
+        </p:txBody>
+      </p:sp>
+      <p:sp>
+        <p:nvSpPr>
+          <p:cNvPr id="170" name="TextShape 3"/>
+          <p:cNvSpPr txBox="1"/>
+          <p:nvPr/>
+        </p:nvSpPr>
+        <p:spPr>
+          <a:xfrm>
+            <a:off x="8424360" y="4438440"/>
+            <a:ext cx="307080" cy="346320"/>
+          </a:xfrm>
+          <a:prstGeom prst="rect">
+            <a:avLst/>
+          </a:prstGeom>
+          <a:noFill/>
+          <a:ln>
+            <a:noFill/>
+          </a:ln>
+        </p:spPr>
+        <p:txBody>
           <a:bodyPr lIns="90000" tIns="45000" rIns="90000" bIns="45000"/>
           <a:lstStyle/>
           <a:p>
             <a:r>
-              <a:rPr lang="pt-BR" sz="1800" b="0" strike="noStrike" spc="-1" dirty="0" smtClean="0">
+              <a:rPr lang="pt-BR" spc="-1" dirty="0">
+                <a:solidFill>
+                  <a:srgbClr val="000000"/>
+                </a:solidFill>
                 <a:latin typeface="Arial"/>
               </a:rPr>
-              <a:t>6</a:t>
+              <a:t>5</a:t>
             </a:r>
             <a:endParaRPr lang="pt-BR" sz="1800" b="0" strike="noStrike" spc="-1" dirty="0">
               <a:latin typeface="Arial"/>
@@ -11403,6 +10924,36 @@
           </a:p>
         </p:txBody>
       </p:sp>
+      <p:pic>
+        <p:nvPicPr>
+          <p:cNvPr id="5" name="Imagem 4" descr="File:Cat silhouette.svg - Wikimedia Commons"/>
+          <p:cNvPicPr>
+            <a:picLocks noChangeAspect="1"/>
+          </p:cNvPicPr>
+          <p:nvPr/>
+        </p:nvPicPr>
+        <p:blipFill>
+          <a:blip r:embed="rId2" cstate="print">
+            <a:extLst>
+              <a:ext uri="{28A0092B-C50C-407E-A947-70E740481C1C}">
+                <a14:useLocalDpi xmlns:a14="http://schemas.microsoft.com/office/drawing/2010/main" val="0"/>
+              </a:ext>
+            </a:extLst>
+          </a:blip>
+          <a:stretch>
+            <a:fillRect/>
+          </a:stretch>
+        </p:blipFill>
+        <p:spPr>
+          <a:xfrm>
+            <a:off x="7822734" y="4213260"/>
+            <a:ext cx="601266" cy="571500"/>
+          </a:xfrm>
+          <a:prstGeom prst="rect">
+            <a:avLst/>
+          </a:prstGeom>
+        </p:spPr>
+      </p:pic>
     </p:spTree>
   </p:cSld>
   <p:clrMapOvr>
@@ -11465,13 +11016,13 @@
       </p:grpSpPr>
       <p:sp>
         <p:nvSpPr>
-          <p:cNvPr id="174" name="TextShape 1"/>
+          <p:cNvPr id="183" name="TextShape 1"/>
           <p:cNvSpPr txBox="1"/>
           <p:nvPr/>
         </p:nvSpPr>
         <p:spPr>
           <a:xfrm>
-            <a:off x="819000" y="845640"/>
+            <a:off x="792000" y="576699"/>
             <a:ext cx="7505280" cy="954360"/>
           </a:xfrm>
           <a:prstGeom prst="rect">
@@ -11499,17 +11050,7 @@
                 <a:latin typeface="Nunito"/>
                 <a:ea typeface="Nunito"/>
               </a:rPr>
-              <a:t>Origem </a:t>
-            </a:r>
-            <a:r>
-              <a:rPr lang="pt-BR" sz="3000" b="1" strike="noStrike" spc="-1" dirty="0">
-                <a:solidFill>
-                  <a:srgbClr val="AF7B51"/>
-                </a:solidFill>
-                <a:latin typeface="Nunito"/>
-                <a:ea typeface="Nunito"/>
-              </a:rPr>
-              <a:t>da Linguagem CAT</a:t>
+              <a:t>Fundamentos do JOY</a:t>
             </a:r>
             <a:endParaRPr lang="pt-BR" sz="3000" b="0" strike="noStrike" spc="-1" dirty="0">
               <a:solidFill>
@@ -11522,14 +11063,14 @@
       </p:sp>
       <p:sp>
         <p:nvSpPr>
-          <p:cNvPr id="175" name="TextShape 2"/>
+          <p:cNvPr id="184" name="TextShape 2"/>
           <p:cNvSpPr txBox="1"/>
           <p:nvPr/>
         </p:nvSpPr>
         <p:spPr>
           <a:xfrm>
-            <a:off x="864000" y="1944360"/>
-            <a:ext cx="7505280" cy="2447640"/>
+            <a:off x="558918" y="1297411"/>
+            <a:ext cx="7505280" cy="3743309"/>
           </a:xfrm>
           <a:prstGeom prst="rect">
             <a:avLst/>
@@ -11543,81 +11084,453 @@
           <a:bodyPr tIns="91440" bIns="91440"/>
           <a:lstStyle/>
           <a:p>
-            <a:r>
-              <a:rPr lang="pt-BR" sz="2000" b="0" strike="noStrike" spc="-1">
+            <a:pPr algn="just">
+              <a:lnSpc>
+                <a:spcPct val="115000"/>
+              </a:lnSpc>
+            </a:pPr>
+            <a:r>
+              <a:rPr lang="pt-BR" sz="1500" b="0" strike="noStrike" spc="-1" dirty="0" smtClean="0">
+                <a:ea typeface="Times New Roman"/>
+              </a:rPr>
+              <a:t>  </a:t>
+            </a:r>
+            <a:r>
+              <a:rPr lang="pt-BR" sz="1500" b="0" strike="noStrike" spc="-1" dirty="0" err="1" smtClean="0">
+                <a:ea typeface="Times New Roman"/>
+              </a:rPr>
+              <a:t>Joy</a:t>
+            </a:r>
+            <a:r>
+              <a:rPr lang="pt-BR" sz="1500" b="0" strike="noStrike" spc="-1" dirty="0" smtClean="0">
+                <a:ea typeface="Times New Roman"/>
+              </a:rPr>
+              <a:t> é uma linguagem puramente funcional, portanto não há estado e, consequentemente, nenhuma atribuição.</a:t>
+            </a:r>
+          </a:p>
+          <a:p>
+            <a:pPr algn="just">
+              <a:lnSpc>
+                <a:spcPct val="115000"/>
+              </a:lnSpc>
+            </a:pPr>
+            <a:endParaRPr lang="pt-BR" sz="1500" spc="-1" dirty="0">
+              <a:ea typeface="Times New Roman"/>
+            </a:endParaRPr>
+          </a:p>
+          <a:p>
+            <a:pPr algn="just">
+              <a:lnSpc>
+                <a:spcPct val="115000"/>
+              </a:lnSpc>
+            </a:pPr>
+            <a:r>
+              <a:rPr lang="pt-BR" sz="1500" spc="-1" dirty="0">
+                <a:ea typeface="Times New Roman"/>
+              </a:rPr>
+              <a:t> </a:t>
+            </a:r>
+            <a:r>
+              <a:rPr lang="pt-BR" sz="1500" spc="-1" dirty="0" smtClean="0">
+                <a:ea typeface="Times New Roman"/>
+              </a:rPr>
+              <a:t> </a:t>
+            </a:r>
+            <a:r>
+              <a:rPr lang="pt-BR" sz="1500" b="0" strike="noStrike" spc="-1" dirty="0" smtClean="0">
+                <a:ea typeface="Times New Roman"/>
+              </a:rPr>
+              <a:t>Programas de </a:t>
+            </a:r>
+            <a:r>
+              <a:rPr lang="pt-BR" sz="1500" b="0" strike="noStrike" spc="-1" dirty="0" err="1" smtClean="0">
+                <a:ea typeface="Times New Roman"/>
+              </a:rPr>
+              <a:t>Joy</a:t>
+            </a:r>
+            <a:r>
+              <a:rPr lang="pt-BR" sz="1500" b="0" strike="noStrike" spc="-1" dirty="0" smtClean="0">
+                <a:ea typeface="Times New Roman"/>
+              </a:rPr>
+              <a:t> denotam funções unárias de pilhas para pilhas.</a:t>
+            </a:r>
+          </a:p>
+          <a:p>
+            <a:pPr algn="just">
+              <a:lnSpc>
+                <a:spcPct val="115000"/>
+              </a:lnSpc>
+            </a:pPr>
+            <a:endParaRPr lang="pt-BR" sz="1500" b="0" strike="noStrike" spc="-1" dirty="0" smtClean="0">
+              <a:ea typeface="Times New Roman"/>
+            </a:endParaRPr>
+          </a:p>
+          <a:p>
+            <a:pPr algn="just">
+              <a:lnSpc>
+                <a:spcPct val="115000"/>
+              </a:lnSpc>
+            </a:pPr>
+            <a:r>
+              <a:rPr lang="pt-BR" sz="1500" spc="-1" dirty="0">
+                <a:ea typeface="Times New Roman"/>
+              </a:rPr>
+              <a:t> </a:t>
+            </a:r>
+            <a:r>
+              <a:rPr lang="pt-BR" sz="1500" b="0" strike="noStrike" spc="-1" dirty="0" smtClean="0">
+                <a:ea typeface="Times New Roman"/>
+              </a:rPr>
+              <a:t> </a:t>
+            </a:r>
+            <a:r>
+              <a:rPr lang="pt-BR" sz="1500" b="0" strike="noStrike" spc="-1" dirty="0" err="1" smtClean="0">
+                <a:ea typeface="Times New Roman"/>
+              </a:rPr>
+              <a:t>Joy</a:t>
+            </a:r>
+            <a:r>
+              <a:rPr lang="pt-BR" sz="1500" b="0" strike="noStrike" spc="-1" dirty="0" smtClean="0">
+                <a:ea typeface="Times New Roman"/>
+              </a:rPr>
+              <a:t> usa a notação concatenada, portanto a concatenação de programas denota a composição das funções que os programas denotam.</a:t>
+            </a:r>
+          </a:p>
+          <a:p>
+            <a:pPr algn="just">
+              <a:lnSpc>
+                <a:spcPct val="115000"/>
+              </a:lnSpc>
+            </a:pPr>
+            <a:endParaRPr lang="pt-BR" sz="1500" b="0" strike="noStrike" spc="-1" dirty="0" smtClean="0">
+              <a:ea typeface="Times New Roman"/>
+            </a:endParaRPr>
+          </a:p>
+          <a:p>
+            <a:pPr algn="just">
+              <a:lnSpc>
+                <a:spcPct val="115000"/>
+              </a:lnSpc>
+            </a:pPr>
+            <a:r>
+              <a:rPr lang="pt-BR" sz="1500" spc="-1" dirty="0">
+                <a:ea typeface="Times New Roman"/>
+              </a:rPr>
+              <a:t> </a:t>
+            </a:r>
+            <a:r>
+              <a:rPr lang="pt-BR" sz="1500" b="0" strike="noStrike" spc="-1" dirty="0" smtClean="0">
+                <a:ea typeface="Times New Roman"/>
+              </a:rPr>
+              <a:t> As definições não usam parâmetros formais, portanto não há ambiente de associações.</a:t>
+            </a:r>
+          </a:p>
+          <a:p>
+            <a:pPr algn="just">
+              <a:lnSpc>
+                <a:spcPct val="115000"/>
+              </a:lnSpc>
+            </a:pPr>
+            <a:endParaRPr lang="pt-BR" sz="1500" b="0" strike="noStrike" spc="-1" dirty="0" smtClean="0">
+              <a:ea typeface="Times New Roman"/>
+            </a:endParaRPr>
+          </a:p>
+          <a:p>
+            <a:pPr algn="just">
+              <a:lnSpc>
+                <a:spcPct val="115000"/>
+              </a:lnSpc>
+            </a:pPr>
+            <a:r>
+              <a:rPr lang="pt-BR" sz="1500" spc="-1" dirty="0">
+                <a:ea typeface="Times New Roman"/>
+              </a:rPr>
+              <a:t> </a:t>
+            </a:r>
+            <a:r>
+              <a:rPr lang="pt-BR" sz="1500" b="0" strike="noStrike" spc="-1" dirty="0" smtClean="0">
+                <a:ea typeface="Times New Roman"/>
+              </a:rPr>
+              <a:t> Combinadores fazem o trabalho de funções de ordem superior, eles tomam programas citados como parâmetros.</a:t>
+            </a:r>
+            <a:endParaRPr lang="pt-BR" sz="1500" b="0" strike="noStrike" spc="-1" dirty="0"/>
+          </a:p>
+        </p:txBody>
+      </p:sp>
+      <p:sp>
+        <p:nvSpPr>
+          <p:cNvPr id="185" name="TextShape 3"/>
+          <p:cNvSpPr txBox="1"/>
+          <p:nvPr/>
+        </p:nvSpPr>
+        <p:spPr>
+          <a:xfrm>
+            <a:off x="8424360" y="4438440"/>
+            <a:ext cx="503640" cy="602280"/>
+          </a:xfrm>
+          <a:prstGeom prst="rect">
+            <a:avLst/>
+          </a:prstGeom>
+          <a:noFill/>
+          <a:ln>
+            <a:noFill/>
+          </a:ln>
+        </p:spPr>
+        <p:txBody>
+          <a:bodyPr lIns="90000" tIns="45000" rIns="90000" bIns="45000"/>
+          <a:lstStyle/>
+          <a:p>
+            <a:r>
+              <a:rPr lang="pt-BR" spc="-1" dirty="0">
                 <a:solidFill>
                   <a:srgbClr val="000000"/>
                 </a:solidFill>
                 <a:latin typeface="Arial"/>
-                <a:ea typeface="Calibri"/>
-              </a:rPr>
-              <a:t>Cat é uma linguagem de programação funcional, orientada a pilha, </a:t>
-            </a:r>
-            <a:r>
-              <a:rPr lang="pt-BR" sz="2000" b="0" strike="noStrike" spc="-1">
-                <a:solidFill>
-                  <a:srgbClr val="1B1B21"/>
-                </a:solidFill>
-                <a:latin typeface="Arial"/>
-                <a:ea typeface="Calibri"/>
-              </a:rPr>
-              <a:t>foi criada em 2006 por Chrispher Diggins, tendo como </a:t>
-            </a:r>
-            <a:r>
-              <a:rPr lang="pt-BR" sz="2000" b="0" strike="noStrike" spc="-1">
-                <a:solidFill>
-                  <a:srgbClr val="000000"/>
-                </a:solidFill>
-                <a:latin typeface="Arial"/>
-                <a:ea typeface="Calibri"/>
-              </a:rPr>
-              <a:t>inspiração a Linguagem Joy. A especificação da linguagem está sob domínio publico, mas sua implementação oficial primária está sob a licença MIT, e foi escrita em C#.</a:t>
-            </a:r>
-            <a:endParaRPr lang="pt-BR" sz="2000" b="0" strike="noStrike" spc="-1">
-              <a:solidFill>
-                <a:srgbClr val="000000"/>
-              </a:solidFill>
-              <a:latin typeface="Arial"/>
-            </a:endParaRPr>
-          </a:p>
-        </p:txBody>
-      </p:sp>
-      <p:sp>
-        <p:nvSpPr>
-          <p:cNvPr id="176" name="TextShape 3"/>
-          <p:cNvSpPr txBox="1"/>
+              </a:rPr>
+              <a:t>6</a:t>
+            </a:r>
+            <a:endParaRPr lang="pt-BR" sz="1800" b="0" strike="noStrike" spc="-1" dirty="0">
+              <a:latin typeface="Arial"/>
+            </a:endParaRPr>
+          </a:p>
+        </p:txBody>
+      </p:sp>
+      <p:sp>
+        <p:nvSpPr>
+          <p:cNvPr id="2" name="Elipse 1"/>
+          <p:cNvSpPr/>
           <p:nvPr/>
         </p:nvSpPr>
         <p:spPr>
           <a:xfrm>
-            <a:off x="8424360" y="4438440"/>
-            <a:ext cx="307080" cy="346320"/>
-          </a:xfrm>
-          <a:prstGeom prst="rect">
-            <a:avLst/>
-          </a:prstGeom>
-          <a:noFill/>
-          <a:ln>
-            <a:noFill/>
-          </a:ln>
-        </p:spPr>
-        <p:txBody>
-          <a:bodyPr lIns="90000" tIns="45000" rIns="90000" bIns="45000"/>
-          <a:lstStyle/>
-          <a:p>
-            <a:r>
-              <a:rPr lang="pt-BR" spc="-1" dirty="0">
-                <a:latin typeface="Arial"/>
-              </a:rPr>
-              <a:t>7</a:t>
-            </a:r>
-            <a:endParaRPr lang="pt-BR" sz="1800" b="0" strike="noStrike" spc="-1" dirty="0">
-              <a:latin typeface="Arial"/>
-            </a:endParaRPr>
-          </a:p>
-        </p:txBody>
-      </p:sp>
+            <a:off x="558918" y="1480800"/>
+            <a:ext cx="116541" cy="100517"/>
+          </a:xfrm>
+          <a:prstGeom prst="ellipse">
+            <a:avLst/>
+          </a:prstGeom>
+        </p:spPr>
+        <p:style>
+          <a:lnRef idx="2">
+            <a:schemeClr val="accent1">
+              <a:shade val="50000"/>
+            </a:schemeClr>
+          </a:lnRef>
+          <a:fillRef idx="1">
+            <a:schemeClr val="accent1"/>
+          </a:fillRef>
+          <a:effectRef idx="0">
+            <a:schemeClr val="accent1"/>
+          </a:effectRef>
+          <a:fontRef idx="minor">
+            <a:schemeClr val="lt1"/>
+          </a:fontRef>
+        </p:style>
+        <p:txBody>
+          <a:bodyPr rtlCol="0" anchor="ctr"/>
+          <a:lstStyle/>
+          <a:p>
+            <a:pPr algn="ctr"/>
+            <a:endParaRPr lang="pt-BR"/>
+          </a:p>
+        </p:txBody>
+      </p:sp>
+      <p:sp>
+        <p:nvSpPr>
+          <p:cNvPr id="6" name="Elipse 5"/>
+          <p:cNvSpPr/>
+          <p:nvPr/>
+        </p:nvSpPr>
+        <p:spPr>
+          <a:xfrm>
+            <a:off x="558918" y="2251770"/>
+            <a:ext cx="116541" cy="100517"/>
+          </a:xfrm>
+          <a:prstGeom prst="ellipse">
+            <a:avLst/>
+          </a:prstGeom>
+        </p:spPr>
+        <p:style>
+          <a:lnRef idx="2">
+            <a:schemeClr val="accent1">
+              <a:shade val="50000"/>
+            </a:schemeClr>
+          </a:lnRef>
+          <a:fillRef idx="1">
+            <a:schemeClr val="accent1"/>
+          </a:fillRef>
+          <a:effectRef idx="0">
+            <a:schemeClr val="accent1"/>
+          </a:effectRef>
+          <a:fontRef idx="minor">
+            <a:schemeClr val="lt1"/>
+          </a:fontRef>
+        </p:style>
+        <p:txBody>
+          <a:bodyPr rtlCol="0" anchor="ctr"/>
+          <a:lstStyle/>
+          <a:p>
+            <a:pPr algn="ctr"/>
+            <a:endParaRPr lang="pt-BR"/>
+          </a:p>
+        </p:txBody>
+      </p:sp>
+      <p:sp>
+        <p:nvSpPr>
+          <p:cNvPr id="7" name="Elipse 6"/>
+          <p:cNvSpPr/>
+          <p:nvPr/>
+        </p:nvSpPr>
+        <p:spPr>
+          <a:xfrm>
+            <a:off x="558918" y="2805671"/>
+            <a:ext cx="116541" cy="100517"/>
+          </a:xfrm>
+          <a:prstGeom prst="ellipse">
+            <a:avLst/>
+          </a:prstGeom>
+        </p:spPr>
+        <p:style>
+          <a:lnRef idx="2">
+            <a:schemeClr val="accent1">
+              <a:shade val="50000"/>
+            </a:schemeClr>
+          </a:lnRef>
+          <a:fillRef idx="1">
+            <a:schemeClr val="accent1"/>
+          </a:fillRef>
+          <a:effectRef idx="0">
+            <a:schemeClr val="accent1"/>
+          </a:effectRef>
+          <a:fontRef idx="minor">
+            <a:schemeClr val="lt1"/>
+          </a:fontRef>
+        </p:style>
+        <p:txBody>
+          <a:bodyPr rtlCol="0" anchor="ctr"/>
+          <a:lstStyle/>
+          <a:p>
+            <a:pPr algn="ctr"/>
+            <a:endParaRPr lang="pt-BR"/>
+          </a:p>
+        </p:txBody>
+      </p:sp>
+      <p:sp>
+        <p:nvSpPr>
+          <p:cNvPr id="8" name="Elipse 7"/>
+          <p:cNvSpPr/>
+          <p:nvPr/>
+        </p:nvSpPr>
+        <p:spPr>
+          <a:xfrm>
+            <a:off x="558917" y="3576641"/>
+            <a:ext cx="116541" cy="100517"/>
+          </a:xfrm>
+          <a:prstGeom prst="ellipse">
+            <a:avLst/>
+          </a:prstGeom>
+        </p:spPr>
+        <p:style>
+          <a:lnRef idx="2">
+            <a:schemeClr val="accent1">
+              <a:shade val="50000"/>
+            </a:schemeClr>
+          </a:lnRef>
+          <a:fillRef idx="1">
+            <a:schemeClr val="accent1"/>
+          </a:fillRef>
+          <a:effectRef idx="0">
+            <a:schemeClr val="accent1"/>
+          </a:effectRef>
+          <a:fontRef idx="minor">
+            <a:schemeClr val="lt1"/>
+          </a:fontRef>
+        </p:style>
+        <p:txBody>
+          <a:bodyPr rtlCol="0" anchor="ctr"/>
+          <a:lstStyle/>
+          <a:p>
+            <a:pPr algn="ctr"/>
+            <a:endParaRPr lang="pt-BR"/>
+          </a:p>
+        </p:txBody>
+      </p:sp>
+      <p:sp>
+        <p:nvSpPr>
+          <p:cNvPr id="9" name="Elipse 8"/>
+          <p:cNvSpPr/>
+          <p:nvPr/>
+        </p:nvSpPr>
+        <p:spPr>
+          <a:xfrm>
+            <a:off x="594214" y="4356259"/>
+            <a:ext cx="116541" cy="100517"/>
+          </a:xfrm>
+          <a:prstGeom prst="ellipse">
+            <a:avLst/>
+          </a:prstGeom>
+        </p:spPr>
+        <p:style>
+          <a:lnRef idx="2">
+            <a:schemeClr val="accent1">
+              <a:shade val="50000"/>
+            </a:schemeClr>
+          </a:lnRef>
+          <a:fillRef idx="1">
+            <a:schemeClr val="accent1"/>
+          </a:fillRef>
+          <a:effectRef idx="0">
+            <a:schemeClr val="accent1"/>
+          </a:effectRef>
+          <a:fontRef idx="minor">
+            <a:schemeClr val="lt1"/>
+          </a:fontRef>
+        </p:style>
+        <p:txBody>
+          <a:bodyPr rtlCol="0" anchor="ctr"/>
+          <a:lstStyle/>
+          <a:p>
+            <a:pPr algn="ctr"/>
+            <a:endParaRPr lang="pt-BR"/>
+          </a:p>
+        </p:txBody>
+      </p:sp>
+      <p:pic>
+        <p:nvPicPr>
+          <p:cNvPr id="10" name="Imagem 9" descr="File:Cat silhouette.svg - Wikimedia Commons"/>
+          <p:cNvPicPr>
+            <a:picLocks noChangeAspect="1"/>
+          </p:cNvPicPr>
+          <p:nvPr/>
+        </p:nvPicPr>
+        <p:blipFill>
+          <a:blip r:embed="rId2" cstate="print">
+            <a:extLst>
+              <a:ext uri="{28A0092B-C50C-407E-A947-70E740481C1C}">
+                <a14:useLocalDpi xmlns:a14="http://schemas.microsoft.com/office/drawing/2010/main" val="0"/>
+              </a:ext>
+            </a:extLst>
+          </a:blip>
+          <a:stretch>
+            <a:fillRect/>
+          </a:stretch>
+        </p:blipFill>
+        <p:spPr>
+          <a:xfrm>
+            <a:off x="7822734" y="4213260"/>
+            <a:ext cx="601266" cy="571500"/>
+          </a:xfrm>
+          <a:prstGeom prst="rect">
+            <a:avLst/>
+          </a:prstGeom>
+        </p:spPr>
+      </p:pic>
     </p:spTree>
+    <p:extLst>
+      <p:ext uri="{BB962C8B-B14F-4D97-AF65-F5344CB8AC3E}">
+        <p14:creationId xmlns:p14="http://schemas.microsoft.com/office/powerpoint/2010/main" val="432649671"/>
+      </p:ext>
+    </p:extLst>
   </p:cSld>
   <p:clrMapOvr>
     <a:masterClrMapping/>
@@ -11747,8 +11660,9 @@
           <a:bodyPr tIns="91440" bIns="91440"/>
           <a:lstStyle/>
           <a:p>
-            <a:r>
-              <a:rPr lang="pt-BR" sz="2000" b="0" strike="noStrike" spc="-1">
+            <a:pPr algn="just"/>
+            <a:r>
+              <a:rPr lang="pt-BR" sz="2000" b="0" strike="noStrike" spc="-1" dirty="0">
                 <a:solidFill>
                   <a:srgbClr val="1B1B21"/>
                 </a:solidFill>
@@ -11757,16 +11671,17 @@
               </a:rPr>
               <a:t>A Linguagem CAT foi criada para cumprir as mesmas tarefas que Joy, com o diferencial de ser mais restrita e tipada estaticamente, enquanto a outra linguagem depende muito da verificação dinâmica. </a:t>
             </a:r>
-            <a:endParaRPr lang="pt-BR" sz="2000" b="0" strike="noStrike" spc="-1">
-              <a:solidFill>
-                <a:srgbClr val="000000"/>
-              </a:solidFill>
-              <a:latin typeface="Arial"/>
-            </a:endParaRPr>
-          </a:p>
-          <a:p>
-            <a:r>
-              <a:rPr lang="pt-BR" sz="2000" b="0" strike="noStrike" spc="-1">
+            <a:endParaRPr lang="pt-BR" sz="2000" b="0" strike="noStrike" spc="-1" dirty="0">
+              <a:solidFill>
+                <a:srgbClr val="000000"/>
+              </a:solidFill>
+              <a:latin typeface="Arial"/>
+            </a:endParaRPr>
+          </a:p>
+          <a:p>
+            <a:pPr algn="just"/>
+            <a:r>
+              <a:rPr lang="pt-BR" sz="2000" b="0" strike="noStrike" spc="-1" dirty="0">
                 <a:solidFill>
                   <a:srgbClr val="1B1B21"/>
                 </a:solidFill>
@@ -11776,7 +11691,7 @@
               <a:t>Por consequência, é menos flexível que a linguagem Joy</a:t>
             </a:r>
             <a:r>
-              <a:rPr lang="pt-BR" sz="1200" b="0" i="1" strike="noStrike" spc="-1">
+              <a:rPr lang="pt-BR" sz="1200" b="0" i="1" strike="noStrike" spc="-1" dirty="0">
                 <a:solidFill>
                   <a:srgbClr val="1B1B21"/>
                 </a:solidFill>
@@ -11786,16 +11701,36 @@
               <a:t>, </a:t>
             </a:r>
             <a:r>
-              <a:rPr lang="pt-BR" sz="2000" b="0" strike="noStrike" spc="-1">
+              <a:rPr lang="pt-BR" sz="2000" b="0" strike="noStrike" spc="-1" dirty="0">
                 <a:solidFill>
                   <a:srgbClr val="1B1B21"/>
                 </a:solidFill>
                 <a:latin typeface="Arial"/>
                 <a:ea typeface="Calibri"/>
               </a:rPr>
-              <a:t>mas é mais que segura.</a:t>
-            </a:r>
-            <a:endParaRPr lang="pt-BR" sz="2000" b="0" strike="noStrike" spc="-1">
+              <a:t>mas é </a:t>
+            </a:r>
+            <a:r>
+              <a:rPr lang="pt-BR" sz="2000" b="0" strike="noStrike" spc="-1" dirty="0" smtClean="0">
+                <a:solidFill>
+                  <a:srgbClr val="1B1B21"/>
+                </a:solidFill>
+                <a:latin typeface="Arial"/>
+                <a:ea typeface="Calibri"/>
+              </a:rPr>
+              <a:t>mais </a:t>
+            </a:r>
+            <a:r>
+              <a:rPr lang="pt-BR" sz="2000" b="0" strike="noStrike" spc="-1" dirty="0">
+                <a:solidFill>
+                  <a:srgbClr val="1B1B21"/>
+                </a:solidFill>
+                <a:latin typeface="Arial"/>
+                <a:ea typeface="Calibri"/>
+              </a:rPr>
+              <a:t>segura.</a:t>
+            </a:r>
+            <a:endParaRPr lang="pt-BR" sz="2000" b="0" strike="noStrike" spc="-1" dirty="0">
               <a:solidFill>
                 <a:srgbClr val="000000"/>
               </a:solidFill>
@@ -11828,13 +11763,10 @@
           <a:lstStyle/>
           <a:p>
             <a:r>
-              <a:rPr lang="pt-BR" spc="-1" dirty="0">
-                <a:solidFill>
-                  <a:srgbClr val="000000"/>
-                </a:solidFill>
+              <a:rPr lang="pt-BR" sz="1800" b="0" strike="noStrike" spc="-1" dirty="0" smtClean="0">
                 <a:latin typeface="Arial"/>
               </a:rPr>
-              <a:t>8</a:t>
+              <a:t>7</a:t>
             </a:r>
             <a:endParaRPr lang="pt-BR" sz="1800" b="0" strike="noStrike" spc="-1" dirty="0">
               <a:latin typeface="Arial"/>
@@ -11842,6 +11774,36 @@
           </a:p>
         </p:txBody>
       </p:sp>
+      <p:pic>
+        <p:nvPicPr>
+          <p:cNvPr id="5" name="Imagem 4" descr="File:Cat silhouette.svg - Wikimedia Commons"/>
+          <p:cNvPicPr>
+            <a:picLocks noChangeAspect="1"/>
+          </p:cNvPicPr>
+          <p:nvPr/>
+        </p:nvPicPr>
+        <p:blipFill>
+          <a:blip r:embed="rId2" cstate="print">
+            <a:extLst>
+              <a:ext uri="{28A0092B-C50C-407E-A947-70E740481C1C}">
+                <a14:useLocalDpi xmlns:a14="http://schemas.microsoft.com/office/drawing/2010/main" val="0"/>
+              </a:ext>
+            </a:extLst>
+          </a:blip>
+          <a:stretch>
+            <a:fillRect/>
+          </a:stretch>
+        </p:blipFill>
+        <p:spPr>
+          <a:xfrm>
+            <a:off x="7822734" y="4213260"/>
+            <a:ext cx="601266" cy="571500"/>
+          </a:xfrm>
+          <a:prstGeom prst="rect">
+            <a:avLst/>
+          </a:prstGeom>
+        </p:spPr>
+      </p:pic>
     </p:spTree>
   </p:cSld>
   <p:clrMapOvr>
@@ -11904,7 +11866,7 @@
       </p:grpSpPr>
       <p:sp>
         <p:nvSpPr>
-          <p:cNvPr id="180" name="TextShape 1"/>
+          <p:cNvPr id="174" name="TextShape 1"/>
           <p:cNvSpPr txBox="1"/>
           <p:nvPr/>
         </p:nvSpPr>
@@ -11930,6 +11892,16 @@
                 <a:spcPct val="100000"/>
               </a:lnSpc>
             </a:pPr>
+            <a:r>
+              <a:rPr lang="pt-BR" sz="3000" b="1" strike="noStrike" spc="-1" dirty="0" smtClean="0">
+                <a:solidFill>
+                  <a:srgbClr val="AF7B51"/>
+                </a:solidFill>
+                <a:latin typeface="Nunito"/>
+                <a:ea typeface="Nunito"/>
+              </a:rPr>
+              <a:t>Origem </a:t>
+            </a:r>
             <a:r>
               <a:rPr lang="pt-BR" sz="3000" b="1" strike="noStrike" spc="-1" dirty="0">
                 <a:solidFill>
@@ -11938,17 +11910,7 @@
                 <a:latin typeface="Nunito"/>
                 <a:ea typeface="Nunito"/>
               </a:rPr>
-              <a:t>Exemplo das Linguagens </a:t>
-            </a:r>
-            <a:r>
-              <a:rPr lang="pt-BR" sz="3000" b="1" strike="noStrike" spc="-1" dirty="0" smtClean="0">
-                <a:solidFill>
-                  <a:srgbClr val="AF7B51"/>
-                </a:solidFill>
-                <a:latin typeface="Nunito"/>
-                <a:ea typeface="Nunito"/>
-              </a:rPr>
-              <a:t>Cat &amp; Joy</a:t>
+              <a:t>da Linguagem CAT</a:t>
             </a:r>
             <a:endParaRPr lang="pt-BR" sz="3000" b="0" strike="noStrike" spc="-1" dirty="0">
               <a:solidFill>
@@ -11961,14 +11923,14 @@
       </p:sp>
       <p:sp>
         <p:nvSpPr>
-          <p:cNvPr id="181" name="TextShape 2"/>
+          <p:cNvPr id="175" name="TextShape 2"/>
           <p:cNvSpPr txBox="1"/>
           <p:nvPr/>
         </p:nvSpPr>
         <p:spPr>
           <a:xfrm>
-            <a:off x="720000" y="1656000"/>
-            <a:ext cx="7505280" cy="2892240"/>
+            <a:off x="864000" y="1944360"/>
+            <a:ext cx="7505280" cy="2447640"/>
           </a:xfrm>
           <a:prstGeom prst="rect">
             <a:avLst/>
@@ -11982,208 +11944,119 @@
           <a:bodyPr tIns="91440" bIns="91440"/>
           <a:lstStyle/>
           <a:p>
-            <a:pPr>
-              <a:lnSpc>
-                <a:spcPct val="115000"/>
-              </a:lnSpc>
-            </a:pPr>
-            <a:r>
-              <a:rPr lang="pt-BR" sz="1100" b="0" strike="noStrike" spc="-1" dirty="0">
+            <a:pPr algn="just"/>
+            <a:r>
+              <a:rPr lang="pt-BR" sz="2000" b="0" strike="noStrike" spc="-1" dirty="0">
                 <a:solidFill>
                   <a:srgbClr val="000000"/>
                 </a:solidFill>
                 <a:latin typeface="Arial"/>
-                <a:ea typeface="Arial"/>
-              </a:rPr>
-              <a:t>	 	</a:t>
-            </a:r>
-            <a:r>
-              <a:rPr lang="pt-BR" sz="1100" b="1" i="1" strike="noStrike" spc="-1" dirty="0">
+                <a:ea typeface="Calibri"/>
+              </a:rPr>
+              <a:t>Cat é uma linguagem de programação funcional, orientada a </a:t>
+            </a:r>
+            <a:r>
+              <a:rPr lang="pt-BR" sz="2000" b="0" strike="noStrike" spc="-1" dirty="0" smtClean="0">
                 <a:solidFill>
                   <a:srgbClr val="000000"/>
                 </a:solidFill>
                 <a:latin typeface="Arial"/>
-                <a:ea typeface="Arial"/>
-              </a:rPr>
-              <a:t> </a:t>
-            </a:r>
-            <a:r>
-              <a:rPr lang="pt-BR" sz="1800" b="1" i="1" strike="noStrike" spc="-1" dirty="0">
+                <a:ea typeface="Calibri"/>
+              </a:rPr>
+              <a:t>pilha. </a:t>
+            </a:r>
+            <a:r>
+              <a:rPr lang="pt-BR" sz="2000" spc="-1" dirty="0">
                 <a:solidFill>
                   <a:srgbClr val="1B1B21"/>
                 </a:solidFill>
-                <a:latin typeface="Times New Roman"/>
-                <a:ea typeface="Times New Roman"/>
-              </a:rPr>
-              <a:t>&gt;&gt; </a:t>
-            </a:r>
-            <a:r>
-              <a:rPr lang="pt-BR" sz="1800" b="1" i="1" strike="noStrike" spc="-1" dirty="0" smtClean="0">
+                <a:latin typeface="Arial"/>
+                <a:ea typeface="Calibri"/>
+              </a:rPr>
+              <a:t>F</a:t>
+            </a:r>
+            <a:r>
+              <a:rPr lang="pt-BR" sz="2000" b="0" strike="noStrike" spc="-1" dirty="0" smtClean="0">
                 <a:solidFill>
                   <a:srgbClr val="1B1B21"/>
                 </a:solidFill>
-                <a:latin typeface="Times New Roman"/>
-                <a:ea typeface="Times New Roman"/>
-              </a:rPr>
-              <a:t>  </a:t>
-            </a:r>
-            <a:r>
-              <a:rPr lang="pt-BR" sz="1800" b="1" i="1" strike="noStrike" spc="-1" dirty="0" smtClean="0">
-                <a:solidFill>
-                  <a:srgbClr val="FF0000"/>
-                </a:solidFill>
-                <a:latin typeface="Times New Roman"/>
-                <a:ea typeface="Times New Roman"/>
-              </a:rPr>
-              <a:t>33  3  *</a:t>
-            </a:r>
-            <a:endParaRPr lang="pt-BR" sz="1800" b="0" strike="noStrike" spc="-1" dirty="0">
-              <a:solidFill>
-                <a:srgbClr val="FF0000"/>
-              </a:solidFill>
-              <a:latin typeface="Arial"/>
-            </a:endParaRPr>
-          </a:p>
-          <a:p>
-            <a:pPr>
-              <a:lnSpc>
-                <a:spcPct val="100000"/>
-              </a:lnSpc>
-            </a:pPr>
-            <a:r>
-              <a:rPr lang="pt-BR" sz="1800" b="1" i="1" strike="noStrike" spc="-1" dirty="0">
+                <a:latin typeface="Arial"/>
+                <a:ea typeface="Calibri"/>
+              </a:rPr>
+              <a:t>oi </a:t>
+            </a:r>
+            <a:r>
+              <a:rPr lang="pt-BR" sz="2000" b="0" strike="noStrike" spc="-1" dirty="0">
                 <a:solidFill>
                   <a:srgbClr val="1B1B21"/>
                 </a:solidFill>
-                <a:latin typeface="Times New Roman"/>
-                <a:ea typeface="Times New Roman"/>
-              </a:rPr>
-              <a:t>		</a:t>
-            </a:r>
-            <a:r>
-              <a:rPr lang="pt-BR" sz="1800" b="1" i="1" strike="noStrike" spc="-1" dirty="0" err="1">
+                <a:latin typeface="Arial"/>
+                <a:ea typeface="Calibri"/>
+              </a:rPr>
+              <a:t>criada em 2006 por </a:t>
+            </a:r>
+            <a:r>
+              <a:rPr lang="pt-BR" sz="2000" b="0" strike="noStrike" spc="-1" dirty="0" err="1">
                 <a:solidFill>
                   <a:srgbClr val="1B1B21"/>
                 </a:solidFill>
-                <a:latin typeface="Times New Roman"/>
-                <a:ea typeface="Times New Roman"/>
-              </a:rPr>
-              <a:t>main</a:t>
-            </a:r>
-            <a:r>
-              <a:rPr lang="pt-BR" sz="1800" b="1" i="1" strike="noStrike" spc="-1" dirty="0">
+                <a:latin typeface="Arial"/>
+                <a:ea typeface="Calibri"/>
+              </a:rPr>
+              <a:t>Chrispher</a:t>
+            </a:r>
+            <a:r>
+              <a:rPr lang="pt-BR" sz="2000" b="0" strike="noStrike" spc="-1" dirty="0">
                 <a:solidFill>
                   <a:srgbClr val="1B1B21"/>
                 </a:solidFill>
-                <a:latin typeface="Times New Roman"/>
-                <a:ea typeface="Times New Roman"/>
+                <a:latin typeface="Arial"/>
+                <a:ea typeface="Calibri"/>
               </a:rPr>
               <a:t> </a:t>
             </a:r>
             <a:r>
-              <a:rPr lang="pt-BR" sz="1800" b="1" i="1" strike="noStrike" spc="-1" dirty="0" err="1">
+              <a:rPr lang="pt-BR" sz="2000" b="0" strike="noStrike" spc="-1" dirty="0" err="1">
                 <a:solidFill>
                   <a:srgbClr val="1B1B21"/>
                 </a:solidFill>
-                <a:latin typeface="Times New Roman"/>
-                <a:ea typeface="Times New Roman"/>
-              </a:rPr>
-              <a:t>stack</a:t>
-            </a:r>
-            <a:r>
-              <a:rPr lang="pt-BR" sz="1800" b="1" i="1" strike="noStrike" spc="-1" dirty="0">
+                <a:latin typeface="Arial"/>
+                <a:ea typeface="Calibri"/>
+              </a:rPr>
+              <a:t>Diggins</a:t>
+            </a:r>
+            <a:r>
+              <a:rPr lang="pt-BR" sz="2000" b="0" strike="noStrike" spc="-1" dirty="0">
                 <a:solidFill>
                   <a:srgbClr val="1B1B21"/>
                 </a:solidFill>
-                <a:latin typeface="Times New Roman"/>
-                <a:ea typeface="Times New Roman"/>
-              </a:rPr>
-              <a:t>: </a:t>
-            </a:r>
-            <a:r>
-              <a:rPr lang="pt-BR" sz="1800" b="1" i="1" strike="noStrike" spc="-1" dirty="0" smtClean="0">
+                <a:latin typeface="Arial"/>
+                <a:ea typeface="Calibri"/>
+              </a:rPr>
+              <a:t>, tendo como </a:t>
+            </a:r>
+            <a:r>
+              <a:rPr lang="pt-BR" sz="2000" b="0" strike="noStrike" spc="-1" dirty="0">
                 <a:solidFill>
-                  <a:srgbClr val="1B1B21"/>
+                  <a:srgbClr val="000000"/>
                 </a:solidFill>
-                <a:latin typeface="Times New Roman"/>
-                <a:ea typeface="Times New Roman"/>
-              </a:rPr>
-              <a:t> </a:t>
-            </a:r>
-            <a:r>
-              <a:rPr lang="pt-BR" sz="1800" b="1" i="1" strike="noStrike" spc="-1" dirty="0" smtClean="0">
-                <a:solidFill>
-                  <a:srgbClr val="FF0000"/>
-                </a:solidFill>
-                <a:latin typeface="Times New Roman"/>
-                <a:ea typeface="Times New Roman"/>
-              </a:rPr>
-              <a:t>99</a:t>
-            </a:r>
-            <a:endParaRPr lang="pt-BR" sz="1800" b="0" strike="noStrike" spc="-1" dirty="0">
-              <a:solidFill>
-                <a:srgbClr val="FF0000"/>
-              </a:solidFill>
-              <a:latin typeface="Arial"/>
-            </a:endParaRPr>
-          </a:p>
-          <a:p>
-            <a:pPr>
-              <a:lnSpc>
-                <a:spcPct val="100000"/>
-              </a:lnSpc>
-            </a:pPr>
-            <a:endParaRPr lang="pt-BR" sz="1800" b="0" strike="noStrike" spc="-1" dirty="0">
-              <a:solidFill>
-                <a:srgbClr val="000000"/>
-              </a:solidFill>
-              <a:latin typeface="Arial"/>
-            </a:endParaRPr>
-          </a:p>
-          <a:p>
-            <a:pPr>
-              <a:lnSpc>
-                <a:spcPct val="100000"/>
-              </a:lnSpc>
-            </a:pPr>
-            <a:r>
-              <a:rPr lang="pt-BR" sz="1800" b="0" strike="noStrike" spc="-1" dirty="0">
-                <a:solidFill>
-                  <a:srgbClr val="1B1B21"/>
-                </a:solidFill>
-                <a:latin typeface="Times New Roman"/>
-                <a:ea typeface="Times New Roman"/>
-              </a:rPr>
-              <a:t>Neste exemplo simples, primeiro inserimos o valor 33, depois inserimos o segundo valor 3 e por último o operando * para realizar a multiplicação. Na pilha o 33 primeiramente é inserido no topo, logo após o 3 vem acima empurrando o 33 para baixo na pilha, assim como o * vem por cima novamente. O resultando, 99, fica na posição 0 substituindo os valores digitados anteriormente. </a:t>
-            </a:r>
-            <a:endParaRPr lang="pt-BR" sz="1800" b="0" strike="noStrike" spc="-1" dirty="0">
-              <a:solidFill>
-                <a:srgbClr val="000000"/>
-              </a:solidFill>
-              <a:latin typeface="Arial"/>
-            </a:endParaRPr>
-          </a:p>
-          <a:p>
-            <a:pPr>
-              <a:lnSpc>
-                <a:spcPct val="115000"/>
-              </a:lnSpc>
-              <a:spcAft>
-                <a:spcPts val="1599"/>
-              </a:spcAft>
-            </a:pPr>
-            <a:endParaRPr lang="pt-BR" sz="1800" b="0" strike="noStrike" spc="-1" dirty="0">
-              <a:solidFill>
-                <a:srgbClr val="000000"/>
-              </a:solidFill>
-              <a:latin typeface="Arial"/>
-            </a:endParaRPr>
-          </a:p>
-        </p:txBody>
-      </p:sp>
-      <p:sp>
-        <p:nvSpPr>
-          <p:cNvPr id="182" name="TextShape 3"/>
+                <a:latin typeface="Arial"/>
+                <a:ea typeface="Calibri"/>
+              </a:rPr>
+              <a:t>inspiração a Linguagem Joy. A especificação da linguagem está sob domínio publico, mas sua implementação oficial primária está sob a licença MIT, e foi escrita em C#.</a:t>
+            </a:r>
+            <a:endParaRPr lang="pt-BR" sz="2000" b="0" strike="noStrike" spc="-1" dirty="0">
+              <a:solidFill>
+                <a:srgbClr val="000000"/>
+              </a:solidFill>
+              <a:latin typeface="Arial"/>
+            </a:endParaRPr>
+          </a:p>
+        </p:txBody>
+      </p:sp>
+      <p:sp>
+        <p:nvSpPr>
+          <p:cNvPr id="176" name="TextShape 3"/>
           <p:cNvSpPr txBox="1"/>
           <p:nvPr/>
         </p:nvSpPr>
@@ -12206,12 +12079,9 @@
           <a:p>
             <a:r>
               <a:rPr lang="pt-BR" spc="-1" dirty="0">
-                <a:solidFill>
-                  <a:srgbClr val="000000"/>
-                </a:solidFill>
                 <a:latin typeface="Arial"/>
               </a:rPr>
-              <a:t>9</a:t>
+              <a:t>8</a:t>
             </a:r>
             <a:endParaRPr lang="pt-BR" sz="1800" b="0" strike="noStrike" spc="-1" dirty="0">
               <a:latin typeface="Arial"/>
@@ -12219,6 +12089,36 @@
           </a:p>
         </p:txBody>
       </p:sp>
+      <p:pic>
+        <p:nvPicPr>
+          <p:cNvPr id="5" name="Imagem 4" descr="File:Cat silhouette.svg - Wikimedia Commons"/>
+          <p:cNvPicPr>
+            <a:picLocks noChangeAspect="1"/>
+          </p:cNvPicPr>
+          <p:nvPr/>
+        </p:nvPicPr>
+        <p:blipFill>
+          <a:blip r:embed="rId2" cstate="print">
+            <a:extLst>
+              <a:ext uri="{28A0092B-C50C-407E-A947-70E740481C1C}">
+                <a14:useLocalDpi xmlns:a14="http://schemas.microsoft.com/office/drawing/2010/main" val="0"/>
+              </a:ext>
+            </a:extLst>
+          </a:blip>
+          <a:stretch>
+            <a:fillRect/>
+          </a:stretch>
+        </p:blipFill>
+        <p:spPr>
+          <a:xfrm>
+            <a:off x="7822734" y="4213260"/>
+            <a:ext cx="601266" cy="571500"/>
+          </a:xfrm>
+          <a:prstGeom prst="rect">
+            <a:avLst/>
+          </a:prstGeom>
+        </p:spPr>
+      </p:pic>
     </p:spTree>
   </p:cSld>
   <p:clrMapOvr>
@@ -12281,7 +12181,7 @@
       </p:grpSpPr>
       <p:sp>
         <p:nvSpPr>
-          <p:cNvPr id="183" name="TextShape 1"/>
+          <p:cNvPr id="177" name="TextShape 1"/>
           <p:cNvSpPr txBox="1"/>
           <p:nvPr/>
         </p:nvSpPr>
@@ -12308,24 +12208,13 @@
               </a:lnSpc>
             </a:pPr>
             <a:r>
-              <a:rPr lang="pt-BR" sz="3000" b="1" strike="noStrike" spc="-1" dirty="0">
+              <a:rPr lang="pt-BR" sz="3000" b="1" spc="-1" dirty="0" smtClean="0">
                 <a:solidFill>
                   <a:srgbClr val="AF7B51"/>
                 </a:solidFill>
                 <a:latin typeface="Nunito"/>
-                <a:ea typeface="Nunito"/>
-              </a:rPr>
-              <a:t>Exemplo das Linguagens </a:t>
-            </a:r>
-            <a:r>
-              <a:rPr lang="pt-BR" sz="3000" b="1" strike="noStrike" spc="-1" dirty="0" err="1">
-                <a:solidFill>
-                  <a:srgbClr val="AF7B51"/>
-                </a:solidFill>
-                <a:latin typeface="Nunito"/>
-                <a:ea typeface="Nunito"/>
-              </a:rPr>
-              <a:t>Cat&amp;Joy</a:t>
+              </a:rPr>
+              <a:t>MÉTODOS DA BIBLIOTECA PADRÃO CAT</a:t>
             </a:r>
             <a:endParaRPr lang="pt-BR" sz="3000" b="0" strike="noStrike" spc="-1" dirty="0">
               <a:solidFill>
@@ -12338,14 +12227,14 @@
       </p:sp>
       <p:sp>
         <p:nvSpPr>
-          <p:cNvPr id="184" name="TextShape 2"/>
+          <p:cNvPr id="178" name="TextShape 2"/>
           <p:cNvSpPr txBox="1"/>
           <p:nvPr/>
         </p:nvSpPr>
         <p:spPr>
           <a:xfrm>
-            <a:off x="792000" y="1656000"/>
-            <a:ext cx="7505280" cy="2892240"/>
+            <a:off x="864000" y="1944360"/>
+            <a:ext cx="7505280" cy="2447640"/>
           </a:xfrm>
           <a:prstGeom prst="rect">
             <a:avLst/>
@@ -12359,80 +12248,145 @@
           <a:bodyPr tIns="91440" bIns="91440"/>
           <a:lstStyle/>
           <a:p>
-            <a:pPr>
-              <a:lnSpc>
-                <a:spcPct val="115000"/>
-              </a:lnSpc>
-            </a:pPr>
-            <a:r>
-              <a:rPr lang="pt-BR" sz="2400" b="0" strike="noStrike" spc="-1" dirty="0">
-                <a:solidFill>
-                  <a:srgbClr val="1B1B21"/>
-                </a:solidFill>
-                <a:latin typeface="Times New Roman"/>
-                <a:ea typeface="Times New Roman"/>
-              </a:rPr>
-              <a:t>Basicamente a Linguagem funciona colocando os valores </a:t>
-            </a:r>
-            <a:r>
-              <a:rPr lang="pt-BR" sz="2400" b="0" strike="noStrike" spc="-1" dirty="0" smtClean="0">
-                <a:solidFill>
-                  <a:srgbClr val="1B1B21"/>
-                </a:solidFill>
-                <a:latin typeface="Times New Roman"/>
-                <a:ea typeface="Times New Roman"/>
-              </a:rPr>
-              <a:t>ANTES </a:t>
-            </a:r>
-            <a:r>
-              <a:rPr lang="pt-BR" sz="2400" b="0" strike="noStrike" spc="-1" dirty="0">
-                <a:solidFill>
-                  <a:srgbClr val="1B1B21"/>
-                </a:solidFill>
-                <a:latin typeface="Times New Roman"/>
-                <a:ea typeface="Times New Roman"/>
-              </a:rPr>
-              <a:t>da </a:t>
-            </a:r>
-            <a:r>
-              <a:rPr lang="pt-BR" sz="2400" b="0" strike="noStrike" spc="-1" dirty="0" smtClean="0">
-                <a:solidFill>
-                  <a:srgbClr val="1B1B21"/>
-                </a:solidFill>
-                <a:latin typeface="Times New Roman"/>
-                <a:ea typeface="Times New Roman"/>
-              </a:rPr>
-              <a:t>operação que eles terão. </a:t>
-            </a:r>
-            <a:r>
-              <a:rPr lang="pt-BR" sz="2400" b="0" strike="noStrike" spc="-1" dirty="0">
-                <a:solidFill>
-                  <a:srgbClr val="1B1B21"/>
-                </a:solidFill>
-                <a:latin typeface="Times New Roman"/>
-                <a:ea typeface="Times New Roman"/>
-              </a:rPr>
-              <a:t>Após colocar eles, deve se colocar o tipo de operação matemática, e então, o resultado irá substituir a posição dos valores inseridos e será exibido.</a:t>
-            </a:r>
-            <a:endParaRPr lang="pt-BR" sz="2400" b="0" strike="noStrike" spc="-1" dirty="0">
-              <a:solidFill>
-                <a:srgbClr val="000000"/>
-              </a:solidFill>
-              <a:latin typeface="Arial"/>
-            </a:endParaRPr>
-          </a:p>
-        </p:txBody>
-      </p:sp>
-      <p:sp>
-        <p:nvSpPr>
-          <p:cNvPr id="185" name="TextShape 3"/>
+            <a:pPr algn="just"/>
+            <a:r>
+              <a:rPr lang="en-US" sz="1400" dirty="0"/>
+              <a:t>dip      = { swap quote compose apply}</a:t>
+            </a:r>
+            <a:endParaRPr lang="pt-BR" sz="1400" dirty="0"/>
+          </a:p>
+          <a:p>
+            <a:pPr algn="just"/>
+            <a:r>
+              <a:rPr lang="en-US" sz="1400" dirty="0"/>
+              <a:t>rcompose = { swap compose}</a:t>
+            </a:r>
+            <a:endParaRPr lang="pt-BR" sz="1400" dirty="0"/>
+          </a:p>
+          <a:p>
+            <a:pPr algn="just"/>
+            <a:r>
+              <a:rPr lang="en-US" sz="1400" dirty="0"/>
+              <a:t>papply   = { quote rcompose}</a:t>
+            </a:r>
+            <a:endParaRPr lang="pt-BR" sz="1400" dirty="0"/>
+          </a:p>
+          <a:p>
+            <a:pPr algn="just"/>
+            <a:r>
+              <a:rPr lang="en-US" sz="1400" dirty="0" err="1"/>
+              <a:t>dipd</a:t>
+            </a:r>
+            <a:r>
+              <a:rPr lang="en-US" sz="1400" dirty="0"/>
+              <a:t>     = { swap [dip] dip}</a:t>
+            </a:r>
+            <a:endParaRPr lang="pt-BR" sz="1400" dirty="0"/>
+          </a:p>
+          <a:p>
+            <a:pPr algn="just"/>
+            <a:r>
+              <a:rPr lang="en-US" sz="1400" dirty="0" err="1"/>
+              <a:t>popd</a:t>
+            </a:r>
+            <a:r>
+              <a:rPr lang="en-US" sz="1400" dirty="0"/>
+              <a:t>     = { [pop] dip}</a:t>
+            </a:r>
+            <a:endParaRPr lang="pt-BR" sz="1400" dirty="0"/>
+          </a:p>
+          <a:p>
+            <a:pPr algn="just"/>
+            <a:r>
+              <a:rPr lang="en-US" sz="1400" dirty="0" err="1"/>
+              <a:t>popop</a:t>
+            </a:r>
+            <a:r>
+              <a:rPr lang="en-US" sz="1400" dirty="0"/>
+              <a:t>    = { pop pop}</a:t>
+            </a:r>
+            <a:endParaRPr lang="pt-BR" sz="1400" dirty="0"/>
+          </a:p>
+          <a:p>
+            <a:pPr algn="just"/>
+            <a:r>
+              <a:rPr lang="en-US" sz="1400" dirty="0" err="1"/>
+              <a:t>dupd</a:t>
+            </a:r>
+            <a:r>
+              <a:rPr lang="en-US" sz="1400" dirty="0"/>
+              <a:t>     = { [dup] dip}</a:t>
+            </a:r>
+            <a:endParaRPr lang="pt-BR" sz="1400" dirty="0"/>
+          </a:p>
+          <a:p>
+            <a:pPr algn="just"/>
+            <a:r>
+              <a:rPr lang="en-US" sz="1400" dirty="0" err="1"/>
+              <a:t>swapd</a:t>
+            </a:r>
+            <a:r>
+              <a:rPr lang="en-US" sz="1400" dirty="0"/>
+              <a:t>    = { [swap] dip}</a:t>
+            </a:r>
+            <a:endParaRPr lang="pt-BR" sz="1400" dirty="0"/>
+          </a:p>
+          <a:p>
+            <a:pPr algn="just"/>
+            <a:r>
+              <a:rPr lang="en-US" sz="1400" dirty="0"/>
+              <a:t>rollup   = { swap </a:t>
+            </a:r>
+            <a:r>
+              <a:rPr lang="en-US" sz="1400" dirty="0" err="1"/>
+              <a:t>swapd</a:t>
+            </a:r>
+            <a:r>
+              <a:rPr lang="en-US" sz="1400" dirty="0"/>
+              <a:t>}</a:t>
+            </a:r>
+            <a:endParaRPr lang="pt-BR" sz="1400" dirty="0"/>
+          </a:p>
+          <a:p>
+            <a:pPr algn="just"/>
+            <a:r>
+              <a:rPr lang="en-US" sz="1400" dirty="0" err="1"/>
+              <a:t>rolldown</a:t>
+            </a:r>
+            <a:r>
+              <a:rPr lang="en-US" sz="1400" dirty="0"/>
+              <a:t> = { </a:t>
+            </a:r>
+            <a:r>
+              <a:rPr lang="en-US" sz="1400" dirty="0" err="1"/>
+              <a:t>swapd</a:t>
+            </a:r>
+            <a:r>
+              <a:rPr lang="en-US" sz="1400" dirty="0"/>
+              <a:t> </a:t>
+            </a:r>
+            <a:r>
+              <a:rPr lang="en-US" sz="1400" dirty="0" err="1"/>
+              <a:t>swa</a:t>
+            </a:r>
+            <a:r>
+              <a:rPr lang="en-US" sz="1400" dirty="0"/>
+              <a:t>}</a:t>
+            </a:r>
+            <a:endParaRPr lang="pt-BR" sz="1400" dirty="0"/>
+          </a:p>
+        </p:txBody>
+      </p:sp>
+      <p:sp>
+        <p:nvSpPr>
+          <p:cNvPr id="179" name="TextShape 3"/>
           <p:cNvSpPr txBox="1"/>
           <p:nvPr/>
         </p:nvSpPr>
         <p:spPr>
           <a:xfrm>
             <a:off x="8424360" y="4438440"/>
-            <a:ext cx="503640" cy="602280"/>
+            <a:ext cx="307080" cy="346320"/>
           </a:xfrm>
           <a:prstGeom prst="rect">
             <a:avLst/>
@@ -12447,13 +12401,10 @@
           <a:lstStyle/>
           <a:p>
             <a:r>
-              <a:rPr lang="pt-BR" spc="-1" dirty="0" smtClean="0">
-                <a:solidFill>
-                  <a:srgbClr val="000000"/>
-                </a:solidFill>
+              <a:rPr lang="pt-BR" spc="-1" dirty="0">
                 <a:latin typeface="Arial"/>
               </a:rPr>
-              <a:t>10</a:t>
+              <a:t>9</a:t>
             </a:r>
             <a:endParaRPr lang="pt-BR" sz="1800" b="0" strike="noStrike" spc="-1" dirty="0">
               <a:latin typeface="Arial"/>
@@ -12461,7 +12412,42 @@
           </a:p>
         </p:txBody>
       </p:sp>
+      <p:pic>
+        <p:nvPicPr>
+          <p:cNvPr id="5" name="Imagem 4" descr="File:Cat silhouette.svg - Wikimedia Commons"/>
+          <p:cNvPicPr>
+            <a:picLocks noChangeAspect="1"/>
+          </p:cNvPicPr>
+          <p:nvPr/>
+        </p:nvPicPr>
+        <p:blipFill>
+          <a:blip r:embed="rId2" cstate="print">
+            <a:extLst>
+              <a:ext uri="{28A0092B-C50C-407E-A947-70E740481C1C}">
+                <a14:useLocalDpi xmlns:a14="http://schemas.microsoft.com/office/drawing/2010/main" val="0"/>
+              </a:ext>
+            </a:extLst>
+          </a:blip>
+          <a:stretch>
+            <a:fillRect/>
+          </a:stretch>
+        </p:blipFill>
+        <p:spPr>
+          <a:xfrm>
+            <a:off x="7822734" y="4213260"/>
+            <a:ext cx="601266" cy="571500"/>
+          </a:xfrm>
+          <a:prstGeom prst="rect">
+            <a:avLst/>
+          </a:prstGeom>
+        </p:spPr>
+      </p:pic>
     </p:spTree>
+    <p:extLst>
+      <p:ext uri="{BB962C8B-B14F-4D97-AF65-F5344CB8AC3E}">
+        <p14:creationId xmlns:p14="http://schemas.microsoft.com/office/powerpoint/2010/main" val="2800624801"/>
+      </p:ext>
+    </p:extLst>
   </p:cSld>
   <p:clrMapOvr>
     <a:masterClrMapping/>
